--- a/inst/tmp.pptx
+++ b/inst/tmp.pptx
@@ -9,6 +9,7 @@
     <p:sldId id="256" r:id="rId3"/>
     <p:sldId id="257" r:id="rId4"/>
     <p:sldId id="259" r:id="rId5"/>
+    <p:sldId id="260" r:id="rId6"/>
   </p:sldIdLst>
   <p:sldSz cx="12192000" cy="6858000"/>
   <p:notesSz cx="6858000" cy="9144000"/>
@@ -107,6 +108,11 @@
       </a:defRPr>
     </a:lvl9pPr>
   </p:defaultTextStyle>
+  <p:extLst>
+    <p:ext uri="{EFAFB233-063F-42B5-8137-9DF3F51BA10A}">
+      <p15:sldGuideLst xmlns:p15="http://schemas.microsoft.com/office/powerpoint/2012/main"/>
+    </p:ext>
+  </p:extLst>
 </p:presentation>
 </file>
 
@@ -259,7 +265,7 @@
           <a:p>
             <a:fld id="{63C097CE-CE30-40FD-8349-F85D75ED7B0A}" type="datetimeFigureOut">
               <a:rPr lang="en-US" smtClean="0"/>
-              <a:t>8/6/2018</a:t>
+              <a:t>8/7/2018</a:t>
             </a:fld>
             <a:endParaRPr lang="en-US"/>
           </a:p>
@@ -459,7 +465,7 @@
           <a:p>
             <a:fld id="{63C097CE-CE30-40FD-8349-F85D75ED7B0A}" type="datetimeFigureOut">
               <a:rPr lang="en-US" smtClean="0"/>
-              <a:t>8/6/2018</a:t>
+              <a:t>8/7/2018</a:t>
             </a:fld>
             <a:endParaRPr lang="en-US"/>
           </a:p>
@@ -669,7 +675,7 @@
           <a:p>
             <a:fld id="{63C097CE-CE30-40FD-8349-F85D75ED7B0A}" type="datetimeFigureOut">
               <a:rPr lang="en-US" smtClean="0"/>
-              <a:t>8/6/2018</a:t>
+              <a:t>8/7/2018</a:t>
             </a:fld>
             <a:endParaRPr lang="en-US"/>
           </a:p>
@@ -869,7 +875,7 @@
           <a:p>
             <a:fld id="{63C097CE-CE30-40FD-8349-F85D75ED7B0A}" type="datetimeFigureOut">
               <a:rPr lang="en-US" smtClean="0"/>
-              <a:t>8/6/2018</a:t>
+              <a:t>8/7/2018</a:t>
             </a:fld>
             <a:endParaRPr lang="en-US"/>
           </a:p>
@@ -1145,7 +1151,7 @@
           <a:p>
             <a:fld id="{63C097CE-CE30-40FD-8349-F85D75ED7B0A}" type="datetimeFigureOut">
               <a:rPr lang="en-US" smtClean="0"/>
-              <a:t>8/6/2018</a:t>
+              <a:t>8/7/2018</a:t>
             </a:fld>
             <a:endParaRPr lang="en-US"/>
           </a:p>
@@ -1413,7 +1419,7 @@
           <a:p>
             <a:fld id="{63C097CE-CE30-40FD-8349-F85D75ED7B0A}" type="datetimeFigureOut">
               <a:rPr lang="en-US" smtClean="0"/>
-              <a:t>8/6/2018</a:t>
+              <a:t>8/7/2018</a:t>
             </a:fld>
             <a:endParaRPr lang="en-US"/>
           </a:p>
@@ -1828,7 +1834,7 @@
           <a:p>
             <a:fld id="{63C097CE-CE30-40FD-8349-F85D75ED7B0A}" type="datetimeFigureOut">
               <a:rPr lang="en-US" smtClean="0"/>
-              <a:t>8/6/2018</a:t>
+              <a:t>8/7/2018</a:t>
             </a:fld>
             <a:endParaRPr lang="en-US"/>
           </a:p>
@@ -1970,7 +1976,7 @@
           <a:p>
             <a:fld id="{63C097CE-CE30-40FD-8349-F85D75ED7B0A}" type="datetimeFigureOut">
               <a:rPr lang="en-US" smtClean="0"/>
-              <a:t>8/6/2018</a:t>
+              <a:t>8/7/2018</a:t>
             </a:fld>
             <a:endParaRPr lang="en-US"/>
           </a:p>
@@ -2083,7 +2089,7 @@
           <a:p>
             <a:fld id="{63C097CE-CE30-40FD-8349-F85D75ED7B0A}" type="datetimeFigureOut">
               <a:rPr lang="en-US" smtClean="0"/>
-              <a:t>8/6/2018</a:t>
+              <a:t>8/7/2018</a:t>
             </a:fld>
             <a:endParaRPr lang="en-US"/>
           </a:p>
@@ -2396,7 +2402,7 @@
           <a:p>
             <a:fld id="{63C097CE-CE30-40FD-8349-F85D75ED7B0A}" type="datetimeFigureOut">
               <a:rPr lang="en-US" smtClean="0"/>
-              <a:t>8/6/2018</a:t>
+              <a:t>8/7/2018</a:t>
             </a:fld>
             <a:endParaRPr lang="en-US"/>
           </a:p>
@@ -2685,7 +2691,7 @@
           <a:p>
             <a:fld id="{63C097CE-CE30-40FD-8349-F85D75ED7B0A}" type="datetimeFigureOut">
               <a:rPr lang="en-US" smtClean="0"/>
-              <a:t>8/6/2018</a:t>
+              <a:t>8/7/2018</a:t>
             </a:fld>
             <a:endParaRPr lang="en-US"/>
           </a:p>
@@ -2928,7 +2934,7 @@
           <a:p>
             <a:fld id="{63C097CE-CE30-40FD-8349-F85D75ED7B0A}" type="datetimeFigureOut">
               <a:rPr lang="en-US" smtClean="0"/>
-              <a:t>8/6/2018</a:t>
+              <a:t>8/7/2018</a:t>
             </a:fld>
             <a:endParaRPr lang="en-US"/>
           </a:p>
@@ -7185,6 +7191,146 @@
 </p:sld>
 </file>
 
+<file path=ppt/slides/slide5.xml><?xml version="1.0" encoding="utf-8"?>
+<p:sld xmlns:a="http://schemas.openxmlformats.org/drawingml/2006/main" xmlns:r="http://schemas.openxmlformats.org/officeDocument/2006/relationships" xmlns:p="http://schemas.openxmlformats.org/presentationml/2006/main">
+  <p:cSld>
+    <p:spTree>
+      <p:nvGrpSpPr>
+        <p:cNvPr id="1" name=""/>
+        <p:cNvGrpSpPr/>
+        <p:nvPr/>
+      </p:nvGrpSpPr>
+      <p:grpSpPr>
+        <a:xfrm>
+          <a:off x="0" y="0"/>
+          <a:ext cx="0" cy="0"/>
+          <a:chOff x="0" y="0"/>
+          <a:chExt cx="0" cy="0"/>
+        </a:xfrm>
+      </p:grpSpPr>
+      <p:pic>
+        <p:nvPicPr>
+          <p:cNvPr id="4" name="Image 3">
+            <a:extLst>
+              <a:ext uri="{FF2B5EF4-FFF2-40B4-BE49-F238E27FC236}">
+                <a16:creationId xmlns:a16="http://schemas.microsoft.com/office/drawing/2014/main" id="{8787075B-6F97-4898-B1E5-8FFB1109BD97}"/>
+              </a:ext>
+            </a:extLst>
+          </p:cNvPr>
+          <p:cNvPicPr>
+            <a:picLocks noChangeAspect="1"/>
+          </p:cNvPicPr>
+          <p:nvPr/>
+        </p:nvPicPr>
+        <p:blipFill rotWithShape="1">
+          <a:blip r:embed="rId2"/>
+          <a:srcRect r="1078" b="1049"/>
+          <a:stretch/>
+        </p:blipFill>
+        <p:spPr>
+          <a:xfrm>
+            <a:off x="809625" y="704850"/>
+            <a:ext cx="10458739" cy="5391150"/>
+          </a:xfrm>
+          <a:prstGeom prst="rect">
+            <a:avLst/>
+          </a:prstGeom>
+        </p:spPr>
+      </p:pic>
+      <p:cxnSp>
+        <p:nvCxnSpPr>
+          <p:cNvPr id="6" name="Connecteur droit 5">
+            <a:extLst>
+              <a:ext uri="{FF2B5EF4-FFF2-40B4-BE49-F238E27FC236}">
+                <a16:creationId xmlns:a16="http://schemas.microsoft.com/office/drawing/2014/main" id="{22056666-B301-4BED-8739-946193260049}"/>
+              </a:ext>
+            </a:extLst>
+          </p:cNvPr>
+          <p:cNvCxnSpPr/>
+          <p:nvPr/>
+        </p:nvCxnSpPr>
+        <p:spPr>
+          <a:xfrm>
+            <a:off x="1597891" y="5246255"/>
+            <a:ext cx="9596582" cy="0"/>
+          </a:xfrm>
+          <a:prstGeom prst="line">
+            <a:avLst/>
+          </a:prstGeom>
+          <a:ln w="38100">
+            <a:solidFill>
+              <a:srgbClr val="FF0000"/>
+            </a:solidFill>
+            <a:prstDash val="sysDot"/>
+          </a:ln>
+        </p:spPr>
+        <p:style>
+          <a:lnRef idx="1">
+            <a:schemeClr val="accent1"/>
+          </a:lnRef>
+          <a:fillRef idx="0">
+            <a:schemeClr val="accent1"/>
+          </a:fillRef>
+          <a:effectRef idx="0">
+            <a:schemeClr val="accent1"/>
+          </a:effectRef>
+          <a:fontRef idx="minor">
+            <a:schemeClr val="tx1"/>
+          </a:fontRef>
+        </p:style>
+      </p:cxnSp>
+      <p:sp>
+        <p:nvSpPr>
+          <p:cNvPr id="7" name="ZoneTexte 6">
+            <a:extLst>
+              <a:ext uri="{FF2B5EF4-FFF2-40B4-BE49-F238E27FC236}">
+                <a16:creationId xmlns:a16="http://schemas.microsoft.com/office/drawing/2014/main" id="{5E3383E5-F4E6-4347-91FB-CB6D869D6455}"/>
+              </a:ext>
+            </a:extLst>
+          </p:cNvPr>
+          <p:cNvSpPr txBox="1"/>
+          <p:nvPr/>
+        </p:nvSpPr>
+        <p:spPr>
+          <a:xfrm>
+            <a:off x="1597891" y="4775354"/>
+            <a:ext cx="2447637" cy="461665"/>
+          </a:xfrm>
+          <a:prstGeom prst="rect">
+            <a:avLst/>
+          </a:prstGeom>
+          <a:noFill/>
+        </p:spPr>
+        <p:txBody>
+          <a:bodyPr wrap="square" rtlCol="0">
+            <a:spAutoFit/>
+          </a:bodyPr>
+          <a:lstStyle/>
+          <a:p>
+            <a:r>
+              <a:rPr lang="en-US" sz="2400" b="1" dirty="0">
+                <a:solidFill>
+                  <a:srgbClr val="FF0000"/>
+                </a:solidFill>
+              </a:rPr>
+              <a:t>Baseline  ≈ 1000</a:t>
+            </a:r>
+          </a:p>
+        </p:txBody>
+      </p:sp>
+    </p:spTree>
+    <p:extLst>
+      <p:ext uri="{BB962C8B-B14F-4D97-AF65-F5344CB8AC3E}">
+        <p14:creationId xmlns:p14="http://schemas.microsoft.com/office/powerpoint/2010/main" val="555463728"/>
+      </p:ext>
+    </p:extLst>
+  </p:cSld>
+  <p:clrMapOvr>
+    <a:masterClrMapping/>
+  </p:clrMapOvr>
+</p:sld>
+</file>
+
 <file path=ppt/theme/theme1.xml><?xml version="1.0" encoding="utf-8"?>
 <a:theme xmlns:a="http://schemas.openxmlformats.org/drawingml/2006/main" name="Thème Office">
   <a:themeElements>

--- a/inst/tmp.pptx
+++ b/inst/tmp.pptx
@@ -10,6 +10,8 @@
     <p:sldId id="257" r:id="rId4"/>
     <p:sldId id="259" r:id="rId5"/>
     <p:sldId id="260" r:id="rId6"/>
+    <p:sldId id="261" r:id="rId7"/>
+    <p:sldId id="262" r:id="rId8"/>
   </p:sldIdLst>
   <p:sldSz cx="12192000" cy="6858000"/>
   <p:notesSz cx="6858000" cy="9144000"/>
@@ -265,7 +267,7 @@
           <a:p>
             <a:fld id="{63C097CE-CE30-40FD-8349-F85D75ED7B0A}" type="datetimeFigureOut">
               <a:rPr lang="en-US" smtClean="0"/>
-              <a:t>8/7/2018</a:t>
+              <a:t>8/8/2018</a:t>
             </a:fld>
             <a:endParaRPr lang="en-US"/>
           </a:p>
@@ -465,7 +467,7 @@
           <a:p>
             <a:fld id="{63C097CE-CE30-40FD-8349-F85D75ED7B0A}" type="datetimeFigureOut">
               <a:rPr lang="en-US" smtClean="0"/>
-              <a:t>8/7/2018</a:t>
+              <a:t>8/8/2018</a:t>
             </a:fld>
             <a:endParaRPr lang="en-US"/>
           </a:p>
@@ -675,7 +677,7 @@
           <a:p>
             <a:fld id="{63C097CE-CE30-40FD-8349-F85D75ED7B0A}" type="datetimeFigureOut">
               <a:rPr lang="en-US" smtClean="0"/>
-              <a:t>8/7/2018</a:t>
+              <a:t>8/8/2018</a:t>
             </a:fld>
             <a:endParaRPr lang="en-US"/>
           </a:p>
@@ -875,7 +877,7 @@
           <a:p>
             <a:fld id="{63C097CE-CE30-40FD-8349-F85D75ED7B0A}" type="datetimeFigureOut">
               <a:rPr lang="en-US" smtClean="0"/>
-              <a:t>8/7/2018</a:t>
+              <a:t>8/8/2018</a:t>
             </a:fld>
             <a:endParaRPr lang="en-US"/>
           </a:p>
@@ -1151,7 +1153,7 @@
           <a:p>
             <a:fld id="{63C097CE-CE30-40FD-8349-F85D75ED7B0A}" type="datetimeFigureOut">
               <a:rPr lang="en-US" smtClean="0"/>
-              <a:t>8/7/2018</a:t>
+              <a:t>8/8/2018</a:t>
             </a:fld>
             <a:endParaRPr lang="en-US"/>
           </a:p>
@@ -1419,7 +1421,7 @@
           <a:p>
             <a:fld id="{63C097CE-CE30-40FD-8349-F85D75ED7B0A}" type="datetimeFigureOut">
               <a:rPr lang="en-US" smtClean="0"/>
-              <a:t>8/7/2018</a:t>
+              <a:t>8/8/2018</a:t>
             </a:fld>
             <a:endParaRPr lang="en-US"/>
           </a:p>
@@ -1834,7 +1836,7 @@
           <a:p>
             <a:fld id="{63C097CE-CE30-40FD-8349-F85D75ED7B0A}" type="datetimeFigureOut">
               <a:rPr lang="en-US" smtClean="0"/>
-              <a:t>8/7/2018</a:t>
+              <a:t>8/8/2018</a:t>
             </a:fld>
             <a:endParaRPr lang="en-US"/>
           </a:p>
@@ -1976,7 +1978,7 @@
           <a:p>
             <a:fld id="{63C097CE-CE30-40FD-8349-F85D75ED7B0A}" type="datetimeFigureOut">
               <a:rPr lang="en-US" smtClean="0"/>
-              <a:t>8/7/2018</a:t>
+              <a:t>8/8/2018</a:t>
             </a:fld>
             <a:endParaRPr lang="en-US"/>
           </a:p>
@@ -2089,7 +2091,7 @@
           <a:p>
             <a:fld id="{63C097CE-CE30-40FD-8349-F85D75ED7B0A}" type="datetimeFigureOut">
               <a:rPr lang="en-US" smtClean="0"/>
-              <a:t>8/7/2018</a:t>
+              <a:t>8/8/2018</a:t>
             </a:fld>
             <a:endParaRPr lang="en-US"/>
           </a:p>
@@ -2402,7 +2404,7 @@
           <a:p>
             <a:fld id="{63C097CE-CE30-40FD-8349-F85D75ED7B0A}" type="datetimeFigureOut">
               <a:rPr lang="en-US" smtClean="0"/>
-              <a:t>8/7/2018</a:t>
+              <a:t>8/8/2018</a:t>
             </a:fld>
             <a:endParaRPr lang="en-US"/>
           </a:p>
@@ -2691,7 +2693,7 @@
           <a:p>
             <a:fld id="{63C097CE-CE30-40FD-8349-F85D75ED7B0A}" type="datetimeFigureOut">
               <a:rPr lang="en-US" smtClean="0"/>
-              <a:t>8/7/2018</a:t>
+              <a:t>8/8/2018</a:t>
             </a:fld>
             <a:endParaRPr lang="en-US"/>
           </a:p>
@@ -2934,7 +2936,7 @@
           <a:p>
             <a:fld id="{63C097CE-CE30-40FD-8349-F85D75ED7B0A}" type="datetimeFigureOut">
               <a:rPr lang="en-US" smtClean="0"/>
-              <a:t>8/7/2018</a:t>
+              <a:t>8/8/2018</a:t>
             </a:fld>
             <a:endParaRPr lang="en-US"/>
           </a:p>
@@ -7331,6 +7333,1660 @@
 </p:sld>
 </file>
 
+<file path=ppt/slides/slide6.xml><?xml version="1.0" encoding="utf-8"?>
+<p:sld xmlns:a="http://schemas.openxmlformats.org/drawingml/2006/main" xmlns:r="http://schemas.openxmlformats.org/officeDocument/2006/relationships" xmlns:p="http://schemas.openxmlformats.org/presentationml/2006/main">
+  <p:cSld>
+    <p:spTree>
+      <p:nvGrpSpPr>
+        <p:cNvPr id="1" name=""/>
+        <p:cNvGrpSpPr/>
+        <p:nvPr/>
+      </p:nvGrpSpPr>
+      <p:grpSpPr>
+        <a:xfrm>
+          <a:off x="0" y="0"/>
+          <a:ext cx="0" cy="0"/>
+          <a:chOff x="0" y="0"/>
+          <a:chExt cx="0" cy="0"/>
+        </a:xfrm>
+      </p:grpSpPr>
+      <p:sp>
+        <p:nvSpPr>
+          <p:cNvPr id="78" name="Rectangle 77">
+            <a:extLst>
+              <a:ext uri="{FF2B5EF4-FFF2-40B4-BE49-F238E27FC236}">
+                <a16:creationId xmlns:a16="http://schemas.microsoft.com/office/drawing/2014/main" id="{03406A81-9E7C-434C-B47E-98F1D751956B}"/>
+              </a:ext>
+            </a:extLst>
+          </p:cNvPr>
+          <p:cNvSpPr/>
+          <p:nvPr/>
+        </p:nvSpPr>
+        <p:spPr>
+          <a:xfrm>
+            <a:off x="472272" y="5419"/>
+            <a:ext cx="10335279" cy="6852581"/>
+          </a:xfrm>
+          <a:prstGeom prst="rect">
+            <a:avLst/>
+          </a:prstGeom>
+          <a:solidFill>
+            <a:schemeClr val="bg1"/>
+          </a:solidFill>
+          <a:ln>
+            <a:solidFill>
+              <a:schemeClr val="bg1"/>
+            </a:solidFill>
+          </a:ln>
+        </p:spPr>
+        <p:style>
+          <a:lnRef idx="2">
+            <a:schemeClr val="accent1">
+              <a:shade val="50000"/>
+            </a:schemeClr>
+          </a:lnRef>
+          <a:fillRef idx="1">
+            <a:schemeClr val="accent1"/>
+          </a:fillRef>
+          <a:effectRef idx="0">
+            <a:schemeClr val="accent1"/>
+          </a:effectRef>
+          <a:fontRef idx="minor">
+            <a:schemeClr val="lt1"/>
+          </a:fontRef>
+        </p:style>
+        <p:txBody>
+          <a:bodyPr rtlCol="0" anchor="ctr"/>
+          <a:lstStyle/>
+          <a:p>
+            <a:pPr algn="ctr"/>
+            <a:endParaRPr lang="en-US"/>
+          </a:p>
+        </p:txBody>
+      </p:sp>
+      <p:pic>
+        <p:nvPicPr>
+          <p:cNvPr id="71" name="Image 70">
+            <a:extLst>
+              <a:ext uri="{FF2B5EF4-FFF2-40B4-BE49-F238E27FC236}">
+                <a16:creationId xmlns:a16="http://schemas.microsoft.com/office/drawing/2014/main" id="{0569A8FB-C979-47B4-8A67-8499D0F60167}"/>
+              </a:ext>
+            </a:extLst>
+          </p:cNvPr>
+          <p:cNvPicPr>
+            <a:picLocks noChangeAspect="1"/>
+          </p:cNvPicPr>
+          <p:nvPr/>
+        </p:nvPicPr>
+        <p:blipFill>
+          <a:blip r:embed="rId2"/>
+          <a:stretch>
+            <a:fillRect/>
+          </a:stretch>
+        </p:blipFill>
+        <p:spPr>
+          <a:xfrm>
+            <a:off x="5477377" y="3004988"/>
+            <a:ext cx="5105123" cy="2487379"/>
+          </a:xfrm>
+          <a:prstGeom prst="rect">
+            <a:avLst/>
+          </a:prstGeom>
+        </p:spPr>
+      </p:pic>
+      <p:pic>
+        <p:nvPicPr>
+          <p:cNvPr id="3" name="Image 2">
+            <a:extLst>
+              <a:ext uri="{FF2B5EF4-FFF2-40B4-BE49-F238E27FC236}">
+                <a16:creationId xmlns:a16="http://schemas.microsoft.com/office/drawing/2014/main" id="{6441B122-5C80-4158-AB15-A34346CA7F40}"/>
+              </a:ext>
+            </a:extLst>
+          </p:cNvPr>
+          <p:cNvPicPr>
+            <a:picLocks noChangeAspect="1"/>
+          </p:cNvPicPr>
+          <p:nvPr/>
+        </p:nvPicPr>
+        <p:blipFill rotWithShape="1">
+          <a:blip r:embed="rId3"/>
+          <a:srcRect t="1824" r="3361" b="9244"/>
+          <a:stretch/>
+        </p:blipFill>
+        <p:spPr>
+          <a:xfrm>
+            <a:off x="1256198" y="174113"/>
+            <a:ext cx="5260480" cy="2289509"/>
+          </a:xfrm>
+          <a:prstGeom prst="rect">
+            <a:avLst/>
+          </a:prstGeom>
+          <a:ln w="28575">
+            <a:solidFill>
+              <a:schemeClr val="tx1"/>
+            </a:solidFill>
+          </a:ln>
+        </p:spPr>
+      </p:pic>
+      <p:sp>
+        <p:nvSpPr>
+          <p:cNvPr id="8" name="ZoneTexte 7">
+            <a:extLst>
+              <a:ext uri="{FF2B5EF4-FFF2-40B4-BE49-F238E27FC236}">
+                <a16:creationId xmlns:a16="http://schemas.microsoft.com/office/drawing/2014/main" id="{7813EC17-F8C4-4085-9A1C-E31AC58D9D20}"/>
+              </a:ext>
+            </a:extLst>
+          </p:cNvPr>
+          <p:cNvSpPr txBox="1"/>
+          <p:nvPr/>
+        </p:nvSpPr>
+        <p:spPr>
+          <a:xfrm>
+            <a:off x="4903650" y="2775850"/>
+            <a:ext cx="604565" cy="461665"/>
+          </a:xfrm>
+          <a:prstGeom prst="rect">
+            <a:avLst/>
+          </a:prstGeom>
+          <a:noFill/>
+        </p:spPr>
+        <p:txBody>
+          <a:bodyPr wrap="square" rtlCol="0">
+            <a:spAutoFit/>
+          </a:bodyPr>
+          <a:lstStyle/>
+          <a:p>
+            <a:pPr algn="ctr"/>
+            <a:r>
+              <a:rPr lang="en-US" sz="2400" dirty="0"/>
+              <a:t>…</a:t>
+            </a:r>
+          </a:p>
+        </p:txBody>
+      </p:sp>
+      <p:sp>
+        <p:nvSpPr>
+          <p:cNvPr id="10" name="ZoneTexte 9">
+            <a:extLst>
+              <a:ext uri="{FF2B5EF4-FFF2-40B4-BE49-F238E27FC236}">
+                <a16:creationId xmlns:a16="http://schemas.microsoft.com/office/drawing/2014/main" id="{90CA22D0-0131-4E86-A2BD-0E378D3E3DD0}"/>
+              </a:ext>
+            </a:extLst>
+          </p:cNvPr>
+          <p:cNvSpPr txBox="1"/>
+          <p:nvPr/>
+        </p:nvSpPr>
+        <p:spPr>
+          <a:xfrm>
+            <a:off x="4735168" y="3933107"/>
+            <a:ext cx="941531" cy="461665"/>
+          </a:xfrm>
+          <a:prstGeom prst="rect">
+            <a:avLst/>
+          </a:prstGeom>
+          <a:noFill/>
+        </p:spPr>
+        <p:txBody>
+          <a:bodyPr wrap="square" rtlCol="0">
+            <a:spAutoFit/>
+          </a:bodyPr>
+          <a:lstStyle/>
+          <a:p>
+            <a:pPr algn="ctr"/>
+            <a:r>
+              <a:rPr lang="en-US" sz="2400" dirty="0"/>
+              <a:t>…</a:t>
+            </a:r>
+          </a:p>
+        </p:txBody>
+      </p:sp>
+      <p:sp>
+        <p:nvSpPr>
+          <p:cNvPr id="12" name="ZoneTexte 11">
+            <a:extLst>
+              <a:ext uri="{FF2B5EF4-FFF2-40B4-BE49-F238E27FC236}">
+                <a16:creationId xmlns:a16="http://schemas.microsoft.com/office/drawing/2014/main" id="{67CF0401-36AF-4ED8-9295-83E81D8AD96E}"/>
+              </a:ext>
+            </a:extLst>
+          </p:cNvPr>
+          <p:cNvSpPr txBox="1"/>
+          <p:nvPr/>
+        </p:nvSpPr>
+        <p:spPr>
+          <a:xfrm>
+            <a:off x="5560581" y="5498507"/>
+            <a:ext cx="3860472" cy="369332"/>
+          </a:xfrm>
+          <a:prstGeom prst="rect">
+            <a:avLst/>
+          </a:prstGeom>
+          <a:noFill/>
+        </p:spPr>
+        <p:txBody>
+          <a:bodyPr wrap="square" rtlCol="0">
+            <a:spAutoFit/>
+          </a:bodyPr>
+          <a:lstStyle/>
+          <a:p>
+            <a:r>
+              <a:rPr lang="en-US" dirty="0">
+                <a:solidFill>
+                  <a:srgbClr val="FF0000"/>
+                </a:solidFill>
+              </a:rPr>
+              <a:t>F</a:t>
+            </a:r>
+            <a:r>
+              <a:rPr lang="en-US" altLang="zh-CN" dirty="0">
+                <a:solidFill>
+                  <a:srgbClr val="FF0000"/>
+                </a:solidFill>
+              </a:rPr>
+              <a:t>ollowing metadata columns are added</a:t>
+            </a:r>
+            <a:endParaRPr lang="en-US" dirty="0">
+              <a:solidFill>
+                <a:srgbClr val="FF0000"/>
+              </a:solidFill>
+            </a:endParaRPr>
+          </a:p>
+        </p:txBody>
+      </p:sp>
+      <p:sp>
+        <p:nvSpPr>
+          <p:cNvPr id="22" name="ZoneTexte 21">
+            <a:extLst>
+              <a:ext uri="{FF2B5EF4-FFF2-40B4-BE49-F238E27FC236}">
+                <a16:creationId xmlns:a16="http://schemas.microsoft.com/office/drawing/2014/main" id="{935795B6-F2ED-4924-A5EF-B2BE173A6655}"/>
+              </a:ext>
+            </a:extLst>
+          </p:cNvPr>
+          <p:cNvSpPr txBox="1"/>
+          <p:nvPr/>
+        </p:nvSpPr>
+        <p:spPr>
+          <a:xfrm>
+            <a:off x="652187" y="2492600"/>
+            <a:ext cx="1351088" cy="369332"/>
+          </a:xfrm>
+          <a:prstGeom prst="rect">
+            <a:avLst/>
+          </a:prstGeom>
+          <a:noFill/>
+        </p:spPr>
+        <p:txBody>
+          <a:bodyPr wrap="square" rtlCol="0">
+            <a:spAutoFit/>
+          </a:bodyPr>
+          <a:lstStyle/>
+          <a:p>
+            <a:r>
+              <a:rPr lang="en-US" dirty="0">
+                <a:solidFill>
+                  <a:srgbClr val="FF0000"/>
+                </a:solidFill>
+              </a:rPr>
+              <a:t>Meta data</a:t>
+            </a:r>
+          </a:p>
+        </p:txBody>
+      </p:sp>
+      <p:sp>
+        <p:nvSpPr>
+          <p:cNvPr id="24" name="ZoneTexte 23">
+            <a:extLst>
+              <a:ext uri="{FF2B5EF4-FFF2-40B4-BE49-F238E27FC236}">
+                <a16:creationId xmlns:a16="http://schemas.microsoft.com/office/drawing/2014/main" id="{5C028F4F-4373-4D7B-B3F7-C9B9214C7865}"/>
+              </a:ext>
+            </a:extLst>
+          </p:cNvPr>
+          <p:cNvSpPr txBox="1"/>
+          <p:nvPr/>
+        </p:nvSpPr>
+        <p:spPr>
+          <a:xfrm>
+            <a:off x="9027000" y="2077556"/>
+            <a:ext cx="1542997" cy="369332"/>
+          </a:xfrm>
+          <a:prstGeom prst="rect">
+            <a:avLst/>
+          </a:prstGeom>
+          <a:noFill/>
+        </p:spPr>
+        <p:txBody>
+          <a:bodyPr wrap="square" rtlCol="0">
+            <a:spAutoFit/>
+          </a:bodyPr>
+          <a:lstStyle/>
+          <a:p>
+            <a:r>
+              <a:rPr lang="en-US" i="1" dirty="0">
+                <a:solidFill>
+                  <a:srgbClr val="FF0000"/>
+                </a:solidFill>
+              </a:rPr>
+              <a:t>Spectra data</a:t>
+            </a:r>
+          </a:p>
+        </p:txBody>
+      </p:sp>
+      <p:pic>
+        <p:nvPicPr>
+          <p:cNvPr id="41" name="Image 40">
+            <a:extLst>
+              <a:ext uri="{FF2B5EF4-FFF2-40B4-BE49-F238E27FC236}">
+                <a16:creationId xmlns:a16="http://schemas.microsoft.com/office/drawing/2014/main" id="{E012CF8E-8D48-4C4A-8CA0-1986C6096E61}"/>
+              </a:ext>
+            </a:extLst>
+          </p:cNvPr>
+          <p:cNvPicPr>
+            <a:picLocks noChangeAspect="1"/>
+          </p:cNvPicPr>
+          <p:nvPr/>
+        </p:nvPicPr>
+        <p:blipFill>
+          <a:blip r:embed="rId4"/>
+          <a:stretch>
+            <a:fillRect/>
+          </a:stretch>
+        </p:blipFill>
+        <p:spPr>
+          <a:xfrm>
+            <a:off x="1188147" y="3003114"/>
+            <a:ext cx="3771787" cy="2492166"/>
+          </a:xfrm>
+          <a:prstGeom prst="rect">
+            <a:avLst/>
+          </a:prstGeom>
+        </p:spPr>
+      </p:pic>
+      <p:sp>
+        <p:nvSpPr>
+          <p:cNvPr id="45" name="Forme libre : forme 44">
+            <a:extLst>
+              <a:ext uri="{FF2B5EF4-FFF2-40B4-BE49-F238E27FC236}">
+                <a16:creationId xmlns:a16="http://schemas.microsoft.com/office/drawing/2014/main" id="{85736300-E6E6-4539-813C-418D7BB194CA}"/>
+              </a:ext>
+            </a:extLst>
+          </p:cNvPr>
+          <p:cNvSpPr/>
+          <p:nvPr/>
+        </p:nvSpPr>
+        <p:spPr>
+          <a:xfrm>
+            <a:off x="546575" y="1922101"/>
+            <a:ext cx="1147432" cy="1367803"/>
+          </a:xfrm>
+          <a:custGeom>
+            <a:avLst/>
+            <a:gdLst>
+              <a:gd name="connsiteX0" fmla="*/ 1086082 w 1086082"/>
+              <a:gd name="connsiteY0" fmla="*/ 0 h 1395167"/>
+              <a:gd name="connsiteX1" fmla="*/ 2000 w 1086082"/>
+              <a:gd name="connsiteY1" fmla="*/ 735291 h 1395167"/>
+              <a:gd name="connsiteX2" fmla="*/ 822132 w 1086082"/>
+              <a:gd name="connsiteY2" fmla="*/ 1395167 h 1395167"/>
+            </a:gdLst>
+            <a:ahLst/>
+            <a:cxnLst>
+              <a:cxn ang="0">
+                <a:pos x="connsiteX0" y="connsiteY0"/>
+              </a:cxn>
+              <a:cxn ang="0">
+                <a:pos x="connsiteX1" y="connsiteY1"/>
+              </a:cxn>
+              <a:cxn ang="0">
+                <a:pos x="connsiteX2" y="connsiteY2"/>
+              </a:cxn>
+            </a:cxnLst>
+            <a:rect l="l" t="t" r="r" b="b"/>
+            <a:pathLst>
+              <a:path w="1086082" h="1395167">
+                <a:moveTo>
+                  <a:pt x="1086082" y="0"/>
+                </a:moveTo>
+                <a:cubicBezTo>
+                  <a:pt x="566037" y="251381"/>
+                  <a:pt x="45992" y="502763"/>
+                  <a:pt x="2000" y="735291"/>
+                </a:cubicBezTo>
+                <a:cubicBezTo>
+                  <a:pt x="-41992" y="967819"/>
+                  <a:pt x="652450" y="1271048"/>
+                  <a:pt x="822132" y="1395167"/>
+                </a:cubicBezTo>
+              </a:path>
+            </a:pathLst>
+          </a:custGeom>
+          <a:noFill/>
+          <a:ln w="28575">
+            <a:solidFill>
+              <a:srgbClr val="FF0000"/>
+            </a:solidFill>
+            <a:headEnd type="none" w="med" len="med"/>
+            <a:tailEnd type="arrow" w="med" len="med"/>
+          </a:ln>
+        </p:spPr>
+        <p:style>
+          <a:lnRef idx="2">
+            <a:schemeClr val="accent1">
+              <a:shade val="50000"/>
+            </a:schemeClr>
+          </a:lnRef>
+          <a:fillRef idx="1">
+            <a:schemeClr val="accent1"/>
+          </a:fillRef>
+          <a:effectRef idx="0">
+            <a:schemeClr val="accent1"/>
+          </a:effectRef>
+          <a:fontRef idx="minor">
+            <a:schemeClr val="lt1"/>
+          </a:fontRef>
+        </p:style>
+        <p:txBody>
+          <a:bodyPr rtlCol="0" anchor="ctr"/>
+          <a:lstStyle/>
+          <a:p>
+            <a:pPr algn="ctr"/>
+            <a:endParaRPr lang="en-US"/>
+          </a:p>
+        </p:txBody>
+      </p:sp>
+      <p:sp>
+        <p:nvSpPr>
+          <p:cNvPr id="46" name="Rectangle : coins arrondis 45">
+            <a:extLst>
+              <a:ext uri="{FF2B5EF4-FFF2-40B4-BE49-F238E27FC236}">
+                <a16:creationId xmlns:a16="http://schemas.microsoft.com/office/drawing/2014/main" id="{3B181BFD-CF84-4A54-A0F3-2AFCB1C5CFE2}"/>
+              </a:ext>
+            </a:extLst>
+          </p:cNvPr>
+          <p:cNvSpPr/>
+          <p:nvPr/>
+        </p:nvSpPr>
+        <p:spPr>
+          <a:xfrm>
+            <a:off x="4161368" y="4919275"/>
+            <a:ext cx="2056110" cy="352950"/>
+          </a:xfrm>
+          <a:prstGeom prst="roundRect">
+            <a:avLst/>
+          </a:prstGeom>
+          <a:noFill/>
+          <a:ln>
+            <a:solidFill>
+              <a:srgbClr val="0070C0"/>
+            </a:solidFill>
+          </a:ln>
+        </p:spPr>
+        <p:style>
+          <a:lnRef idx="2">
+            <a:schemeClr val="accent1">
+              <a:shade val="50000"/>
+            </a:schemeClr>
+          </a:lnRef>
+          <a:fillRef idx="1">
+            <a:schemeClr val="accent1"/>
+          </a:fillRef>
+          <a:effectRef idx="0">
+            <a:schemeClr val="accent1"/>
+          </a:effectRef>
+          <a:fontRef idx="minor">
+            <a:schemeClr val="lt1"/>
+          </a:fontRef>
+        </p:style>
+        <p:txBody>
+          <a:bodyPr rtlCol="0" anchor="ctr"/>
+          <a:lstStyle/>
+          <a:p>
+            <a:pPr algn="ctr"/>
+            <a:endParaRPr lang="en-US"/>
+          </a:p>
+        </p:txBody>
+      </p:sp>
+      <p:sp>
+        <p:nvSpPr>
+          <p:cNvPr id="28" name="Rectangle : coins arrondis 27">
+            <a:extLst>
+              <a:ext uri="{FF2B5EF4-FFF2-40B4-BE49-F238E27FC236}">
+                <a16:creationId xmlns:a16="http://schemas.microsoft.com/office/drawing/2014/main" id="{87860E08-9A61-42C9-B1CF-C9E07D79939B}"/>
+              </a:ext>
+            </a:extLst>
+          </p:cNvPr>
+          <p:cNvSpPr/>
+          <p:nvPr/>
+        </p:nvSpPr>
+        <p:spPr>
+          <a:xfrm>
+            <a:off x="1188145" y="4386995"/>
+            <a:ext cx="9369343" cy="208159"/>
+          </a:xfrm>
+          <a:prstGeom prst="roundRect">
+            <a:avLst/>
+          </a:prstGeom>
+          <a:noFill/>
+          <a:ln>
+            <a:solidFill>
+              <a:srgbClr val="0070C0"/>
+            </a:solidFill>
+          </a:ln>
+        </p:spPr>
+        <p:style>
+          <a:lnRef idx="2">
+            <a:schemeClr val="accent1">
+              <a:shade val="50000"/>
+            </a:schemeClr>
+          </a:lnRef>
+          <a:fillRef idx="1">
+            <a:schemeClr val="accent1"/>
+          </a:fillRef>
+          <a:effectRef idx="0">
+            <a:schemeClr val="accent1"/>
+          </a:effectRef>
+          <a:fontRef idx="minor">
+            <a:schemeClr val="lt1"/>
+          </a:fontRef>
+        </p:style>
+        <p:txBody>
+          <a:bodyPr rtlCol="0" anchor="ctr"/>
+          <a:lstStyle/>
+          <a:p>
+            <a:pPr algn="ctr"/>
+            <a:endParaRPr lang="en-US"/>
+          </a:p>
+        </p:txBody>
+      </p:sp>
+      <p:sp>
+        <p:nvSpPr>
+          <p:cNvPr id="52" name="ZoneTexte 51">
+            <a:extLst>
+              <a:ext uri="{FF2B5EF4-FFF2-40B4-BE49-F238E27FC236}">
+                <a16:creationId xmlns:a16="http://schemas.microsoft.com/office/drawing/2014/main" id="{DAE24555-3B54-4BAD-B93A-7336AB6F9078}"/>
+              </a:ext>
+            </a:extLst>
+          </p:cNvPr>
+          <p:cNvSpPr txBox="1"/>
+          <p:nvPr/>
+        </p:nvSpPr>
+        <p:spPr>
+          <a:xfrm>
+            <a:off x="3235040" y="1313607"/>
+            <a:ext cx="3200957" cy="369332"/>
+          </a:xfrm>
+          <a:prstGeom prst="rect">
+            <a:avLst/>
+          </a:prstGeom>
+          <a:noFill/>
+        </p:spPr>
+        <p:txBody>
+          <a:bodyPr wrap="square" rtlCol="0">
+            <a:spAutoFit/>
+          </a:bodyPr>
+          <a:lstStyle/>
+          <a:p>
+            <a:r>
+              <a:rPr lang="en-US" dirty="0">
+                <a:solidFill>
+                  <a:srgbClr val="FF0000"/>
+                </a:solidFill>
+              </a:rPr>
+              <a:t>GNPS-style spectral library file</a:t>
+            </a:r>
+          </a:p>
+        </p:txBody>
+      </p:sp>
+      <p:cxnSp>
+        <p:nvCxnSpPr>
+          <p:cNvPr id="53" name="Connecteur droit avec flèche 52">
+            <a:extLst>
+              <a:ext uri="{FF2B5EF4-FFF2-40B4-BE49-F238E27FC236}">
+                <a16:creationId xmlns:a16="http://schemas.microsoft.com/office/drawing/2014/main" id="{A3533E91-5E66-46B5-9748-247863DD420B}"/>
+              </a:ext>
+            </a:extLst>
+          </p:cNvPr>
+          <p:cNvCxnSpPr>
+            <a:cxnSpLocks/>
+          </p:cNvCxnSpPr>
+          <p:nvPr/>
+        </p:nvCxnSpPr>
+        <p:spPr>
+          <a:xfrm flipH="1">
+            <a:off x="4410776" y="5287930"/>
+            <a:ext cx="101619" cy="330952"/>
+          </a:xfrm>
+          <a:prstGeom prst="straightConnector1">
+            <a:avLst/>
+          </a:prstGeom>
+          <a:ln>
+            <a:tailEnd type="triangle"/>
+          </a:ln>
+        </p:spPr>
+        <p:style>
+          <a:lnRef idx="1">
+            <a:schemeClr val="accent1"/>
+          </a:lnRef>
+          <a:fillRef idx="0">
+            <a:schemeClr val="accent1"/>
+          </a:fillRef>
+          <a:effectRef idx="0">
+            <a:schemeClr val="accent1"/>
+          </a:effectRef>
+          <a:fontRef idx="minor">
+            <a:schemeClr val="tx1"/>
+          </a:fontRef>
+        </p:style>
+      </p:cxnSp>
+      <p:cxnSp>
+        <p:nvCxnSpPr>
+          <p:cNvPr id="56" name="Connecteur droit 55">
+            <a:extLst>
+              <a:ext uri="{FF2B5EF4-FFF2-40B4-BE49-F238E27FC236}">
+                <a16:creationId xmlns:a16="http://schemas.microsoft.com/office/drawing/2014/main" id="{04911FDB-6E6C-4760-900D-CCBA5FD281C3}"/>
+              </a:ext>
+            </a:extLst>
+          </p:cNvPr>
+          <p:cNvCxnSpPr>
+            <a:cxnSpLocks/>
+          </p:cNvCxnSpPr>
+          <p:nvPr/>
+        </p:nvCxnSpPr>
+        <p:spPr>
+          <a:xfrm>
+            <a:off x="5477377" y="2957068"/>
+            <a:ext cx="0" cy="2859419"/>
+          </a:xfrm>
+          <a:prstGeom prst="line">
+            <a:avLst/>
+          </a:prstGeom>
+          <a:ln w="19050">
+            <a:solidFill>
+              <a:srgbClr val="FF0000"/>
+            </a:solidFill>
+          </a:ln>
+        </p:spPr>
+        <p:style>
+          <a:lnRef idx="1">
+            <a:schemeClr val="accent1"/>
+          </a:lnRef>
+          <a:fillRef idx="0">
+            <a:schemeClr val="accent1"/>
+          </a:fillRef>
+          <a:effectRef idx="0">
+            <a:schemeClr val="accent1"/>
+          </a:effectRef>
+          <a:fontRef idx="minor">
+            <a:schemeClr val="tx1"/>
+          </a:fontRef>
+        </p:style>
+      </p:cxnSp>
+      <p:cxnSp>
+        <p:nvCxnSpPr>
+          <p:cNvPr id="57" name="Connecteur droit 56">
+            <a:extLst>
+              <a:ext uri="{FF2B5EF4-FFF2-40B4-BE49-F238E27FC236}">
+                <a16:creationId xmlns:a16="http://schemas.microsoft.com/office/drawing/2014/main" id="{E2665E2A-F00F-4AF1-9A51-E4CB1821B9A6}"/>
+              </a:ext>
+            </a:extLst>
+          </p:cNvPr>
+          <p:cNvCxnSpPr/>
+          <p:nvPr/>
+        </p:nvCxnSpPr>
+        <p:spPr>
+          <a:xfrm>
+            <a:off x="10569997" y="2957068"/>
+            <a:ext cx="0" cy="2859419"/>
+          </a:xfrm>
+          <a:prstGeom prst="line">
+            <a:avLst/>
+          </a:prstGeom>
+          <a:ln w="19050">
+            <a:solidFill>
+              <a:srgbClr val="FF0000"/>
+            </a:solidFill>
+          </a:ln>
+        </p:spPr>
+        <p:style>
+          <a:lnRef idx="1">
+            <a:schemeClr val="accent1"/>
+          </a:lnRef>
+          <a:fillRef idx="0">
+            <a:schemeClr val="accent1"/>
+          </a:fillRef>
+          <a:effectRef idx="0">
+            <a:schemeClr val="accent1"/>
+          </a:effectRef>
+          <a:fontRef idx="minor">
+            <a:schemeClr val="tx1"/>
+          </a:fontRef>
+        </p:style>
+      </p:cxnSp>
+      <p:sp>
+        <p:nvSpPr>
+          <p:cNvPr id="60" name="ZoneTexte 59">
+            <a:extLst>
+              <a:ext uri="{FF2B5EF4-FFF2-40B4-BE49-F238E27FC236}">
+                <a16:creationId xmlns:a16="http://schemas.microsoft.com/office/drawing/2014/main" id="{B1DA18EC-3F80-4A32-9AD9-E042EC55B4E1}"/>
+              </a:ext>
+            </a:extLst>
+          </p:cNvPr>
+          <p:cNvSpPr txBox="1"/>
+          <p:nvPr/>
+        </p:nvSpPr>
+        <p:spPr>
+          <a:xfrm>
+            <a:off x="3569998" y="5580856"/>
+            <a:ext cx="1928088" cy="738664"/>
+          </a:xfrm>
+          <a:prstGeom prst="rect">
+            <a:avLst/>
+          </a:prstGeom>
+          <a:noFill/>
+        </p:spPr>
+        <p:txBody>
+          <a:bodyPr wrap="square" rtlCol="0">
+            <a:spAutoFit/>
+          </a:bodyPr>
+          <a:lstStyle/>
+          <a:p>
+            <a:r>
+              <a:rPr lang="en-US" sz="1400" i="1" dirty="0">
+                <a:solidFill>
+                  <a:srgbClr val="4472C4"/>
+                </a:solidFill>
+              </a:rPr>
+              <a:t>MS1 and MS2 scans are both detected for feature ID=8</a:t>
+            </a:r>
+          </a:p>
+        </p:txBody>
+      </p:sp>
+      <p:pic>
+        <p:nvPicPr>
+          <p:cNvPr id="61" name="Image 60">
+            <a:extLst>
+              <a:ext uri="{FF2B5EF4-FFF2-40B4-BE49-F238E27FC236}">
+                <a16:creationId xmlns:a16="http://schemas.microsoft.com/office/drawing/2014/main" id="{47DDCEF7-BA9E-4FDA-860A-4FF7A48BCF26}"/>
+              </a:ext>
+            </a:extLst>
+          </p:cNvPr>
+          <p:cNvPicPr>
+            <a:picLocks noChangeAspect="1"/>
+          </p:cNvPicPr>
+          <p:nvPr/>
+        </p:nvPicPr>
+        <p:blipFill rotWithShape="1">
+          <a:blip r:embed="rId5"/>
+          <a:srcRect t="1523" r="24557"/>
+          <a:stretch/>
+        </p:blipFill>
+        <p:spPr>
+          <a:xfrm>
+            <a:off x="6916706" y="140798"/>
+            <a:ext cx="1999774" cy="2616802"/>
+          </a:xfrm>
+          <a:prstGeom prst="rect">
+            <a:avLst/>
+          </a:prstGeom>
+        </p:spPr>
+      </p:pic>
+      <p:cxnSp>
+        <p:nvCxnSpPr>
+          <p:cNvPr id="62" name="Connecteur droit avec flèche 61">
+            <a:extLst>
+              <a:ext uri="{FF2B5EF4-FFF2-40B4-BE49-F238E27FC236}">
+                <a16:creationId xmlns:a16="http://schemas.microsoft.com/office/drawing/2014/main" id="{1EB1A78C-15AB-4863-8890-C299D0C82A20}"/>
+              </a:ext>
+            </a:extLst>
+          </p:cNvPr>
+          <p:cNvCxnSpPr>
+            <a:cxnSpLocks/>
+          </p:cNvCxnSpPr>
+          <p:nvPr/>
+        </p:nvCxnSpPr>
+        <p:spPr>
+          <a:xfrm>
+            <a:off x="2894501" y="1682939"/>
+            <a:ext cx="4022205" cy="0"/>
+          </a:xfrm>
+          <a:prstGeom prst="straightConnector1">
+            <a:avLst/>
+          </a:prstGeom>
+          <a:ln w="28575">
+            <a:solidFill>
+              <a:srgbClr val="FF0000"/>
+            </a:solidFill>
+            <a:tailEnd type="triangle"/>
+          </a:ln>
+        </p:spPr>
+        <p:style>
+          <a:lnRef idx="1">
+            <a:schemeClr val="accent1"/>
+          </a:lnRef>
+          <a:fillRef idx="0">
+            <a:schemeClr val="accent1"/>
+          </a:fillRef>
+          <a:effectRef idx="0">
+            <a:schemeClr val="accent1"/>
+          </a:effectRef>
+          <a:fontRef idx="minor">
+            <a:schemeClr val="tx1"/>
+          </a:fontRef>
+        </p:style>
+      </p:cxnSp>
+      <p:cxnSp>
+        <p:nvCxnSpPr>
+          <p:cNvPr id="65" name="Connecteur droit 64">
+            <a:extLst>
+              <a:ext uri="{FF2B5EF4-FFF2-40B4-BE49-F238E27FC236}">
+                <a16:creationId xmlns:a16="http://schemas.microsoft.com/office/drawing/2014/main" id="{F42E9E83-3C0F-4B1B-A887-BA5E65AB9F40}"/>
+              </a:ext>
+            </a:extLst>
+          </p:cNvPr>
+          <p:cNvCxnSpPr/>
+          <p:nvPr/>
+        </p:nvCxnSpPr>
+        <p:spPr>
+          <a:xfrm>
+            <a:off x="8343933" y="140798"/>
+            <a:ext cx="0" cy="1645920"/>
+          </a:xfrm>
+          <a:prstGeom prst="line">
+            <a:avLst/>
+          </a:prstGeom>
+          <a:ln w="19050">
+            <a:solidFill>
+              <a:srgbClr val="FF0000"/>
+            </a:solidFill>
+          </a:ln>
+        </p:spPr>
+        <p:style>
+          <a:lnRef idx="1">
+            <a:schemeClr val="accent1"/>
+          </a:lnRef>
+          <a:fillRef idx="0">
+            <a:schemeClr val="accent1"/>
+          </a:fillRef>
+          <a:effectRef idx="0">
+            <a:schemeClr val="accent1"/>
+          </a:effectRef>
+          <a:fontRef idx="minor">
+            <a:schemeClr val="tx1"/>
+          </a:fontRef>
+        </p:style>
+      </p:cxnSp>
+      <p:sp>
+        <p:nvSpPr>
+          <p:cNvPr id="23" name="ZoneTexte 22">
+            <a:extLst>
+              <a:ext uri="{FF2B5EF4-FFF2-40B4-BE49-F238E27FC236}">
+                <a16:creationId xmlns:a16="http://schemas.microsoft.com/office/drawing/2014/main" id="{944CB714-62F4-4338-8FF0-2C3043047C6A}"/>
+              </a:ext>
+            </a:extLst>
+          </p:cNvPr>
+          <p:cNvSpPr txBox="1"/>
+          <p:nvPr/>
+        </p:nvSpPr>
+        <p:spPr>
+          <a:xfrm>
+            <a:off x="8354247" y="779092"/>
+            <a:ext cx="1144703" cy="369332"/>
+          </a:xfrm>
+          <a:prstGeom prst="rect">
+            <a:avLst/>
+          </a:prstGeom>
+          <a:noFill/>
+        </p:spPr>
+        <p:txBody>
+          <a:bodyPr wrap="square" rtlCol="0">
+            <a:spAutoFit/>
+          </a:bodyPr>
+          <a:lstStyle/>
+          <a:p>
+            <a:r>
+              <a:rPr lang="en-US" i="1" dirty="0">
+                <a:solidFill>
+                  <a:srgbClr val="FF0000"/>
+                </a:solidFill>
+              </a:rPr>
+              <a:t>Metadata</a:t>
+            </a:r>
+          </a:p>
+        </p:txBody>
+      </p:sp>
+      <p:cxnSp>
+        <p:nvCxnSpPr>
+          <p:cNvPr id="66" name="Connecteur droit 65">
+            <a:extLst>
+              <a:ext uri="{FF2B5EF4-FFF2-40B4-BE49-F238E27FC236}">
+                <a16:creationId xmlns:a16="http://schemas.microsoft.com/office/drawing/2014/main" id="{C44EC7A9-4217-4157-A2F9-32820B011670}"/>
+              </a:ext>
+            </a:extLst>
+          </p:cNvPr>
+          <p:cNvCxnSpPr/>
+          <p:nvPr/>
+        </p:nvCxnSpPr>
+        <p:spPr>
+          <a:xfrm>
+            <a:off x="9027001" y="1786718"/>
+            <a:ext cx="0" cy="914400"/>
+          </a:xfrm>
+          <a:prstGeom prst="line">
+            <a:avLst/>
+          </a:prstGeom>
+          <a:ln w="19050">
+            <a:solidFill>
+              <a:srgbClr val="FF0000"/>
+            </a:solidFill>
+          </a:ln>
+        </p:spPr>
+        <p:style>
+          <a:lnRef idx="1">
+            <a:schemeClr val="accent1"/>
+          </a:lnRef>
+          <a:fillRef idx="0">
+            <a:schemeClr val="accent1"/>
+          </a:fillRef>
+          <a:effectRef idx="0">
+            <a:schemeClr val="accent1"/>
+          </a:effectRef>
+          <a:fontRef idx="minor">
+            <a:schemeClr val="tx1"/>
+          </a:fontRef>
+        </p:style>
+      </p:cxnSp>
+      <p:sp>
+        <p:nvSpPr>
+          <p:cNvPr id="37" name="ZoneTexte 36">
+            <a:extLst>
+              <a:ext uri="{FF2B5EF4-FFF2-40B4-BE49-F238E27FC236}">
+                <a16:creationId xmlns:a16="http://schemas.microsoft.com/office/drawing/2014/main" id="{B71716CC-E764-4070-9690-59D68F5530E8}"/>
+              </a:ext>
+            </a:extLst>
+          </p:cNvPr>
+          <p:cNvSpPr txBox="1"/>
+          <p:nvPr/>
+        </p:nvSpPr>
+        <p:spPr>
+          <a:xfrm>
+            <a:off x="7862706" y="2692946"/>
+            <a:ext cx="2252883" cy="369332"/>
+          </a:xfrm>
+          <a:prstGeom prst="rect">
+            <a:avLst/>
+          </a:prstGeom>
+          <a:noFill/>
+        </p:spPr>
+        <p:txBody>
+          <a:bodyPr wrap="square" rtlCol="0">
+            <a:spAutoFit/>
+          </a:bodyPr>
+          <a:lstStyle/>
+          <a:p>
+            <a:pPr algn="ctr"/>
+            <a:r>
+              <a:rPr lang="en-US" i="1" dirty="0">
+                <a:solidFill>
+                  <a:srgbClr val="4472C4"/>
+                </a:solidFill>
+              </a:rPr>
+              <a:t>Example of a “scan”</a:t>
+            </a:r>
+          </a:p>
+        </p:txBody>
+      </p:sp>
+      <p:cxnSp>
+        <p:nvCxnSpPr>
+          <p:cNvPr id="27" name="Connecteur droit avec flèche 26">
+            <a:extLst>
+              <a:ext uri="{FF2B5EF4-FFF2-40B4-BE49-F238E27FC236}">
+                <a16:creationId xmlns:a16="http://schemas.microsoft.com/office/drawing/2014/main" id="{B3AC4EC9-FEFF-4C8C-98F5-70C52E54F6EA}"/>
+              </a:ext>
+            </a:extLst>
+          </p:cNvPr>
+          <p:cNvCxnSpPr>
+            <a:cxnSpLocks/>
+          </p:cNvCxnSpPr>
+          <p:nvPr/>
+        </p:nvCxnSpPr>
+        <p:spPr>
+          <a:xfrm flipV="1">
+            <a:off x="7612117" y="2446888"/>
+            <a:ext cx="501178" cy="1939890"/>
+          </a:xfrm>
+          <a:prstGeom prst="straightConnector1">
+            <a:avLst/>
+          </a:prstGeom>
+          <a:ln>
+            <a:tailEnd type="triangle"/>
+          </a:ln>
+        </p:spPr>
+        <p:style>
+          <a:lnRef idx="1">
+            <a:schemeClr val="accent1"/>
+          </a:lnRef>
+          <a:fillRef idx="0">
+            <a:schemeClr val="accent1"/>
+          </a:fillRef>
+          <a:effectRef idx="0">
+            <a:schemeClr val="accent1"/>
+          </a:effectRef>
+          <a:fontRef idx="minor">
+            <a:schemeClr val="tx1"/>
+          </a:fontRef>
+        </p:style>
+      </p:cxnSp>
+      <p:cxnSp>
+        <p:nvCxnSpPr>
+          <p:cNvPr id="72" name="Connecteur droit avec flèche 71">
+            <a:extLst>
+              <a:ext uri="{FF2B5EF4-FFF2-40B4-BE49-F238E27FC236}">
+                <a16:creationId xmlns:a16="http://schemas.microsoft.com/office/drawing/2014/main" id="{DEC410BC-D7CC-4A14-88D2-7579993863BC}"/>
+              </a:ext>
+            </a:extLst>
+          </p:cNvPr>
+          <p:cNvCxnSpPr>
+            <a:cxnSpLocks/>
+          </p:cNvCxnSpPr>
+          <p:nvPr/>
+        </p:nvCxnSpPr>
+        <p:spPr>
+          <a:xfrm flipH="1">
+            <a:off x="1384449" y="5346098"/>
+            <a:ext cx="101619" cy="330952"/>
+          </a:xfrm>
+          <a:prstGeom prst="straightConnector1">
+            <a:avLst/>
+          </a:prstGeom>
+          <a:ln>
+            <a:tailEnd type="triangle"/>
+          </a:ln>
+        </p:spPr>
+        <p:style>
+          <a:lnRef idx="1">
+            <a:schemeClr val="accent1"/>
+          </a:lnRef>
+          <a:fillRef idx="0">
+            <a:schemeClr val="accent1"/>
+          </a:fillRef>
+          <a:effectRef idx="0">
+            <a:schemeClr val="accent1"/>
+          </a:effectRef>
+          <a:fontRef idx="minor">
+            <a:schemeClr val="tx1"/>
+          </a:fontRef>
+        </p:style>
+      </p:cxnSp>
+      <p:cxnSp>
+        <p:nvCxnSpPr>
+          <p:cNvPr id="73" name="Connecteur droit avec flèche 72">
+            <a:extLst>
+              <a:ext uri="{FF2B5EF4-FFF2-40B4-BE49-F238E27FC236}">
+                <a16:creationId xmlns:a16="http://schemas.microsoft.com/office/drawing/2014/main" id="{E4554E80-BA56-46D8-8856-EEBF32D6AA1A}"/>
+              </a:ext>
+            </a:extLst>
+          </p:cNvPr>
+          <p:cNvCxnSpPr>
+            <a:cxnSpLocks/>
+          </p:cNvCxnSpPr>
+          <p:nvPr/>
+        </p:nvCxnSpPr>
+        <p:spPr>
+          <a:xfrm flipH="1">
+            <a:off x="2316426" y="5326389"/>
+            <a:ext cx="101619" cy="330952"/>
+          </a:xfrm>
+          <a:prstGeom prst="straightConnector1">
+            <a:avLst/>
+          </a:prstGeom>
+          <a:ln>
+            <a:tailEnd type="triangle"/>
+          </a:ln>
+        </p:spPr>
+        <p:style>
+          <a:lnRef idx="1">
+            <a:schemeClr val="accent1"/>
+          </a:lnRef>
+          <a:fillRef idx="0">
+            <a:schemeClr val="accent1"/>
+          </a:fillRef>
+          <a:effectRef idx="0">
+            <a:schemeClr val="accent1"/>
+          </a:effectRef>
+          <a:fontRef idx="minor">
+            <a:schemeClr val="tx1"/>
+          </a:fontRef>
+        </p:style>
+      </p:cxnSp>
+      <p:sp>
+        <p:nvSpPr>
+          <p:cNvPr id="74" name="Rectangle 73">
+            <a:extLst>
+              <a:ext uri="{FF2B5EF4-FFF2-40B4-BE49-F238E27FC236}">
+                <a16:creationId xmlns:a16="http://schemas.microsoft.com/office/drawing/2014/main" id="{4C72205A-D639-41F9-A077-C13C200812A2}"/>
+              </a:ext>
+            </a:extLst>
+          </p:cNvPr>
+          <p:cNvSpPr/>
+          <p:nvPr/>
+        </p:nvSpPr>
+        <p:spPr>
+          <a:xfrm>
+            <a:off x="903918" y="5633739"/>
+            <a:ext cx="2126810" cy="523220"/>
+          </a:xfrm>
+          <a:prstGeom prst="rect">
+            <a:avLst/>
+          </a:prstGeom>
+        </p:spPr>
+        <p:txBody>
+          <a:bodyPr wrap="square">
+            <a:spAutoFit/>
+          </a:bodyPr>
+          <a:lstStyle/>
+          <a:p>
+            <a:r>
+              <a:rPr lang="en-US" sz="1400" i="1" dirty="0">
+                <a:solidFill>
+                  <a:srgbClr val="4472C4"/>
+                </a:solidFill>
+              </a:rPr>
+              <a:t>Actual precursor m/z and RT detected </a:t>
+            </a:r>
+            <a:endParaRPr lang="en-US" sz="1400" dirty="0"/>
+          </a:p>
+        </p:txBody>
+      </p:sp>
+      <p:cxnSp>
+        <p:nvCxnSpPr>
+          <p:cNvPr id="75" name="Connecteur droit avec flèche 74">
+            <a:extLst>
+              <a:ext uri="{FF2B5EF4-FFF2-40B4-BE49-F238E27FC236}">
+                <a16:creationId xmlns:a16="http://schemas.microsoft.com/office/drawing/2014/main" id="{B9A67A2E-45B3-46DF-997C-8966C6E39396}"/>
+              </a:ext>
+            </a:extLst>
+          </p:cNvPr>
+          <p:cNvCxnSpPr>
+            <a:cxnSpLocks/>
+          </p:cNvCxnSpPr>
+          <p:nvPr/>
+        </p:nvCxnSpPr>
+        <p:spPr>
+          <a:xfrm flipH="1">
+            <a:off x="10115589" y="5374811"/>
+            <a:ext cx="234549" cy="520538"/>
+          </a:xfrm>
+          <a:prstGeom prst="straightConnector1">
+            <a:avLst/>
+          </a:prstGeom>
+          <a:ln>
+            <a:tailEnd type="triangle"/>
+          </a:ln>
+        </p:spPr>
+        <p:style>
+          <a:lnRef idx="1">
+            <a:schemeClr val="accent1"/>
+          </a:lnRef>
+          <a:fillRef idx="0">
+            <a:schemeClr val="accent1"/>
+          </a:fillRef>
+          <a:effectRef idx="0">
+            <a:schemeClr val="accent1"/>
+          </a:effectRef>
+          <a:fontRef idx="minor">
+            <a:schemeClr val="tx1"/>
+          </a:fontRef>
+        </p:style>
+      </p:cxnSp>
+      <p:sp>
+        <p:nvSpPr>
+          <p:cNvPr id="77" name="Rectangle 76">
+            <a:extLst>
+              <a:ext uri="{FF2B5EF4-FFF2-40B4-BE49-F238E27FC236}">
+                <a16:creationId xmlns:a16="http://schemas.microsoft.com/office/drawing/2014/main" id="{1944864F-589C-4147-8613-82D426846E27}"/>
+              </a:ext>
+            </a:extLst>
+          </p:cNvPr>
+          <p:cNvSpPr/>
+          <p:nvPr/>
+        </p:nvSpPr>
+        <p:spPr>
+          <a:xfrm>
+            <a:off x="8439961" y="5849182"/>
+            <a:ext cx="2087174" cy="307777"/>
+          </a:xfrm>
+          <a:prstGeom prst="rect">
+            <a:avLst/>
+          </a:prstGeom>
+        </p:spPr>
+        <p:txBody>
+          <a:bodyPr wrap="none">
+            <a:spAutoFit/>
+          </a:bodyPr>
+          <a:lstStyle/>
+          <a:p>
+            <a:r>
+              <a:rPr lang="en-US" sz="1400" i="1" dirty="0">
+                <a:solidFill>
+                  <a:srgbClr val="4472C4"/>
+                </a:solidFill>
+              </a:rPr>
+              <a:t>Unique identifier for scans</a:t>
+            </a:r>
+            <a:endParaRPr lang="en-US" sz="1400" dirty="0"/>
+          </a:p>
+        </p:txBody>
+      </p:sp>
+      <p:sp>
+        <p:nvSpPr>
+          <p:cNvPr id="79" name="ZoneTexte 78">
+            <a:extLst>
+              <a:ext uri="{FF2B5EF4-FFF2-40B4-BE49-F238E27FC236}">
+                <a16:creationId xmlns:a16="http://schemas.microsoft.com/office/drawing/2014/main" id="{63F65DBA-5478-415D-B276-68098B27D55C}"/>
+              </a:ext>
+            </a:extLst>
+          </p:cNvPr>
+          <p:cNvSpPr txBox="1"/>
+          <p:nvPr/>
+        </p:nvSpPr>
+        <p:spPr>
+          <a:xfrm>
+            <a:off x="972384" y="6246024"/>
+            <a:ext cx="9733536" cy="523220"/>
+          </a:xfrm>
+          <a:prstGeom prst="rect">
+            <a:avLst/>
+          </a:prstGeom>
+          <a:noFill/>
+        </p:spPr>
+        <p:txBody>
+          <a:bodyPr wrap="square" rtlCol="0">
+            <a:spAutoFit/>
+          </a:bodyPr>
+          <a:lstStyle/>
+          <a:p>
+            <a:r>
+              <a:rPr lang="en-US" sz="1400" i="1" u="sng" dirty="0"/>
+              <a:t>FILENAME</a:t>
+            </a:r>
+            <a:r>
+              <a:rPr lang="en-US" sz="1400" i="1" dirty="0"/>
+              <a:t> from which file the metabolic feature is detected; </a:t>
+            </a:r>
+            <a:r>
+              <a:rPr lang="en-US" sz="1400" i="1" u="sng" dirty="0"/>
+              <a:t>PEPMASS_DEV </a:t>
+            </a:r>
+            <a:r>
+              <a:rPr lang="en-US" sz="1400" i="1" dirty="0"/>
+              <a:t>Mass deviation (ppm) of precursor m/z to what is in user-provided targeted m/z; </a:t>
+            </a:r>
+            <a:r>
+              <a:rPr lang="en-US" sz="1400" i="1" u="sng" dirty="0"/>
+              <a:t>SCAN_NUMBER</a:t>
+            </a:r>
+            <a:r>
+              <a:rPr lang="en-US" sz="1400" dirty="0"/>
+              <a:t> </a:t>
+            </a:r>
+            <a:r>
+              <a:rPr lang="en-US" sz="1400" i="1" dirty="0"/>
+              <a:t>scan number in original LC-MS/MS chromatogram</a:t>
+            </a:r>
+          </a:p>
+        </p:txBody>
+      </p:sp>
+    </p:spTree>
+    <p:extLst>
+      <p:ext uri="{BB962C8B-B14F-4D97-AF65-F5344CB8AC3E}">
+        <p14:creationId xmlns:p14="http://schemas.microsoft.com/office/powerpoint/2010/main" val="1776500879"/>
+      </p:ext>
+    </p:extLst>
+  </p:cSld>
+  <p:clrMapOvr>
+    <a:masterClrMapping/>
+  </p:clrMapOvr>
+</p:sld>
+</file>
+
+<file path=ppt/slides/slide7.xml><?xml version="1.0" encoding="utf-8"?>
+<p:sld xmlns:a="http://schemas.openxmlformats.org/drawingml/2006/main" xmlns:r="http://schemas.openxmlformats.org/officeDocument/2006/relationships" xmlns:p="http://schemas.openxmlformats.org/presentationml/2006/main">
+  <p:cSld>
+    <p:spTree>
+      <p:nvGrpSpPr>
+        <p:cNvPr id="1" name=""/>
+        <p:cNvGrpSpPr/>
+        <p:nvPr/>
+      </p:nvGrpSpPr>
+      <p:grpSpPr>
+        <a:xfrm>
+          <a:off x="0" y="0"/>
+          <a:ext cx="0" cy="0"/>
+          <a:chOff x="0" y="0"/>
+          <a:chExt cx="0" cy="0"/>
+        </a:xfrm>
+      </p:grpSpPr>
+      <p:sp>
+        <p:nvSpPr>
+          <p:cNvPr id="34" name="Rectangle 33">
+            <a:extLst>
+              <a:ext uri="{FF2B5EF4-FFF2-40B4-BE49-F238E27FC236}">
+                <a16:creationId xmlns:a16="http://schemas.microsoft.com/office/drawing/2014/main" id="{3B7AB05D-59C0-412F-90BA-E7538D3CFD01}"/>
+              </a:ext>
+            </a:extLst>
+          </p:cNvPr>
+          <p:cNvSpPr/>
+          <p:nvPr/>
+        </p:nvSpPr>
+        <p:spPr>
+          <a:xfrm>
+            <a:off x="1218607" y="158361"/>
+            <a:ext cx="8026994" cy="5568185"/>
+          </a:xfrm>
+          <a:prstGeom prst="rect">
+            <a:avLst/>
+          </a:prstGeom>
+          <a:solidFill>
+            <a:schemeClr val="bg1"/>
+          </a:solidFill>
+          <a:ln>
+            <a:solidFill>
+              <a:schemeClr val="bg1"/>
+            </a:solidFill>
+          </a:ln>
+        </p:spPr>
+        <p:style>
+          <a:lnRef idx="2">
+            <a:schemeClr val="accent1">
+              <a:shade val="50000"/>
+            </a:schemeClr>
+          </a:lnRef>
+          <a:fillRef idx="1">
+            <a:schemeClr val="accent1"/>
+          </a:fillRef>
+          <a:effectRef idx="0">
+            <a:schemeClr val="accent1"/>
+          </a:effectRef>
+          <a:fontRef idx="minor">
+            <a:schemeClr val="lt1"/>
+          </a:fontRef>
+        </p:style>
+        <p:txBody>
+          <a:bodyPr rtlCol="0" anchor="ctr"/>
+          <a:lstStyle/>
+          <a:p>
+            <a:pPr algn="ctr"/>
+            <a:endParaRPr lang="en-US"/>
+          </a:p>
+        </p:txBody>
+      </p:sp>
+      <p:pic>
+        <p:nvPicPr>
+          <p:cNvPr id="33" name="Image 32">
+            <a:extLst>
+              <a:ext uri="{FF2B5EF4-FFF2-40B4-BE49-F238E27FC236}">
+                <a16:creationId xmlns:a16="http://schemas.microsoft.com/office/drawing/2014/main" id="{6BC6C590-3C4D-4BF7-AE37-FEC61D14AFDD}"/>
+              </a:ext>
+            </a:extLst>
+          </p:cNvPr>
+          <p:cNvPicPr>
+            <a:picLocks noChangeAspect="1"/>
+          </p:cNvPicPr>
+          <p:nvPr/>
+        </p:nvPicPr>
+        <p:blipFill rotWithShape="1">
+          <a:blip r:embed="rId2"/>
+          <a:srcRect l="-42" t="15061" r="4943" b="3228"/>
+          <a:stretch/>
+        </p:blipFill>
+        <p:spPr>
+          <a:xfrm>
+            <a:off x="5279624" y="2943124"/>
+            <a:ext cx="3868994" cy="2783422"/>
+          </a:xfrm>
+          <a:prstGeom prst="rect">
+            <a:avLst/>
+          </a:prstGeom>
+        </p:spPr>
+      </p:pic>
+      <p:pic>
+        <p:nvPicPr>
+          <p:cNvPr id="30" name="Image 29">
+            <a:extLst>
+              <a:ext uri="{FF2B5EF4-FFF2-40B4-BE49-F238E27FC236}">
+                <a16:creationId xmlns:a16="http://schemas.microsoft.com/office/drawing/2014/main" id="{91424227-A9ED-4F4B-95F7-D09430553147}"/>
+              </a:ext>
+            </a:extLst>
+          </p:cNvPr>
+          <p:cNvPicPr>
+            <a:picLocks noChangeAspect="1"/>
+          </p:cNvPicPr>
+          <p:nvPr/>
+        </p:nvPicPr>
+        <p:blipFill rotWithShape="1">
+          <a:blip r:embed="rId3"/>
+          <a:srcRect t="16311" r="4943" b="3973"/>
+          <a:stretch/>
+        </p:blipFill>
+        <p:spPr>
+          <a:xfrm>
+            <a:off x="1218606" y="3011055"/>
+            <a:ext cx="3795848" cy="2715491"/>
+          </a:xfrm>
+          <a:prstGeom prst="rect">
+            <a:avLst/>
+          </a:prstGeom>
+        </p:spPr>
+      </p:pic>
+      <p:pic>
+        <p:nvPicPr>
+          <p:cNvPr id="9" name="Image 8">
+            <a:extLst>
+              <a:ext uri="{FF2B5EF4-FFF2-40B4-BE49-F238E27FC236}">
+                <a16:creationId xmlns:a16="http://schemas.microsoft.com/office/drawing/2014/main" id="{7FF607F5-4536-41E1-8F17-0AADF1912EBB}"/>
+              </a:ext>
+            </a:extLst>
+          </p:cNvPr>
+          <p:cNvPicPr>
+            <a:picLocks noChangeAspect="1"/>
+          </p:cNvPicPr>
+          <p:nvPr/>
+        </p:nvPicPr>
+        <p:blipFill rotWithShape="1">
+          <a:blip r:embed="rId4"/>
+          <a:srcRect l="270" t="14859" r="4673" b="3431"/>
+          <a:stretch/>
+        </p:blipFill>
+        <p:spPr>
+          <a:xfrm>
+            <a:off x="1218606" y="158361"/>
+            <a:ext cx="3795848" cy="2783422"/>
+          </a:xfrm>
+          <a:prstGeom prst="rect">
+            <a:avLst/>
+          </a:prstGeom>
+        </p:spPr>
+      </p:pic>
+      <p:pic>
+        <p:nvPicPr>
+          <p:cNvPr id="10" name="Image 9">
+            <a:extLst>
+              <a:ext uri="{FF2B5EF4-FFF2-40B4-BE49-F238E27FC236}">
+                <a16:creationId xmlns:a16="http://schemas.microsoft.com/office/drawing/2014/main" id="{02B07046-2F77-41E5-8746-54300A70DE51}"/>
+              </a:ext>
+            </a:extLst>
+          </p:cNvPr>
+          <p:cNvPicPr>
+            <a:picLocks noChangeAspect="1"/>
+          </p:cNvPicPr>
+          <p:nvPr/>
+        </p:nvPicPr>
+        <p:blipFill rotWithShape="1">
+          <a:blip r:embed="rId5"/>
+          <a:srcRect t="16012" r="4943" b="2277"/>
+          <a:stretch/>
+        </p:blipFill>
+        <p:spPr>
+          <a:xfrm>
+            <a:off x="5279624" y="158361"/>
+            <a:ext cx="3795848" cy="2783423"/>
+          </a:xfrm>
+          <a:prstGeom prst="rect">
+            <a:avLst/>
+          </a:prstGeom>
+        </p:spPr>
+      </p:pic>
+      <p:sp>
+        <p:nvSpPr>
+          <p:cNvPr id="26" name="ZoneTexte 25">
+            <a:extLst>
+              <a:ext uri="{FF2B5EF4-FFF2-40B4-BE49-F238E27FC236}">
+                <a16:creationId xmlns:a16="http://schemas.microsoft.com/office/drawing/2014/main" id="{38FC39F2-AC53-43FC-A9EA-0B6ADE43FB49}"/>
+              </a:ext>
+            </a:extLst>
+          </p:cNvPr>
+          <p:cNvSpPr txBox="1"/>
+          <p:nvPr/>
+        </p:nvSpPr>
+        <p:spPr>
+          <a:xfrm>
+            <a:off x="3805976" y="321712"/>
+            <a:ext cx="1274618" cy="461665"/>
+          </a:xfrm>
+          <a:prstGeom prst="rect">
+            <a:avLst/>
+          </a:prstGeom>
+          <a:noFill/>
+        </p:spPr>
+        <p:txBody>
+          <a:bodyPr wrap="square" rtlCol="0">
+            <a:spAutoFit/>
+          </a:bodyPr>
+          <a:lstStyle/>
+          <a:p>
+            <a:r>
+              <a:rPr lang="en-US" sz="2400" dirty="0"/>
+              <a:t>library2</a:t>
+            </a:r>
+          </a:p>
+        </p:txBody>
+      </p:sp>
+      <p:sp>
+        <p:nvSpPr>
+          <p:cNvPr id="27" name="ZoneTexte 26">
+            <a:extLst>
+              <a:ext uri="{FF2B5EF4-FFF2-40B4-BE49-F238E27FC236}">
+                <a16:creationId xmlns:a16="http://schemas.microsoft.com/office/drawing/2014/main" id="{96C33D78-97FC-47EB-9318-DD83E991AE95}"/>
+              </a:ext>
+            </a:extLst>
+          </p:cNvPr>
+          <p:cNvSpPr txBox="1"/>
+          <p:nvPr/>
+        </p:nvSpPr>
+        <p:spPr>
+          <a:xfrm>
+            <a:off x="3519648" y="3105134"/>
+            <a:ext cx="1560946" cy="461665"/>
+          </a:xfrm>
+          <a:prstGeom prst="rect">
+            <a:avLst/>
+          </a:prstGeom>
+          <a:noFill/>
+        </p:spPr>
+        <p:txBody>
+          <a:bodyPr wrap="square" rtlCol="0">
+            <a:spAutoFit/>
+          </a:bodyPr>
+          <a:lstStyle/>
+          <a:p>
+            <a:r>
+              <a:rPr lang="en-US" sz="2400" dirty="0"/>
+              <a:t>library2_2</a:t>
+            </a:r>
+          </a:p>
+        </p:txBody>
+      </p:sp>
+      <p:sp>
+        <p:nvSpPr>
+          <p:cNvPr id="28" name="ZoneTexte 27">
+            <a:extLst>
+              <a:ext uri="{FF2B5EF4-FFF2-40B4-BE49-F238E27FC236}">
+                <a16:creationId xmlns:a16="http://schemas.microsoft.com/office/drawing/2014/main" id="{B0A378D1-7C62-4F52-842B-867B8630D4BF}"/>
+              </a:ext>
+            </a:extLst>
+          </p:cNvPr>
+          <p:cNvSpPr txBox="1"/>
+          <p:nvPr/>
+        </p:nvSpPr>
+        <p:spPr>
+          <a:xfrm>
+            <a:off x="7587672" y="3105133"/>
+            <a:ext cx="1560946" cy="461665"/>
+          </a:xfrm>
+          <a:prstGeom prst="rect">
+            <a:avLst/>
+          </a:prstGeom>
+          <a:noFill/>
+        </p:spPr>
+        <p:txBody>
+          <a:bodyPr wrap="square" rtlCol="0">
+            <a:spAutoFit/>
+          </a:bodyPr>
+          <a:lstStyle/>
+          <a:p>
+            <a:r>
+              <a:rPr lang="en-US" sz="2400" dirty="0"/>
+              <a:t>library2_3</a:t>
+            </a:r>
+          </a:p>
+        </p:txBody>
+      </p:sp>
+      <p:sp>
+        <p:nvSpPr>
+          <p:cNvPr id="29" name="ZoneTexte 28">
+            <a:extLst>
+              <a:ext uri="{FF2B5EF4-FFF2-40B4-BE49-F238E27FC236}">
+                <a16:creationId xmlns:a16="http://schemas.microsoft.com/office/drawing/2014/main" id="{79D3C1F9-0E01-4D46-A14C-5F9DB99A6FD7}"/>
+              </a:ext>
+            </a:extLst>
+          </p:cNvPr>
+          <p:cNvSpPr txBox="1"/>
+          <p:nvPr/>
+        </p:nvSpPr>
+        <p:spPr>
+          <a:xfrm>
+            <a:off x="7874000" y="321711"/>
+            <a:ext cx="1274618" cy="461665"/>
+          </a:xfrm>
+          <a:prstGeom prst="rect">
+            <a:avLst/>
+          </a:prstGeom>
+          <a:noFill/>
+        </p:spPr>
+        <p:txBody>
+          <a:bodyPr wrap="square" rtlCol="0">
+            <a:spAutoFit/>
+          </a:bodyPr>
+          <a:lstStyle/>
+          <a:p>
+            <a:r>
+              <a:rPr lang="en-US" sz="2400" dirty="0"/>
+              <a:t>library2</a:t>
+            </a:r>
+          </a:p>
+        </p:txBody>
+      </p:sp>
+    </p:spTree>
+    <p:extLst>
+      <p:ext uri="{BB962C8B-B14F-4D97-AF65-F5344CB8AC3E}">
+        <p14:creationId xmlns:p14="http://schemas.microsoft.com/office/powerpoint/2010/main" val="444585465"/>
+      </p:ext>
+    </p:extLst>
+  </p:cSld>
+  <p:clrMapOvr>
+    <a:masterClrMapping/>
+  </p:clrMapOvr>
+</p:sld>
+</file>
+
 <file path=ppt/theme/theme1.xml><?xml version="1.0" encoding="utf-8"?>
 <a:theme xmlns:a="http://schemas.openxmlformats.org/drawingml/2006/main" name="Thème Office">
   <a:themeElements>

--- a/inst/tmp.pptx
+++ b/inst/tmp.pptx
@@ -10,6 +10,8 @@
     <p:sldId id="257" r:id="rId4"/>
     <p:sldId id="259" r:id="rId5"/>
     <p:sldId id="260" r:id="rId6"/>
+    <p:sldId id="261" r:id="rId7"/>
+    <p:sldId id="262" r:id="rId8"/>
   </p:sldIdLst>
   <p:sldSz cx="12192000" cy="6858000"/>
   <p:notesSz cx="6858000" cy="9144000"/>
@@ -265,7 +267,7 @@
           <a:p>
             <a:fld id="{63C097CE-CE30-40FD-8349-F85D75ED7B0A}" type="datetimeFigureOut">
               <a:rPr lang="en-US" smtClean="0"/>
-              <a:t>8/7/2018</a:t>
+              <a:t>8/8/2018</a:t>
             </a:fld>
             <a:endParaRPr lang="en-US"/>
           </a:p>
@@ -465,7 +467,7 @@
           <a:p>
             <a:fld id="{63C097CE-CE30-40FD-8349-F85D75ED7B0A}" type="datetimeFigureOut">
               <a:rPr lang="en-US" smtClean="0"/>
-              <a:t>8/7/2018</a:t>
+              <a:t>8/8/2018</a:t>
             </a:fld>
             <a:endParaRPr lang="en-US"/>
           </a:p>
@@ -675,7 +677,7 @@
           <a:p>
             <a:fld id="{63C097CE-CE30-40FD-8349-F85D75ED7B0A}" type="datetimeFigureOut">
               <a:rPr lang="en-US" smtClean="0"/>
-              <a:t>8/7/2018</a:t>
+              <a:t>8/8/2018</a:t>
             </a:fld>
             <a:endParaRPr lang="en-US"/>
           </a:p>
@@ -875,7 +877,7 @@
           <a:p>
             <a:fld id="{63C097CE-CE30-40FD-8349-F85D75ED7B0A}" type="datetimeFigureOut">
               <a:rPr lang="en-US" smtClean="0"/>
-              <a:t>8/7/2018</a:t>
+              <a:t>8/8/2018</a:t>
             </a:fld>
             <a:endParaRPr lang="en-US"/>
           </a:p>
@@ -1151,7 +1153,7 @@
           <a:p>
             <a:fld id="{63C097CE-CE30-40FD-8349-F85D75ED7B0A}" type="datetimeFigureOut">
               <a:rPr lang="en-US" smtClean="0"/>
-              <a:t>8/7/2018</a:t>
+              <a:t>8/8/2018</a:t>
             </a:fld>
             <a:endParaRPr lang="en-US"/>
           </a:p>
@@ -1419,7 +1421,7 @@
           <a:p>
             <a:fld id="{63C097CE-CE30-40FD-8349-F85D75ED7B0A}" type="datetimeFigureOut">
               <a:rPr lang="en-US" smtClean="0"/>
-              <a:t>8/7/2018</a:t>
+              <a:t>8/8/2018</a:t>
             </a:fld>
             <a:endParaRPr lang="en-US"/>
           </a:p>
@@ -1834,7 +1836,7 @@
           <a:p>
             <a:fld id="{63C097CE-CE30-40FD-8349-F85D75ED7B0A}" type="datetimeFigureOut">
               <a:rPr lang="en-US" smtClean="0"/>
-              <a:t>8/7/2018</a:t>
+              <a:t>8/8/2018</a:t>
             </a:fld>
             <a:endParaRPr lang="en-US"/>
           </a:p>
@@ -1976,7 +1978,7 @@
           <a:p>
             <a:fld id="{63C097CE-CE30-40FD-8349-F85D75ED7B0A}" type="datetimeFigureOut">
               <a:rPr lang="en-US" smtClean="0"/>
-              <a:t>8/7/2018</a:t>
+              <a:t>8/8/2018</a:t>
             </a:fld>
             <a:endParaRPr lang="en-US"/>
           </a:p>
@@ -2089,7 +2091,7 @@
           <a:p>
             <a:fld id="{63C097CE-CE30-40FD-8349-F85D75ED7B0A}" type="datetimeFigureOut">
               <a:rPr lang="en-US" smtClean="0"/>
-              <a:t>8/7/2018</a:t>
+              <a:t>8/8/2018</a:t>
             </a:fld>
             <a:endParaRPr lang="en-US"/>
           </a:p>
@@ -2402,7 +2404,7 @@
           <a:p>
             <a:fld id="{63C097CE-CE30-40FD-8349-F85D75ED7B0A}" type="datetimeFigureOut">
               <a:rPr lang="en-US" smtClean="0"/>
-              <a:t>8/7/2018</a:t>
+              <a:t>8/8/2018</a:t>
             </a:fld>
             <a:endParaRPr lang="en-US"/>
           </a:p>
@@ -2691,7 +2693,7 @@
           <a:p>
             <a:fld id="{63C097CE-CE30-40FD-8349-F85D75ED7B0A}" type="datetimeFigureOut">
               <a:rPr lang="en-US" smtClean="0"/>
-              <a:t>8/7/2018</a:t>
+              <a:t>8/8/2018</a:t>
             </a:fld>
             <a:endParaRPr lang="en-US"/>
           </a:p>
@@ -2934,7 +2936,7 @@
           <a:p>
             <a:fld id="{63C097CE-CE30-40FD-8349-F85D75ED7B0A}" type="datetimeFigureOut">
               <a:rPr lang="en-US" smtClean="0"/>
-              <a:t>8/7/2018</a:t>
+              <a:t>8/8/2018</a:t>
             </a:fld>
             <a:endParaRPr lang="en-US"/>
           </a:p>
@@ -7331,6 +7333,1774 @@
 </p:sld>
 </file>
 
+<file path=ppt/slides/slide6.xml><?xml version="1.0" encoding="utf-8"?>
+<p:sld xmlns:a="http://schemas.openxmlformats.org/drawingml/2006/main" xmlns:r="http://schemas.openxmlformats.org/officeDocument/2006/relationships" xmlns:p="http://schemas.openxmlformats.org/presentationml/2006/main">
+  <p:cSld>
+    <p:spTree>
+      <p:nvGrpSpPr>
+        <p:cNvPr id="1" name=""/>
+        <p:cNvGrpSpPr/>
+        <p:nvPr/>
+      </p:nvGrpSpPr>
+      <p:grpSpPr>
+        <a:xfrm>
+          <a:off x="0" y="0"/>
+          <a:ext cx="0" cy="0"/>
+          <a:chOff x="0" y="0"/>
+          <a:chExt cx="0" cy="0"/>
+        </a:xfrm>
+      </p:grpSpPr>
+      <p:sp>
+        <p:nvSpPr>
+          <p:cNvPr id="78" name="Rectangle 77">
+            <a:extLst>
+              <a:ext uri="{FF2B5EF4-FFF2-40B4-BE49-F238E27FC236}">
+                <a16:creationId xmlns:a16="http://schemas.microsoft.com/office/drawing/2014/main" id="{03406A81-9E7C-434C-B47E-98F1D751956B}"/>
+              </a:ext>
+            </a:extLst>
+          </p:cNvPr>
+          <p:cNvSpPr/>
+          <p:nvPr/>
+        </p:nvSpPr>
+        <p:spPr>
+          <a:xfrm>
+            <a:off x="472272" y="5419"/>
+            <a:ext cx="10335279" cy="6852581"/>
+          </a:xfrm>
+          <a:prstGeom prst="rect">
+            <a:avLst/>
+          </a:prstGeom>
+          <a:solidFill>
+            <a:schemeClr val="bg1"/>
+          </a:solidFill>
+          <a:ln>
+            <a:solidFill>
+              <a:schemeClr val="bg1"/>
+            </a:solidFill>
+          </a:ln>
+        </p:spPr>
+        <p:style>
+          <a:lnRef idx="2">
+            <a:schemeClr val="accent1">
+              <a:shade val="50000"/>
+            </a:schemeClr>
+          </a:lnRef>
+          <a:fillRef idx="1">
+            <a:schemeClr val="accent1"/>
+          </a:fillRef>
+          <a:effectRef idx="0">
+            <a:schemeClr val="accent1"/>
+          </a:effectRef>
+          <a:fontRef idx="minor">
+            <a:schemeClr val="lt1"/>
+          </a:fontRef>
+        </p:style>
+        <p:txBody>
+          <a:bodyPr rtlCol="0" anchor="ctr"/>
+          <a:lstStyle/>
+          <a:p>
+            <a:pPr algn="ctr"/>
+            <a:endParaRPr lang="en-US"/>
+          </a:p>
+        </p:txBody>
+      </p:sp>
+      <p:pic>
+        <p:nvPicPr>
+          <p:cNvPr id="71" name="Image 70">
+            <a:extLst>
+              <a:ext uri="{FF2B5EF4-FFF2-40B4-BE49-F238E27FC236}">
+                <a16:creationId xmlns:a16="http://schemas.microsoft.com/office/drawing/2014/main" id="{0569A8FB-C979-47B4-8A67-8499D0F60167}"/>
+              </a:ext>
+            </a:extLst>
+          </p:cNvPr>
+          <p:cNvPicPr>
+            <a:picLocks noChangeAspect="1"/>
+          </p:cNvPicPr>
+          <p:nvPr/>
+        </p:nvPicPr>
+        <p:blipFill>
+          <a:blip r:embed="rId2"/>
+          <a:stretch>
+            <a:fillRect/>
+          </a:stretch>
+        </p:blipFill>
+        <p:spPr>
+          <a:xfrm>
+            <a:off x="5477377" y="3004988"/>
+            <a:ext cx="5105123" cy="2487379"/>
+          </a:xfrm>
+          <a:prstGeom prst="rect">
+            <a:avLst/>
+          </a:prstGeom>
+        </p:spPr>
+      </p:pic>
+      <p:pic>
+        <p:nvPicPr>
+          <p:cNvPr id="3" name="Image 2">
+            <a:extLst>
+              <a:ext uri="{FF2B5EF4-FFF2-40B4-BE49-F238E27FC236}">
+                <a16:creationId xmlns:a16="http://schemas.microsoft.com/office/drawing/2014/main" id="{6441B122-5C80-4158-AB15-A34346CA7F40}"/>
+              </a:ext>
+            </a:extLst>
+          </p:cNvPr>
+          <p:cNvPicPr>
+            <a:picLocks noChangeAspect="1"/>
+          </p:cNvPicPr>
+          <p:nvPr/>
+        </p:nvPicPr>
+        <p:blipFill rotWithShape="1">
+          <a:blip r:embed="rId3"/>
+          <a:srcRect t="1824" r="3361" b="9244"/>
+          <a:stretch/>
+        </p:blipFill>
+        <p:spPr>
+          <a:xfrm>
+            <a:off x="1256198" y="174113"/>
+            <a:ext cx="5260480" cy="2289509"/>
+          </a:xfrm>
+          <a:prstGeom prst="rect">
+            <a:avLst/>
+          </a:prstGeom>
+          <a:ln w="28575">
+            <a:solidFill>
+              <a:schemeClr val="tx1"/>
+            </a:solidFill>
+          </a:ln>
+        </p:spPr>
+      </p:pic>
+      <p:sp>
+        <p:nvSpPr>
+          <p:cNvPr id="8" name="ZoneTexte 7">
+            <a:extLst>
+              <a:ext uri="{FF2B5EF4-FFF2-40B4-BE49-F238E27FC236}">
+                <a16:creationId xmlns:a16="http://schemas.microsoft.com/office/drawing/2014/main" id="{7813EC17-F8C4-4085-9A1C-E31AC58D9D20}"/>
+              </a:ext>
+            </a:extLst>
+          </p:cNvPr>
+          <p:cNvSpPr txBox="1"/>
+          <p:nvPr/>
+        </p:nvSpPr>
+        <p:spPr>
+          <a:xfrm>
+            <a:off x="4903650" y="2775850"/>
+            <a:ext cx="604565" cy="461665"/>
+          </a:xfrm>
+          <a:prstGeom prst="rect">
+            <a:avLst/>
+          </a:prstGeom>
+          <a:noFill/>
+        </p:spPr>
+        <p:txBody>
+          <a:bodyPr wrap="square" rtlCol="0">
+            <a:spAutoFit/>
+          </a:bodyPr>
+          <a:lstStyle/>
+          <a:p>
+            <a:pPr algn="ctr"/>
+            <a:r>
+              <a:rPr lang="en-US" sz="2400" dirty="0"/>
+              <a:t>…</a:t>
+            </a:r>
+          </a:p>
+        </p:txBody>
+      </p:sp>
+      <p:sp>
+        <p:nvSpPr>
+          <p:cNvPr id="10" name="ZoneTexte 9">
+            <a:extLst>
+              <a:ext uri="{FF2B5EF4-FFF2-40B4-BE49-F238E27FC236}">
+                <a16:creationId xmlns:a16="http://schemas.microsoft.com/office/drawing/2014/main" id="{90CA22D0-0131-4E86-A2BD-0E378D3E3DD0}"/>
+              </a:ext>
+            </a:extLst>
+          </p:cNvPr>
+          <p:cNvSpPr txBox="1"/>
+          <p:nvPr/>
+        </p:nvSpPr>
+        <p:spPr>
+          <a:xfrm>
+            <a:off x="4735168" y="3933107"/>
+            <a:ext cx="941531" cy="461665"/>
+          </a:xfrm>
+          <a:prstGeom prst="rect">
+            <a:avLst/>
+          </a:prstGeom>
+          <a:noFill/>
+        </p:spPr>
+        <p:txBody>
+          <a:bodyPr wrap="square" rtlCol="0">
+            <a:spAutoFit/>
+          </a:bodyPr>
+          <a:lstStyle/>
+          <a:p>
+            <a:pPr algn="ctr"/>
+            <a:r>
+              <a:rPr lang="en-US" sz="2400" dirty="0"/>
+              <a:t>…</a:t>
+            </a:r>
+          </a:p>
+        </p:txBody>
+      </p:sp>
+      <p:sp>
+        <p:nvSpPr>
+          <p:cNvPr id="12" name="ZoneTexte 11">
+            <a:extLst>
+              <a:ext uri="{FF2B5EF4-FFF2-40B4-BE49-F238E27FC236}">
+                <a16:creationId xmlns:a16="http://schemas.microsoft.com/office/drawing/2014/main" id="{67CF0401-36AF-4ED8-9295-83E81D8AD96E}"/>
+              </a:ext>
+            </a:extLst>
+          </p:cNvPr>
+          <p:cNvSpPr txBox="1"/>
+          <p:nvPr/>
+        </p:nvSpPr>
+        <p:spPr>
+          <a:xfrm>
+            <a:off x="5560581" y="5498507"/>
+            <a:ext cx="3860472" cy="369332"/>
+          </a:xfrm>
+          <a:prstGeom prst="rect">
+            <a:avLst/>
+          </a:prstGeom>
+          <a:noFill/>
+        </p:spPr>
+        <p:txBody>
+          <a:bodyPr wrap="square" rtlCol="0">
+            <a:spAutoFit/>
+          </a:bodyPr>
+          <a:lstStyle/>
+          <a:p>
+            <a:r>
+              <a:rPr lang="en-US" dirty="0">
+                <a:solidFill>
+                  <a:srgbClr val="FF0000"/>
+                </a:solidFill>
+              </a:rPr>
+              <a:t>F</a:t>
+            </a:r>
+            <a:r>
+              <a:rPr lang="en-US" altLang="zh-CN" dirty="0">
+                <a:solidFill>
+                  <a:srgbClr val="FF0000"/>
+                </a:solidFill>
+              </a:rPr>
+              <a:t>ollowing metadata columns are added</a:t>
+            </a:r>
+            <a:endParaRPr lang="en-US" dirty="0">
+              <a:solidFill>
+                <a:srgbClr val="FF0000"/>
+              </a:solidFill>
+            </a:endParaRPr>
+          </a:p>
+        </p:txBody>
+      </p:sp>
+      <p:sp>
+        <p:nvSpPr>
+          <p:cNvPr id="22" name="ZoneTexte 21">
+            <a:extLst>
+              <a:ext uri="{FF2B5EF4-FFF2-40B4-BE49-F238E27FC236}">
+                <a16:creationId xmlns:a16="http://schemas.microsoft.com/office/drawing/2014/main" id="{935795B6-F2ED-4924-A5EF-B2BE173A6655}"/>
+              </a:ext>
+            </a:extLst>
+          </p:cNvPr>
+          <p:cNvSpPr txBox="1"/>
+          <p:nvPr/>
+        </p:nvSpPr>
+        <p:spPr>
+          <a:xfrm>
+            <a:off x="652187" y="2492600"/>
+            <a:ext cx="1351088" cy="369332"/>
+          </a:xfrm>
+          <a:prstGeom prst="rect">
+            <a:avLst/>
+          </a:prstGeom>
+          <a:noFill/>
+        </p:spPr>
+        <p:txBody>
+          <a:bodyPr wrap="square" rtlCol="0">
+            <a:spAutoFit/>
+          </a:bodyPr>
+          <a:lstStyle/>
+          <a:p>
+            <a:r>
+              <a:rPr lang="en-US" dirty="0">
+                <a:solidFill>
+                  <a:srgbClr val="FF0000"/>
+                </a:solidFill>
+              </a:rPr>
+              <a:t>Meta data</a:t>
+            </a:r>
+          </a:p>
+        </p:txBody>
+      </p:sp>
+      <p:sp>
+        <p:nvSpPr>
+          <p:cNvPr id="24" name="ZoneTexte 23">
+            <a:extLst>
+              <a:ext uri="{FF2B5EF4-FFF2-40B4-BE49-F238E27FC236}">
+                <a16:creationId xmlns:a16="http://schemas.microsoft.com/office/drawing/2014/main" id="{5C028F4F-4373-4D7B-B3F7-C9B9214C7865}"/>
+              </a:ext>
+            </a:extLst>
+          </p:cNvPr>
+          <p:cNvSpPr txBox="1"/>
+          <p:nvPr/>
+        </p:nvSpPr>
+        <p:spPr>
+          <a:xfrm>
+            <a:off x="9027000" y="2077556"/>
+            <a:ext cx="1542997" cy="369332"/>
+          </a:xfrm>
+          <a:prstGeom prst="rect">
+            <a:avLst/>
+          </a:prstGeom>
+          <a:noFill/>
+        </p:spPr>
+        <p:txBody>
+          <a:bodyPr wrap="square" rtlCol="0">
+            <a:spAutoFit/>
+          </a:bodyPr>
+          <a:lstStyle/>
+          <a:p>
+            <a:r>
+              <a:rPr lang="en-US" i="1" dirty="0">
+                <a:solidFill>
+                  <a:srgbClr val="FF0000"/>
+                </a:solidFill>
+              </a:rPr>
+              <a:t>Spectra data</a:t>
+            </a:r>
+          </a:p>
+        </p:txBody>
+      </p:sp>
+      <p:pic>
+        <p:nvPicPr>
+          <p:cNvPr id="41" name="Image 40">
+            <a:extLst>
+              <a:ext uri="{FF2B5EF4-FFF2-40B4-BE49-F238E27FC236}">
+                <a16:creationId xmlns:a16="http://schemas.microsoft.com/office/drawing/2014/main" id="{E012CF8E-8D48-4C4A-8CA0-1986C6096E61}"/>
+              </a:ext>
+            </a:extLst>
+          </p:cNvPr>
+          <p:cNvPicPr>
+            <a:picLocks noChangeAspect="1"/>
+          </p:cNvPicPr>
+          <p:nvPr/>
+        </p:nvPicPr>
+        <p:blipFill>
+          <a:blip r:embed="rId4"/>
+          <a:stretch>
+            <a:fillRect/>
+          </a:stretch>
+        </p:blipFill>
+        <p:spPr>
+          <a:xfrm>
+            <a:off x="1188147" y="3003114"/>
+            <a:ext cx="3771787" cy="2492166"/>
+          </a:xfrm>
+          <a:prstGeom prst="rect">
+            <a:avLst/>
+          </a:prstGeom>
+        </p:spPr>
+      </p:pic>
+      <p:sp>
+        <p:nvSpPr>
+          <p:cNvPr id="45" name="Forme libre : forme 44">
+            <a:extLst>
+              <a:ext uri="{FF2B5EF4-FFF2-40B4-BE49-F238E27FC236}">
+                <a16:creationId xmlns:a16="http://schemas.microsoft.com/office/drawing/2014/main" id="{85736300-E6E6-4539-813C-418D7BB194CA}"/>
+              </a:ext>
+            </a:extLst>
+          </p:cNvPr>
+          <p:cNvSpPr/>
+          <p:nvPr/>
+        </p:nvSpPr>
+        <p:spPr>
+          <a:xfrm>
+            <a:off x="546575" y="1922101"/>
+            <a:ext cx="1147432" cy="1367803"/>
+          </a:xfrm>
+          <a:custGeom>
+            <a:avLst/>
+            <a:gdLst>
+              <a:gd name="connsiteX0" fmla="*/ 1086082 w 1086082"/>
+              <a:gd name="connsiteY0" fmla="*/ 0 h 1395167"/>
+              <a:gd name="connsiteX1" fmla="*/ 2000 w 1086082"/>
+              <a:gd name="connsiteY1" fmla="*/ 735291 h 1395167"/>
+              <a:gd name="connsiteX2" fmla="*/ 822132 w 1086082"/>
+              <a:gd name="connsiteY2" fmla="*/ 1395167 h 1395167"/>
+            </a:gdLst>
+            <a:ahLst/>
+            <a:cxnLst>
+              <a:cxn ang="0">
+                <a:pos x="connsiteX0" y="connsiteY0"/>
+              </a:cxn>
+              <a:cxn ang="0">
+                <a:pos x="connsiteX1" y="connsiteY1"/>
+              </a:cxn>
+              <a:cxn ang="0">
+                <a:pos x="connsiteX2" y="connsiteY2"/>
+              </a:cxn>
+            </a:cxnLst>
+            <a:rect l="l" t="t" r="r" b="b"/>
+            <a:pathLst>
+              <a:path w="1086082" h="1395167">
+                <a:moveTo>
+                  <a:pt x="1086082" y="0"/>
+                </a:moveTo>
+                <a:cubicBezTo>
+                  <a:pt x="566037" y="251381"/>
+                  <a:pt x="45992" y="502763"/>
+                  <a:pt x="2000" y="735291"/>
+                </a:cubicBezTo>
+                <a:cubicBezTo>
+                  <a:pt x="-41992" y="967819"/>
+                  <a:pt x="652450" y="1271048"/>
+                  <a:pt x="822132" y="1395167"/>
+                </a:cubicBezTo>
+              </a:path>
+            </a:pathLst>
+          </a:custGeom>
+          <a:noFill/>
+          <a:ln w="28575">
+            <a:solidFill>
+              <a:srgbClr val="FF0000"/>
+            </a:solidFill>
+            <a:headEnd type="none" w="med" len="med"/>
+            <a:tailEnd type="arrow" w="med" len="med"/>
+          </a:ln>
+        </p:spPr>
+        <p:style>
+          <a:lnRef idx="2">
+            <a:schemeClr val="accent1">
+              <a:shade val="50000"/>
+            </a:schemeClr>
+          </a:lnRef>
+          <a:fillRef idx="1">
+            <a:schemeClr val="accent1"/>
+          </a:fillRef>
+          <a:effectRef idx="0">
+            <a:schemeClr val="accent1"/>
+          </a:effectRef>
+          <a:fontRef idx="minor">
+            <a:schemeClr val="lt1"/>
+          </a:fontRef>
+        </p:style>
+        <p:txBody>
+          <a:bodyPr rtlCol="0" anchor="ctr"/>
+          <a:lstStyle/>
+          <a:p>
+            <a:pPr algn="ctr"/>
+            <a:endParaRPr lang="en-US"/>
+          </a:p>
+        </p:txBody>
+      </p:sp>
+      <p:sp>
+        <p:nvSpPr>
+          <p:cNvPr id="46" name="Rectangle : coins arrondis 45">
+            <a:extLst>
+              <a:ext uri="{FF2B5EF4-FFF2-40B4-BE49-F238E27FC236}">
+                <a16:creationId xmlns:a16="http://schemas.microsoft.com/office/drawing/2014/main" id="{3B181BFD-CF84-4A54-A0F3-2AFCB1C5CFE2}"/>
+              </a:ext>
+            </a:extLst>
+          </p:cNvPr>
+          <p:cNvSpPr/>
+          <p:nvPr/>
+        </p:nvSpPr>
+        <p:spPr>
+          <a:xfrm>
+            <a:off x="4161368" y="4919275"/>
+            <a:ext cx="2056110" cy="352950"/>
+          </a:xfrm>
+          <a:prstGeom prst="roundRect">
+            <a:avLst/>
+          </a:prstGeom>
+          <a:noFill/>
+          <a:ln>
+            <a:solidFill>
+              <a:srgbClr val="0070C0"/>
+            </a:solidFill>
+          </a:ln>
+        </p:spPr>
+        <p:style>
+          <a:lnRef idx="2">
+            <a:schemeClr val="accent1">
+              <a:shade val="50000"/>
+            </a:schemeClr>
+          </a:lnRef>
+          <a:fillRef idx="1">
+            <a:schemeClr val="accent1"/>
+          </a:fillRef>
+          <a:effectRef idx="0">
+            <a:schemeClr val="accent1"/>
+          </a:effectRef>
+          <a:fontRef idx="minor">
+            <a:schemeClr val="lt1"/>
+          </a:fontRef>
+        </p:style>
+        <p:txBody>
+          <a:bodyPr rtlCol="0" anchor="ctr"/>
+          <a:lstStyle/>
+          <a:p>
+            <a:pPr algn="ctr"/>
+            <a:endParaRPr lang="en-US"/>
+          </a:p>
+        </p:txBody>
+      </p:sp>
+      <p:sp>
+        <p:nvSpPr>
+          <p:cNvPr id="28" name="Rectangle : coins arrondis 27">
+            <a:extLst>
+              <a:ext uri="{FF2B5EF4-FFF2-40B4-BE49-F238E27FC236}">
+                <a16:creationId xmlns:a16="http://schemas.microsoft.com/office/drawing/2014/main" id="{87860E08-9A61-42C9-B1CF-C9E07D79939B}"/>
+              </a:ext>
+            </a:extLst>
+          </p:cNvPr>
+          <p:cNvSpPr/>
+          <p:nvPr/>
+        </p:nvSpPr>
+        <p:spPr>
+          <a:xfrm>
+            <a:off x="1188145" y="4386995"/>
+            <a:ext cx="9369343" cy="208159"/>
+          </a:xfrm>
+          <a:prstGeom prst="roundRect">
+            <a:avLst/>
+          </a:prstGeom>
+          <a:noFill/>
+          <a:ln>
+            <a:solidFill>
+              <a:srgbClr val="0070C0"/>
+            </a:solidFill>
+          </a:ln>
+        </p:spPr>
+        <p:style>
+          <a:lnRef idx="2">
+            <a:schemeClr val="accent1">
+              <a:shade val="50000"/>
+            </a:schemeClr>
+          </a:lnRef>
+          <a:fillRef idx="1">
+            <a:schemeClr val="accent1"/>
+          </a:fillRef>
+          <a:effectRef idx="0">
+            <a:schemeClr val="accent1"/>
+          </a:effectRef>
+          <a:fontRef idx="minor">
+            <a:schemeClr val="lt1"/>
+          </a:fontRef>
+        </p:style>
+        <p:txBody>
+          <a:bodyPr rtlCol="0" anchor="ctr"/>
+          <a:lstStyle/>
+          <a:p>
+            <a:pPr algn="ctr"/>
+            <a:endParaRPr lang="en-US"/>
+          </a:p>
+        </p:txBody>
+      </p:sp>
+      <p:sp>
+        <p:nvSpPr>
+          <p:cNvPr id="52" name="ZoneTexte 51">
+            <a:extLst>
+              <a:ext uri="{FF2B5EF4-FFF2-40B4-BE49-F238E27FC236}">
+                <a16:creationId xmlns:a16="http://schemas.microsoft.com/office/drawing/2014/main" id="{DAE24555-3B54-4BAD-B93A-7336AB6F9078}"/>
+              </a:ext>
+            </a:extLst>
+          </p:cNvPr>
+          <p:cNvSpPr txBox="1"/>
+          <p:nvPr/>
+        </p:nvSpPr>
+        <p:spPr>
+          <a:xfrm>
+            <a:off x="3235040" y="1313607"/>
+            <a:ext cx="3200957" cy="369332"/>
+          </a:xfrm>
+          <a:prstGeom prst="rect">
+            <a:avLst/>
+          </a:prstGeom>
+          <a:noFill/>
+        </p:spPr>
+        <p:txBody>
+          <a:bodyPr wrap="square" rtlCol="0">
+            <a:spAutoFit/>
+          </a:bodyPr>
+          <a:lstStyle/>
+          <a:p>
+            <a:r>
+              <a:rPr lang="en-US" dirty="0">
+                <a:solidFill>
+                  <a:srgbClr val="FF0000"/>
+                </a:solidFill>
+              </a:rPr>
+              <a:t>GNPS-style spectral library file</a:t>
+            </a:r>
+          </a:p>
+        </p:txBody>
+      </p:sp>
+      <p:cxnSp>
+        <p:nvCxnSpPr>
+          <p:cNvPr id="53" name="Connecteur droit avec flèche 52">
+            <a:extLst>
+              <a:ext uri="{FF2B5EF4-FFF2-40B4-BE49-F238E27FC236}">
+                <a16:creationId xmlns:a16="http://schemas.microsoft.com/office/drawing/2014/main" id="{A3533E91-5E66-46B5-9748-247863DD420B}"/>
+              </a:ext>
+            </a:extLst>
+          </p:cNvPr>
+          <p:cNvCxnSpPr>
+            <a:cxnSpLocks/>
+          </p:cNvCxnSpPr>
+          <p:nvPr/>
+        </p:nvCxnSpPr>
+        <p:spPr>
+          <a:xfrm flipH="1">
+            <a:off x="4410776" y="5287930"/>
+            <a:ext cx="101619" cy="330952"/>
+          </a:xfrm>
+          <a:prstGeom prst="straightConnector1">
+            <a:avLst/>
+          </a:prstGeom>
+          <a:ln>
+            <a:tailEnd type="triangle"/>
+          </a:ln>
+        </p:spPr>
+        <p:style>
+          <a:lnRef idx="1">
+            <a:schemeClr val="accent1"/>
+          </a:lnRef>
+          <a:fillRef idx="0">
+            <a:schemeClr val="accent1"/>
+          </a:fillRef>
+          <a:effectRef idx="0">
+            <a:schemeClr val="accent1"/>
+          </a:effectRef>
+          <a:fontRef idx="minor">
+            <a:schemeClr val="tx1"/>
+          </a:fontRef>
+        </p:style>
+      </p:cxnSp>
+      <p:cxnSp>
+        <p:nvCxnSpPr>
+          <p:cNvPr id="56" name="Connecteur droit 55">
+            <a:extLst>
+              <a:ext uri="{FF2B5EF4-FFF2-40B4-BE49-F238E27FC236}">
+                <a16:creationId xmlns:a16="http://schemas.microsoft.com/office/drawing/2014/main" id="{04911FDB-6E6C-4760-900D-CCBA5FD281C3}"/>
+              </a:ext>
+            </a:extLst>
+          </p:cNvPr>
+          <p:cNvCxnSpPr>
+            <a:cxnSpLocks/>
+          </p:cNvCxnSpPr>
+          <p:nvPr/>
+        </p:nvCxnSpPr>
+        <p:spPr>
+          <a:xfrm>
+            <a:off x="5477377" y="2957068"/>
+            <a:ext cx="0" cy="2859419"/>
+          </a:xfrm>
+          <a:prstGeom prst="line">
+            <a:avLst/>
+          </a:prstGeom>
+          <a:ln w="19050">
+            <a:solidFill>
+              <a:srgbClr val="FF0000"/>
+            </a:solidFill>
+          </a:ln>
+        </p:spPr>
+        <p:style>
+          <a:lnRef idx="1">
+            <a:schemeClr val="accent1"/>
+          </a:lnRef>
+          <a:fillRef idx="0">
+            <a:schemeClr val="accent1"/>
+          </a:fillRef>
+          <a:effectRef idx="0">
+            <a:schemeClr val="accent1"/>
+          </a:effectRef>
+          <a:fontRef idx="minor">
+            <a:schemeClr val="tx1"/>
+          </a:fontRef>
+        </p:style>
+      </p:cxnSp>
+      <p:cxnSp>
+        <p:nvCxnSpPr>
+          <p:cNvPr id="57" name="Connecteur droit 56">
+            <a:extLst>
+              <a:ext uri="{FF2B5EF4-FFF2-40B4-BE49-F238E27FC236}">
+                <a16:creationId xmlns:a16="http://schemas.microsoft.com/office/drawing/2014/main" id="{E2665E2A-F00F-4AF1-9A51-E4CB1821B9A6}"/>
+              </a:ext>
+            </a:extLst>
+          </p:cNvPr>
+          <p:cNvCxnSpPr/>
+          <p:nvPr/>
+        </p:nvCxnSpPr>
+        <p:spPr>
+          <a:xfrm>
+            <a:off x="10569997" y="2957068"/>
+            <a:ext cx="0" cy="2859419"/>
+          </a:xfrm>
+          <a:prstGeom prst="line">
+            <a:avLst/>
+          </a:prstGeom>
+          <a:ln w="19050">
+            <a:solidFill>
+              <a:srgbClr val="FF0000"/>
+            </a:solidFill>
+          </a:ln>
+        </p:spPr>
+        <p:style>
+          <a:lnRef idx="1">
+            <a:schemeClr val="accent1"/>
+          </a:lnRef>
+          <a:fillRef idx="0">
+            <a:schemeClr val="accent1"/>
+          </a:fillRef>
+          <a:effectRef idx="0">
+            <a:schemeClr val="accent1"/>
+          </a:effectRef>
+          <a:fontRef idx="minor">
+            <a:schemeClr val="tx1"/>
+          </a:fontRef>
+        </p:style>
+      </p:cxnSp>
+      <p:sp>
+        <p:nvSpPr>
+          <p:cNvPr id="60" name="ZoneTexte 59">
+            <a:extLst>
+              <a:ext uri="{FF2B5EF4-FFF2-40B4-BE49-F238E27FC236}">
+                <a16:creationId xmlns:a16="http://schemas.microsoft.com/office/drawing/2014/main" id="{B1DA18EC-3F80-4A32-9AD9-E042EC55B4E1}"/>
+              </a:ext>
+            </a:extLst>
+          </p:cNvPr>
+          <p:cNvSpPr txBox="1"/>
+          <p:nvPr/>
+        </p:nvSpPr>
+        <p:spPr>
+          <a:xfrm>
+            <a:off x="3569998" y="5580856"/>
+            <a:ext cx="1928088" cy="738664"/>
+          </a:xfrm>
+          <a:prstGeom prst="rect">
+            <a:avLst/>
+          </a:prstGeom>
+          <a:noFill/>
+        </p:spPr>
+        <p:txBody>
+          <a:bodyPr wrap="square" rtlCol="0">
+            <a:spAutoFit/>
+          </a:bodyPr>
+          <a:lstStyle/>
+          <a:p>
+            <a:r>
+              <a:rPr lang="en-US" sz="1400" i="1" dirty="0">
+                <a:solidFill>
+                  <a:srgbClr val="4472C4"/>
+                </a:solidFill>
+              </a:rPr>
+              <a:t>MS1 and MS2 scans are both detected for feature ID=8</a:t>
+            </a:r>
+          </a:p>
+        </p:txBody>
+      </p:sp>
+      <p:pic>
+        <p:nvPicPr>
+          <p:cNvPr id="61" name="Image 60">
+            <a:extLst>
+              <a:ext uri="{FF2B5EF4-FFF2-40B4-BE49-F238E27FC236}">
+                <a16:creationId xmlns:a16="http://schemas.microsoft.com/office/drawing/2014/main" id="{47DDCEF7-BA9E-4FDA-860A-4FF7A48BCF26}"/>
+              </a:ext>
+            </a:extLst>
+          </p:cNvPr>
+          <p:cNvPicPr>
+            <a:picLocks noChangeAspect="1"/>
+          </p:cNvPicPr>
+          <p:nvPr/>
+        </p:nvPicPr>
+        <p:blipFill rotWithShape="1">
+          <a:blip r:embed="rId5"/>
+          <a:srcRect t="1523" r="24557"/>
+          <a:stretch/>
+        </p:blipFill>
+        <p:spPr>
+          <a:xfrm>
+            <a:off x="6916706" y="140798"/>
+            <a:ext cx="1999774" cy="2616802"/>
+          </a:xfrm>
+          <a:prstGeom prst="rect">
+            <a:avLst/>
+          </a:prstGeom>
+        </p:spPr>
+      </p:pic>
+      <p:cxnSp>
+        <p:nvCxnSpPr>
+          <p:cNvPr id="62" name="Connecteur droit avec flèche 61">
+            <a:extLst>
+              <a:ext uri="{FF2B5EF4-FFF2-40B4-BE49-F238E27FC236}">
+                <a16:creationId xmlns:a16="http://schemas.microsoft.com/office/drawing/2014/main" id="{1EB1A78C-15AB-4863-8890-C299D0C82A20}"/>
+              </a:ext>
+            </a:extLst>
+          </p:cNvPr>
+          <p:cNvCxnSpPr>
+            <a:cxnSpLocks/>
+          </p:cNvCxnSpPr>
+          <p:nvPr/>
+        </p:nvCxnSpPr>
+        <p:spPr>
+          <a:xfrm>
+            <a:off x="2894501" y="1682939"/>
+            <a:ext cx="4022205" cy="0"/>
+          </a:xfrm>
+          <a:prstGeom prst="straightConnector1">
+            <a:avLst/>
+          </a:prstGeom>
+          <a:ln w="28575">
+            <a:solidFill>
+              <a:srgbClr val="FF0000"/>
+            </a:solidFill>
+            <a:tailEnd type="triangle"/>
+          </a:ln>
+        </p:spPr>
+        <p:style>
+          <a:lnRef idx="1">
+            <a:schemeClr val="accent1"/>
+          </a:lnRef>
+          <a:fillRef idx="0">
+            <a:schemeClr val="accent1"/>
+          </a:fillRef>
+          <a:effectRef idx="0">
+            <a:schemeClr val="accent1"/>
+          </a:effectRef>
+          <a:fontRef idx="minor">
+            <a:schemeClr val="tx1"/>
+          </a:fontRef>
+        </p:style>
+      </p:cxnSp>
+      <p:cxnSp>
+        <p:nvCxnSpPr>
+          <p:cNvPr id="65" name="Connecteur droit 64">
+            <a:extLst>
+              <a:ext uri="{FF2B5EF4-FFF2-40B4-BE49-F238E27FC236}">
+                <a16:creationId xmlns:a16="http://schemas.microsoft.com/office/drawing/2014/main" id="{F42E9E83-3C0F-4B1B-A887-BA5E65AB9F40}"/>
+              </a:ext>
+            </a:extLst>
+          </p:cNvPr>
+          <p:cNvCxnSpPr/>
+          <p:nvPr/>
+        </p:nvCxnSpPr>
+        <p:spPr>
+          <a:xfrm>
+            <a:off x="8343933" y="140798"/>
+            <a:ext cx="0" cy="1645920"/>
+          </a:xfrm>
+          <a:prstGeom prst="line">
+            <a:avLst/>
+          </a:prstGeom>
+          <a:ln w="19050">
+            <a:solidFill>
+              <a:srgbClr val="FF0000"/>
+            </a:solidFill>
+          </a:ln>
+        </p:spPr>
+        <p:style>
+          <a:lnRef idx="1">
+            <a:schemeClr val="accent1"/>
+          </a:lnRef>
+          <a:fillRef idx="0">
+            <a:schemeClr val="accent1"/>
+          </a:fillRef>
+          <a:effectRef idx="0">
+            <a:schemeClr val="accent1"/>
+          </a:effectRef>
+          <a:fontRef idx="minor">
+            <a:schemeClr val="tx1"/>
+          </a:fontRef>
+        </p:style>
+      </p:cxnSp>
+      <p:sp>
+        <p:nvSpPr>
+          <p:cNvPr id="23" name="ZoneTexte 22">
+            <a:extLst>
+              <a:ext uri="{FF2B5EF4-FFF2-40B4-BE49-F238E27FC236}">
+                <a16:creationId xmlns:a16="http://schemas.microsoft.com/office/drawing/2014/main" id="{944CB714-62F4-4338-8FF0-2C3043047C6A}"/>
+              </a:ext>
+            </a:extLst>
+          </p:cNvPr>
+          <p:cNvSpPr txBox="1"/>
+          <p:nvPr/>
+        </p:nvSpPr>
+        <p:spPr>
+          <a:xfrm>
+            <a:off x="8354247" y="779092"/>
+            <a:ext cx="1144703" cy="369332"/>
+          </a:xfrm>
+          <a:prstGeom prst="rect">
+            <a:avLst/>
+          </a:prstGeom>
+          <a:noFill/>
+        </p:spPr>
+        <p:txBody>
+          <a:bodyPr wrap="square" rtlCol="0">
+            <a:spAutoFit/>
+          </a:bodyPr>
+          <a:lstStyle/>
+          <a:p>
+            <a:r>
+              <a:rPr lang="en-US" i="1" dirty="0">
+                <a:solidFill>
+                  <a:srgbClr val="FF0000"/>
+                </a:solidFill>
+              </a:rPr>
+              <a:t>Metadata</a:t>
+            </a:r>
+          </a:p>
+        </p:txBody>
+      </p:sp>
+      <p:cxnSp>
+        <p:nvCxnSpPr>
+          <p:cNvPr id="66" name="Connecteur droit 65">
+            <a:extLst>
+              <a:ext uri="{FF2B5EF4-FFF2-40B4-BE49-F238E27FC236}">
+                <a16:creationId xmlns:a16="http://schemas.microsoft.com/office/drawing/2014/main" id="{C44EC7A9-4217-4157-A2F9-32820B011670}"/>
+              </a:ext>
+            </a:extLst>
+          </p:cNvPr>
+          <p:cNvCxnSpPr/>
+          <p:nvPr/>
+        </p:nvCxnSpPr>
+        <p:spPr>
+          <a:xfrm>
+            <a:off x="9027001" y="1786718"/>
+            <a:ext cx="0" cy="914400"/>
+          </a:xfrm>
+          <a:prstGeom prst="line">
+            <a:avLst/>
+          </a:prstGeom>
+          <a:ln w="19050">
+            <a:solidFill>
+              <a:srgbClr val="FF0000"/>
+            </a:solidFill>
+          </a:ln>
+        </p:spPr>
+        <p:style>
+          <a:lnRef idx="1">
+            <a:schemeClr val="accent1"/>
+          </a:lnRef>
+          <a:fillRef idx="0">
+            <a:schemeClr val="accent1"/>
+          </a:fillRef>
+          <a:effectRef idx="0">
+            <a:schemeClr val="accent1"/>
+          </a:effectRef>
+          <a:fontRef idx="minor">
+            <a:schemeClr val="tx1"/>
+          </a:fontRef>
+        </p:style>
+      </p:cxnSp>
+      <p:sp>
+        <p:nvSpPr>
+          <p:cNvPr id="37" name="ZoneTexte 36">
+            <a:extLst>
+              <a:ext uri="{FF2B5EF4-FFF2-40B4-BE49-F238E27FC236}">
+                <a16:creationId xmlns:a16="http://schemas.microsoft.com/office/drawing/2014/main" id="{B71716CC-E764-4070-9690-59D68F5530E8}"/>
+              </a:ext>
+            </a:extLst>
+          </p:cNvPr>
+          <p:cNvSpPr txBox="1"/>
+          <p:nvPr/>
+        </p:nvSpPr>
+        <p:spPr>
+          <a:xfrm>
+            <a:off x="7862706" y="2692946"/>
+            <a:ext cx="2252883" cy="369332"/>
+          </a:xfrm>
+          <a:prstGeom prst="rect">
+            <a:avLst/>
+          </a:prstGeom>
+          <a:noFill/>
+        </p:spPr>
+        <p:txBody>
+          <a:bodyPr wrap="square" rtlCol="0">
+            <a:spAutoFit/>
+          </a:bodyPr>
+          <a:lstStyle/>
+          <a:p>
+            <a:pPr algn="ctr"/>
+            <a:r>
+              <a:rPr lang="en-US" i="1" dirty="0">
+                <a:solidFill>
+                  <a:srgbClr val="4472C4"/>
+                </a:solidFill>
+              </a:rPr>
+              <a:t>Example of a “scan”</a:t>
+            </a:r>
+          </a:p>
+        </p:txBody>
+      </p:sp>
+      <p:cxnSp>
+        <p:nvCxnSpPr>
+          <p:cNvPr id="27" name="Connecteur droit avec flèche 26">
+            <a:extLst>
+              <a:ext uri="{FF2B5EF4-FFF2-40B4-BE49-F238E27FC236}">
+                <a16:creationId xmlns:a16="http://schemas.microsoft.com/office/drawing/2014/main" id="{B3AC4EC9-FEFF-4C8C-98F5-70C52E54F6EA}"/>
+              </a:ext>
+            </a:extLst>
+          </p:cNvPr>
+          <p:cNvCxnSpPr>
+            <a:cxnSpLocks/>
+          </p:cNvCxnSpPr>
+          <p:nvPr/>
+        </p:nvCxnSpPr>
+        <p:spPr>
+          <a:xfrm flipV="1">
+            <a:off x="7612117" y="2446888"/>
+            <a:ext cx="501178" cy="1939890"/>
+          </a:xfrm>
+          <a:prstGeom prst="straightConnector1">
+            <a:avLst/>
+          </a:prstGeom>
+          <a:ln>
+            <a:tailEnd type="triangle"/>
+          </a:ln>
+        </p:spPr>
+        <p:style>
+          <a:lnRef idx="1">
+            <a:schemeClr val="accent1"/>
+          </a:lnRef>
+          <a:fillRef idx="0">
+            <a:schemeClr val="accent1"/>
+          </a:fillRef>
+          <a:effectRef idx="0">
+            <a:schemeClr val="accent1"/>
+          </a:effectRef>
+          <a:fontRef idx="minor">
+            <a:schemeClr val="tx1"/>
+          </a:fontRef>
+        </p:style>
+      </p:cxnSp>
+      <p:cxnSp>
+        <p:nvCxnSpPr>
+          <p:cNvPr id="72" name="Connecteur droit avec flèche 71">
+            <a:extLst>
+              <a:ext uri="{FF2B5EF4-FFF2-40B4-BE49-F238E27FC236}">
+                <a16:creationId xmlns:a16="http://schemas.microsoft.com/office/drawing/2014/main" id="{DEC410BC-D7CC-4A14-88D2-7579993863BC}"/>
+              </a:ext>
+            </a:extLst>
+          </p:cNvPr>
+          <p:cNvCxnSpPr>
+            <a:cxnSpLocks/>
+          </p:cNvCxnSpPr>
+          <p:nvPr/>
+        </p:nvCxnSpPr>
+        <p:spPr>
+          <a:xfrm flipH="1">
+            <a:off x="1384449" y="5346098"/>
+            <a:ext cx="101619" cy="330952"/>
+          </a:xfrm>
+          <a:prstGeom prst="straightConnector1">
+            <a:avLst/>
+          </a:prstGeom>
+          <a:ln>
+            <a:tailEnd type="triangle"/>
+          </a:ln>
+        </p:spPr>
+        <p:style>
+          <a:lnRef idx="1">
+            <a:schemeClr val="accent1"/>
+          </a:lnRef>
+          <a:fillRef idx="0">
+            <a:schemeClr val="accent1"/>
+          </a:fillRef>
+          <a:effectRef idx="0">
+            <a:schemeClr val="accent1"/>
+          </a:effectRef>
+          <a:fontRef idx="minor">
+            <a:schemeClr val="tx1"/>
+          </a:fontRef>
+        </p:style>
+      </p:cxnSp>
+      <p:cxnSp>
+        <p:nvCxnSpPr>
+          <p:cNvPr id="73" name="Connecteur droit avec flèche 72">
+            <a:extLst>
+              <a:ext uri="{FF2B5EF4-FFF2-40B4-BE49-F238E27FC236}">
+                <a16:creationId xmlns:a16="http://schemas.microsoft.com/office/drawing/2014/main" id="{E4554E80-BA56-46D8-8856-EEBF32D6AA1A}"/>
+              </a:ext>
+            </a:extLst>
+          </p:cNvPr>
+          <p:cNvCxnSpPr>
+            <a:cxnSpLocks/>
+          </p:cNvCxnSpPr>
+          <p:nvPr/>
+        </p:nvCxnSpPr>
+        <p:spPr>
+          <a:xfrm flipH="1">
+            <a:off x="2316426" y="5326389"/>
+            <a:ext cx="101619" cy="330952"/>
+          </a:xfrm>
+          <a:prstGeom prst="straightConnector1">
+            <a:avLst/>
+          </a:prstGeom>
+          <a:ln>
+            <a:tailEnd type="triangle"/>
+          </a:ln>
+        </p:spPr>
+        <p:style>
+          <a:lnRef idx="1">
+            <a:schemeClr val="accent1"/>
+          </a:lnRef>
+          <a:fillRef idx="0">
+            <a:schemeClr val="accent1"/>
+          </a:fillRef>
+          <a:effectRef idx="0">
+            <a:schemeClr val="accent1"/>
+          </a:effectRef>
+          <a:fontRef idx="minor">
+            <a:schemeClr val="tx1"/>
+          </a:fontRef>
+        </p:style>
+      </p:cxnSp>
+      <p:sp>
+        <p:nvSpPr>
+          <p:cNvPr id="74" name="Rectangle 73">
+            <a:extLst>
+              <a:ext uri="{FF2B5EF4-FFF2-40B4-BE49-F238E27FC236}">
+                <a16:creationId xmlns:a16="http://schemas.microsoft.com/office/drawing/2014/main" id="{4C72205A-D639-41F9-A077-C13C200812A2}"/>
+              </a:ext>
+            </a:extLst>
+          </p:cNvPr>
+          <p:cNvSpPr/>
+          <p:nvPr/>
+        </p:nvSpPr>
+        <p:spPr>
+          <a:xfrm>
+            <a:off x="903918" y="5633739"/>
+            <a:ext cx="2126810" cy="523220"/>
+          </a:xfrm>
+          <a:prstGeom prst="rect">
+            <a:avLst/>
+          </a:prstGeom>
+        </p:spPr>
+        <p:txBody>
+          <a:bodyPr wrap="square">
+            <a:spAutoFit/>
+          </a:bodyPr>
+          <a:lstStyle/>
+          <a:p>
+            <a:r>
+              <a:rPr lang="en-US" sz="1400" i="1" dirty="0">
+                <a:solidFill>
+                  <a:srgbClr val="4472C4"/>
+                </a:solidFill>
+              </a:rPr>
+              <a:t>Actual precursor m/z and RT detected </a:t>
+            </a:r>
+            <a:endParaRPr lang="en-US" sz="1400" dirty="0"/>
+          </a:p>
+        </p:txBody>
+      </p:sp>
+      <p:cxnSp>
+        <p:nvCxnSpPr>
+          <p:cNvPr id="75" name="Connecteur droit avec flèche 74">
+            <a:extLst>
+              <a:ext uri="{FF2B5EF4-FFF2-40B4-BE49-F238E27FC236}">
+                <a16:creationId xmlns:a16="http://schemas.microsoft.com/office/drawing/2014/main" id="{B9A67A2E-45B3-46DF-997C-8966C6E39396}"/>
+              </a:ext>
+            </a:extLst>
+          </p:cNvPr>
+          <p:cNvCxnSpPr>
+            <a:cxnSpLocks/>
+          </p:cNvCxnSpPr>
+          <p:nvPr/>
+        </p:nvCxnSpPr>
+        <p:spPr>
+          <a:xfrm flipH="1">
+            <a:off x="10115589" y="5374811"/>
+            <a:ext cx="234549" cy="520538"/>
+          </a:xfrm>
+          <a:prstGeom prst="straightConnector1">
+            <a:avLst/>
+          </a:prstGeom>
+          <a:ln>
+            <a:tailEnd type="triangle"/>
+          </a:ln>
+        </p:spPr>
+        <p:style>
+          <a:lnRef idx="1">
+            <a:schemeClr val="accent1"/>
+          </a:lnRef>
+          <a:fillRef idx="0">
+            <a:schemeClr val="accent1"/>
+          </a:fillRef>
+          <a:effectRef idx="0">
+            <a:schemeClr val="accent1"/>
+          </a:effectRef>
+          <a:fontRef idx="minor">
+            <a:schemeClr val="tx1"/>
+          </a:fontRef>
+        </p:style>
+      </p:cxnSp>
+      <p:sp>
+        <p:nvSpPr>
+          <p:cNvPr id="77" name="Rectangle 76">
+            <a:extLst>
+              <a:ext uri="{FF2B5EF4-FFF2-40B4-BE49-F238E27FC236}">
+                <a16:creationId xmlns:a16="http://schemas.microsoft.com/office/drawing/2014/main" id="{1944864F-589C-4147-8613-82D426846E27}"/>
+              </a:ext>
+            </a:extLst>
+          </p:cNvPr>
+          <p:cNvSpPr/>
+          <p:nvPr/>
+        </p:nvSpPr>
+        <p:spPr>
+          <a:xfrm>
+            <a:off x="8439961" y="5849182"/>
+            <a:ext cx="2087174" cy="307777"/>
+          </a:xfrm>
+          <a:prstGeom prst="rect">
+            <a:avLst/>
+          </a:prstGeom>
+        </p:spPr>
+        <p:txBody>
+          <a:bodyPr wrap="none">
+            <a:spAutoFit/>
+          </a:bodyPr>
+          <a:lstStyle/>
+          <a:p>
+            <a:r>
+              <a:rPr lang="en-US" sz="1400" i="1" dirty="0">
+                <a:solidFill>
+                  <a:srgbClr val="4472C4"/>
+                </a:solidFill>
+              </a:rPr>
+              <a:t>Unique identifier for scans</a:t>
+            </a:r>
+            <a:endParaRPr lang="en-US" sz="1400" dirty="0"/>
+          </a:p>
+        </p:txBody>
+      </p:sp>
+      <p:sp>
+        <p:nvSpPr>
+          <p:cNvPr id="79" name="ZoneTexte 78">
+            <a:extLst>
+              <a:ext uri="{FF2B5EF4-FFF2-40B4-BE49-F238E27FC236}">
+                <a16:creationId xmlns:a16="http://schemas.microsoft.com/office/drawing/2014/main" id="{63F65DBA-5478-415D-B276-68098B27D55C}"/>
+              </a:ext>
+            </a:extLst>
+          </p:cNvPr>
+          <p:cNvSpPr txBox="1"/>
+          <p:nvPr/>
+        </p:nvSpPr>
+        <p:spPr>
+          <a:xfrm>
+            <a:off x="972384" y="6246024"/>
+            <a:ext cx="9733536" cy="523220"/>
+          </a:xfrm>
+          <a:prstGeom prst="rect">
+            <a:avLst/>
+          </a:prstGeom>
+          <a:noFill/>
+        </p:spPr>
+        <p:txBody>
+          <a:bodyPr wrap="square" rtlCol="0">
+            <a:spAutoFit/>
+          </a:bodyPr>
+          <a:lstStyle/>
+          <a:p>
+            <a:r>
+              <a:rPr lang="en-US" sz="1400" i="1" u="sng" dirty="0"/>
+              <a:t>FILENAME</a:t>
+            </a:r>
+            <a:r>
+              <a:rPr lang="en-US" sz="1400" i="1" dirty="0"/>
+              <a:t> from which file the metabolic feature is detected; </a:t>
+            </a:r>
+            <a:r>
+              <a:rPr lang="en-US" sz="1400" i="1" u="sng" dirty="0"/>
+              <a:t>PEPMASS_DEV </a:t>
+            </a:r>
+            <a:r>
+              <a:rPr lang="en-US" sz="1400" i="1" dirty="0"/>
+              <a:t>Mass deviation (ppm) of precursor m/z to what is in user-provided targeted m/z; </a:t>
+            </a:r>
+            <a:r>
+              <a:rPr lang="en-US" sz="1400" i="1" u="sng" dirty="0"/>
+              <a:t>SCAN_NUMBER</a:t>
+            </a:r>
+            <a:r>
+              <a:rPr lang="en-US" sz="1400" dirty="0"/>
+              <a:t> </a:t>
+            </a:r>
+            <a:r>
+              <a:rPr lang="en-US" sz="1400" i="1" dirty="0"/>
+              <a:t>scan number in original LC-MS/MS chromatogram</a:t>
+            </a:r>
+          </a:p>
+        </p:txBody>
+      </p:sp>
+    </p:spTree>
+    <p:extLst>
+      <p:ext uri="{BB962C8B-B14F-4D97-AF65-F5344CB8AC3E}">
+        <p14:creationId xmlns:p14="http://schemas.microsoft.com/office/powerpoint/2010/main" val="1776500879"/>
+      </p:ext>
+    </p:extLst>
+  </p:cSld>
+  <p:clrMapOvr>
+    <a:masterClrMapping/>
+  </p:clrMapOvr>
+</p:sld>
+</file>
+
+<file path=ppt/slides/slide7.xml><?xml version="1.0" encoding="utf-8"?>
+<p:sld xmlns:a="http://schemas.openxmlformats.org/drawingml/2006/main" xmlns:r="http://schemas.openxmlformats.org/officeDocument/2006/relationships" xmlns:p="http://schemas.openxmlformats.org/presentationml/2006/main">
+  <p:cSld>
+    <p:spTree>
+      <p:nvGrpSpPr>
+        <p:cNvPr id="1" name=""/>
+        <p:cNvGrpSpPr/>
+        <p:nvPr/>
+      </p:nvGrpSpPr>
+      <p:grpSpPr>
+        <a:xfrm>
+          <a:off x="0" y="0"/>
+          <a:ext cx="0" cy="0"/>
+          <a:chOff x="0" y="0"/>
+          <a:chExt cx="0" cy="0"/>
+        </a:xfrm>
+      </p:grpSpPr>
+      <p:sp>
+        <p:nvSpPr>
+          <p:cNvPr id="34" name="Rectangle 33">
+            <a:extLst>
+              <a:ext uri="{FF2B5EF4-FFF2-40B4-BE49-F238E27FC236}">
+                <a16:creationId xmlns:a16="http://schemas.microsoft.com/office/drawing/2014/main" id="{3B7AB05D-59C0-412F-90BA-E7538D3CFD01}"/>
+              </a:ext>
+            </a:extLst>
+          </p:cNvPr>
+          <p:cNvSpPr/>
+          <p:nvPr/>
+        </p:nvSpPr>
+        <p:spPr>
+          <a:xfrm>
+            <a:off x="1218607" y="-499516"/>
+            <a:ext cx="7925393" cy="8243397"/>
+          </a:xfrm>
+          <a:prstGeom prst="rect">
+            <a:avLst/>
+          </a:prstGeom>
+          <a:solidFill>
+            <a:schemeClr val="bg1"/>
+          </a:solidFill>
+          <a:ln>
+            <a:solidFill>
+              <a:schemeClr val="bg1"/>
+            </a:solidFill>
+          </a:ln>
+        </p:spPr>
+        <p:style>
+          <a:lnRef idx="2">
+            <a:schemeClr val="accent1">
+              <a:shade val="50000"/>
+            </a:schemeClr>
+          </a:lnRef>
+          <a:fillRef idx="1">
+            <a:schemeClr val="accent1"/>
+          </a:fillRef>
+          <a:effectRef idx="0">
+            <a:schemeClr val="accent1"/>
+          </a:effectRef>
+          <a:fontRef idx="minor">
+            <a:schemeClr val="lt1"/>
+          </a:fontRef>
+        </p:style>
+        <p:txBody>
+          <a:bodyPr rtlCol="0" anchor="ctr"/>
+          <a:lstStyle/>
+          <a:p>
+            <a:pPr algn="ctr"/>
+            <a:endParaRPr lang="en-US"/>
+          </a:p>
+        </p:txBody>
+      </p:sp>
+      <p:pic>
+        <p:nvPicPr>
+          <p:cNvPr id="33" name="Image 32">
+            <a:extLst>
+              <a:ext uri="{FF2B5EF4-FFF2-40B4-BE49-F238E27FC236}">
+                <a16:creationId xmlns:a16="http://schemas.microsoft.com/office/drawing/2014/main" id="{6BC6C590-3C4D-4BF7-AE37-FEC61D14AFDD}"/>
+              </a:ext>
+            </a:extLst>
+          </p:cNvPr>
+          <p:cNvPicPr>
+            <a:picLocks noChangeAspect="1"/>
+          </p:cNvPicPr>
+          <p:nvPr/>
+        </p:nvPicPr>
+        <p:blipFill rotWithShape="1">
+          <a:blip r:embed="rId2"/>
+          <a:srcRect l="-42" t="15061" r="4943" b="3228"/>
+          <a:stretch/>
+        </p:blipFill>
+        <p:spPr>
+          <a:xfrm>
+            <a:off x="5185356" y="4960460"/>
+            <a:ext cx="3868994" cy="2783422"/>
+          </a:xfrm>
+          <a:prstGeom prst="rect">
+            <a:avLst/>
+          </a:prstGeom>
+        </p:spPr>
+      </p:pic>
+      <p:pic>
+        <p:nvPicPr>
+          <p:cNvPr id="30" name="Image 29">
+            <a:extLst>
+              <a:ext uri="{FF2B5EF4-FFF2-40B4-BE49-F238E27FC236}">
+                <a16:creationId xmlns:a16="http://schemas.microsoft.com/office/drawing/2014/main" id="{91424227-A9ED-4F4B-95F7-D09430553147}"/>
+              </a:ext>
+            </a:extLst>
+          </p:cNvPr>
+          <p:cNvPicPr>
+            <a:picLocks noChangeAspect="1"/>
+          </p:cNvPicPr>
+          <p:nvPr/>
+        </p:nvPicPr>
+        <p:blipFill rotWithShape="1">
+          <a:blip r:embed="rId3"/>
+          <a:srcRect t="16311" r="4943" b="3973"/>
+          <a:stretch/>
+        </p:blipFill>
+        <p:spPr>
+          <a:xfrm>
+            <a:off x="1124338" y="5028391"/>
+            <a:ext cx="3795848" cy="2715491"/>
+          </a:xfrm>
+          <a:prstGeom prst="rect">
+            <a:avLst/>
+          </a:prstGeom>
+        </p:spPr>
+      </p:pic>
+      <p:pic>
+        <p:nvPicPr>
+          <p:cNvPr id="9" name="Image 8">
+            <a:extLst>
+              <a:ext uri="{FF2B5EF4-FFF2-40B4-BE49-F238E27FC236}">
+                <a16:creationId xmlns:a16="http://schemas.microsoft.com/office/drawing/2014/main" id="{7FF607F5-4536-41E1-8F17-0AADF1912EBB}"/>
+              </a:ext>
+            </a:extLst>
+          </p:cNvPr>
+          <p:cNvPicPr>
+            <a:picLocks noChangeAspect="1"/>
+          </p:cNvPicPr>
+          <p:nvPr/>
+        </p:nvPicPr>
+        <p:blipFill rotWithShape="1">
+          <a:blip r:embed="rId4"/>
+          <a:srcRect l="270" t="14859" r="4673" b="3431"/>
+          <a:stretch/>
+        </p:blipFill>
+        <p:spPr>
+          <a:xfrm>
+            <a:off x="1124338" y="2175697"/>
+            <a:ext cx="3795848" cy="2783422"/>
+          </a:xfrm>
+          <a:prstGeom prst="rect">
+            <a:avLst/>
+          </a:prstGeom>
+        </p:spPr>
+      </p:pic>
+      <p:pic>
+        <p:nvPicPr>
+          <p:cNvPr id="10" name="Image 9">
+            <a:extLst>
+              <a:ext uri="{FF2B5EF4-FFF2-40B4-BE49-F238E27FC236}">
+                <a16:creationId xmlns:a16="http://schemas.microsoft.com/office/drawing/2014/main" id="{02B07046-2F77-41E5-8746-54300A70DE51}"/>
+              </a:ext>
+            </a:extLst>
+          </p:cNvPr>
+          <p:cNvPicPr>
+            <a:picLocks noChangeAspect="1"/>
+          </p:cNvPicPr>
+          <p:nvPr/>
+        </p:nvPicPr>
+        <p:blipFill rotWithShape="1">
+          <a:blip r:embed="rId5"/>
+          <a:srcRect t="16012" r="4943" b="2277"/>
+          <a:stretch/>
+        </p:blipFill>
+        <p:spPr>
+          <a:xfrm>
+            <a:off x="5185356" y="2175697"/>
+            <a:ext cx="3795848" cy="2783423"/>
+          </a:xfrm>
+          <a:prstGeom prst="rect">
+            <a:avLst/>
+          </a:prstGeom>
+        </p:spPr>
+      </p:pic>
+      <p:sp>
+        <p:nvSpPr>
+          <p:cNvPr id="26" name="ZoneTexte 25">
+            <a:extLst>
+              <a:ext uri="{FF2B5EF4-FFF2-40B4-BE49-F238E27FC236}">
+                <a16:creationId xmlns:a16="http://schemas.microsoft.com/office/drawing/2014/main" id="{38FC39F2-AC53-43FC-A9EA-0B6ADE43FB49}"/>
+              </a:ext>
+            </a:extLst>
+          </p:cNvPr>
+          <p:cNvSpPr txBox="1"/>
+          <p:nvPr/>
+        </p:nvSpPr>
+        <p:spPr>
+          <a:xfrm>
+            <a:off x="3711708" y="2339048"/>
+            <a:ext cx="1274618" cy="461665"/>
+          </a:xfrm>
+          <a:prstGeom prst="rect">
+            <a:avLst/>
+          </a:prstGeom>
+          <a:noFill/>
+        </p:spPr>
+        <p:txBody>
+          <a:bodyPr wrap="square" rtlCol="0">
+            <a:spAutoFit/>
+          </a:bodyPr>
+          <a:lstStyle/>
+          <a:p>
+            <a:r>
+              <a:rPr lang="en-US" sz="2400" dirty="0"/>
+              <a:t>library2</a:t>
+            </a:r>
+          </a:p>
+        </p:txBody>
+      </p:sp>
+      <p:sp>
+        <p:nvSpPr>
+          <p:cNvPr id="27" name="ZoneTexte 26">
+            <a:extLst>
+              <a:ext uri="{FF2B5EF4-FFF2-40B4-BE49-F238E27FC236}">
+                <a16:creationId xmlns:a16="http://schemas.microsoft.com/office/drawing/2014/main" id="{96C33D78-97FC-47EB-9318-DD83E991AE95}"/>
+              </a:ext>
+            </a:extLst>
+          </p:cNvPr>
+          <p:cNvSpPr txBox="1"/>
+          <p:nvPr/>
+        </p:nvSpPr>
+        <p:spPr>
+          <a:xfrm>
+            <a:off x="3425380" y="5122470"/>
+            <a:ext cx="1560946" cy="461665"/>
+          </a:xfrm>
+          <a:prstGeom prst="rect">
+            <a:avLst/>
+          </a:prstGeom>
+          <a:noFill/>
+        </p:spPr>
+        <p:txBody>
+          <a:bodyPr wrap="square" rtlCol="0">
+            <a:spAutoFit/>
+          </a:bodyPr>
+          <a:lstStyle/>
+          <a:p>
+            <a:r>
+              <a:rPr lang="en-US" sz="2400" dirty="0"/>
+              <a:t>library2_2</a:t>
+            </a:r>
+          </a:p>
+        </p:txBody>
+      </p:sp>
+      <p:sp>
+        <p:nvSpPr>
+          <p:cNvPr id="28" name="ZoneTexte 27">
+            <a:extLst>
+              <a:ext uri="{FF2B5EF4-FFF2-40B4-BE49-F238E27FC236}">
+                <a16:creationId xmlns:a16="http://schemas.microsoft.com/office/drawing/2014/main" id="{B0A378D1-7C62-4F52-842B-867B8630D4BF}"/>
+              </a:ext>
+            </a:extLst>
+          </p:cNvPr>
+          <p:cNvSpPr txBox="1"/>
+          <p:nvPr/>
+        </p:nvSpPr>
+        <p:spPr>
+          <a:xfrm>
+            <a:off x="7493404" y="5122469"/>
+            <a:ext cx="1560946" cy="461665"/>
+          </a:xfrm>
+          <a:prstGeom prst="rect">
+            <a:avLst/>
+          </a:prstGeom>
+          <a:noFill/>
+        </p:spPr>
+        <p:txBody>
+          <a:bodyPr wrap="square" rtlCol="0">
+            <a:spAutoFit/>
+          </a:bodyPr>
+          <a:lstStyle/>
+          <a:p>
+            <a:r>
+              <a:rPr lang="en-US" sz="2400" dirty="0"/>
+              <a:t>library2_3</a:t>
+            </a:r>
+          </a:p>
+        </p:txBody>
+      </p:sp>
+      <p:sp>
+        <p:nvSpPr>
+          <p:cNvPr id="29" name="ZoneTexte 28">
+            <a:extLst>
+              <a:ext uri="{FF2B5EF4-FFF2-40B4-BE49-F238E27FC236}">
+                <a16:creationId xmlns:a16="http://schemas.microsoft.com/office/drawing/2014/main" id="{79D3C1F9-0E01-4D46-A14C-5F9DB99A6FD7}"/>
+              </a:ext>
+            </a:extLst>
+          </p:cNvPr>
+          <p:cNvSpPr txBox="1"/>
+          <p:nvPr/>
+        </p:nvSpPr>
+        <p:spPr>
+          <a:xfrm>
+            <a:off x="7779732" y="2339047"/>
+            <a:ext cx="1274618" cy="461665"/>
+          </a:xfrm>
+          <a:prstGeom prst="rect">
+            <a:avLst/>
+          </a:prstGeom>
+          <a:noFill/>
+        </p:spPr>
+        <p:txBody>
+          <a:bodyPr wrap="square" rtlCol="0">
+            <a:spAutoFit/>
+          </a:bodyPr>
+          <a:lstStyle/>
+          <a:p>
+            <a:r>
+              <a:rPr lang="en-US" sz="2400" dirty="0"/>
+              <a:t>library2</a:t>
+            </a:r>
+          </a:p>
+        </p:txBody>
+      </p:sp>
+      <p:pic>
+        <p:nvPicPr>
+          <p:cNvPr id="2" name="Image 1">
+            <a:extLst>
+              <a:ext uri="{FF2B5EF4-FFF2-40B4-BE49-F238E27FC236}">
+                <a16:creationId xmlns:a16="http://schemas.microsoft.com/office/drawing/2014/main" id="{186DB5B5-172D-42E7-BA5D-0C05854EA059}"/>
+              </a:ext>
+            </a:extLst>
+          </p:cNvPr>
+          <p:cNvPicPr>
+            <a:picLocks noChangeAspect="1"/>
+          </p:cNvPicPr>
+          <p:nvPr/>
+        </p:nvPicPr>
+        <p:blipFill rotWithShape="1">
+          <a:blip r:embed="rId6"/>
+          <a:srcRect t="15765" r="6001" b="4161"/>
+          <a:stretch/>
+        </p:blipFill>
+        <p:spPr>
+          <a:xfrm>
+            <a:off x="1124338" y="-430244"/>
+            <a:ext cx="3715518" cy="2700020"/>
+          </a:xfrm>
+          <a:prstGeom prst="rect">
+            <a:avLst/>
+          </a:prstGeom>
+        </p:spPr>
+      </p:pic>
+      <p:sp>
+        <p:nvSpPr>
+          <p:cNvPr id="4" name="ZoneTexte 3">
+            <a:extLst>
+              <a:ext uri="{FF2B5EF4-FFF2-40B4-BE49-F238E27FC236}">
+                <a16:creationId xmlns:a16="http://schemas.microsoft.com/office/drawing/2014/main" id="{A08FBF4A-6C3B-47AC-8DF6-2BE24A31EFE4}"/>
+              </a:ext>
+            </a:extLst>
+          </p:cNvPr>
+          <p:cNvSpPr txBox="1"/>
+          <p:nvPr/>
+        </p:nvSpPr>
+        <p:spPr>
+          <a:xfrm>
+            <a:off x="5780580" y="0"/>
+            <a:ext cx="2789382" cy="1200329"/>
+          </a:xfrm>
+          <a:prstGeom prst="rect">
+            <a:avLst/>
+          </a:prstGeom>
+          <a:noFill/>
+        </p:spPr>
+        <p:txBody>
+          <a:bodyPr wrap="square" rtlCol="0">
+            <a:spAutoFit/>
+          </a:bodyPr>
+          <a:lstStyle/>
+          <a:p>
+            <a:r>
+              <a:rPr lang="en-US" b="1" dirty="0"/>
+              <a:t>ID = 28</a:t>
+            </a:r>
+          </a:p>
+          <a:p>
+            <a:r>
+              <a:rPr lang="en-US" dirty="0"/>
+              <a:t>MS1 scan is the same in library2, library2_2 or library2_3 !</a:t>
+            </a:r>
+          </a:p>
+        </p:txBody>
+      </p:sp>
+      <p:cxnSp>
+        <p:nvCxnSpPr>
+          <p:cNvPr id="6" name="Connecteur droit avec flèche 5">
+            <a:extLst>
+              <a:ext uri="{FF2B5EF4-FFF2-40B4-BE49-F238E27FC236}">
+                <a16:creationId xmlns:a16="http://schemas.microsoft.com/office/drawing/2014/main" id="{DD00EF1A-A687-406F-84C2-7118F3750FCA}"/>
+              </a:ext>
+            </a:extLst>
+          </p:cNvPr>
+          <p:cNvCxnSpPr>
+            <a:stCxn id="4" idx="1"/>
+          </p:cNvCxnSpPr>
+          <p:nvPr/>
+        </p:nvCxnSpPr>
+        <p:spPr>
+          <a:xfrm flipH="1" flipV="1">
+            <a:off x="4404435" y="600164"/>
+            <a:ext cx="1376145" cy="1"/>
+          </a:xfrm>
+          <a:prstGeom prst="straightConnector1">
+            <a:avLst/>
+          </a:prstGeom>
+          <a:ln w="19050">
+            <a:solidFill>
+              <a:srgbClr val="FF0000"/>
+            </a:solidFill>
+            <a:tailEnd type="triangle"/>
+          </a:ln>
+        </p:spPr>
+        <p:style>
+          <a:lnRef idx="1">
+            <a:schemeClr val="accent1"/>
+          </a:lnRef>
+          <a:fillRef idx="0">
+            <a:schemeClr val="accent1"/>
+          </a:fillRef>
+          <a:effectRef idx="0">
+            <a:schemeClr val="accent1"/>
+          </a:effectRef>
+          <a:fontRef idx="minor">
+            <a:schemeClr val="tx1"/>
+          </a:fontRef>
+        </p:style>
+      </p:cxnSp>
+    </p:spTree>
+    <p:extLst>
+      <p:ext uri="{BB962C8B-B14F-4D97-AF65-F5344CB8AC3E}">
+        <p14:creationId xmlns:p14="http://schemas.microsoft.com/office/powerpoint/2010/main" val="444585465"/>
+      </p:ext>
+    </p:extLst>
+  </p:cSld>
+  <p:clrMapOvr>
+    <a:masterClrMapping/>
+  </p:clrMapOvr>
+</p:sld>
+</file>
+
 <file path=ppt/theme/theme1.xml><?xml version="1.0" encoding="utf-8"?>
 <a:theme xmlns:a="http://schemas.openxmlformats.org/drawingml/2006/main" name="Thème Office">
   <a:themeElements>

--- a/inst/tmp.pptx
+++ b/inst/tmp.pptx
@@ -267,7 +267,7 @@
           <a:p>
             <a:fld id="{63C097CE-CE30-40FD-8349-F85D75ED7B0A}" type="datetimeFigureOut">
               <a:rPr lang="en-US" smtClean="0"/>
-              <a:t>8/8/2018</a:t>
+              <a:t>8/9/2018</a:t>
             </a:fld>
             <a:endParaRPr lang="en-US"/>
           </a:p>
@@ -467,7 +467,7 @@
           <a:p>
             <a:fld id="{63C097CE-CE30-40FD-8349-F85D75ED7B0A}" type="datetimeFigureOut">
               <a:rPr lang="en-US" smtClean="0"/>
-              <a:t>8/8/2018</a:t>
+              <a:t>8/9/2018</a:t>
             </a:fld>
             <a:endParaRPr lang="en-US"/>
           </a:p>
@@ -677,7 +677,7 @@
           <a:p>
             <a:fld id="{63C097CE-CE30-40FD-8349-F85D75ED7B0A}" type="datetimeFigureOut">
               <a:rPr lang="en-US" smtClean="0"/>
-              <a:t>8/8/2018</a:t>
+              <a:t>8/9/2018</a:t>
             </a:fld>
             <a:endParaRPr lang="en-US"/>
           </a:p>
@@ -877,7 +877,7 @@
           <a:p>
             <a:fld id="{63C097CE-CE30-40FD-8349-F85D75ED7B0A}" type="datetimeFigureOut">
               <a:rPr lang="en-US" smtClean="0"/>
-              <a:t>8/8/2018</a:t>
+              <a:t>8/9/2018</a:t>
             </a:fld>
             <a:endParaRPr lang="en-US"/>
           </a:p>
@@ -1153,7 +1153,7 @@
           <a:p>
             <a:fld id="{63C097CE-CE30-40FD-8349-F85D75ED7B0A}" type="datetimeFigureOut">
               <a:rPr lang="en-US" smtClean="0"/>
-              <a:t>8/8/2018</a:t>
+              <a:t>8/9/2018</a:t>
             </a:fld>
             <a:endParaRPr lang="en-US"/>
           </a:p>
@@ -1421,7 +1421,7 @@
           <a:p>
             <a:fld id="{63C097CE-CE30-40FD-8349-F85D75ED7B0A}" type="datetimeFigureOut">
               <a:rPr lang="en-US" smtClean="0"/>
-              <a:t>8/8/2018</a:t>
+              <a:t>8/9/2018</a:t>
             </a:fld>
             <a:endParaRPr lang="en-US"/>
           </a:p>
@@ -1836,7 +1836,7 @@
           <a:p>
             <a:fld id="{63C097CE-CE30-40FD-8349-F85D75ED7B0A}" type="datetimeFigureOut">
               <a:rPr lang="en-US" smtClean="0"/>
-              <a:t>8/8/2018</a:t>
+              <a:t>8/9/2018</a:t>
             </a:fld>
             <a:endParaRPr lang="en-US"/>
           </a:p>
@@ -1978,7 +1978,7 @@
           <a:p>
             <a:fld id="{63C097CE-CE30-40FD-8349-F85D75ED7B0A}" type="datetimeFigureOut">
               <a:rPr lang="en-US" smtClean="0"/>
-              <a:t>8/8/2018</a:t>
+              <a:t>8/9/2018</a:t>
             </a:fld>
             <a:endParaRPr lang="en-US"/>
           </a:p>
@@ -2091,7 +2091,7 @@
           <a:p>
             <a:fld id="{63C097CE-CE30-40FD-8349-F85D75ED7B0A}" type="datetimeFigureOut">
               <a:rPr lang="en-US" smtClean="0"/>
-              <a:t>8/8/2018</a:t>
+              <a:t>8/9/2018</a:t>
             </a:fld>
             <a:endParaRPr lang="en-US"/>
           </a:p>
@@ -2404,7 +2404,7 @@
           <a:p>
             <a:fld id="{63C097CE-CE30-40FD-8349-F85D75ED7B0A}" type="datetimeFigureOut">
               <a:rPr lang="en-US" smtClean="0"/>
-              <a:t>8/8/2018</a:t>
+              <a:t>8/9/2018</a:t>
             </a:fld>
             <a:endParaRPr lang="en-US"/>
           </a:p>
@@ -2693,7 +2693,7 @@
           <a:p>
             <a:fld id="{63C097CE-CE30-40FD-8349-F85D75ED7B0A}" type="datetimeFigureOut">
               <a:rPr lang="en-US" smtClean="0"/>
-              <a:t>8/8/2018</a:t>
+              <a:t>8/9/2018</a:t>
             </a:fld>
             <a:endParaRPr lang="en-US"/>
           </a:p>
@@ -2936,7 +2936,7 @@
           <a:p>
             <a:fld id="{63C097CE-CE30-40FD-8349-F85D75ED7B0A}" type="datetimeFigureOut">
               <a:rPr lang="en-US" smtClean="0"/>
-              <a:t>8/8/2018</a:t>
+              <a:t>8/9/2018</a:t>
             </a:fld>
             <a:endParaRPr lang="en-US"/>
           </a:p>
@@ -3367,8 +3367,8 @@
         </p:nvSpPr>
         <p:spPr>
           <a:xfrm>
-            <a:off x="-842534" y="29840"/>
-            <a:ext cx="13034534" cy="7005959"/>
+            <a:off x="-828982" y="454792"/>
+            <a:ext cx="13214945" cy="6403208"/>
           </a:xfrm>
           <a:prstGeom prst="rect">
             <a:avLst/>
@@ -3439,40 +3439,6 @@
       </p:pic>
       <p:sp>
         <p:nvSpPr>
-          <p:cNvPr id="21" name="Rectangle 20">
-            <a:extLst>
-              <a:ext uri="{FF2B5EF4-FFF2-40B4-BE49-F238E27FC236}">
-                <a16:creationId xmlns:a16="http://schemas.microsoft.com/office/drawing/2014/main" id="{A4D0CDD4-F92C-45C1-ABEA-BB2F7E52FE89}"/>
-              </a:ext>
-            </a:extLst>
-          </p:cNvPr>
-          <p:cNvSpPr/>
-          <p:nvPr/>
-        </p:nvSpPr>
-        <p:spPr>
-          <a:xfrm>
-            <a:off x="3633762" y="3422804"/>
-            <a:ext cx="652743" cy="400110"/>
-          </a:xfrm>
-          <a:prstGeom prst="rect">
-            <a:avLst/>
-          </a:prstGeom>
-        </p:spPr>
-        <p:txBody>
-          <a:bodyPr wrap="none">
-            <a:spAutoFit/>
-          </a:bodyPr>
-          <a:lstStyle/>
-          <a:p>
-            <a:r>
-              <a:rPr lang="en-US" sz="2000" i="1" dirty="0"/>
-              <a:t>MS2</a:t>
-            </a:r>
-          </a:p>
-        </p:txBody>
-      </p:sp>
-      <p:sp>
-        <p:nvSpPr>
           <p:cNvPr id="27" name="ZoneTexte 26">
             <a:extLst>
               <a:ext uri="{FF2B5EF4-FFF2-40B4-BE49-F238E27FC236}">
@@ -3830,40 +3796,6 @@
                 </a:solidFill>
               </a:rPr>
               <a:t>(Centroid)</a:t>
-            </a:r>
-          </a:p>
-        </p:txBody>
-      </p:sp>
-      <p:sp>
-        <p:nvSpPr>
-          <p:cNvPr id="20" name="Rectangle 19">
-            <a:extLst>
-              <a:ext uri="{FF2B5EF4-FFF2-40B4-BE49-F238E27FC236}">
-                <a16:creationId xmlns:a16="http://schemas.microsoft.com/office/drawing/2014/main" id="{B9AF68C0-A521-4599-9FE0-4F7090D80718}"/>
-              </a:ext>
-            </a:extLst>
-          </p:cNvPr>
-          <p:cNvSpPr/>
-          <p:nvPr/>
-        </p:nvSpPr>
-        <p:spPr>
-          <a:xfrm>
-            <a:off x="3686941" y="1928901"/>
-            <a:ext cx="652743" cy="400110"/>
-          </a:xfrm>
-          <a:prstGeom prst="rect">
-            <a:avLst/>
-          </a:prstGeom>
-        </p:spPr>
-        <p:txBody>
-          <a:bodyPr wrap="none">
-            <a:spAutoFit/>
-          </a:bodyPr>
-          <a:lstStyle/>
-          <a:p>
-            <a:r>
-              <a:rPr lang="en-US" sz="2000" i="1" dirty="0"/>
-              <a:t>MS1</a:t>
             </a:r>
           </a:p>
         </p:txBody>
@@ -3970,7 +3902,7 @@
         </p:nvSpPr>
         <p:spPr>
           <a:xfrm>
-            <a:off x="-842534" y="5458553"/>
+            <a:off x="-151709" y="5561440"/>
             <a:ext cx="1392658" cy="707886"/>
           </a:xfrm>
           <a:prstGeom prst="rect">
@@ -4038,7 +3970,7 @@
         </p:nvSpPr>
         <p:spPr>
           <a:xfrm>
-            <a:off x="569684" y="5366132"/>
+            <a:off x="1260509" y="5469019"/>
             <a:ext cx="294207" cy="934189"/>
           </a:xfrm>
           <a:prstGeom prst="leftBrace">
@@ -4090,7 +4022,7 @@
         </p:nvSpPr>
         <p:spPr>
           <a:xfrm>
-            <a:off x="941067" y="5236546"/>
+            <a:off x="1631892" y="5339433"/>
             <a:ext cx="2435660" cy="1200329"/>
           </a:xfrm>
           <a:prstGeom prst="rect">
@@ -4186,10 +4118,10 @@
       </p:sp>
       <p:sp>
         <p:nvSpPr>
-          <p:cNvPr id="53" name="Flèche : angle droit 52">
-            <a:extLst>
-              <a:ext uri="{FF2B5EF4-FFF2-40B4-BE49-F238E27FC236}">
-                <a16:creationId xmlns:a16="http://schemas.microsoft.com/office/drawing/2014/main" id="{A3F492F0-5424-455E-A894-CB94B4944172}"/>
+          <p:cNvPr id="59" name="Rectangle : coins arrondis 58">
+            <a:extLst>
+              <a:ext uri="{FF2B5EF4-FFF2-40B4-BE49-F238E27FC236}">
+                <a16:creationId xmlns:a16="http://schemas.microsoft.com/office/drawing/2014/main" id="{8AA0A447-4A95-409F-9519-894B8A17BD10}"/>
               </a:ext>
             </a:extLst>
           </p:cNvPr>
@@ -4198,14 +4130,17 @@
         </p:nvSpPr>
         <p:spPr>
           <a:xfrm>
-            <a:off x="3274607" y="5394407"/>
-            <a:ext cx="1651775" cy="602429"/>
-          </a:xfrm>
-          <a:prstGeom prst="bentUpArrow">
+            <a:off x="7688821" y="5774379"/>
+            <a:ext cx="1382184" cy="734676"/>
+          </a:xfrm>
+          <a:prstGeom prst="roundRect">
             <a:avLst/>
           </a:prstGeom>
           <a:solidFill>
-            <a:srgbClr val="8FAADC"/>
+            <a:schemeClr val="accent1">
+              <a:lumMod val="60000"/>
+              <a:lumOff val="40000"/>
+            </a:schemeClr>
           </a:solidFill>
         </p:spPr>
         <p:style>
@@ -4229,16 +4164,123 @@
           <a:lstStyle/>
           <a:p>
             <a:pPr algn="ctr"/>
-            <a:endParaRPr lang="en-US"/>
-          </a:p>
-        </p:txBody>
-      </p:sp>
-      <p:sp>
-        <p:nvSpPr>
-          <p:cNvPr id="59" name="Rectangle : coins arrondis 58">
-            <a:extLst>
-              <a:ext uri="{FF2B5EF4-FFF2-40B4-BE49-F238E27FC236}">
-                <a16:creationId xmlns:a16="http://schemas.microsoft.com/office/drawing/2014/main" id="{8AA0A447-4A95-409F-9519-894B8A17BD10}"/>
+            <a:r>
+              <a:rPr lang="en-US" sz="2000" b="1" dirty="0">
+                <a:solidFill>
+                  <a:schemeClr val="tx1"/>
+                </a:solidFill>
+              </a:rPr>
+              <a:t>.</a:t>
+            </a:r>
+            <a:r>
+              <a:rPr lang="en-US" sz="2000" b="1" dirty="0" err="1">
+                <a:solidFill>
+                  <a:schemeClr val="tx1"/>
+                </a:solidFill>
+              </a:rPr>
+              <a:t>dat</a:t>
+            </a:r>
+            <a:endParaRPr lang="en-US" sz="2000" b="1" dirty="0">
+              <a:solidFill>
+                <a:schemeClr val="tx1"/>
+              </a:solidFill>
+            </a:endParaRPr>
+          </a:p>
+          <a:p>
+            <a:pPr algn="ctr"/>
+            <a:r>
+              <a:rPr lang="en-US" sz="2000" b="1" dirty="0">
+                <a:solidFill>
+                  <a:schemeClr val="tx1"/>
+                </a:solidFill>
+              </a:rPr>
+              <a:t>(</a:t>
+            </a:r>
+            <a:r>
+              <a:rPr lang="en-US" sz="2000" b="1" dirty="0" err="1">
+                <a:solidFill>
+                  <a:schemeClr val="tx1"/>
+                </a:solidFill>
+              </a:rPr>
+              <a:t>Metfrag</a:t>
+            </a:r>
+            <a:r>
+              <a:rPr lang="en-US" sz="2000" b="1" dirty="0">
+                <a:solidFill>
+                  <a:schemeClr val="tx1"/>
+                </a:solidFill>
+              </a:rPr>
+              <a:t>)</a:t>
+            </a:r>
+          </a:p>
+        </p:txBody>
+      </p:sp>
+      <p:pic>
+        <p:nvPicPr>
+          <p:cNvPr id="60" name="Image 59">
+            <a:extLst>
+              <a:ext uri="{FF2B5EF4-FFF2-40B4-BE49-F238E27FC236}">
+                <a16:creationId xmlns:a16="http://schemas.microsoft.com/office/drawing/2014/main" id="{912F0D45-638E-41E9-AF83-C03C8020DD5B}"/>
+              </a:ext>
+            </a:extLst>
+          </p:cNvPr>
+          <p:cNvPicPr>
+            <a:picLocks noChangeAspect="1"/>
+          </p:cNvPicPr>
+          <p:nvPr/>
+        </p:nvPicPr>
+        <p:blipFill>
+          <a:blip r:embed="rId3"/>
+          <a:stretch>
+            <a:fillRect/>
+          </a:stretch>
+        </p:blipFill>
+        <p:spPr>
+          <a:xfrm>
+            <a:off x="4979540" y="861164"/>
+            <a:ext cx="2103153" cy="1468581"/>
+          </a:xfrm>
+          <a:prstGeom prst="rect">
+            <a:avLst/>
+          </a:prstGeom>
+        </p:spPr>
+      </p:pic>
+      <p:pic>
+        <p:nvPicPr>
+          <p:cNvPr id="61" name="Image 60">
+            <a:extLst>
+              <a:ext uri="{FF2B5EF4-FFF2-40B4-BE49-F238E27FC236}">
+                <a16:creationId xmlns:a16="http://schemas.microsoft.com/office/drawing/2014/main" id="{C9E1DE31-DF15-4B98-BA7C-5CC4878701DA}"/>
+              </a:ext>
+            </a:extLst>
+          </p:cNvPr>
+          <p:cNvPicPr>
+            <a:picLocks noChangeAspect="1"/>
+          </p:cNvPicPr>
+          <p:nvPr/>
+        </p:nvPicPr>
+        <p:blipFill>
+          <a:blip r:embed="rId4"/>
+          <a:stretch>
+            <a:fillRect/>
+          </a:stretch>
+        </p:blipFill>
+        <p:spPr>
+          <a:xfrm>
+            <a:off x="4992053" y="3009360"/>
+            <a:ext cx="2151398" cy="1510376"/>
+          </a:xfrm>
+          <a:prstGeom prst="rect">
+            <a:avLst/>
+          </a:prstGeom>
+        </p:spPr>
+      </p:pic>
+      <p:sp>
+        <p:nvSpPr>
+          <p:cNvPr id="63" name="Rectangle : coins arrondis 62">
+            <a:extLst>
+              <a:ext uri="{FF2B5EF4-FFF2-40B4-BE49-F238E27FC236}">
+                <a16:creationId xmlns:a16="http://schemas.microsoft.com/office/drawing/2014/main" id="{DD042865-4156-482D-9360-1287456E3E2B}"/>
               </a:ext>
             </a:extLst>
           </p:cNvPr>
@@ -4247,8 +4289,8 @@
         </p:nvSpPr>
         <p:spPr>
           <a:xfrm>
-            <a:off x="7177366" y="5848875"/>
-            <a:ext cx="1820142" cy="734676"/>
+            <a:off x="10336515" y="2503844"/>
+            <a:ext cx="1820142" cy="764337"/>
           </a:xfrm>
           <a:prstGeom prst="roundRect">
             <a:avLst/>
@@ -4287,18 +4329,7 @@
                   <a:schemeClr val="tx1"/>
                 </a:solidFill>
               </a:rPr>
-              <a:t>spectrum.txt </a:t>
-            </a:r>
-          </a:p>
-          <a:p>
-            <a:pPr algn="ctr"/>
-            <a:r>
-              <a:rPr lang="en-US" sz="2000" b="1" dirty="0">
-                <a:solidFill>
-                  <a:schemeClr val="tx1"/>
-                </a:solidFill>
-              </a:rPr>
-              <a:t>(</a:t>
+              <a:t>.mat (</a:t>
             </a:r>
             <a:r>
               <a:rPr lang="en-US" sz="2000" b="1" dirty="0" err="1">
@@ -4306,7 +4337,7 @@
                   <a:schemeClr val="tx1"/>
                 </a:solidFill>
               </a:rPr>
-              <a:t>Metfrag</a:t>
+              <a:t>MSFinder</a:t>
             </a:r>
             <a:r>
               <a:rPr lang="en-US" sz="2000" b="1" dirty="0">
@@ -4319,72 +4350,59 @@
           </a:p>
         </p:txBody>
       </p:sp>
-      <p:pic>
-        <p:nvPicPr>
-          <p:cNvPr id="60" name="Image 59">
-            <a:extLst>
-              <a:ext uri="{FF2B5EF4-FFF2-40B4-BE49-F238E27FC236}">
-                <a16:creationId xmlns:a16="http://schemas.microsoft.com/office/drawing/2014/main" id="{912F0D45-638E-41E9-AF83-C03C8020DD5B}"/>
-              </a:ext>
-            </a:extLst>
-          </p:cNvPr>
-          <p:cNvPicPr>
-            <a:picLocks noChangeAspect="1"/>
-          </p:cNvPicPr>
-          <p:nvPr/>
-        </p:nvPicPr>
-        <p:blipFill>
-          <a:blip r:embed="rId3"/>
-          <a:stretch>
-            <a:fillRect/>
-          </a:stretch>
-        </p:blipFill>
-        <p:spPr>
-          <a:xfrm>
-            <a:off x="4767105" y="861164"/>
-            <a:ext cx="2103153" cy="1468581"/>
+      <p:sp>
+        <p:nvSpPr>
+          <p:cNvPr id="64" name="ZoneTexte 63">
+            <a:extLst>
+              <a:ext uri="{FF2B5EF4-FFF2-40B4-BE49-F238E27FC236}">
+                <a16:creationId xmlns:a16="http://schemas.microsoft.com/office/drawing/2014/main" id="{A9BCE1B9-9E04-4723-B03C-A52D9DC1806C}"/>
+              </a:ext>
+            </a:extLst>
+          </p:cNvPr>
+          <p:cNvSpPr txBox="1"/>
+          <p:nvPr/>
+        </p:nvSpPr>
+        <p:spPr>
+          <a:xfrm>
+            <a:off x="3740124" y="2595455"/>
+            <a:ext cx="2355876" cy="400110"/>
           </a:xfrm>
           <a:prstGeom prst="rect">
             <a:avLst/>
           </a:prstGeom>
-        </p:spPr>
-      </p:pic>
-      <p:pic>
-        <p:nvPicPr>
-          <p:cNvPr id="61" name="Image 60">
-            <a:extLst>
-              <a:ext uri="{FF2B5EF4-FFF2-40B4-BE49-F238E27FC236}">
-                <a16:creationId xmlns:a16="http://schemas.microsoft.com/office/drawing/2014/main" id="{C9E1DE31-DF15-4B98-BA7C-5CC4878701DA}"/>
-              </a:ext>
-            </a:extLst>
-          </p:cNvPr>
-          <p:cNvPicPr>
-            <a:picLocks noChangeAspect="1"/>
-          </p:cNvPicPr>
-          <p:nvPr/>
-        </p:nvPicPr>
-        <p:blipFill>
-          <a:blip r:embed="rId4"/>
-          <a:stretch>
-            <a:fillRect/>
-          </a:stretch>
-        </p:blipFill>
-        <p:spPr>
-          <a:xfrm>
-            <a:off x="4779618" y="3009360"/>
-            <a:ext cx="2151398" cy="1510376"/>
-          </a:xfrm>
-          <a:prstGeom prst="rect">
-            <a:avLst/>
-          </a:prstGeom>
-        </p:spPr>
-      </p:pic>
-      <p:sp>
-        <p:nvSpPr>
-          <p:cNvPr id="63" name="Rectangle : coins arrondis 62">
-            <a:extLst>
-              <a:ext uri="{FF2B5EF4-FFF2-40B4-BE49-F238E27FC236}">
-                <a16:creationId xmlns:a16="http://schemas.microsoft.com/office/drawing/2014/main" id="{DD042865-4156-482D-9360-1287456E3E2B}"/>
+          <a:noFill/>
+        </p:spPr>
+        <p:txBody>
+          <a:bodyPr wrap="square" rtlCol="0">
+            <a:spAutoFit/>
+          </a:bodyPr>
+          <a:lstStyle/>
+          <a:p>
+            <a:r>
+              <a:rPr lang="en-US" sz="2000" i="1" dirty="0" err="1">
+                <a:solidFill>
+                  <a:srgbClr val="FF0000"/>
+                </a:solidFill>
+              </a:rPr>
+              <a:t>library_generator</a:t>
+            </a:r>
+            <a:r>
+              <a:rPr lang="en-US" sz="2000" i="1" dirty="0">
+                <a:solidFill>
+                  <a:srgbClr val="FF0000"/>
+                </a:solidFill>
+              </a:rPr>
+              <a:t> ()</a:t>
+            </a:r>
+          </a:p>
+        </p:txBody>
+      </p:sp>
+      <p:sp>
+        <p:nvSpPr>
+          <p:cNvPr id="26" name="Rectangle : coins arrondis 25">
+            <a:extLst>
+              <a:ext uri="{FF2B5EF4-FFF2-40B4-BE49-F238E27FC236}">
+                <a16:creationId xmlns:a16="http://schemas.microsoft.com/office/drawing/2014/main" id="{EA0F6D78-D54F-40E6-9D5F-C2C7E4153B1E}"/>
               </a:ext>
             </a:extLst>
           </p:cNvPr>
@@ -4393,7 +4411,7 @@
         </p:nvSpPr>
         <p:spPr>
           <a:xfrm>
-            <a:off x="10120065" y="2351543"/>
+            <a:off x="10360802" y="677379"/>
             <a:ext cx="1820142" cy="764337"/>
           </a:xfrm>
           <a:prstGeom prst="roundRect">
@@ -4433,7 +4451,7 @@
                   <a:schemeClr val="tx1"/>
                 </a:solidFill>
               </a:rPr>
-              <a:t>.mat (</a:t>
+              <a:t>.</a:t>
             </a:r>
             <a:r>
               <a:rPr lang="en-US" sz="2000" b="1" dirty="0" err="1">
@@ -4441,7 +4459,7 @@
                   <a:schemeClr val="tx1"/>
                 </a:solidFill>
               </a:rPr>
-              <a:t>MSFinder</a:t>
+              <a:t>mgf</a:t>
             </a:r>
             <a:r>
               <a:rPr lang="en-US" sz="2000" b="1" dirty="0">
@@ -4449,81 +4467,28 @@
                   <a:schemeClr val="tx1"/>
                 </a:solidFill>
               </a:rPr>
-              <a:t>)</a:t>
-            </a:r>
-          </a:p>
-        </p:txBody>
-      </p:sp>
-      <p:sp>
-        <p:nvSpPr>
-          <p:cNvPr id="64" name="ZoneTexte 63">
-            <a:extLst>
-              <a:ext uri="{FF2B5EF4-FFF2-40B4-BE49-F238E27FC236}">
-                <a16:creationId xmlns:a16="http://schemas.microsoft.com/office/drawing/2014/main" id="{A9BCE1B9-9E04-4723-B03C-A52D9DC1806C}"/>
-              </a:ext>
-            </a:extLst>
-          </p:cNvPr>
-          <p:cNvSpPr txBox="1"/>
-          <p:nvPr/>
-        </p:nvSpPr>
-        <p:spPr>
-          <a:xfrm>
-            <a:off x="4753517" y="267236"/>
-            <a:ext cx="3722204" cy="400110"/>
-          </a:xfrm>
-          <a:prstGeom prst="rect">
-            <a:avLst/>
-          </a:prstGeom>
-          <a:noFill/>
-        </p:spPr>
-        <p:txBody>
-          <a:bodyPr wrap="square" rtlCol="0">
-            <a:spAutoFit/>
-          </a:bodyPr>
-          <a:lstStyle/>
+              <a:t> </a:t>
+            </a:r>
+          </a:p>
           <a:p>
             <a:pPr algn="ctr"/>
             <a:r>
-              <a:rPr lang="en-US" sz="2000" dirty="0" err="1">
+              <a:rPr lang="en-US" sz="2000" b="1" dirty="0">
                 <a:solidFill>
-                  <a:srgbClr val="FF0000"/>
+                  <a:schemeClr val="tx1"/>
                 </a:solidFill>
               </a:rPr>
-              <a:t>MergeION</a:t>
-            </a:r>
-            <a:r>
-              <a:rPr lang="en-US" sz="2000" dirty="0">
-                <a:solidFill>
-                  <a:srgbClr val="FF0000"/>
-                </a:solidFill>
-              </a:rPr>
-              <a:t> :: </a:t>
-            </a:r>
-            <a:r>
-              <a:rPr lang="en-US" sz="2000" i="1" dirty="0" err="1">
-                <a:solidFill>
-                  <a:srgbClr val="FF0000"/>
-                </a:solidFill>
-              </a:rPr>
-              <a:t>library_generator</a:t>
-            </a:r>
-            <a:r>
-              <a:rPr lang="en-US" sz="2000" i="1" dirty="0">
-                <a:solidFill>
-                  <a:srgbClr val="FF0000"/>
-                </a:solidFill>
-              </a:rPr>
-              <a:t> ()</a:t>
-            </a:r>
-          </a:p>
-        </p:txBody>
-      </p:sp>
-      <p:sp>
-        <p:nvSpPr>
-          <p:cNvPr id="26" name="Rectangle : coins arrondis 25">
-            <a:extLst>
-              <a:ext uri="{FF2B5EF4-FFF2-40B4-BE49-F238E27FC236}">
-                <a16:creationId xmlns:a16="http://schemas.microsoft.com/office/drawing/2014/main" id="{EA0F6D78-D54F-40E6-9D5F-C2C7E4153B1E}"/>
+              <a:t>(GNPS)</a:t>
+            </a:r>
+          </a:p>
+        </p:txBody>
+      </p:sp>
+      <p:sp>
+        <p:nvSpPr>
+          <p:cNvPr id="37" name="Rectangle : coins arrondis 36">
+            <a:extLst>
+              <a:ext uri="{FF2B5EF4-FFF2-40B4-BE49-F238E27FC236}">
+                <a16:creationId xmlns:a16="http://schemas.microsoft.com/office/drawing/2014/main" id="{F9532241-B33D-41D9-B8A1-74BD6C4F8804}"/>
               </a:ext>
             </a:extLst>
           </p:cNvPr>
@@ -4532,8 +4497,8 @@
         </p:nvSpPr>
         <p:spPr>
           <a:xfrm>
-            <a:off x="10124771" y="323726"/>
-            <a:ext cx="1820142" cy="764337"/>
+            <a:off x="4597192" y="4750291"/>
+            <a:ext cx="2447972" cy="400110"/>
           </a:xfrm>
           <a:prstGeom prst="roundRect">
             <a:avLst/>
@@ -4567,15 +4532,15 @@
           <a:p>
             <a:pPr algn="ctr"/>
             <a:r>
-              <a:rPr lang="en-US" sz="2000" b="1" dirty="0">
+              <a:rPr lang="en-US" b="1" dirty="0">
                 <a:solidFill>
                   <a:schemeClr val="tx1"/>
                 </a:solidFill>
               </a:rPr>
-              <a:t>.</a:t>
-            </a:r>
-            <a:r>
-              <a:rPr lang="en-US" sz="2000" b="1" dirty="0" err="1">
+              <a:t>(Previous library .</a:t>
+            </a:r>
+            <a:r>
+              <a:rPr lang="en-US" b="1" dirty="0" err="1">
                 <a:solidFill>
                   <a:schemeClr val="tx1"/>
                 </a:solidFill>
@@ -4583,33 +4548,22 @@
               <a:t>mgf</a:t>
             </a:r>
             <a:r>
-              <a:rPr lang="en-US" sz="2000" b="1" dirty="0">
+              <a:rPr lang="en-US" b="1" dirty="0">
                 <a:solidFill>
                   <a:schemeClr val="tx1"/>
                 </a:solidFill>
               </a:rPr>
-              <a:t> </a:t>
-            </a:r>
-          </a:p>
-          <a:p>
-            <a:pPr algn="ctr"/>
-            <a:r>
-              <a:rPr lang="en-US" sz="2000" b="1" dirty="0">
-                <a:solidFill>
-                  <a:schemeClr val="tx1"/>
-                </a:solidFill>
-              </a:rPr>
-              <a:t>(GNPS)</a:t>
-            </a:r>
-          </a:p>
-        </p:txBody>
-      </p:sp>
-      <p:sp>
-        <p:nvSpPr>
-          <p:cNvPr id="37" name="Rectangle : coins arrondis 36">
-            <a:extLst>
-              <a:ext uri="{FF2B5EF4-FFF2-40B4-BE49-F238E27FC236}">
-                <a16:creationId xmlns:a16="http://schemas.microsoft.com/office/drawing/2014/main" id="{F9532241-B33D-41D9-B8A1-74BD6C4F8804}"/>
+              <a:t>)</a:t>
+            </a:r>
+          </a:p>
+        </p:txBody>
+      </p:sp>
+      <p:sp>
+        <p:nvSpPr>
+          <p:cNvPr id="28" name="Rectangle : coins arrondis 27">
+            <a:extLst>
+              <a:ext uri="{FF2B5EF4-FFF2-40B4-BE49-F238E27FC236}">
+                <a16:creationId xmlns:a16="http://schemas.microsoft.com/office/drawing/2014/main" id="{3B83342D-C75D-4DE4-BE35-5447D146D86B}"/>
               </a:ext>
             </a:extLst>
           </p:cNvPr>
@@ -4618,8 +4572,8 @@
         </p:nvSpPr>
         <p:spPr>
           <a:xfrm>
-            <a:off x="4384757" y="4750291"/>
-            <a:ext cx="2447972" cy="400110"/>
+            <a:off x="10332500" y="4276762"/>
+            <a:ext cx="1820142" cy="764337"/>
           </a:xfrm>
           <a:prstGeom prst="roundRect">
             <a:avLst/>
@@ -4653,23 +4607,50 @@
           <a:p>
             <a:pPr algn="ctr"/>
             <a:r>
-              <a:rPr lang="en-US" b="1" dirty="0">
+              <a:rPr lang="en-US" sz="2000" b="1" dirty="0">
                 <a:solidFill>
                   <a:schemeClr val="tx1"/>
                 </a:solidFill>
               </a:rPr>
-              <a:t>(Previous library .</a:t>
-            </a:r>
-            <a:r>
-              <a:rPr lang="en-US" b="1" dirty="0" err="1">
+              <a:t>.</a:t>
+            </a:r>
+            <a:r>
+              <a:rPr lang="en-US" sz="2000" b="1" dirty="0" err="1">
                 <a:solidFill>
                   <a:schemeClr val="tx1"/>
                 </a:solidFill>
               </a:rPr>
-              <a:t>mgf</a:t>
-            </a:r>
-            <a:r>
-              <a:rPr lang="en-US" b="1" dirty="0">
+              <a:t>ms</a:t>
+            </a:r>
+            <a:r>
+              <a:rPr lang="en-US" sz="2000" b="1" dirty="0">
+                <a:solidFill>
+                  <a:schemeClr val="tx1"/>
+                </a:solidFill>
+              </a:rPr>
+              <a:t> </a:t>
+            </a:r>
+          </a:p>
+          <a:p>
+            <a:pPr algn="ctr"/>
+            <a:r>
+              <a:rPr lang="en-US" sz="2000" b="1" dirty="0">
+                <a:solidFill>
+                  <a:schemeClr val="tx1"/>
+                </a:solidFill>
+              </a:rPr>
+              <a:t>(CSI-</a:t>
+            </a:r>
+            <a:r>
+              <a:rPr lang="en-US" sz="2000" b="1" dirty="0" err="1">
+                <a:solidFill>
+                  <a:schemeClr val="tx1"/>
+                </a:solidFill>
+              </a:rPr>
+              <a:t>FingerID</a:t>
+            </a:r>
+            <a:r>
+              <a:rPr lang="en-US" sz="2000" b="1" dirty="0">
                 <a:solidFill>
                   <a:schemeClr val="tx1"/>
                 </a:solidFill>
@@ -4681,10 +4662,10 @@
       </p:sp>
       <p:sp>
         <p:nvSpPr>
-          <p:cNvPr id="28" name="Rectangle : coins arrondis 27">
-            <a:extLst>
-              <a:ext uri="{FF2B5EF4-FFF2-40B4-BE49-F238E27FC236}">
-                <a16:creationId xmlns:a16="http://schemas.microsoft.com/office/drawing/2014/main" id="{3B83342D-C75D-4DE4-BE35-5447D146D86B}"/>
+          <p:cNvPr id="2" name="Flèche : bas 1">
+            <a:extLst>
+              <a:ext uri="{FF2B5EF4-FFF2-40B4-BE49-F238E27FC236}">
+                <a16:creationId xmlns:a16="http://schemas.microsoft.com/office/drawing/2014/main" id="{EC24FCEE-8694-46F2-8CF7-7B58A7D2CB3F}"/>
               </a:ext>
             </a:extLst>
           </p:cNvPr>
@@ -4693,18 +4674,12 @@
         </p:nvSpPr>
         <p:spPr>
           <a:xfrm>
-            <a:off x="10120065" y="4276762"/>
-            <a:ext cx="1820142" cy="764337"/>
-          </a:xfrm>
-          <a:prstGeom prst="roundRect">
-            <a:avLst/>
-          </a:prstGeom>
-          <a:solidFill>
-            <a:schemeClr val="accent1">
-              <a:lumMod val="60000"/>
-              <a:lumOff val="40000"/>
-            </a:schemeClr>
-          </a:solidFill>
+            <a:off x="11039484" y="5309294"/>
+            <a:ext cx="380758" cy="476994"/>
+          </a:xfrm>
+          <a:prstGeom prst="downArrow">
+            <a:avLst/>
+          </a:prstGeom>
         </p:spPr>
         <p:style>
           <a:lnRef idx="2">
@@ -4727,66 +4702,66 @@
           <a:lstStyle/>
           <a:p>
             <a:pPr algn="ctr"/>
-            <a:r>
-              <a:rPr lang="en-US" sz="2000" b="1" dirty="0">
-                <a:solidFill>
-                  <a:schemeClr val="tx1"/>
-                </a:solidFill>
-              </a:rPr>
-              <a:t>.</a:t>
-            </a:r>
-            <a:r>
-              <a:rPr lang="en-US" sz="2000" b="1" dirty="0" err="1">
-                <a:solidFill>
-                  <a:schemeClr val="tx1"/>
-                </a:solidFill>
-              </a:rPr>
-              <a:t>ms</a:t>
-            </a:r>
-            <a:r>
-              <a:rPr lang="en-US" sz="2000" b="1" dirty="0">
-                <a:solidFill>
-                  <a:schemeClr val="tx1"/>
-                </a:solidFill>
-              </a:rPr>
-              <a:t> </a:t>
-            </a:r>
-          </a:p>
+            <a:endParaRPr lang="en-US"/>
+          </a:p>
+        </p:txBody>
+      </p:sp>
+      <p:sp>
+        <p:nvSpPr>
+          <p:cNvPr id="3" name="ZoneTexte 2">
+            <a:extLst>
+              <a:ext uri="{FF2B5EF4-FFF2-40B4-BE49-F238E27FC236}">
+                <a16:creationId xmlns:a16="http://schemas.microsoft.com/office/drawing/2014/main" id="{EAA9D326-D932-4DEA-AA7B-F51DC0DFCB5E}"/>
+              </a:ext>
+            </a:extLst>
+          </p:cNvPr>
+          <p:cNvSpPr txBox="1"/>
+          <p:nvPr/>
+        </p:nvSpPr>
+        <p:spPr>
+          <a:xfrm>
+            <a:off x="10241731" y="5828188"/>
+            <a:ext cx="1976264" cy="1015663"/>
+          </a:xfrm>
+          <a:prstGeom prst="rect">
+            <a:avLst/>
+          </a:prstGeom>
+          <a:noFill/>
+        </p:spPr>
+        <p:txBody>
+          <a:bodyPr wrap="square" rtlCol="0">
+            <a:spAutoFit/>
+          </a:bodyPr>
+          <a:lstStyle/>
           <a:p>
             <a:pPr algn="ctr"/>
             <a:r>
-              <a:rPr lang="en-US" sz="2000" b="1" dirty="0">
-                <a:solidFill>
-                  <a:schemeClr val="tx1"/>
-                </a:solidFill>
-              </a:rPr>
-              <a:t>(CSI-</a:t>
-            </a:r>
-            <a:r>
-              <a:rPr lang="en-US" sz="2000" b="1" dirty="0" err="1">
-                <a:solidFill>
-                  <a:schemeClr val="tx1"/>
-                </a:solidFill>
-              </a:rPr>
-              <a:t>FingerID</a:t>
-            </a:r>
-            <a:r>
-              <a:rPr lang="en-US" sz="2000" b="1" dirty="0">
-                <a:solidFill>
-                  <a:schemeClr val="tx1"/>
-                </a:solidFill>
-              </a:rPr>
-              <a:t>)</a:t>
-            </a:r>
-          </a:p>
-        </p:txBody>
-      </p:sp>
-      <p:sp>
-        <p:nvSpPr>
-          <p:cNvPr id="2" name="Flèche : bas 1">
-            <a:extLst>
-              <a:ext uri="{FF2B5EF4-FFF2-40B4-BE49-F238E27FC236}">
-                <a16:creationId xmlns:a16="http://schemas.microsoft.com/office/drawing/2014/main" id="{EC24FCEE-8694-46F2-8CF7-7B58A7D2CB3F}"/>
+              <a:rPr lang="en-US" sz="2000" dirty="0"/>
+              <a:t>Batch-processing</a:t>
+            </a:r>
+          </a:p>
+          <a:p>
+            <a:pPr algn="ctr"/>
+            <a:r>
+              <a:rPr lang="en-US" sz="2000" dirty="0"/>
+              <a:t>In-house library</a:t>
+            </a:r>
+          </a:p>
+          <a:p>
+            <a:pPr algn="ctr"/>
+            <a:r>
+              <a:rPr lang="en-US" sz="2000" dirty="0"/>
+              <a:t>…</a:t>
+            </a:r>
+          </a:p>
+        </p:txBody>
+      </p:sp>
+      <p:sp>
+        <p:nvSpPr>
+          <p:cNvPr id="35" name="Rectangle : coins arrondis 34">
+            <a:extLst>
+              <a:ext uri="{FF2B5EF4-FFF2-40B4-BE49-F238E27FC236}">
+                <a16:creationId xmlns:a16="http://schemas.microsoft.com/office/drawing/2014/main" id="{260881A1-3FB5-4334-8A68-2E99A346CECA}"/>
               </a:ext>
             </a:extLst>
           </p:cNvPr>
@@ -4795,12 +4770,19 @@
         </p:nvSpPr>
         <p:spPr>
           <a:xfrm>
-            <a:off x="10827049" y="5309294"/>
-            <a:ext cx="380758" cy="476994"/>
-          </a:xfrm>
-          <a:prstGeom prst="downArrow">
-            <a:avLst/>
-          </a:prstGeom>
+            <a:off x="445834" y="1928901"/>
+            <a:ext cx="979052" cy="1282720"/>
+          </a:xfrm>
+          <a:prstGeom prst="roundRect">
+            <a:avLst/>
+          </a:prstGeom>
+          <a:noFill/>
+          <a:ln>
+            <a:solidFill>
+              <a:srgbClr val="FF0000"/>
+            </a:solidFill>
+            <a:prstDash val="sysDot"/>
+          </a:ln>
         </p:spPr>
         <p:style>
           <a:lnRef idx="2">
@@ -4829,96 +4811,66 @@
       </p:sp>
       <p:sp>
         <p:nvSpPr>
-          <p:cNvPr id="3" name="ZoneTexte 2">
-            <a:extLst>
-              <a:ext uri="{FF2B5EF4-FFF2-40B4-BE49-F238E27FC236}">
-                <a16:creationId xmlns:a16="http://schemas.microsoft.com/office/drawing/2014/main" id="{EAA9D326-D932-4DEA-AA7B-F51DC0DFCB5E}"/>
-              </a:ext>
-            </a:extLst>
-          </p:cNvPr>
-          <p:cNvSpPr txBox="1"/>
-          <p:nvPr/>
-        </p:nvSpPr>
-        <p:spPr>
-          <a:xfrm>
-            <a:off x="10070306" y="5812496"/>
-            <a:ext cx="1976264" cy="1015663"/>
+          <p:cNvPr id="9" name="Rectangle 8">
+            <a:extLst>
+              <a:ext uri="{FF2B5EF4-FFF2-40B4-BE49-F238E27FC236}">
+                <a16:creationId xmlns:a16="http://schemas.microsoft.com/office/drawing/2014/main" id="{4C0DC613-10A5-435C-B8FD-BD83518C38AF}"/>
+              </a:ext>
+            </a:extLst>
+          </p:cNvPr>
+          <p:cNvSpPr/>
+          <p:nvPr/>
+        </p:nvSpPr>
+        <p:spPr>
+          <a:xfrm>
+            <a:off x="-79025" y="1270025"/>
+            <a:ext cx="1980222" cy="646331"/>
           </a:xfrm>
           <a:prstGeom prst="rect">
             <a:avLst/>
           </a:prstGeom>
-          <a:noFill/>
-        </p:spPr>
-        <p:txBody>
-          <a:bodyPr wrap="square" rtlCol="0">
+        </p:spPr>
+        <p:txBody>
+          <a:bodyPr wrap="none">
             <a:spAutoFit/>
           </a:bodyPr>
           <a:lstStyle/>
           <a:p>
             <a:pPr algn="ctr"/>
             <a:r>
-              <a:rPr lang="en-US" sz="2000" dirty="0"/>
-              <a:t>Batch-processing</a:t>
-            </a:r>
+              <a:rPr lang="en-US" dirty="0" err="1">
+                <a:solidFill>
+                  <a:srgbClr val="FF0000"/>
+                </a:solidFill>
+              </a:rPr>
+              <a:t>MSConvertGUI</a:t>
+            </a:r>
+            <a:endParaRPr lang="en-US" dirty="0">
+              <a:solidFill>
+                <a:srgbClr val="FF0000"/>
+              </a:solidFill>
+            </a:endParaRPr>
           </a:p>
           <a:p>
             <a:pPr algn="ctr"/>
             <a:r>
-              <a:rPr lang="en-US" sz="2000" dirty="0"/>
-              <a:t>In-house library</a:t>
-            </a:r>
-          </a:p>
-          <a:p>
-            <a:pPr algn="ctr"/>
-            <a:r>
-              <a:rPr lang="en-US" sz="2000" dirty="0"/>
-              <a:t>…</a:t>
-            </a:r>
-          </a:p>
-        </p:txBody>
-      </p:sp>
-      <p:sp>
-        <p:nvSpPr>
-          <p:cNvPr id="5" name="ZoneTexte 4">
-            <a:extLst>
-              <a:ext uri="{FF2B5EF4-FFF2-40B4-BE49-F238E27FC236}">
-                <a16:creationId xmlns:a16="http://schemas.microsoft.com/office/drawing/2014/main" id="{C773A12A-30DF-4ABA-A3D2-F0E62D106750}"/>
-              </a:ext>
-            </a:extLst>
-          </p:cNvPr>
-          <p:cNvSpPr txBox="1"/>
-          <p:nvPr/>
-        </p:nvSpPr>
-        <p:spPr>
-          <a:xfrm>
-            <a:off x="3773537" y="2558791"/>
-            <a:ext cx="1992464" cy="400110"/>
-          </a:xfrm>
-          <a:prstGeom prst="rect">
-            <a:avLst/>
-          </a:prstGeom>
-          <a:noFill/>
-        </p:spPr>
-        <p:txBody>
-          <a:bodyPr wrap="square" rtlCol="0">
-            <a:spAutoFit/>
-          </a:bodyPr>
-          <a:lstStyle/>
-          <a:p>
-            <a:pPr algn="ctr"/>
-            <a:r>
-              <a:rPr lang="en-US" sz="2000" i="1" dirty="0"/>
-              <a:t>Extract scans</a:t>
-            </a:r>
-          </a:p>
-        </p:txBody>
-      </p:sp>
-      <p:sp>
-        <p:nvSpPr>
-          <p:cNvPr id="8" name="Rectangle : coins arrondis 7">
-            <a:extLst>
-              <a:ext uri="{FF2B5EF4-FFF2-40B4-BE49-F238E27FC236}">
-                <a16:creationId xmlns:a16="http://schemas.microsoft.com/office/drawing/2014/main" id="{100857F0-329F-4674-B25D-8194D200E912}"/>
+              <a:rPr lang="en-US" dirty="0">
+                <a:solidFill>
+                  <a:srgbClr val="FF0000"/>
+                </a:solidFill>
+              </a:rPr>
+              <a:t>or vendor software</a:t>
+            </a:r>
+            <a:endParaRPr lang="en-US" dirty="0"/>
+          </a:p>
+        </p:txBody>
+      </p:sp>
+      <p:sp>
+        <p:nvSpPr>
+          <p:cNvPr id="38" name="Rectangle : coins arrondis 37">
+            <a:extLst>
+              <a:ext uri="{FF2B5EF4-FFF2-40B4-BE49-F238E27FC236}">
+                <a16:creationId xmlns:a16="http://schemas.microsoft.com/office/drawing/2014/main" id="{51D7B3C8-DF9E-4C53-AC4B-2BEDBEE893DB}"/>
               </a:ext>
             </a:extLst>
           </p:cNvPr>
@@ -4927,19 +4879,18 @@
         </p:nvSpPr>
         <p:spPr>
           <a:xfrm>
-            <a:off x="3671178" y="750114"/>
-            <a:ext cx="6057022" cy="4657491"/>
+            <a:off x="7913209" y="2598949"/>
+            <a:ext cx="1910203" cy="764337"/>
           </a:xfrm>
           <a:prstGeom prst="roundRect">
             <a:avLst/>
           </a:prstGeom>
-          <a:noFill/>
-          <a:ln>
-            <a:solidFill>
-              <a:srgbClr val="FF0000"/>
-            </a:solidFill>
-            <a:prstDash val="sysDot"/>
-          </a:ln>
+          <a:solidFill>
+            <a:schemeClr val="accent1">
+              <a:lumMod val="60000"/>
+              <a:lumOff val="40000"/>
+            </a:schemeClr>
+          </a:solidFill>
         </p:spPr>
         <p:style>
           <a:lnRef idx="2">
@@ -4961,184 +4912,13 @@
           <a:bodyPr rtlCol="0" anchor="ctr"/>
           <a:lstStyle/>
           <a:p>
-            <a:pPr algn="ctr"/>
-            <a:endParaRPr lang="en-US"/>
-          </a:p>
-        </p:txBody>
-      </p:sp>
-      <p:sp>
-        <p:nvSpPr>
-          <p:cNvPr id="35" name="Rectangle : coins arrondis 34">
-            <a:extLst>
-              <a:ext uri="{FF2B5EF4-FFF2-40B4-BE49-F238E27FC236}">
-                <a16:creationId xmlns:a16="http://schemas.microsoft.com/office/drawing/2014/main" id="{260881A1-3FB5-4334-8A68-2E99A346CECA}"/>
-              </a:ext>
-            </a:extLst>
-          </p:cNvPr>
-          <p:cNvSpPr/>
-          <p:nvPr/>
-        </p:nvSpPr>
-        <p:spPr>
-          <a:xfrm>
-            <a:off x="445834" y="1928901"/>
-            <a:ext cx="979052" cy="1282720"/>
-          </a:xfrm>
-          <a:prstGeom prst="roundRect">
-            <a:avLst/>
-          </a:prstGeom>
-          <a:noFill/>
-          <a:ln>
-            <a:solidFill>
-              <a:srgbClr val="FF0000"/>
-            </a:solidFill>
-            <a:prstDash val="sysDot"/>
-          </a:ln>
-        </p:spPr>
-        <p:style>
-          <a:lnRef idx="2">
-            <a:schemeClr val="accent1">
-              <a:shade val="50000"/>
-            </a:schemeClr>
-          </a:lnRef>
-          <a:fillRef idx="1">
-            <a:schemeClr val="accent1"/>
-          </a:fillRef>
-          <a:effectRef idx="0">
-            <a:schemeClr val="accent1"/>
-          </a:effectRef>
-          <a:fontRef idx="minor">
-            <a:schemeClr val="lt1"/>
-          </a:fontRef>
-        </p:style>
-        <p:txBody>
-          <a:bodyPr rtlCol="0" anchor="ctr"/>
-          <a:lstStyle/>
-          <a:p>
-            <a:pPr algn="ctr"/>
-            <a:endParaRPr lang="en-US"/>
-          </a:p>
-        </p:txBody>
-      </p:sp>
-      <p:sp>
-        <p:nvSpPr>
-          <p:cNvPr id="9" name="Rectangle 8">
-            <a:extLst>
-              <a:ext uri="{FF2B5EF4-FFF2-40B4-BE49-F238E27FC236}">
-                <a16:creationId xmlns:a16="http://schemas.microsoft.com/office/drawing/2014/main" id="{4C0DC613-10A5-435C-B8FD-BD83518C38AF}"/>
-              </a:ext>
-            </a:extLst>
-          </p:cNvPr>
-          <p:cNvSpPr/>
-          <p:nvPr/>
-        </p:nvSpPr>
-        <p:spPr>
-          <a:xfrm>
-            <a:off x="-79025" y="1270025"/>
-            <a:ext cx="1980222" cy="646331"/>
-          </a:xfrm>
-          <a:prstGeom prst="rect">
-            <a:avLst/>
-          </a:prstGeom>
-        </p:spPr>
-        <p:txBody>
-          <a:bodyPr wrap="none">
-            <a:spAutoFit/>
-          </a:bodyPr>
-          <a:lstStyle/>
-          <a:p>
-            <a:pPr algn="ctr"/>
-            <a:r>
-              <a:rPr lang="en-US" dirty="0" err="1">
-                <a:solidFill>
-                  <a:srgbClr val="FF0000"/>
-                </a:solidFill>
-              </a:rPr>
-              <a:t>MSConvertGUI</a:t>
-            </a:r>
-            <a:endParaRPr lang="en-US" dirty="0">
-              <a:solidFill>
-                <a:srgbClr val="FF0000"/>
-              </a:solidFill>
-            </a:endParaRPr>
-          </a:p>
-          <a:p>
-            <a:pPr algn="ctr"/>
-            <a:r>
-              <a:rPr lang="en-US" dirty="0">
-                <a:solidFill>
-                  <a:srgbClr val="FF0000"/>
-                </a:solidFill>
-              </a:rPr>
-              <a:t>or vendor software</a:t>
-            </a:r>
-            <a:endParaRPr lang="en-US" dirty="0"/>
-          </a:p>
-        </p:txBody>
-      </p:sp>
-      <p:sp>
-        <p:nvSpPr>
-          <p:cNvPr id="38" name="Rectangle : coins arrondis 37">
-            <a:extLst>
-              <a:ext uri="{FF2B5EF4-FFF2-40B4-BE49-F238E27FC236}">
-                <a16:creationId xmlns:a16="http://schemas.microsoft.com/office/drawing/2014/main" id="{51D7B3C8-DF9E-4C53-AC4B-2BEDBEE893DB}"/>
-              </a:ext>
-            </a:extLst>
-          </p:cNvPr>
-          <p:cNvSpPr/>
-          <p:nvPr/>
-        </p:nvSpPr>
-        <p:spPr>
-          <a:xfrm>
-            <a:off x="7682320" y="2352830"/>
-            <a:ext cx="1940632" cy="1141885"/>
-          </a:xfrm>
-          <a:prstGeom prst="roundRect">
-            <a:avLst/>
-          </a:prstGeom>
-          <a:solidFill>
-            <a:schemeClr val="accent1">
-              <a:lumMod val="60000"/>
-              <a:lumOff val="40000"/>
-            </a:schemeClr>
-          </a:solidFill>
-        </p:spPr>
-        <p:style>
-          <a:lnRef idx="2">
-            <a:schemeClr val="accent1">
-              <a:shade val="50000"/>
-            </a:schemeClr>
-          </a:lnRef>
-          <a:fillRef idx="1">
-            <a:schemeClr val="accent1"/>
-          </a:fillRef>
-          <a:effectRef idx="0">
-            <a:schemeClr val="accent1"/>
-          </a:effectRef>
-          <a:fontRef idx="minor">
-            <a:schemeClr val="lt1"/>
-          </a:fontRef>
-        </p:style>
-        <p:txBody>
-          <a:bodyPr rtlCol="0" anchor="ctr"/>
-          <a:lstStyle/>
-          <a:p>
             <a:r>
               <a:rPr lang="en-US" sz="2000" b="1" dirty="0">
                 <a:solidFill>
                   <a:schemeClr val="tx1"/>
                 </a:solidFill>
               </a:rPr>
-              <a:t>Merged (consensus) </a:t>
-            </a:r>
-          </a:p>
-          <a:p>
-            <a:r>
-              <a:rPr lang="en-US" sz="2000" b="1" dirty="0">
-                <a:solidFill>
-                  <a:schemeClr val="tx1"/>
-                </a:solidFill>
-              </a:rPr>
-              <a:t>spectral library</a:t>
+              <a:t>Merged spectral library</a:t>
             </a:r>
           </a:p>
         </p:txBody>
@@ -5155,13 +4935,14 @@
           <p:cNvCxnSpPr>
             <a:cxnSpLocks/>
             <a:stCxn id="38" idx="2"/>
+            <a:endCxn id="59" idx="0"/>
           </p:cNvCxnSpPr>
           <p:nvPr/>
         </p:nvCxnSpPr>
         <p:spPr>
           <a:xfrm flipH="1">
-            <a:off x="8255000" y="3494715"/>
-            <a:ext cx="397636" cy="2328433"/>
+            <a:off x="8379913" y="3363286"/>
+            <a:ext cx="488398" cy="2411093"/>
           </a:xfrm>
           <a:prstGeom prst="straightConnector1">
             <a:avLst/>
@@ -5202,7 +4983,7 @@
         </p:nvSpPr>
         <p:spPr>
           <a:xfrm>
-            <a:off x="7619696" y="4770880"/>
+            <a:off x="7832131" y="4770880"/>
             <a:ext cx="1798441" cy="369332"/>
           </a:xfrm>
           <a:prstGeom prst="rect">
@@ -5248,7 +5029,7 @@
         </p:nvSpPr>
         <p:spPr>
           <a:xfrm>
-            <a:off x="6937694" y="949130"/>
+            <a:off x="7150129" y="949130"/>
             <a:ext cx="679267" cy="4019541"/>
           </a:xfrm>
           <a:prstGeom prst="rightBrace">
@@ -5257,11 +5038,12 @@
               <a:gd name="adj2" fmla="val 50000"/>
             </a:avLst>
           </a:prstGeom>
-          <a:ln>
+          <a:ln w="19050">
             <a:solidFill>
               <a:schemeClr val="tx1"/>
             </a:solidFill>
-            <a:tailEnd type="diamond"/>
+            <a:headEnd type="none" w="med" len="med"/>
+            <a:tailEnd type="none" w="med" len="med"/>
           </a:ln>
         </p:spPr>
         <p:style>
@@ -5283,51 +5065,10 @@
           <a:lstStyle/>
           <a:p>
             <a:pPr algn="ctr"/>
-            <a:endParaRPr lang="en-US"/>
-          </a:p>
-        </p:txBody>
-      </p:sp>
-      <p:cxnSp>
-        <p:nvCxnSpPr>
-          <p:cNvPr id="72" name="Connecteur droit 71">
-            <a:extLst>
-              <a:ext uri="{FF2B5EF4-FFF2-40B4-BE49-F238E27FC236}">
-                <a16:creationId xmlns:a16="http://schemas.microsoft.com/office/drawing/2014/main" id="{E8CF23F3-C310-4FEC-BF53-CB034C8F727D}"/>
-              </a:ext>
-            </a:extLst>
-          </p:cNvPr>
-          <p:cNvCxnSpPr/>
-          <p:nvPr/>
-        </p:nvCxnSpPr>
-        <p:spPr>
-          <a:xfrm>
-            <a:off x="6987254" y="2958900"/>
-            <a:ext cx="429546" cy="0"/>
-          </a:xfrm>
-          <a:prstGeom prst="line">
-            <a:avLst/>
-          </a:prstGeom>
-          <a:ln>
-            <a:solidFill>
-              <a:schemeClr val="tx1"/>
-            </a:solidFill>
-          </a:ln>
-        </p:spPr>
-        <p:style>
-          <a:lnRef idx="1">
-            <a:schemeClr val="accent1"/>
-          </a:lnRef>
-          <a:fillRef idx="0">
-            <a:schemeClr val="accent1"/>
-          </a:fillRef>
-          <a:effectRef idx="0">
-            <a:schemeClr val="accent1"/>
-          </a:effectRef>
-          <a:fontRef idx="minor">
-            <a:schemeClr val="tx1"/>
-          </a:fontRef>
-        </p:style>
-      </p:cxnSp>
+            <a:endParaRPr lang="en-US" dirty="0"/>
+          </a:p>
+        </p:txBody>
+      </p:sp>
       <p:cxnSp>
         <p:nvCxnSpPr>
           <p:cNvPr id="74" name="Connecteur droit avec flèche 73">
@@ -5339,15 +5080,13 @@
           </p:cNvPr>
           <p:cNvCxnSpPr>
             <a:cxnSpLocks/>
-            <a:stCxn id="38" idx="0"/>
-            <a:endCxn id="26" idx="1"/>
           </p:cNvCxnSpPr>
           <p:nvPr/>
         </p:nvCxnSpPr>
         <p:spPr>
           <a:xfrm flipV="1">
-            <a:off x="8652636" y="705895"/>
-            <a:ext cx="1472135" cy="1646935"/>
+            <a:off x="8886383" y="1105426"/>
+            <a:ext cx="1474419" cy="1480996"/>
           </a:xfrm>
           <a:prstGeom prst="straightConnector1">
             <a:avLst/>
@@ -5391,8 +5130,8 @@
         </p:nvCxnSpPr>
         <p:spPr>
           <a:xfrm flipV="1">
-            <a:off x="9618260" y="2733712"/>
-            <a:ext cx="501805" cy="190060"/>
+            <a:off x="9813972" y="2886013"/>
+            <a:ext cx="522543" cy="4528"/>
           </a:xfrm>
           <a:prstGeom prst="straightConnector1">
             <a:avLst/>
@@ -5436,8 +5175,8 @@
         </p:nvCxnSpPr>
         <p:spPr>
           <a:xfrm>
-            <a:off x="9493060" y="3494714"/>
-            <a:ext cx="627005" cy="1164217"/>
+            <a:off x="9361447" y="3354375"/>
+            <a:ext cx="971053" cy="1304556"/>
           </a:xfrm>
           <a:prstGeom prst="straightConnector1">
             <a:avLst/>
@@ -5478,7 +5217,7 @@
         </p:nvSpPr>
         <p:spPr>
           <a:xfrm>
-            <a:off x="8925043" y="3779080"/>
+            <a:off x="9052672" y="3788183"/>
             <a:ext cx="2195216" cy="369332"/>
           </a:xfrm>
           <a:prstGeom prst="rect">
@@ -5524,7 +5263,7 @@
         </p:nvSpPr>
         <p:spPr>
           <a:xfrm>
-            <a:off x="9254003" y="2047673"/>
+            <a:off x="9447175" y="2168513"/>
             <a:ext cx="1910203" cy="369332"/>
           </a:xfrm>
           <a:prstGeom prst="rect">
@@ -5570,7 +5309,169 @@
         </p:nvSpPr>
         <p:spPr>
           <a:xfrm rot="16200000">
-            <a:off x="9195544" y="5927942"/>
+            <a:off x="9484571" y="5974332"/>
+            <a:ext cx="380758" cy="476994"/>
+          </a:xfrm>
+          <a:prstGeom prst="downArrow">
+            <a:avLst/>
+          </a:prstGeom>
+        </p:spPr>
+        <p:style>
+          <a:lnRef idx="2">
+            <a:schemeClr val="accent1">
+              <a:shade val="50000"/>
+            </a:schemeClr>
+          </a:lnRef>
+          <a:fillRef idx="1">
+            <a:schemeClr val="accent1"/>
+          </a:fillRef>
+          <a:effectRef idx="0">
+            <a:schemeClr val="accent1"/>
+          </a:effectRef>
+          <a:fontRef idx="minor">
+            <a:schemeClr val="lt1"/>
+          </a:fontRef>
+        </p:style>
+        <p:txBody>
+          <a:bodyPr rtlCol="0" anchor="ctr"/>
+          <a:lstStyle/>
+          <a:p>
+            <a:pPr algn="ctr"/>
+            <a:endParaRPr lang="en-US"/>
+          </a:p>
+        </p:txBody>
+      </p:sp>
+      <p:sp>
+        <p:nvSpPr>
+          <p:cNvPr id="44" name="Rectangle 43">
+            <a:extLst>
+              <a:ext uri="{FF2B5EF4-FFF2-40B4-BE49-F238E27FC236}">
+                <a16:creationId xmlns:a16="http://schemas.microsoft.com/office/drawing/2014/main" id="{765DDFE1-8F93-4C3D-8D2D-4C7F8B15EA75}"/>
+              </a:ext>
+            </a:extLst>
+          </p:cNvPr>
+          <p:cNvSpPr/>
+          <p:nvPr/>
+        </p:nvSpPr>
+        <p:spPr>
+          <a:xfrm>
+            <a:off x="3490380" y="3680436"/>
+            <a:ext cx="1443793" cy="400110"/>
+          </a:xfrm>
+          <a:prstGeom prst="rect">
+            <a:avLst/>
+          </a:prstGeom>
+        </p:spPr>
+        <p:txBody>
+          <a:bodyPr wrap="none">
+            <a:spAutoFit/>
+          </a:bodyPr>
+          <a:lstStyle/>
+          <a:p>
+            <a:r>
+              <a:rPr lang="en-US" sz="2000" i="1" dirty="0"/>
+              <a:t>Extract MS2</a:t>
+            </a:r>
+          </a:p>
+        </p:txBody>
+      </p:sp>
+      <p:sp>
+        <p:nvSpPr>
+          <p:cNvPr id="20" name="Rectangle 19">
+            <a:extLst>
+              <a:ext uri="{FF2B5EF4-FFF2-40B4-BE49-F238E27FC236}">
+                <a16:creationId xmlns:a16="http://schemas.microsoft.com/office/drawing/2014/main" id="{B9AF68C0-A521-4599-9FE0-4F7090D80718}"/>
+              </a:ext>
+            </a:extLst>
+          </p:cNvPr>
+          <p:cNvSpPr/>
+          <p:nvPr/>
+        </p:nvSpPr>
+        <p:spPr>
+          <a:xfrm>
+            <a:off x="3490380" y="1698063"/>
+            <a:ext cx="1443793" cy="400110"/>
+          </a:xfrm>
+          <a:prstGeom prst="rect">
+            <a:avLst/>
+          </a:prstGeom>
+        </p:spPr>
+        <p:txBody>
+          <a:bodyPr wrap="none">
+            <a:spAutoFit/>
+          </a:bodyPr>
+          <a:lstStyle/>
+          <a:p>
+            <a:r>
+              <a:rPr lang="en-US" sz="2000" i="1" dirty="0"/>
+              <a:t>Extract MS1</a:t>
+            </a:r>
+          </a:p>
+        </p:txBody>
+      </p:sp>
+      <p:sp>
+        <p:nvSpPr>
+          <p:cNvPr id="45" name="ZoneTexte 44">
+            <a:extLst>
+              <a:ext uri="{FF2B5EF4-FFF2-40B4-BE49-F238E27FC236}">
+                <a16:creationId xmlns:a16="http://schemas.microsoft.com/office/drawing/2014/main" id="{18AAE3A4-5412-42E1-840A-CD53447501B5}"/>
+              </a:ext>
+            </a:extLst>
+          </p:cNvPr>
+          <p:cNvSpPr txBox="1"/>
+          <p:nvPr/>
+        </p:nvSpPr>
+        <p:spPr>
+          <a:xfrm>
+            <a:off x="6276760" y="461054"/>
+            <a:ext cx="2103153" cy="400110"/>
+          </a:xfrm>
+          <a:prstGeom prst="rect">
+            <a:avLst/>
+          </a:prstGeom>
+          <a:noFill/>
+        </p:spPr>
+        <p:txBody>
+          <a:bodyPr wrap="square" rtlCol="0">
+            <a:spAutoFit/>
+          </a:bodyPr>
+          <a:lstStyle/>
+          <a:p>
+            <a:pPr algn="ctr"/>
+            <a:r>
+              <a:rPr lang="en-US" sz="2000" i="1" dirty="0" err="1">
+                <a:solidFill>
+                  <a:srgbClr val="FF0000"/>
+                </a:solidFill>
+              </a:rPr>
+              <a:t>process_library</a:t>
+            </a:r>
+            <a:r>
+              <a:rPr lang="en-US" sz="2000" i="1" dirty="0">
+                <a:solidFill>
+                  <a:srgbClr val="FF0000"/>
+                </a:solidFill>
+              </a:rPr>
+              <a:t>()</a:t>
+            </a:r>
+          </a:p>
+        </p:txBody>
+      </p:sp>
+      <p:sp>
+        <p:nvSpPr>
+          <p:cNvPr id="46" name="Flèche : bas 45">
+            <a:extLst>
+              <a:ext uri="{FF2B5EF4-FFF2-40B4-BE49-F238E27FC236}">
+                <a16:creationId xmlns:a16="http://schemas.microsoft.com/office/drawing/2014/main" id="{237D30B9-AFB0-4599-80B3-3C0A20800A6F}"/>
+              </a:ext>
+            </a:extLst>
+          </p:cNvPr>
+          <p:cNvSpPr/>
+          <p:nvPr/>
+        </p:nvSpPr>
+        <p:spPr>
+          <a:xfrm rot="14245797">
+            <a:off x="4008361" y="5066395"/>
             <a:ext cx="380758" cy="476994"/>
           </a:xfrm>
           <a:prstGeom prst="downArrow">

--- a/inst/tmp.pptx
+++ b/inst/tmp.pptx
@@ -12,6 +12,7 @@
     <p:sldId id="260" r:id="rId6"/>
     <p:sldId id="261" r:id="rId7"/>
     <p:sldId id="262" r:id="rId8"/>
+    <p:sldId id="263" r:id="rId9"/>
   </p:sldIdLst>
   <p:sldSz cx="12192000" cy="6858000"/>
   <p:notesSz cx="6858000" cy="9144000"/>
@@ -267,7 +268,7 @@
           <a:p>
             <a:fld id="{63C097CE-CE30-40FD-8349-F85D75ED7B0A}" type="datetimeFigureOut">
               <a:rPr lang="en-US" smtClean="0"/>
-              <a:t>8/9/2018</a:t>
+              <a:t>8/16/2018</a:t>
             </a:fld>
             <a:endParaRPr lang="en-US"/>
           </a:p>
@@ -467,7 +468,7 @@
           <a:p>
             <a:fld id="{63C097CE-CE30-40FD-8349-F85D75ED7B0A}" type="datetimeFigureOut">
               <a:rPr lang="en-US" smtClean="0"/>
-              <a:t>8/9/2018</a:t>
+              <a:t>8/16/2018</a:t>
             </a:fld>
             <a:endParaRPr lang="en-US"/>
           </a:p>
@@ -677,7 +678,7 @@
           <a:p>
             <a:fld id="{63C097CE-CE30-40FD-8349-F85D75ED7B0A}" type="datetimeFigureOut">
               <a:rPr lang="en-US" smtClean="0"/>
-              <a:t>8/9/2018</a:t>
+              <a:t>8/16/2018</a:t>
             </a:fld>
             <a:endParaRPr lang="en-US"/>
           </a:p>
@@ -877,7 +878,7 @@
           <a:p>
             <a:fld id="{63C097CE-CE30-40FD-8349-F85D75ED7B0A}" type="datetimeFigureOut">
               <a:rPr lang="en-US" smtClean="0"/>
-              <a:t>8/9/2018</a:t>
+              <a:t>8/16/2018</a:t>
             </a:fld>
             <a:endParaRPr lang="en-US"/>
           </a:p>
@@ -1153,7 +1154,7 @@
           <a:p>
             <a:fld id="{63C097CE-CE30-40FD-8349-F85D75ED7B0A}" type="datetimeFigureOut">
               <a:rPr lang="en-US" smtClean="0"/>
-              <a:t>8/9/2018</a:t>
+              <a:t>8/16/2018</a:t>
             </a:fld>
             <a:endParaRPr lang="en-US"/>
           </a:p>
@@ -1421,7 +1422,7 @@
           <a:p>
             <a:fld id="{63C097CE-CE30-40FD-8349-F85D75ED7B0A}" type="datetimeFigureOut">
               <a:rPr lang="en-US" smtClean="0"/>
-              <a:t>8/9/2018</a:t>
+              <a:t>8/16/2018</a:t>
             </a:fld>
             <a:endParaRPr lang="en-US"/>
           </a:p>
@@ -1836,7 +1837,7 @@
           <a:p>
             <a:fld id="{63C097CE-CE30-40FD-8349-F85D75ED7B0A}" type="datetimeFigureOut">
               <a:rPr lang="en-US" smtClean="0"/>
-              <a:t>8/9/2018</a:t>
+              <a:t>8/16/2018</a:t>
             </a:fld>
             <a:endParaRPr lang="en-US"/>
           </a:p>
@@ -1978,7 +1979,7 @@
           <a:p>
             <a:fld id="{63C097CE-CE30-40FD-8349-F85D75ED7B0A}" type="datetimeFigureOut">
               <a:rPr lang="en-US" smtClean="0"/>
-              <a:t>8/9/2018</a:t>
+              <a:t>8/16/2018</a:t>
             </a:fld>
             <a:endParaRPr lang="en-US"/>
           </a:p>
@@ -2091,7 +2092,7 @@
           <a:p>
             <a:fld id="{63C097CE-CE30-40FD-8349-F85D75ED7B0A}" type="datetimeFigureOut">
               <a:rPr lang="en-US" smtClean="0"/>
-              <a:t>8/9/2018</a:t>
+              <a:t>8/16/2018</a:t>
             </a:fld>
             <a:endParaRPr lang="en-US"/>
           </a:p>
@@ -2404,7 +2405,7 @@
           <a:p>
             <a:fld id="{63C097CE-CE30-40FD-8349-F85D75ED7B0A}" type="datetimeFigureOut">
               <a:rPr lang="en-US" smtClean="0"/>
-              <a:t>8/9/2018</a:t>
+              <a:t>8/16/2018</a:t>
             </a:fld>
             <a:endParaRPr lang="en-US"/>
           </a:p>
@@ -2693,7 +2694,7 @@
           <a:p>
             <a:fld id="{63C097CE-CE30-40FD-8349-F85D75ED7B0A}" type="datetimeFigureOut">
               <a:rPr lang="en-US" smtClean="0"/>
-              <a:t>8/9/2018</a:t>
+              <a:t>8/16/2018</a:t>
             </a:fld>
             <a:endParaRPr lang="en-US"/>
           </a:p>
@@ -2936,7 +2937,7 @@
           <a:p>
             <a:fld id="{63C097CE-CE30-40FD-8349-F85D75ED7B0A}" type="datetimeFigureOut">
               <a:rPr lang="en-US" smtClean="0"/>
-              <a:t>8/9/2018</a:t>
+              <a:t>8/16/2018</a:t>
             </a:fld>
             <a:endParaRPr lang="en-US"/>
           </a:p>
@@ -3367,8 +3368,8 @@
         </p:nvSpPr>
         <p:spPr>
           <a:xfrm>
-            <a:off x="-828982" y="454792"/>
-            <a:ext cx="13214945" cy="6403208"/>
+            <a:off x="-899630" y="461054"/>
+            <a:ext cx="13861491" cy="5511648"/>
           </a:xfrm>
           <a:prstGeom prst="rect">
             <a:avLst/>
@@ -3429,7 +3430,7 @@
         </p:blipFill>
         <p:spPr>
           <a:xfrm>
-            <a:off x="1685028" y="3310856"/>
+            <a:off x="1564396" y="726851"/>
             <a:ext cx="1873502" cy="1236749"/>
           </a:xfrm>
           <a:prstGeom prst="rect">
@@ -3902,7 +3903,7 @@
         </p:nvSpPr>
         <p:spPr>
           <a:xfrm>
-            <a:off x="-151709" y="5561440"/>
+            <a:off x="-135905" y="4614728"/>
             <a:ext cx="1392658" cy="707886"/>
           </a:xfrm>
           <a:prstGeom prst="rect">
@@ -3970,8 +3971,8 @@
         </p:nvSpPr>
         <p:spPr>
           <a:xfrm>
-            <a:off x="1260509" y="5469019"/>
-            <a:ext cx="294207" cy="934189"/>
+            <a:off x="1318978" y="4343130"/>
+            <a:ext cx="316618" cy="1236344"/>
           </a:xfrm>
           <a:prstGeom prst="leftBrace">
             <a:avLst>
@@ -4022,8 +4023,8 @@
         </p:nvSpPr>
         <p:spPr>
           <a:xfrm>
-            <a:off x="1631892" y="5339433"/>
-            <a:ext cx="2435660" cy="1200329"/>
+            <a:off x="1662250" y="4241286"/>
+            <a:ext cx="2435660" cy="1754326"/>
           </a:xfrm>
           <a:prstGeom prst="rect">
             <a:avLst/>
@@ -4114,14 +4115,161 @@
               <a:t>Ion mode</a:t>
             </a:r>
           </a:p>
-        </p:txBody>
-      </p:sp>
-      <p:sp>
-        <p:nvSpPr>
-          <p:cNvPr id="59" name="Rectangle : coins arrondis 58">
-            <a:extLst>
-              <a:ext uri="{FF2B5EF4-FFF2-40B4-BE49-F238E27FC236}">
-                <a16:creationId xmlns:a16="http://schemas.microsoft.com/office/drawing/2014/main" id="{8AA0A447-4A95-409F-9519-894B8A17BD10}"/>
+          <a:p>
+            <a:pPr lvl="0" eaLnBrk="0" fontAlgn="base" hangingPunct="0">
+              <a:spcBef>
+                <a:spcPct val="0"/>
+              </a:spcBef>
+              <a:spcAft>
+                <a:spcPct val="0"/>
+              </a:spcAft>
+            </a:pPr>
+            <a:r>
+              <a:rPr lang="en-US" altLang="en-US" dirty="0">
+                <a:solidFill>
+                  <a:srgbClr val="000000"/>
+                </a:solidFill>
+                <a:latin typeface="Calibri" panose="020F0502020204030204" pitchFamily="34" charset="0"/>
+                <a:cs typeface="Calibri" panose="020F0502020204030204" pitchFamily="34" charset="0"/>
+              </a:rPr>
+              <a:t>Adduct type</a:t>
+            </a:r>
+          </a:p>
+          <a:p>
+            <a:pPr lvl="0" eaLnBrk="0" fontAlgn="base" hangingPunct="0">
+              <a:spcBef>
+                <a:spcPct val="0"/>
+              </a:spcBef>
+              <a:spcAft>
+                <a:spcPct val="0"/>
+              </a:spcAft>
+            </a:pPr>
+            <a:r>
+              <a:rPr lang="en-US" altLang="en-US" dirty="0">
+                <a:solidFill>
+                  <a:srgbClr val="000000"/>
+                </a:solidFill>
+                <a:latin typeface="Calibri" panose="020F0502020204030204" pitchFamily="34" charset="0"/>
+                <a:cs typeface="Calibri" panose="020F0502020204030204" pitchFamily="34" charset="0"/>
+              </a:rPr>
+              <a:t>…</a:t>
+            </a:r>
+          </a:p>
+        </p:txBody>
+      </p:sp>
+      <p:pic>
+        <p:nvPicPr>
+          <p:cNvPr id="60" name="Image 59">
+            <a:extLst>
+              <a:ext uri="{FF2B5EF4-FFF2-40B4-BE49-F238E27FC236}">
+                <a16:creationId xmlns:a16="http://schemas.microsoft.com/office/drawing/2014/main" id="{912F0D45-638E-41E9-AF83-C03C8020DD5B}"/>
+              </a:ext>
+            </a:extLst>
+          </p:cNvPr>
+          <p:cNvPicPr>
+            <a:picLocks noChangeAspect="1"/>
+          </p:cNvPicPr>
+          <p:nvPr/>
+        </p:nvPicPr>
+        <p:blipFill>
+          <a:blip r:embed="rId3"/>
+          <a:stretch>
+            <a:fillRect/>
+          </a:stretch>
+        </p:blipFill>
+        <p:spPr>
+          <a:xfrm>
+            <a:off x="4979540" y="861164"/>
+            <a:ext cx="2103153" cy="1468581"/>
+          </a:xfrm>
+          <a:prstGeom prst="rect">
+            <a:avLst/>
+          </a:prstGeom>
+        </p:spPr>
+      </p:pic>
+      <p:pic>
+        <p:nvPicPr>
+          <p:cNvPr id="61" name="Image 60">
+            <a:extLst>
+              <a:ext uri="{FF2B5EF4-FFF2-40B4-BE49-F238E27FC236}">
+                <a16:creationId xmlns:a16="http://schemas.microsoft.com/office/drawing/2014/main" id="{C9E1DE31-DF15-4B98-BA7C-5CC4878701DA}"/>
+              </a:ext>
+            </a:extLst>
+          </p:cNvPr>
+          <p:cNvPicPr>
+            <a:picLocks noChangeAspect="1"/>
+          </p:cNvPicPr>
+          <p:nvPr/>
+        </p:nvPicPr>
+        <p:blipFill>
+          <a:blip r:embed="rId4"/>
+          <a:stretch>
+            <a:fillRect/>
+          </a:stretch>
+        </p:blipFill>
+        <p:spPr>
+          <a:xfrm>
+            <a:off x="4992053" y="3009360"/>
+            <a:ext cx="2151398" cy="1510376"/>
+          </a:xfrm>
+          <a:prstGeom prst="rect">
+            <a:avLst/>
+          </a:prstGeom>
+        </p:spPr>
+      </p:pic>
+      <p:sp>
+        <p:nvSpPr>
+          <p:cNvPr id="64" name="ZoneTexte 63">
+            <a:extLst>
+              <a:ext uri="{FF2B5EF4-FFF2-40B4-BE49-F238E27FC236}">
+                <a16:creationId xmlns:a16="http://schemas.microsoft.com/office/drawing/2014/main" id="{A9BCE1B9-9E04-4723-B03C-A52D9DC1806C}"/>
+              </a:ext>
+            </a:extLst>
+          </p:cNvPr>
+          <p:cNvSpPr txBox="1"/>
+          <p:nvPr/>
+        </p:nvSpPr>
+        <p:spPr>
+          <a:xfrm>
+            <a:off x="3740124" y="2595455"/>
+            <a:ext cx="2355876" cy="400110"/>
+          </a:xfrm>
+          <a:prstGeom prst="rect">
+            <a:avLst/>
+          </a:prstGeom>
+          <a:noFill/>
+        </p:spPr>
+        <p:txBody>
+          <a:bodyPr wrap="square" rtlCol="0">
+            <a:spAutoFit/>
+          </a:bodyPr>
+          <a:lstStyle/>
+          <a:p>
+            <a:r>
+              <a:rPr lang="en-US" sz="2000" i="1" dirty="0" err="1">
+                <a:solidFill>
+                  <a:srgbClr val="FF0000"/>
+                </a:solidFill>
+              </a:rPr>
+              <a:t>library_generator</a:t>
+            </a:r>
+            <a:r>
+              <a:rPr lang="en-US" sz="2000" i="1" dirty="0">
+                <a:solidFill>
+                  <a:srgbClr val="FF0000"/>
+                </a:solidFill>
+              </a:rPr>
+              <a:t> ()</a:t>
+            </a:r>
+          </a:p>
+        </p:txBody>
+      </p:sp>
+      <p:sp>
+        <p:nvSpPr>
+          <p:cNvPr id="26" name="Rectangle : coins arrondis 25">
+            <a:extLst>
+              <a:ext uri="{FF2B5EF4-FFF2-40B4-BE49-F238E27FC236}">
+                <a16:creationId xmlns:a16="http://schemas.microsoft.com/office/drawing/2014/main" id="{EA0F6D78-D54F-40E6-9D5F-C2C7E4153B1E}"/>
               </a:ext>
             </a:extLst>
           </p:cNvPr>
@@ -4130,8 +4278,8 @@
         </p:nvSpPr>
         <p:spPr>
           <a:xfrm>
-            <a:off x="7688821" y="5774379"/>
-            <a:ext cx="1382184" cy="734676"/>
+            <a:off x="10671812" y="677196"/>
+            <a:ext cx="2140722" cy="847256"/>
           </a:xfrm>
           <a:prstGeom prst="roundRect">
             <a:avLst/>
@@ -4170,117 +4318,28 @@
                   <a:schemeClr val="tx1"/>
                 </a:solidFill>
               </a:rPr>
-              <a:t>.</a:t>
-            </a:r>
-            <a:r>
-              <a:rPr lang="en-US" sz="2000" b="1" dirty="0" err="1">
+              <a:t>In-house library</a:t>
+            </a:r>
+          </a:p>
+          <a:p>
+            <a:pPr algn="ctr"/>
+            <a:r>
+              <a:rPr lang="en-US" i="1" dirty="0">
                 <a:solidFill>
                   <a:schemeClr val="tx1"/>
                 </a:solidFill>
               </a:rPr>
-              <a:t>dat</a:t>
-            </a:r>
-            <a:endParaRPr lang="en-US" sz="2000" b="1" dirty="0">
-              <a:solidFill>
-                <a:schemeClr val="tx1"/>
-              </a:solidFill>
-            </a:endParaRPr>
-          </a:p>
-          <a:p>
-            <a:pPr algn="ctr"/>
-            <a:r>
-              <a:rPr lang="en-US" sz="2000" b="1" dirty="0">
-                <a:solidFill>
-                  <a:schemeClr val="tx1"/>
-                </a:solidFill>
-              </a:rPr>
-              <a:t>(</a:t>
-            </a:r>
-            <a:r>
-              <a:rPr lang="en-US" sz="2000" b="1" dirty="0" err="1">
-                <a:solidFill>
-                  <a:schemeClr val="tx1"/>
-                </a:solidFill>
-              </a:rPr>
-              <a:t>Metfrag</a:t>
-            </a:r>
-            <a:r>
-              <a:rPr lang="en-US" sz="2000" b="1" dirty="0">
-                <a:solidFill>
-                  <a:schemeClr val="tx1"/>
-                </a:solidFill>
-              </a:rPr>
-              <a:t>)</a:t>
-            </a:r>
-          </a:p>
-        </p:txBody>
-      </p:sp>
-      <p:pic>
-        <p:nvPicPr>
-          <p:cNvPr id="60" name="Image 59">
-            <a:extLst>
-              <a:ext uri="{FF2B5EF4-FFF2-40B4-BE49-F238E27FC236}">
-                <a16:creationId xmlns:a16="http://schemas.microsoft.com/office/drawing/2014/main" id="{912F0D45-638E-41E9-AF83-C03C8020DD5B}"/>
-              </a:ext>
-            </a:extLst>
-          </p:cNvPr>
-          <p:cNvPicPr>
-            <a:picLocks noChangeAspect="1"/>
-          </p:cNvPicPr>
-          <p:nvPr/>
-        </p:nvPicPr>
-        <p:blipFill>
-          <a:blip r:embed="rId3"/>
-          <a:stretch>
-            <a:fillRect/>
-          </a:stretch>
-        </p:blipFill>
-        <p:spPr>
-          <a:xfrm>
-            <a:off x="4979540" y="861164"/>
-            <a:ext cx="2103153" cy="1468581"/>
-          </a:xfrm>
-          <a:prstGeom prst="rect">
-            <a:avLst/>
-          </a:prstGeom>
-        </p:spPr>
-      </p:pic>
-      <p:pic>
-        <p:nvPicPr>
-          <p:cNvPr id="61" name="Image 60">
-            <a:extLst>
-              <a:ext uri="{FF2B5EF4-FFF2-40B4-BE49-F238E27FC236}">
-                <a16:creationId xmlns:a16="http://schemas.microsoft.com/office/drawing/2014/main" id="{C9E1DE31-DF15-4B98-BA7C-5CC4878701DA}"/>
-              </a:ext>
-            </a:extLst>
-          </p:cNvPr>
-          <p:cNvPicPr>
-            <a:picLocks noChangeAspect="1"/>
-          </p:cNvPicPr>
-          <p:nvPr/>
-        </p:nvPicPr>
-        <p:blipFill>
-          <a:blip r:embed="rId4"/>
-          <a:stretch>
-            <a:fillRect/>
-          </a:stretch>
-        </p:blipFill>
-        <p:spPr>
-          <a:xfrm>
-            <a:off x="4992053" y="3009360"/>
-            <a:ext cx="2151398" cy="1510376"/>
-          </a:xfrm>
-          <a:prstGeom prst="rect">
-            <a:avLst/>
-          </a:prstGeom>
-        </p:spPr>
-      </p:pic>
-      <p:sp>
-        <p:nvSpPr>
-          <p:cNvPr id="63" name="Rectangle : coins arrondis 62">
-            <a:extLst>
-              <a:ext uri="{FF2B5EF4-FFF2-40B4-BE49-F238E27FC236}">
-                <a16:creationId xmlns:a16="http://schemas.microsoft.com/office/drawing/2014/main" id="{DD042865-4156-482D-9360-1287456E3E2B}"/>
+              <a:t>Search &amp; plot</a:t>
+            </a:r>
+          </a:p>
+        </p:txBody>
+      </p:sp>
+      <p:sp>
+        <p:nvSpPr>
+          <p:cNvPr id="37" name="Rectangle : coins arrondis 36">
+            <a:extLst>
+              <a:ext uri="{FF2B5EF4-FFF2-40B4-BE49-F238E27FC236}">
+                <a16:creationId xmlns:a16="http://schemas.microsoft.com/office/drawing/2014/main" id="{F9532241-B33D-41D9-B8A1-74BD6C4F8804}"/>
               </a:ext>
             </a:extLst>
           </p:cNvPr>
@@ -4289,8 +4348,8 @@
         </p:nvSpPr>
         <p:spPr>
           <a:xfrm>
-            <a:off x="10336515" y="2503844"/>
-            <a:ext cx="1820142" cy="764337"/>
+            <a:off x="4597192" y="4750291"/>
+            <a:ext cx="2447972" cy="400110"/>
           </a:xfrm>
           <a:prstGeom prst="roundRect">
             <a:avLst/>
@@ -4324,23 +4383,23 @@
           <a:p>
             <a:pPr algn="ctr"/>
             <a:r>
-              <a:rPr lang="en-US" sz="2000" b="1" dirty="0">
+              <a:rPr lang="en-US" b="1" dirty="0">
                 <a:solidFill>
                   <a:schemeClr val="tx1"/>
                 </a:solidFill>
               </a:rPr>
-              <a:t>.mat (</a:t>
-            </a:r>
-            <a:r>
-              <a:rPr lang="en-US" sz="2000" b="1" dirty="0" err="1">
+              <a:t>(Previous library .</a:t>
+            </a:r>
+            <a:r>
+              <a:rPr lang="en-US" b="1" dirty="0" err="1">
                 <a:solidFill>
                   <a:schemeClr val="tx1"/>
                 </a:solidFill>
               </a:rPr>
-              <a:t>MSFinder</a:t>
-            </a:r>
-            <a:r>
-              <a:rPr lang="en-US" sz="2000" b="1" dirty="0">
+              <a:t>mgf</a:t>
+            </a:r>
+            <a:r>
+              <a:rPr lang="en-US" b="1" dirty="0">
                 <a:solidFill>
                   <a:schemeClr val="tx1"/>
                 </a:solidFill>
@@ -4352,77 +4411,31 @@
       </p:sp>
       <p:sp>
         <p:nvSpPr>
-          <p:cNvPr id="64" name="ZoneTexte 63">
-            <a:extLst>
-              <a:ext uri="{FF2B5EF4-FFF2-40B4-BE49-F238E27FC236}">
-                <a16:creationId xmlns:a16="http://schemas.microsoft.com/office/drawing/2014/main" id="{A9BCE1B9-9E04-4723-B03C-A52D9DC1806C}"/>
-              </a:ext>
-            </a:extLst>
-          </p:cNvPr>
-          <p:cNvSpPr txBox="1"/>
-          <p:nvPr/>
-        </p:nvSpPr>
-        <p:spPr>
-          <a:xfrm>
-            <a:off x="3740124" y="2595455"/>
-            <a:ext cx="2355876" cy="400110"/>
-          </a:xfrm>
-          <a:prstGeom prst="rect">
+          <p:cNvPr id="35" name="Rectangle : coins arrondis 34">
+            <a:extLst>
+              <a:ext uri="{FF2B5EF4-FFF2-40B4-BE49-F238E27FC236}">
+                <a16:creationId xmlns:a16="http://schemas.microsoft.com/office/drawing/2014/main" id="{260881A1-3FB5-4334-8A68-2E99A346CECA}"/>
+              </a:ext>
+            </a:extLst>
+          </p:cNvPr>
+          <p:cNvSpPr/>
+          <p:nvPr/>
+        </p:nvSpPr>
+        <p:spPr>
+          <a:xfrm>
+            <a:off x="445834" y="1928901"/>
+            <a:ext cx="979052" cy="1282720"/>
+          </a:xfrm>
+          <a:prstGeom prst="roundRect">
             <a:avLst/>
           </a:prstGeom>
           <a:noFill/>
-        </p:spPr>
-        <p:txBody>
-          <a:bodyPr wrap="square" rtlCol="0">
-            <a:spAutoFit/>
-          </a:bodyPr>
-          <a:lstStyle/>
-          <a:p>
-            <a:r>
-              <a:rPr lang="en-US" sz="2000" i="1" dirty="0" err="1">
-                <a:solidFill>
-                  <a:srgbClr val="FF0000"/>
-                </a:solidFill>
-              </a:rPr>
-              <a:t>library_generator</a:t>
-            </a:r>
-            <a:r>
-              <a:rPr lang="en-US" sz="2000" i="1" dirty="0">
-                <a:solidFill>
-                  <a:srgbClr val="FF0000"/>
-                </a:solidFill>
-              </a:rPr>
-              <a:t> ()</a:t>
-            </a:r>
-          </a:p>
-        </p:txBody>
-      </p:sp>
-      <p:sp>
-        <p:nvSpPr>
-          <p:cNvPr id="26" name="Rectangle : coins arrondis 25">
-            <a:extLst>
-              <a:ext uri="{FF2B5EF4-FFF2-40B4-BE49-F238E27FC236}">
-                <a16:creationId xmlns:a16="http://schemas.microsoft.com/office/drawing/2014/main" id="{EA0F6D78-D54F-40E6-9D5F-C2C7E4153B1E}"/>
-              </a:ext>
-            </a:extLst>
-          </p:cNvPr>
-          <p:cNvSpPr/>
-          <p:nvPr/>
-        </p:nvSpPr>
-        <p:spPr>
-          <a:xfrm>
-            <a:off x="10360802" y="677379"/>
-            <a:ext cx="1820142" cy="764337"/>
-          </a:xfrm>
-          <a:prstGeom prst="roundRect">
-            <a:avLst/>
-          </a:prstGeom>
-          <a:solidFill>
-            <a:schemeClr val="accent1">
-              <a:lumMod val="60000"/>
-              <a:lumOff val="40000"/>
-            </a:schemeClr>
-          </a:solidFill>
+          <a:ln>
+            <a:solidFill>
+              <a:srgbClr val="FF0000"/>
+            </a:solidFill>
+            <a:prstDash val="sysDot"/>
+          </a:ln>
         </p:spPr>
         <p:style>
           <a:lnRef idx="2">
@@ -4445,50 +4458,72 @@
           <a:lstStyle/>
           <a:p>
             <a:pPr algn="ctr"/>
-            <a:r>
-              <a:rPr lang="en-US" sz="2000" b="1" dirty="0">
+            <a:endParaRPr lang="en-US"/>
+          </a:p>
+        </p:txBody>
+      </p:sp>
+      <p:sp>
+        <p:nvSpPr>
+          <p:cNvPr id="9" name="Rectangle 8">
+            <a:extLst>
+              <a:ext uri="{FF2B5EF4-FFF2-40B4-BE49-F238E27FC236}">
+                <a16:creationId xmlns:a16="http://schemas.microsoft.com/office/drawing/2014/main" id="{4C0DC613-10A5-435C-B8FD-BD83518C38AF}"/>
+              </a:ext>
+            </a:extLst>
+          </p:cNvPr>
+          <p:cNvSpPr/>
+          <p:nvPr/>
+        </p:nvSpPr>
+        <p:spPr>
+          <a:xfrm>
+            <a:off x="-61135" y="3321461"/>
+            <a:ext cx="1980222" cy="646331"/>
+          </a:xfrm>
+          <a:prstGeom prst="rect">
+            <a:avLst/>
+          </a:prstGeom>
+        </p:spPr>
+        <p:txBody>
+          <a:bodyPr wrap="none">
+            <a:spAutoFit/>
+          </a:bodyPr>
+          <a:lstStyle/>
+          <a:p>
+            <a:pPr algn="ctr"/>
+            <a:r>
+              <a:rPr lang="en-US" dirty="0" err="1">
                 <a:solidFill>
-                  <a:schemeClr val="tx1"/>
+                  <a:srgbClr val="FF0000"/>
                 </a:solidFill>
               </a:rPr>
-              <a:t>.</a:t>
-            </a:r>
-            <a:r>
-              <a:rPr lang="en-US" sz="2000" b="1" dirty="0" err="1">
+              <a:t>MSConvertGUI</a:t>
+            </a:r>
+            <a:endParaRPr lang="en-US" dirty="0">
+              <a:solidFill>
+                <a:srgbClr val="FF0000"/>
+              </a:solidFill>
+            </a:endParaRPr>
+          </a:p>
+          <a:p>
+            <a:pPr algn="ctr"/>
+            <a:r>
+              <a:rPr lang="en-US" dirty="0">
                 <a:solidFill>
-                  <a:schemeClr val="tx1"/>
+                  <a:srgbClr val="FF0000"/>
                 </a:solidFill>
               </a:rPr>
-              <a:t>mgf</a:t>
-            </a:r>
-            <a:r>
-              <a:rPr lang="en-US" sz="2000" b="1" dirty="0">
-                <a:solidFill>
-                  <a:schemeClr val="tx1"/>
-                </a:solidFill>
-              </a:rPr>
-              <a:t> </a:t>
-            </a:r>
-          </a:p>
-          <a:p>
-            <a:pPr algn="ctr"/>
-            <a:r>
-              <a:rPr lang="en-US" sz="2000" b="1" dirty="0">
-                <a:solidFill>
-                  <a:schemeClr val="tx1"/>
-                </a:solidFill>
-              </a:rPr>
-              <a:t>(GNPS)</a:t>
-            </a:r>
-          </a:p>
-        </p:txBody>
-      </p:sp>
-      <p:sp>
-        <p:nvSpPr>
-          <p:cNvPr id="37" name="Rectangle : coins arrondis 36">
-            <a:extLst>
-              <a:ext uri="{FF2B5EF4-FFF2-40B4-BE49-F238E27FC236}">
-                <a16:creationId xmlns:a16="http://schemas.microsoft.com/office/drawing/2014/main" id="{F9532241-B33D-41D9-B8A1-74BD6C4F8804}"/>
+              <a:t>or vendor software</a:t>
+            </a:r>
+            <a:endParaRPr lang="en-US" dirty="0"/>
+          </a:p>
+        </p:txBody>
+      </p:sp>
+      <p:sp>
+        <p:nvSpPr>
+          <p:cNvPr id="38" name="Rectangle : coins arrondis 37">
+            <a:extLst>
+              <a:ext uri="{FF2B5EF4-FFF2-40B4-BE49-F238E27FC236}">
+                <a16:creationId xmlns:a16="http://schemas.microsoft.com/office/drawing/2014/main" id="{51D7B3C8-DF9E-4C53-AC4B-2BEDBEE893DB}"/>
               </a:ext>
             </a:extLst>
           </p:cNvPr>
@@ -4497,8 +4532,8 @@
         </p:nvSpPr>
         <p:spPr>
           <a:xfrm>
-            <a:off x="4597192" y="4750291"/>
-            <a:ext cx="2447972" cy="400110"/>
+            <a:off x="7913209" y="2598949"/>
+            <a:ext cx="1910203" cy="764337"/>
           </a:xfrm>
           <a:prstGeom prst="roundRect">
             <a:avLst/>
@@ -4532,38 +4567,203 @@
           <a:p>
             <a:pPr algn="ctr"/>
             <a:r>
-              <a:rPr lang="en-US" b="1" dirty="0">
+              <a:rPr lang="en-US" sz="2000" b="1" dirty="0">
                 <a:solidFill>
                   <a:schemeClr val="tx1"/>
                 </a:solidFill>
               </a:rPr>
-              <a:t>(Previous library .</a:t>
-            </a:r>
-            <a:r>
-              <a:rPr lang="en-US" b="1" dirty="0" err="1">
+              <a:t>Merged spectral library</a:t>
+            </a:r>
+          </a:p>
+        </p:txBody>
+      </p:sp>
+      <p:sp>
+        <p:nvSpPr>
+          <p:cNvPr id="70" name="Accolade fermante 69">
+            <a:extLst>
+              <a:ext uri="{FF2B5EF4-FFF2-40B4-BE49-F238E27FC236}">
+                <a16:creationId xmlns:a16="http://schemas.microsoft.com/office/drawing/2014/main" id="{4CAA33B9-6C32-4AB6-855E-E8EBA9E3AD66}"/>
+              </a:ext>
+            </a:extLst>
+          </p:cNvPr>
+          <p:cNvSpPr/>
+          <p:nvPr/>
+        </p:nvSpPr>
+        <p:spPr>
+          <a:xfrm>
+            <a:off x="7150129" y="949130"/>
+            <a:ext cx="679267" cy="4019541"/>
+          </a:xfrm>
+          <a:prstGeom prst="rightBrace">
+            <a:avLst>
+              <a:gd name="adj1" fmla="val 0"/>
+              <a:gd name="adj2" fmla="val 50000"/>
+            </a:avLst>
+          </a:prstGeom>
+          <a:ln w="19050">
+            <a:solidFill>
+              <a:schemeClr val="tx1"/>
+            </a:solidFill>
+            <a:headEnd type="none" w="med" len="med"/>
+            <a:tailEnd type="none" w="med" len="med"/>
+          </a:ln>
+        </p:spPr>
+        <p:style>
+          <a:lnRef idx="1">
+            <a:schemeClr val="accent1"/>
+          </a:lnRef>
+          <a:fillRef idx="0">
+            <a:schemeClr val="accent1"/>
+          </a:fillRef>
+          <a:effectRef idx="0">
+            <a:schemeClr val="accent1"/>
+          </a:effectRef>
+          <a:fontRef idx="minor">
+            <a:schemeClr val="tx1"/>
+          </a:fontRef>
+        </p:style>
+        <p:txBody>
+          <a:bodyPr rtlCol="0" anchor="ctr"/>
+          <a:lstStyle/>
+          <a:p>
+            <a:pPr algn="ctr"/>
+            <a:endParaRPr lang="en-US" dirty="0"/>
+          </a:p>
+        </p:txBody>
+      </p:sp>
+      <p:cxnSp>
+        <p:nvCxnSpPr>
+          <p:cNvPr id="74" name="Connecteur droit avec flèche 73">
+            <a:extLst>
+              <a:ext uri="{FF2B5EF4-FFF2-40B4-BE49-F238E27FC236}">
+                <a16:creationId xmlns:a16="http://schemas.microsoft.com/office/drawing/2014/main" id="{BB41DC72-A584-4A44-8196-194AC991F75B}"/>
+              </a:ext>
+            </a:extLst>
+          </p:cNvPr>
+          <p:cNvCxnSpPr>
+            <a:cxnSpLocks/>
+            <a:stCxn id="38" idx="0"/>
+          </p:cNvCxnSpPr>
+          <p:nvPr/>
+        </p:nvCxnSpPr>
+        <p:spPr>
+          <a:xfrm flipV="1">
+            <a:off x="8868311" y="1093155"/>
+            <a:ext cx="1776387" cy="1505794"/>
+          </a:xfrm>
+          <a:prstGeom prst="straightConnector1">
+            <a:avLst/>
+          </a:prstGeom>
+          <a:ln w="19050">
+            <a:solidFill>
+              <a:schemeClr val="tx1"/>
+            </a:solidFill>
+            <a:tailEnd type="triangle"/>
+          </a:ln>
+        </p:spPr>
+        <p:style>
+          <a:lnRef idx="1">
+            <a:schemeClr val="accent1"/>
+          </a:lnRef>
+          <a:fillRef idx="0">
+            <a:schemeClr val="accent1"/>
+          </a:fillRef>
+          <a:effectRef idx="0">
+            <a:schemeClr val="accent1"/>
+          </a:effectRef>
+          <a:fontRef idx="minor">
+            <a:schemeClr val="tx1"/>
+          </a:fontRef>
+        </p:style>
+      </p:cxnSp>
+      <p:sp>
+        <p:nvSpPr>
+          <p:cNvPr id="85" name="Rectangle 84">
+            <a:extLst>
+              <a:ext uri="{FF2B5EF4-FFF2-40B4-BE49-F238E27FC236}">
+                <a16:creationId xmlns:a16="http://schemas.microsoft.com/office/drawing/2014/main" id="{9F8CD7CC-A396-4C32-9A9E-D9DF4E873528}"/>
+              </a:ext>
+            </a:extLst>
+          </p:cNvPr>
+          <p:cNvSpPr/>
+          <p:nvPr/>
+        </p:nvSpPr>
+        <p:spPr>
+          <a:xfrm>
+            <a:off x="8966597" y="3652589"/>
+            <a:ext cx="2408480" cy="1015663"/>
+          </a:xfrm>
+          <a:prstGeom prst="rect">
+            <a:avLst/>
+          </a:prstGeom>
+        </p:spPr>
+        <p:txBody>
+          <a:bodyPr wrap="none">
+            <a:spAutoFit/>
+          </a:bodyPr>
+          <a:lstStyle/>
+          <a:p>
+            <a:r>
+              <a:rPr lang="en-US" sz="2000" i="1" dirty="0" err="1">
                 <a:solidFill>
-                  <a:schemeClr val="tx1"/>
+                  <a:srgbClr val="FF0000"/>
                 </a:solidFill>
               </a:rPr>
-              <a:t>mgf</a:t>
-            </a:r>
-            <a:r>
-              <a:rPr lang="en-US" b="1" dirty="0">
+              <a:t>CSI_FingerID_writer</a:t>
+            </a:r>
+            <a:r>
+              <a:rPr lang="en-US" sz="2000" i="1" dirty="0">
                 <a:solidFill>
-                  <a:schemeClr val="tx1"/>
+                  <a:srgbClr val="FF0000"/>
                 </a:solidFill>
               </a:rPr>
-              <a:t>)</a:t>
-            </a:r>
-          </a:p>
-        </p:txBody>
-      </p:sp>
-      <p:sp>
-        <p:nvSpPr>
-          <p:cNvPr id="28" name="Rectangle : coins arrondis 27">
-            <a:extLst>
-              <a:ext uri="{FF2B5EF4-FFF2-40B4-BE49-F238E27FC236}">
-                <a16:creationId xmlns:a16="http://schemas.microsoft.com/office/drawing/2014/main" id="{3B83342D-C75D-4DE4-BE35-5447D146D86B}"/>
+              <a:t>()</a:t>
+            </a:r>
+          </a:p>
+          <a:p>
+            <a:r>
+              <a:rPr lang="en-US" sz="2000" i="1" dirty="0" err="1">
+                <a:solidFill>
+                  <a:srgbClr val="FF0000"/>
+                </a:solidFill>
+              </a:rPr>
+              <a:t>MSFinder_writer</a:t>
+            </a:r>
+            <a:r>
+              <a:rPr lang="en-US" sz="2000" i="1" dirty="0">
+                <a:solidFill>
+                  <a:srgbClr val="FF0000"/>
+                </a:solidFill>
+              </a:rPr>
+              <a:t>()</a:t>
+            </a:r>
+          </a:p>
+          <a:p>
+            <a:r>
+              <a:rPr lang="en-US" sz="2000" i="1" dirty="0" err="1">
+                <a:solidFill>
+                  <a:srgbClr val="FF0000"/>
+                </a:solidFill>
+              </a:rPr>
+              <a:t>MetFrag_writer</a:t>
+            </a:r>
+            <a:r>
+              <a:rPr lang="en-US" sz="2000" i="1" dirty="0">
+                <a:solidFill>
+                  <a:srgbClr val="FF0000"/>
+                </a:solidFill>
+              </a:rPr>
+              <a:t>()</a:t>
+            </a:r>
+          </a:p>
+        </p:txBody>
+      </p:sp>
+      <p:sp>
+        <p:nvSpPr>
+          <p:cNvPr id="44" name="Rectangle 43">
+            <a:extLst>
+              <a:ext uri="{FF2B5EF4-FFF2-40B4-BE49-F238E27FC236}">
+                <a16:creationId xmlns:a16="http://schemas.microsoft.com/office/drawing/2014/main" id="{765DDFE1-8F93-4C3D-8D2D-4C7F8B15EA75}"/>
               </a:ext>
             </a:extLst>
           </p:cNvPr>
@@ -4572,18 +4772,128 @@
         </p:nvSpPr>
         <p:spPr>
           <a:xfrm>
-            <a:off x="10332500" y="4276762"/>
-            <a:ext cx="1820142" cy="764337"/>
-          </a:xfrm>
-          <a:prstGeom prst="roundRect">
-            <a:avLst/>
-          </a:prstGeom>
-          <a:solidFill>
-            <a:schemeClr val="accent1">
-              <a:lumMod val="60000"/>
-              <a:lumOff val="40000"/>
-            </a:schemeClr>
-          </a:solidFill>
+            <a:off x="3490380" y="3680436"/>
+            <a:ext cx="1443793" cy="400110"/>
+          </a:xfrm>
+          <a:prstGeom prst="rect">
+            <a:avLst/>
+          </a:prstGeom>
+        </p:spPr>
+        <p:txBody>
+          <a:bodyPr wrap="none">
+            <a:spAutoFit/>
+          </a:bodyPr>
+          <a:lstStyle/>
+          <a:p>
+            <a:r>
+              <a:rPr lang="en-US" sz="2000" i="1" dirty="0"/>
+              <a:t>Extract MS2</a:t>
+            </a:r>
+          </a:p>
+        </p:txBody>
+      </p:sp>
+      <p:sp>
+        <p:nvSpPr>
+          <p:cNvPr id="20" name="Rectangle 19">
+            <a:extLst>
+              <a:ext uri="{FF2B5EF4-FFF2-40B4-BE49-F238E27FC236}">
+                <a16:creationId xmlns:a16="http://schemas.microsoft.com/office/drawing/2014/main" id="{B9AF68C0-A521-4599-9FE0-4F7090D80718}"/>
+              </a:ext>
+            </a:extLst>
+          </p:cNvPr>
+          <p:cNvSpPr/>
+          <p:nvPr/>
+        </p:nvSpPr>
+        <p:spPr>
+          <a:xfrm>
+            <a:off x="3490380" y="1698063"/>
+            <a:ext cx="1443793" cy="400110"/>
+          </a:xfrm>
+          <a:prstGeom prst="rect">
+            <a:avLst/>
+          </a:prstGeom>
+        </p:spPr>
+        <p:txBody>
+          <a:bodyPr wrap="none">
+            <a:spAutoFit/>
+          </a:bodyPr>
+          <a:lstStyle/>
+          <a:p>
+            <a:r>
+              <a:rPr lang="en-US" sz="2000" i="1" dirty="0"/>
+              <a:t>Extract MS1</a:t>
+            </a:r>
+          </a:p>
+        </p:txBody>
+      </p:sp>
+      <p:sp>
+        <p:nvSpPr>
+          <p:cNvPr id="45" name="ZoneTexte 44">
+            <a:extLst>
+              <a:ext uri="{FF2B5EF4-FFF2-40B4-BE49-F238E27FC236}">
+                <a16:creationId xmlns:a16="http://schemas.microsoft.com/office/drawing/2014/main" id="{18AAE3A4-5412-42E1-840A-CD53447501B5}"/>
+              </a:ext>
+            </a:extLst>
+          </p:cNvPr>
+          <p:cNvSpPr txBox="1"/>
+          <p:nvPr/>
+        </p:nvSpPr>
+        <p:spPr>
+          <a:xfrm>
+            <a:off x="6276760" y="461054"/>
+            <a:ext cx="2103153" cy="400110"/>
+          </a:xfrm>
+          <a:prstGeom prst="rect">
+            <a:avLst/>
+          </a:prstGeom>
+          <a:noFill/>
+        </p:spPr>
+        <p:txBody>
+          <a:bodyPr wrap="square" rtlCol="0">
+            <a:spAutoFit/>
+          </a:bodyPr>
+          <a:lstStyle/>
+          <a:p>
+            <a:pPr algn="ctr"/>
+            <a:r>
+              <a:rPr lang="en-US" sz="2000" i="1" dirty="0" err="1">
+                <a:solidFill>
+                  <a:srgbClr val="FF0000"/>
+                </a:solidFill>
+              </a:rPr>
+              <a:t>process_library</a:t>
+            </a:r>
+            <a:r>
+              <a:rPr lang="en-US" sz="2000" i="1" dirty="0">
+                <a:solidFill>
+                  <a:srgbClr val="FF0000"/>
+                </a:solidFill>
+              </a:rPr>
+              <a:t>()</a:t>
+            </a:r>
+          </a:p>
+        </p:txBody>
+      </p:sp>
+      <p:sp>
+        <p:nvSpPr>
+          <p:cNvPr id="46" name="Flèche : bas 45">
+            <a:extLst>
+              <a:ext uri="{FF2B5EF4-FFF2-40B4-BE49-F238E27FC236}">
+                <a16:creationId xmlns:a16="http://schemas.microsoft.com/office/drawing/2014/main" id="{237D30B9-AFB0-4599-80B3-3C0A20800A6F}"/>
+              </a:ext>
+            </a:extLst>
+          </p:cNvPr>
+          <p:cNvSpPr/>
+          <p:nvPr/>
+        </p:nvSpPr>
+        <p:spPr>
+          <a:xfrm rot="14245797">
+            <a:off x="4129812" y="4290102"/>
+            <a:ext cx="380758" cy="476994"/>
+          </a:xfrm>
+          <a:prstGeom prst="downArrow">
+            <a:avLst/>
+          </a:prstGeom>
         </p:spPr>
         <p:style>
           <a:lnRef idx="2">
@@ -4606,66 +4916,60 @@
           <a:lstStyle/>
           <a:p>
             <a:pPr algn="ctr"/>
-            <a:r>
-              <a:rPr lang="en-US" sz="2000" b="1" dirty="0">
-                <a:solidFill>
-                  <a:schemeClr val="tx1"/>
-                </a:solidFill>
-              </a:rPr>
-              <a:t>.</a:t>
-            </a:r>
-            <a:r>
-              <a:rPr lang="en-US" sz="2000" b="1" dirty="0" err="1">
-                <a:solidFill>
-                  <a:schemeClr val="tx1"/>
-                </a:solidFill>
-              </a:rPr>
-              <a:t>ms</a:t>
-            </a:r>
-            <a:r>
-              <a:rPr lang="en-US" sz="2000" b="1" dirty="0">
-                <a:solidFill>
-                  <a:schemeClr val="tx1"/>
-                </a:solidFill>
-              </a:rPr>
-              <a:t> </a:t>
-            </a:r>
-          </a:p>
-          <a:p>
-            <a:pPr algn="ctr"/>
-            <a:r>
-              <a:rPr lang="en-US" sz="2000" b="1" dirty="0">
-                <a:solidFill>
-                  <a:schemeClr val="tx1"/>
-                </a:solidFill>
-              </a:rPr>
-              <a:t>(CSI-</a:t>
-            </a:r>
-            <a:r>
-              <a:rPr lang="en-US" sz="2000" b="1" dirty="0" err="1">
-                <a:solidFill>
-                  <a:schemeClr val="tx1"/>
-                </a:solidFill>
-              </a:rPr>
-              <a:t>FingerID</a:t>
-            </a:r>
-            <a:r>
-              <a:rPr lang="en-US" sz="2000" b="1" dirty="0">
-                <a:solidFill>
-                  <a:schemeClr val="tx1"/>
-                </a:solidFill>
-              </a:rPr>
-              <a:t>)</a:t>
-            </a:r>
-          </a:p>
-        </p:txBody>
-      </p:sp>
-      <p:sp>
-        <p:nvSpPr>
-          <p:cNvPr id="2" name="Flèche : bas 1">
-            <a:extLst>
-              <a:ext uri="{FF2B5EF4-FFF2-40B4-BE49-F238E27FC236}">
-                <a16:creationId xmlns:a16="http://schemas.microsoft.com/office/drawing/2014/main" id="{EC24FCEE-8694-46F2-8CF7-7B58A7D2CB3F}"/>
+            <a:endParaRPr lang="en-US"/>
+          </a:p>
+        </p:txBody>
+      </p:sp>
+      <p:cxnSp>
+        <p:nvCxnSpPr>
+          <p:cNvPr id="47" name="Connecteur droit avec flèche 46">
+            <a:extLst>
+              <a:ext uri="{FF2B5EF4-FFF2-40B4-BE49-F238E27FC236}">
+                <a16:creationId xmlns:a16="http://schemas.microsoft.com/office/drawing/2014/main" id="{4AD6E33B-2FDB-40A7-A1B3-586F903A4A8A}"/>
+              </a:ext>
+            </a:extLst>
+          </p:cNvPr>
+          <p:cNvCxnSpPr>
+            <a:cxnSpLocks/>
+          </p:cNvCxnSpPr>
+          <p:nvPr/>
+        </p:nvCxnSpPr>
+        <p:spPr>
+          <a:xfrm>
+            <a:off x="8868310" y="3379831"/>
+            <a:ext cx="5347" cy="1554480"/>
+          </a:xfrm>
+          <a:prstGeom prst="straightConnector1">
+            <a:avLst/>
+          </a:prstGeom>
+          <a:ln w="19050">
+            <a:solidFill>
+              <a:schemeClr val="tx1"/>
+            </a:solidFill>
+            <a:tailEnd type="triangle"/>
+          </a:ln>
+        </p:spPr>
+        <p:style>
+          <a:lnRef idx="1">
+            <a:schemeClr val="accent1"/>
+          </a:lnRef>
+          <a:fillRef idx="0">
+            <a:schemeClr val="accent1"/>
+          </a:fillRef>
+          <a:effectRef idx="0">
+            <a:schemeClr val="accent1"/>
+          </a:effectRef>
+          <a:fontRef idx="minor">
+            <a:schemeClr val="tx1"/>
+          </a:fontRef>
+        </p:style>
+      </p:cxnSp>
+      <p:sp>
+        <p:nvSpPr>
+          <p:cNvPr id="48" name="Rectangle : coins arrondis 47">
+            <a:extLst>
+              <a:ext uri="{FF2B5EF4-FFF2-40B4-BE49-F238E27FC236}">
+                <a16:creationId xmlns:a16="http://schemas.microsoft.com/office/drawing/2014/main" id="{DBCD95AE-A119-40B6-BCD1-336406727360}"/>
               </a:ext>
             </a:extLst>
           </p:cNvPr>
@@ -4674,12 +4978,18 @@
         </p:nvSpPr>
         <p:spPr>
           <a:xfrm>
-            <a:off x="11039484" y="5309294"/>
-            <a:ext cx="380758" cy="476994"/>
-          </a:xfrm>
-          <a:prstGeom prst="downArrow">
-            <a:avLst/>
-          </a:prstGeom>
+            <a:off x="7896832" y="4922574"/>
+            <a:ext cx="2109276" cy="578607"/>
+          </a:xfrm>
+          <a:prstGeom prst="roundRect">
+            <a:avLst/>
+          </a:prstGeom>
+          <a:solidFill>
+            <a:schemeClr val="accent1">
+              <a:lumMod val="60000"/>
+              <a:lumOff val="40000"/>
+            </a:schemeClr>
+          </a:solidFill>
         </p:spPr>
         <p:style>
           <a:lnRef idx="2">
@@ -4702,66 +5012,28 @@
           <a:lstStyle/>
           <a:p>
             <a:pPr algn="ctr"/>
-            <a:endParaRPr lang="en-US"/>
-          </a:p>
-        </p:txBody>
-      </p:sp>
-      <p:sp>
-        <p:nvSpPr>
-          <p:cNvPr id="3" name="ZoneTexte 2">
-            <a:extLst>
-              <a:ext uri="{FF2B5EF4-FFF2-40B4-BE49-F238E27FC236}">
-                <a16:creationId xmlns:a16="http://schemas.microsoft.com/office/drawing/2014/main" id="{EAA9D326-D932-4DEA-AA7B-F51DC0DFCB5E}"/>
-              </a:ext>
-            </a:extLst>
-          </p:cNvPr>
-          <p:cNvSpPr txBox="1"/>
-          <p:nvPr/>
-        </p:nvSpPr>
-        <p:spPr>
-          <a:xfrm>
-            <a:off x="10241731" y="5828188"/>
-            <a:ext cx="1976264" cy="1015663"/>
-          </a:xfrm>
-          <a:prstGeom prst="rect">
-            <a:avLst/>
-          </a:prstGeom>
-          <a:noFill/>
-        </p:spPr>
-        <p:txBody>
-          <a:bodyPr wrap="square" rtlCol="0">
-            <a:spAutoFit/>
-          </a:bodyPr>
-          <a:lstStyle/>
-          <a:p>
-            <a:pPr algn="ctr"/>
-            <a:r>
-              <a:rPr lang="en-US" sz="2000" dirty="0"/>
-              <a:t>Batch-processing</a:t>
-            </a:r>
-          </a:p>
-          <a:p>
-            <a:pPr algn="ctr"/>
-            <a:r>
-              <a:rPr lang="en-US" sz="2000" dirty="0"/>
-              <a:t>In-house library</a:t>
-            </a:r>
-          </a:p>
-          <a:p>
-            <a:pPr algn="ctr"/>
-            <a:r>
-              <a:rPr lang="en-US" sz="2000" dirty="0"/>
-              <a:t>…</a:t>
-            </a:r>
-          </a:p>
-        </p:txBody>
-      </p:sp>
-      <p:sp>
-        <p:nvSpPr>
-          <p:cNvPr id="35" name="Rectangle : coins arrondis 34">
-            <a:extLst>
-              <a:ext uri="{FF2B5EF4-FFF2-40B4-BE49-F238E27FC236}">
-                <a16:creationId xmlns:a16="http://schemas.microsoft.com/office/drawing/2014/main" id="{260881A1-3FB5-4334-8A68-2E99A346CECA}"/>
+            <a:r>
+              <a:rPr lang="en-US" sz="2000" b="1" dirty="0">
+                <a:solidFill>
+                  <a:schemeClr val="tx1"/>
+                </a:solidFill>
+              </a:rPr>
+              <a:t>Adapted formats</a:t>
+            </a:r>
+            <a:endParaRPr lang="en-US" i="1" dirty="0">
+              <a:solidFill>
+                <a:schemeClr val="tx1"/>
+              </a:solidFill>
+            </a:endParaRPr>
+          </a:p>
+        </p:txBody>
+      </p:sp>
+      <p:sp>
+        <p:nvSpPr>
+          <p:cNvPr id="49" name="Rectangle : coins arrondis 48">
+            <a:extLst>
+              <a:ext uri="{FF2B5EF4-FFF2-40B4-BE49-F238E27FC236}">
+                <a16:creationId xmlns:a16="http://schemas.microsoft.com/office/drawing/2014/main" id="{DA16BB92-C2E2-4028-A29F-7A95244ED932}"/>
               </a:ext>
             </a:extLst>
           </p:cNvPr>
@@ -4770,19 +5042,18 @@
         </p:nvSpPr>
         <p:spPr>
           <a:xfrm>
-            <a:off x="445834" y="1928901"/>
-            <a:ext cx="979052" cy="1282720"/>
+            <a:off x="10671812" y="4759182"/>
+            <a:ext cx="2140722" cy="847256"/>
           </a:xfrm>
           <a:prstGeom prst="roundRect">
             <a:avLst/>
           </a:prstGeom>
-          <a:noFill/>
-          <a:ln>
-            <a:solidFill>
-              <a:srgbClr val="FF0000"/>
-            </a:solidFill>
-            <a:prstDash val="sysDot"/>
-          </a:ln>
+          <a:solidFill>
+            <a:schemeClr val="accent1">
+              <a:lumMod val="60000"/>
+              <a:lumOff val="40000"/>
+            </a:schemeClr>
+          </a:solidFill>
         </p:spPr>
         <p:style>
           <a:lnRef idx="2">
@@ -4805,151 +5076,53 @@
           <a:lstStyle/>
           <a:p>
             <a:pPr algn="ctr"/>
-            <a:endParaRPr lang="en-US"/>
-          </a:p>
-        </p:txBody>
-      </p:sp>
-      <p:sp>
-        <p:nvSpPr>
-          <p:cNvPr id="9" name="Rectangle 8">
-            <a:extLst>
-              <a:ext uri="{FF2B5EF4-FFF2-40B4-BE49-F238E27FC236}">
-                <a16:creationId xmlns:a16="http://schemas.microsoft.com/office/drawing/2014/main" id="{4C0DC613-10A5-435C-B8FD-BD83518C38AF}"/>
-              </a:ext>
-            </a:extLst>
-          </p:cNvPr>
-          <p:cNvSpPr/>
-          <p:nvPr/>
-        </p:nvSpPr>
-        <p:spPr>
-          <a:xfrm>
-            <a:off x="-79025" y="1270025"/>
-            <a:ext cx="1980222" cy="646331"/>
-          </a:xfrm>
-          <a:prstGeom prst="rect">
-            <a:avLst/>
-          </a:prstGeom>
-        </p:spPr>
-        <p:txBody>
-          <a:bodyPr wrap="none">
-            <a:spAutoFit/>
-          </a:bodyPr>
-          <a:lstStyle/>
-          <a:p>
-            <a:pPr algn="ctr"/>
-            <a:r>
-              <a:rPr lang="en-US" dirty="0" err="1">
-                <a:solidFill>
-                  <a:srgbClr val="FF0000"/>
-                </a:solidFill>
-              </a:rPr>
-              <a:t>MSConvertGUI</a:t>
-            </a:r>
-            <a:endParaRPr lang="en-US" dirty="0">
-              <a:solidFill>
-                <a:srgbClr val="FF0000"/>
-              </a:solidFill>
-            </a:endParaRPr>
-          </a:p>
-          <a:p>
-            <a:pPr algn="ctr"/>
-            <a:r>
-              <a:rPr lang="en-US" dirty="0">
-                <a:solidFill>
-                  <a:srgbClr val="FF0000"/>
-                </a:solidFill>
-              </a:rPr>
-              <a:t>or vendor software</a:t>
-            </a:r>
-            <a:endParaRPr lang="en-US" dirty="0"/>
-          </a:p>
-        </p:txBody>
-      </p:sp>
-      <p:sp>
-        <p:nvSpPr>
-          <p:cNvPr id="38" name="Rectangle : coins arrondis 37">
-            <a:extLst>
-              <a:ext uri="{FF2B5EF4-FFF2-40B4-BE49-F238E27FC236}">
-                <a16:creationId xmlns:a16="http://schemas.microsoft.com/office/drawing/2014/main" id="{51D7B3C8-DF9E-4C53-AC4B-2BEDBEE893DB}"/>
-              </a:ext>
-            </a:extLst>
-          </p:cNvPr>
-          <p:cNvSpPr/>
-          <p:nvPr/>
-        </p:nvSpPr>
-        <p:spPr>
-          <a:xfrm>
-            <a:off x="7913209" y="2598949"/>
-            <a:ext cx="1910203" cy="764337"/>
-          </a:xfrm>
-          <a:prstGeom prst="roundRect">
-            <a:avLst/>
-          </a:prstGeom>
-          <a:solidFill>
-            <a:schemeClr val="accent1">
-              <a:lumMod val="60000"/>
-              <a:lumOff val="40000"/>
-            </a:schemeClr>
-          </a:solidFill>
-        </p:spPr>
-        <p:style>
-          <a:lnRef idx="2">
-            <a:schemeClr val="accent1">
-              <a:shade val="50000"/>
-            </a:schemeClr>
-          </a:lnRef>
-          <a:fillRef idx="1">
-            <a:schemeClr val="accent1"/>
-          </a:fillRef>
-          <a:effectRef idx="0">
-            <a:schemeClr val="accent1"/>
-          </a:effectRef>
-          <a:fontRef idx="minor">
-            <a:schemeClr val="lt1"/>
-          </a:fontRef>
-        </p:style>
-        <p:txBody>
-          <a:bodyPr rtlCol="0" anchor="ctr"/>
-          <a:lstStyle/>
-          <a:p>
             <a:r>
               <a:rPr lang="en-US" sz="2000" b="1" dirty="0">
                 <a:solidFill>
                   <a:schemeClr val="tx1"/>
                 </a:solidFill>
               </a:rPr>
-              <a:t>Merged spectral library</a:t>
+              <a:t>Smart algorithms</a:t>
+            </a:r>
+          </a:p>
+          <a:p>
+            <a:pPr algn="ctr"/>
+            <a:r>
+              <a:rPr lang="en-US" i="1" dirty="0">
+                <a:solidFill>
+                  <a:schemeClr val="tx1"/>
+                </a:solidFill>
+              </a:rPr>
+              <a:t>Batch processing</a:t>
             </a:r>
           </a:p>
         </p:txBody>
       </p:sp>
       <p:cxnSp>
         <p:nvCxnSpPr>
-          <p:cNvPr id="68" name="Connecteur droit avec flèche 67">
-            <a:extLst>
-              <a:ext uri="{FF2B5EF4-FFF2-40B4-BE49-F238E27FC236}">
-                <a16:creationId xmlns:a16="http://schemas.microsoft.com/office/drawing/2014/main" id="{51AC4E9F-1EFD-4541-B66C-45D3333D59CC}"/>
+          <p:cNvPr id="56" name="Connecteur droit avec flèche 55">
+            <a:extLst>
+              <a:ext uri="{FF2B5EF4-FFF2-40B4-BE49-F238E27FC236}">
+                <a16:creationId xmlns:a16="http://schemas.microsoft.com/office/drawing/2014/main" id="{B2EEDD52-7689-4229-A5B2-0159DAE77980}"/>
               </a:ext>
             </a:extLst>
           </p:cNvPr>
           <p:cNvCxnSpPr>
             <a:cxnSpLocks/>
-            <a:stCxn id="38" idx="2"/>
-            <a:endCxn id="59" idx="0"/>
           </p:cNvCxnSpPr>
           <p:nvPr/>
         </p:nvCxnSpPr>
         <p:spPr>
-          <a:xfrm flipH="1">
-            <a:off x="8379913" y="3363286"/>
-            <a:ext cx="488398" cy="2411093"/>
+          <a:xfrm>
+            <a:off x="10006108" y="5211877"/>
+            <a:ext cx="640080" cy="0"/>
           </a:xfrm>
           <a:prstGeom prst="straightConnector1">
             <a:avLst/>
           </a:prstGeom>
-          <a:ln>
+          <a:ln w="19050">
             <a:solidFill>
-              <a:srgbClr val="FF0000"/>
+              <a:schemeClr val="tx1"/>
             </a:solidFill>
             <a:tailEnd type="triangle"/>
           </a:ln>
@@ -4969,540 +5142,6 @@
           </a:fontRef>
         </p:style>
       </p:cxnSp>
-      <p:sp>
-        <p:nvSpPr>
-          <p:cNvPr id="69" name="Rectangle 68">
-            <a:extLst>
-              <a:ext uri="{FF2B5EF4-FFF2-40B4-BE49-F238E27FC236}">
-                <a16:creationId xmlns:a16="http://schemas.microsoft.com/office/drawing/2014/main" id="{9A12D535-AEAA-47EA-8DF3-3CDFC3EAB745}"/>
-              </a:ext>
-            </a:extLst>
-          </p:cNvPr>
-          <p:cNvSpPr/>
-          <p:nvPr/>
-        </p:nvSpPr>
-        <p:spPr>
-          <a:xfrm>
-            <a:off x="7832131" y="4770880"/>
-            <a:ext cx="1798441" cy="369332"/>
-          </a:xfrm>
-          <a:prstGeom prst="rect">
-            <a:avLst/>
-          </a:prstGeom>
-        </p:spPr>
-        <p:txBody>
-          <a:bodyPr wrap="none">
-            <a:spAutoFit/>
-          </a:bodyPr>
-          <a:lstStyle/>
-          <a:p>
-            <a:r>
-              <a:rPr lang="en-US" dirty="0" err="1">
-                <a:solidFill>
-                  <a:srgbClr val="FF0000"/>
-                </a:solidFill>
-              </a:rPr>
-              <a:t>MetFrag_writer</a:t>
-            </a:r>
-            <a:r>
-              <a:rPr lang="en-US" dirty="0">
-                <a:solidFill>
-                  <a:srgbClr val="FF0000"/>
-                </a:solidFill>
-              </a:rPr>
-              <a:t>()</a:t>
-            </a:r>
-          </a:p>
-        </p:txBody>
-      </p:sp>
-      <p:sp>
-        <p:nvSpPr>
-          <p:cNvPr id="70" name="Accolade fermante 69">
-            <a:extLst>
-              <a:ext uri="{FF2B5EF4-FFF2-40B4-BE49-F238E27FC236}">
-                <a16:creationId xmlns:a16="http://schemas.microsoft.com/office/drawing/2014/main" id="{4CAA33B9-6C32-4AB6-855E-E8EBA9E3AD66}"/>
-              </a:ext>
-            </a:extLst>
-          </p:cNvPr>
-          <p:cNvSpPr/>
-          <p:nvPr/>
-        </p:nvSpPr>
-        <p:spPr>
-          <a:xfrm>
-            <a:off x="7150129" y="949130"/>
-            <a:ext cx="679267" cy="4019541"/>
-          </a:xfrm>
-          <a:prstGeom prst="rightBrace">
-            <a:avLst>
-              <a:gd name="adj1" fmla="val 0"/>
-              <a:gd name="adj2" fmla="val 50000"/>
-            </a:avLst>
-          </a:prstGeom>
-          <a:ln w="19050">
-            <a:solidFill>
-              <a:schemeClr val="tx1"/>
-            </a:solidFill>
-            <a:headEnd type="none" w="med" len="med"/>
-            <a:tailEnd type="none" w="med" len="med"/>
-          </a:ln>
-        </p:spPr>
-        <p:style>
-          <a:lnRef idx="1">
-            <a:schemeClr val="accent1"/>
-          </a:lnRef>
-          <a:fillRef idx="0">
-            <a:schemeClr val="accent1"/>
-          </a:fillRef>
-          <a:effectRef idx="0">
-            <a:schemeClr val="accent1"/>
-          </a:effectRef>
-          <a:fontRef idx="minor">
-            <a:schemeClr val="tx1"/>
-          </a:fontRef>
-        </p:style>
-        <p:txBody>
-          <a:bodyPr rtlCol="0" anchor="ctr"/>
-          <a:lstStyle/>
-          <a:p>
-            <a:pPr algn="ctr"/>
-            <a:endParaRPr lang="en-US" dirty="0"/>
-          </a:p>
-        </p:txBody>
-      </p:sp>
-      <p:cxnSp>
-        <p:nvCxnSpPr>
-          <p:cNvPr id="74" name="Connecteur droit avec flèche 73">
-            <a:extLst>
-              <a:ext uri="{FF2B5EF4-FFF2-40B4-BE49-F238E27FC236}">
-                <a16:creationId xmlns:a16="http://schemas.microsoft.com/office/drawing/2014/main" id="{BB41DC72-A584-4A44-8196-194AC991F75B}"/>
-              </a:ext>
-            </a:extLst>
-          </p:cNvPr>
-          <p:cNvCxnSpPr>
-            <a:cxnSpLocks/>
-          </p:cNvCxnSpPr>
-          <p:nvPr/>
-        </p:nvCxnSpPr>
-        <p:spPr>
-          <a:xfrm flipV="1">
-            <a:off x="8886383" y="1105426"/>
-            <a:ext cx="1474419" cy="1480996"/>
-          </a:xfrm>
-          <a:prstGeom prst="straightConnector1">
-            <a:avLst/>
-          </a:prstGeom>
-          <a:ln>
-            <a:solidFill>
-              <a:srgbClr val="FF0000"/>
-            </a:solidFill>
-            <a:tailEnd type="triangle"/>
-          </a:ln>
-        </p:spPr>
-        <p:style>
-          <a:lnRef idx="1">
-            <a:schemeClr val="accent1"/>
-          </a:lnRef>
-          <a:fillRef idx="0">
-            <a:schemeClr val="accent1"/>
-          </a:fillRef>
-          <a:effectRef idx="0">
-            <a:schemeClr val="accent1"/>
-          </a:effectRef>
-          <a:fontRef idx="minor">
-            <a:schemeClr val="tx1"/>
-          </a:fontRef>
-        </p:style>
-      </p:cxnSp>
-      <p:cxnSp>
-        <p:nvCxnSpPr>
-          <p:cNvPr id="81" name="Connecteur droit avec flèche 80">
-            <a:extLst>
-              <a:ext uri="{FF2B5EF4-FFF2-40B4-BE49-F238E27FC236}">
-                <a16:creationId xmlns:a16="http://schemas.microsoft.com/office/drawing/2014/main" id="{1BB1BBB7-ADC8-4C85-9800-D4B2EC118E01}"/>
-              </a:ext>
-            </a:extLst>
-          </p:cNvPr>
-          <p:cNvCxnSpPr>
-            <a:cxnSpLocks/>
-            <a:endCxn id="63" idx="1"/>
-          </p:cNvCxnSpPr>
-          <p:nvPr/>
-        </p:nvCxnSpPr>
-        <p:spPr>
-          <a:xfrm flipV="1">
-            <a:off x="9813972" y="2886013"/>
-            <a:ext cx="522543" cy="4528"/>
-          </a:xfrm>
-          <a:prstGeom prst="straightConnector1">
-            <a:avLst/>
-          </a:prstGeom>
-          <a:ln>
-            <a:solidFill>
-              <a:srgbClr val="FF0000"/>
-            </a:solidFill>
-            <a:tailEnd type="triangle"/>
-          </a:ln>
-        </p:spPr>
-        <p:style>
-          <a:lnRef idx="1">
-            <a:schemeClr val="accent1"/>
-          </a:lnRef>
-          <a:fillRef idx="0">
-            <a:schemeClr val="accent1"/>
-          </a:fillRef>
-          <a:effectRef idx="0">
-            <a:schemeClr val="accent1"/>
-          </a:effectRef>
-          <a:fontRef idx="minor">
-            <a:schemeClr val="tx1"/>
-          </a:fontRef>
-        </p:style>
-      </p:cxnSp>
-      <p:cxnSp>
-        <p:nvCxnSpPr>
-          <p:cNvPr id="83" name="Connecteur droit avec flèche 82">
-            <a:extLst>
-              <a:ext uri="{FF2B5EF4-FFF2-40B4-BE49-F238E27FC236}">
-                <a16:creationId xmlns:a16="http://schemas.microsoft.com/office/drawing/2014/main" id="{4B1FC35A-659D-4D2F-A80A-79CEC6008BE5}"/>
-              </a:ext>
-            </a:extLst>
-          </p:cNvPr>
-          <p:cNvCxnSpPr>
-            <a:cxnSpLocks/>
-            <a:endCxn id="28" idx="1"/>
-          </p:cNvCxnSpPr>
-          <p:nvPr/>
-        </p:nvCxnSpPr>
-        <p:spPr>
-          <a:xfrm>
-            <a:off x="9361447" y="3354375"/>
-            <a:ext cx="971053" cy="1304556"/>
-          </a:xfrm>
-          <a:prstGeom prst="straightConnector1">
-            <a:avLst/>
-          </a:prstGeom>
-          <a:ln>
-            <a:solidFill>
-              <a:srgbClr val="FF0000"/>
-            </a:solidFill>
-            <a:tailEnd type="triangle"/>
-          </a:ln>
-        </p:spPr>
-        <p:style>
-          <a:lnRef idx="1">
-            <a:schemeClr val="accent1"/>
-          </a:lnRef>
-          <a:fillRef idx="0">
-            <a:schemeClr val="accent1"/>
-          </a:fillRef>
-          <a:effectRef idx="0">
-            <a:schemeClr val="accent1"/>
-          </a:effectRef>
-          <a:fontRef idx="minor">
-            <a:schemeClr val="tx1"/>
-          </a:fontRef>
-        </p:style>
-      </p:cxnSp>
-      <p:sp>
-        <p:nvSpPr>
-          <p:cNvPr id="85" name="Rectangle 84">
-            <a:extLst>
-              <a:ext uri="{FF2B5EF4-FFF2-40B4-BE49-F238E27FC236}">
-                <a16:creationId xmlns:a16="http://schemas.microsoft.com/office/drawing/2014/main" id="{9F8CD7CC-A396-4C32-9A9E-D9DF4E873528}"/>
-              </a:ext>
-            </a:extLst>
-          </p:cNvPr>
-          <p:cNvSpPr/>
-          <p:nvPr/>
-        </p:nvSpPr>
-        <p:spPr>
-          <a:xfrm>
-            <a:off x="9052672" y="3788183"/>
-            <a:ext cx="2195216" cy="369332"/>
-          </a:xfrm>
-          <a:prstGeom prst="rect">
-            <a:avLst/>
-          </a:prstGeom>
-        </p:spPr>
-        <p:txBody>
-          <a:bodyPr wrap="none">
-            <a:spAutoFit/>
-          </a:bodyPr>
-          <a:lstStyle/>
-          <a:p>
-            <a:r>
-              <a:rPr lang="en-US" dirty="0" err="1">
-                <a:solidFill>
-                  <a:srgbClr val="FF0000"/>
-                </a:solidFill>
-              </a:rPr>
-              <a:t>CSI_FingerID_writer</a:t>
-            </a:r>
-            <a:r>
-              <a:rPr lang="en-US" dirty="0">
-                <a:solidFill>
-                  <a:srgbClr val="FF0000"/>
-                </a:solidFill>
-              </a:rPr>
-              <a:t>()</a:t>
-            </a:r>
-          </a:p>
-        </p:txBody>
-      </p:sp>
-      <p:sp>
-        <p:nvSpPr>
-          <p:cNvPr id="86" name="Rectangle 85">
-            <a:extLst>
-              <a:ext uri="{FF2B5EF4-FFF2-40B4-BE49-F238E27FC236}">
-                <a16:creationId xmlns:a16="http://schemas.microsoft.com/office/drawing/2014/main" id="{53AF86CF-5DFA-4E6C-BDDF-4A206A430FBA}"/>
-              </a:ext>
-            </a:extLst>
-          </p:cNvPr>
-          <p:cNvSpPr/>
-          <p:nvPr/>
-        </p:nvSpPr>
-        <p:spPr>
-          <a:xfrm>
-            <a:off x="9447175" y="2168513"/>
-            <a:ext cx="1910203" cy="369332"/>
-          </a:xfrm>
-          <a:prstGeom prst="rect">
-            <a:avLst/>
-          </a:prstGeom>
-        </p:spPr>
-        <p:txBody>
-          <a:bodyPr wrap="none">
-            <a:spAutoFit/>
-          </a:bodyPr>
-          <a:lstStyle/>
-          <a:p>
-            <a:r>
-              <a:rPr lang="en-US" dirty="0" err="1">
-                <a:solidFill>
-                  <a:srgbClr val="FF0000"/>
-                </a:solidFill>
-              </a:rPr>
-              <a:t>MSFinder_writer</a:t>
-            </a:r>
-            <a:r>
-              <a:rPr lang="en-US" dirty="0">
-                <a:solidFill>
-                  <a:srgbClr val="FF0000"/>
-                </a:solidFill>
-              </a:rPr>
-              <a:t>()</a:t>
-            </a:r>
-          </a:p>
-        </p:txBody>
-      </p:sp>
-      <p:sp>
-        <p:nvSpPr>
-          <p:cNvPr id="87" name="Flèche : bas 86">
-            <a:extLst>
-              <a:ext uri="{FF2B5EF4-FFF2-40B4-BE49-F238E27FC236}">
-                <a16:creationId xmlns:a16="http://schemas.microsoft.com/office/drawing/2014/main" id="{BFBEE889-8CB0-4416-8C99-E56CFFBCAB82}"/>
-              </a:ext>
-            </a:extLst>
-          </p:cNvPr>
-          <p:cNvSpPr/>
-          <p:nvPr/>
-        </p:nvSpPr>
-        <p:spPr>
-          <a:xfrm rot="16200000">
-            <a:off x="9484571" y="5974332"/>
-            <a:ext cx="380758" cy="476994"/>
-          </a:xfrm>
-          <a:prstGeom prst="downArrow">
-            <a:avLst/>
-          </a:prstGeom>
-        </p:spPr>
-        <p:style>
-          <a:lnRef idx="2">
-            <a:schemeClr val="accent1">
-              <a:shade val="50000"/>
-            </a:schemeClr>
-          </a:lnRef>
-          <a:fillRef idx="1">
-            <a:schemeClr val="accent1"/>
-          </a:fillRef>
-          <a:effectRef idx="0">
-            <a:schemeClr val="accent1"/>
-          </a:effectRef>
-          <a:fontRef idx="minor">
-            <a:schemeClr val="lt1"/>
-          </a:fontRef>
-        </p:style>
-        <p:txBody>
-          <a:bodyPr rtlCol="0" anchor="ctr"/>
-          <a:lstStyle/>
-          <a:p>
-            <a:pPr algn="ctr"/>
-            <a:endParaRPr lang="en-US"/>
-          </a:p>
-        </p:txBody>
-      </p:sp>
-      <p:sp>
-        <p:nvSpPr>
-          <p:cNvPr id="44" name="Rectangle 43">
-            <a:extLst>
-              <a:ext uri="{FF2B5EF4-FFF2-40B4-BE49-F238E27FC236}">
-                <a16:creationId xmlns:a16="http://schemas.microsoft.com/office/drawing/2014/main" id="{765DDFE1-8F93-4C3D-8D2D-4C7F8B15EA75}"/>
-              </a:ext>
-            </a:extLst>
-          </p:cNvPr>
-          <p:cNvSpPr/>
-          <p:nvPr/>
-        </p:nvSpPr>
-        <p:spPr>
-          <a:xfrm>
-            <a:off x="3490380" y="3680436"/>
-            <a:ext cx="1443793" cy="400110"/>
-          </a:xfrm>
-          <a:prstGeom prst="rect">
-            <a:avLst/>
-          </a:prstGeom>
-        </p:spPr>
-        <p:txBody>
-          <a:bodyPr wrap="none">
-            <a:spAutoFit/>
-          </a:bodyPr>
-          <a:lstStyle/>
-          <a:p>
-            <a:r>
-              <a:rPr lang="en-US" sz="2000" i="1" dirty="0"/>
-              <a:t>Extract MS2</a:t>
-            </a:r>
-          </a:p>
-        </p:txBody>
-      </p:sp>
-      <p:sp>
-        <p:nvSpPr>
-          <p:cNvPr id="20" name="Rectangle 19">
-            <a:extLst>
-              <a:ext uri="{FF2B5EF4-FFF2-40B4-BE49-F238E27FC236}">
-                <a16:creationId xmlns:a16="http://schemas.microsoft.com/office/drawing/2014/main" id="{B9AF68C0-A521-4599-9FE0-4F7090D80718}"/>
-              </a:ext>
-            </a:extLst>
-          </p:cNvPr>
-          <p:cNvSpPr/>
-          <p:nvPr/>
-        </p:nvSpPr>
-        <p:spPr>
-          <a:xfrm>
-            <a:off x="3490380" y="1698063"/>
-            <a:ext cx="1443793" cy="400110"/>
-          </a:xfrm>
-          <a:prstGeom prst="rect">
-            <a:avLst/>
-          </a:prstGeom>
-        </p:spPr>
-        <p:txBody>
-          <a:bodyPr wrap="none">
-            <a:spAutoFit/>
-          </a:bodyPr>
-          <a:lstStyle/>
-          <a:p>
-            <a:r>
-              <a:rPr lang="en-US" sz="2000" i="1" dirty="0"/>
-              <a:t>Extract MS1</a:t>
-            </a:r>
-          </a:p>
-        </p:txBody>
-      </p:sp>
-      <p:sp>
-        <p:nvSpPr>
-          <p:cNvPr id="45" name="ZoneTexte 44">
-            <a:extLst>
-              <a:ext uri="{FF2B5EF4-FFF2-40B4-BE49-F238E27FC236}">
-                <a16:creationId xmlns:a16="http://schemas.microsoft.com/office/drawing/2014/main" id="{18AAE3A4-5412-42E1-840A-CD53447501B5}"/>
-              </a:ext>
-            </a:extLst>
-          </p:cNvPr>
-          <p:cNvSpPr txBox="1"/>
-          <p:nvPr/>
-        </p:nvSpPr>
-        <p:spPr>
-          <a:xfrm>
-            <a:off x="6276760" y="461054"/>
-            <a:ext cx="2103153" cy="400110"/>
-          </a:xfrm>
-          <a:prstGeom prst="rect">
-            <a:avLst/>
-          </a:prstGeom>
-          <a:noFill/>
-        </p:spPr>
-        <p:txBody>
-          <a:bodyPr wrap="square" rtlCol="0">
-            <a:spAutoFit/>
-          </a:bodyPr>
-          <a:lstStyle/>
-          <a:p>
-            <a:pPr algn="ctr"/>
-            <a:r>
-              <a:rPr lang="en-US" sz="2000" i="1" dirty="0" err="1">
-                <a:solidFill>
-                  <a:srgbClr val="FF0000"/>
-                </a:solidFill>
-              </a:rPr>
-              <a:t>process_library</a:t>
-            </a:r>
-            <a:r>
-              <a:rPr lang="en-US" sz="2000" i="1" dirty="0">
-                <a:solidFill>
-                  <a:srgbClr val="FF0000"/>
-                </a:solidFill>
-              </a:rPr>
-              <a:t>()</a:t>
-            </a:r>
-          </a:p>
-        </p:txBody>
-      </p:sp>
-      <p:sp>
-        <p:nvSpPr>
-          <p:cNvPr id="46" name="Flèche : bas 45">
-            <a:extLst>
-              <a:ext uri="{FF2B5EF4-FFF2-40B4-BE49-F238E27FC236}">
-                <a16:creationId xmlns:a16="http://schemas.microsoft.com/office/drawing/2014/main" id="{237D30B9-AFB0-4599-80B3-3C0A20800A6F}"/>
-              </a:ext>
-            </a:extLst>
-          </p:cNvPr>
-          <p:cNvSpPr/>
-          <p:nvPr/>
-        </p:nvSpPr>
-        <p:spPr>
-          <a:xfrm rot="14245797">
-            <a:off x="4008361" y="5066395"/>
-            <a:ext cx="380758" cy="476994"/>
-          </a:xfrm>
-          <a:prstGeom prst="downArrow">
-            <a:avLst/>
-          </a:prstGeom>
-        </p:spPr>
-        <p:style>
-          <a:lnRef idx="2">
-            <a:schemeClr val="accent1">
-              <a:shade val="50000"/>
-            </a:schemeClr>
-          </a:lnRef>
-          <a:fillRef idx="1">
-            <a:schemeClr val="accent1"/>
-          </a:fillRef>
-          <a:effectRef idx="0">
-            <a:schemeClr val="accent1"/>
-          </a:effectRef>
-          <a:fontRef idx="minor">
-            <a:schemeClr val="lt1"/>
-          </a:fontRef>
-        </p:style>
-        <p:txBody>
-          <a:bodyPr rtlCol="0" anchor="ctr"/>
-          <a:lstStyle/>
-          <a:p>
-            <a:pPr algn="ctr"/>
-            <a:endParaRPr lang="en-US"/>
-          </a:p>
-        </p:txBody>
-      </p:sp>
     </p:spTree>
     <p:extLst>
       <p:ext uri="{BB962C8B-B14F-4D97-AF65-F5344CB8AC3E}">
@@ -6761,8 +6400,8 @@
         </p:nvSpPr>
         <p:spPr>
           <a:xfrm>
-            <a:off x="-668475" y="-301574"/>
-            <a:ext cx="3318147" cy="923330"/>
+            <a:off x="-787455" y="-729813"/>
+            <a:ext cx="3318147" cy="1477328"/>
           </a:xfrm>
           <a:prstGeom prst="rect">
             <a:avLst/>
@@ -6776,7 +6415,7 @@
           <a:p>
             <a:r>
               <a:rPr lang="en-US" dirty="0"/>
-              <a:t>Retention time (in minute) of metabolic features to be found, please put it to N/A if unknown</a:t>
+              <a:t>Retention time (in minute) of metabolic features to be found, please put it to N/A if unknown. Important if isomers are present in the same sample.</a:t>
             </a:r>
           </a:p>
         </p:txBody>
@@ -6797,8 +6436,8 @@
         </p:nvCxnSpPr>
         <p:spPr>
           <a:xfrm flipH="1" flipV="1">
-            <a:off x="1433384" y="571429"/>
-            <a:ext cx="1062037" cy="515946"/>
+            <a:off x="2029788" y="633051"/>
+            <a:ext cx="465635" cy="454324"/>
           </a:xfrm>
           <a:prstGeom prst="straightConnector1">
             <a:avLst/>
@@ -8993,6 +8632,149 @@
     <p:extLst>
       <p:ext uri="{BB962C8B-B14F-4D97-AF65-F5344CB8AC3E}">
         <p14:creationId xmlns:p14="http://schemas.microsoft.com/office/powerpoint/2010/main" val="444585465"/>
+      </p:ext>
+    </p:extLst>
+  </p:cSld>
+  <p:clrMapOvr>
+    <a:masterClrMapping/>
+  </p:clrMapOvr>
+</p:sld>
+</file>
+
+<file path=ppt/slides/slide8.xml><?xml version="1.0" encoding="utf-8"?>
+<p:sld xmlns:a="http://schemas.openxmlformats.org/drawingml/2006/main" xmlns:r="http://schemas.openxmlformats.org/officeDocument/2006/relationships" xmlns:p="http://schemas.openxmlformats.org/presentationml/2006/main">
+  <p:cSld>
+    <p:spTree>
+      <p:nvGrpSpPr>
+        <p:cNvPr id="1" name=""/>
+        <p:cNvGrpSpPr/>
+        <p:nvPr/>
+      </p:nvGrpSpPr>
+      <p:grpSpPr>
+        <a:xfrm>
+          <a:off x="0" y="0"/>
+          <a:ext cx="0" cy="0"/>
+          <a:chOff x="0" y="0"/>
+          <a:chExt cx="0" cy="0"/>
+        </a:xfrm>
+      </p:grpSpPr>
+      <p:pic>
+        <p:nvPicPr>
+          <p:cNvPr id="4" name="Image 3">
+            <a:extLst>
+              <a:ext uri="{FF2B5EF4-FFF2-40B4-BE49-F238E27FC236}">
+                <a16:creationId xmlns:a16="http://schemas.microsoft.com/office/drawing/2014/main" id="{7948D92B-6A99-487D-A9B8-3A137E3283B8}"/>
+              </a:ext>
+            </a:extLst>
+          </p:cNvPr>
+          <p:cNvPicPr>
+            <a:picLocks noChangeAspect="1"/>
+          </p:cNvPicPr>
+          <p:nvPr/>
+        </p:nvPicPr>
+        <p:blipFill>
+          <a:blip r:embed="rId2"/>
+          <a:stretch>
+            <a:fillRect/>
+          </a:stretch>
+        </p:blipFill>
+        <p:spPr>
+          <a:xfrm>
+            <a:off x="1875349" y="850496"/>
+            <a:ext cx="4839119" cy="3993226"/>
+          </a:xfrm>
+          <a:prstGeom prst="rect">
+            <a:avLst/>
+          </a:prstGeom>
+        </p:spPr>
+      </p:pic>
+      <p:cxnSp>
+        <p:nvCxnSpPr>
+          <p:cNvPr id="6" name="Connecteur droit avec flèche 5">
+            <a:extLst>
+              <a:ext uri="{FF2B5EF4-FFF2-40B4-BE49-F238E27FC236}">
+                <a16:creationId xmlns:a16="http://schemas.microsoft.com/office/drawing/2014/main" id="{5C4EBA06-2290-4667-B749-2CCAAAE1225A}"/>
+              </a:ext>
+            </a:extLst>
+          </p:cNvPr>
+          <p:cNvCxnSpPr>
+            <a:cxnSpLocks/>
+          </p:cNvCxnSpPr>
+          <p:nvPr/>
+        </p:nvCxnSpPr>
+        <p:spPr>
+          <a:xfrm flipH="1" flipV="1">
+            <a:off x="5430979" y="2253673"/>
+            <a:ext cx="480292" cy="380999"/>
+          </a:xfrm>
+          <a:prstGeom prst="straightConnector1">
+            <a:avLst/>
+          </a:prstGeom>
+          <a:ln>
+            <a:solidFill>
+              <a:srgbClr val="0000FF"/>
+            </a:solidFill>
+            <a:tailEnd type="triangle"/>
+          </a:ln>
+        </p:spPr>
+        <p:style>
+          <a:lnRef idx="1">
+            <a:schemeClr val="accent1"/>
+          </a:lnRef>
+          <a:fillRef idx="0">
+            <a:schemeClr val="accent1"/>
+          </a:fillRef>
+          <a:effectRef idx="0">
+            <a:schemeClr val="accent1"/>
+          </a:effectRef>
+          <a:fontRef idx="minor">
+            <a:schemeClr val="tx1"/>
+          </a:fontRef>
+        </p:style>
+      </p:cxnSp>
+      <p:sp>
+        <p:nvSpPr>
+          <p:cNvPr id="7" name="ZoneTexte 6">
+            <a:extLst>
+              <a:ext uri="{FF2B5EF4-FFF2-40B4-BE49-F238E27FC236}">
+                <a16:creationId xmlns:a16="http://schemas.microsoft.com/office/drawing/2014/main" id="{B3BF6AD5-AE32-42A8-8E8A-F1596D31EDBF}"/>
+              </a:ext>
+            </a:extLst>
+          </p:cNvPr>
+          <p:cNvSpPr txBox="1"/>
+          <p:nvPr/>
+        </p:nvSpPr>
+        <p:spPr>
+          <a:xfrm>
+            <a:off x="4063999" y="1468554"/>
+            <a:ext cx="1801091" cy="1077218"/>
+          </a:xfrm>
+          <a:prstGeom prst="rect">
+            <a:avLst/>
+          </a:prstGeom>
+          <a:noFill/>
+        </p:spPr>
+        <p:txBody>
+          <a:bodyPr wrap="square" rtlCol="0">
+            <a:spAutoFit/>
+          </a:bodyPr>
+          <a:lstStyle/>
+          <a:p>
+            <a:r>
+              <a:rPr lang="en-US" sz="1600" dirty="0">
+                <a:solidFill>
+                  <a:srgbClr val="0000FF"/>
+                </a:solidFill>
+              </a:rPr>
+              <a:t>Blue points: m/z and intensity of matched query fragments </a:t>
+            </a:r>
+          </a:p>
+        </p:txBody>
+      </p:sp>
+    </p:spTree>
+    <p:extLst>
+      <p:ext uri="{BB962C8B-B14F-4D97-AF65-F5344CB8AC3E}">
+        <p14:creationId xmlns:p14="http://schemas.microsoft.com/office/powerpoint/2010/main" val="2483153400"/>
       </p:ext>
     </p:extLst>
   </p:cSld>

--- a/inst/tmp.pptx
+++ b/inst/tmp.pptx
@@ -5142,6 +5142,35 @@
           </a:fontRef>
         </p:style>
       </p:cxnSp>
+      <p:pic>
+        <p:nvPicPr>
+          <p:cNvPr id="34" name="Image 33">
+            <a:extLst>
+              <a:ext uri="{FF2B5EF4-FFF2-40B4-BE49-F238E27FC236}">
+                <a16:creationId xmlns:a16="http://schemas.microsoft.com/office/drawing/2014/main" id="{F3BB3CF9-79E4-43D5-9CE3-B0936F526C46}"/>
+              </a:ext>
+            </a:extLst>
+          </p:cNvPr>
+          <p:cNvPicPr>
+            <a:picLocks noChangeAspect="1"/>
+          </p:cNvPicPr>
+          <p:nvPr/>
+        </p:nvPicPr>
+        <p:blipFill rotWithShape="1">
+          <a:blip r:embed="rId5"/>
+          <a:srcRect t="14384" r="-2014"/>
+          <a:stretch/>
+        </p:blipFill>
+        <p:spPr>
+          <a:xfrm>
+            <a:off x="10765286" y="1634395"/>
+            <a:ext cx="2001315" cy="1386019"/>
+          </a:xfrm>
+          <a:prstGeom prst="rect">
+            <a:avLst/>
+          </a:prstGeom>
+        </p:spPr>
+      </p:pic>
     </p:spTree>
     <p:extLst>
       <p:ext uri="{BB962C8B-B14F-4D97-AF65-F5344CB8AC3E}">

--- a/inst/tmp.pptx
+++ b/inst/tmp.pptx
@@ -8733,8 +8733,8 @@
         </p:nvCxnSpPr>
         <p:spPr>
           <a:xfrm flipH="1" flipV="1">
-            <a:off x="5430979" y="2253673"/>
-            <a:ext cx="480292" cy="380999"/>
+            <a:off x="5384798" y="2109052"/>
+            <a:ext cx="480292" cy="532548"/>
           </a:xfrm>
           <a:prstGeom prst="straightConnector1">
             <a:avLst/>
@@ -8743,6 +8743,7 @@
             <a:solidFill>
               <a:srgbClr val="0000FF"/>
             </a:solidFill>
+            <a:prstDash val="dash"/>
             <a:tailEnd type="triangle"/>
           </a:ln>
         </p:spPr>
@@ -8776,7 +8777,7 @@
         <p:spPr>
           <a:xfrm>
             <a:off x="4063999" y="1468554"/>
-            <a:ext cx="1801091" cy="1077218"/>
+            <a:ext cx="1801091" cy="830997"/>
           </a:xfrm>
           <a:prstGeom prst="rect">
             <a:avLst/>
@@ -8795,11 +8796,101 @@
                   <a:srgbClr val="0000FF"/>
                 </a:solidFill>
               </a:rPr>
-              <a:t>Blue points: m/z and intensity of matched query fragments </a:t>
-            </a:r>
-          </a:p>
-        </p:txBody>
-      </p:sp>
+              <a:t>m/z and intensity of matched query fragments </a:t>
+            </a:r>
+          </a:p>
+        </p:txBody>
+      </p:sp>
+      <p:cxnSp>
+        <p:nvCxnSpPr>
+          <p:cNvPr id="8" name="Connecteur droit avec flèche 7">
+            <a:extLst>
+              <a:ext uri="{FF2B5EF4-FFF2-40B4-BE49-F238E27FC236}">
+                <a16:creationId xmlns:a16="http://schemas.microsoft.com/office/drawing/2014/main" id="{1EAB709B-ECB1-4D10-94E6-D957B24873B5}"/>
+              </a:ext>
+            </a:extLst>
+          </p:cNvPr>
+          <p:cNvCxnSpPr>
+            <a:cxnSpLocks/>
+          </p:cNvCxnSpPr>
+          <p:nvPr/>
+        </p:nvCxnSpPr>
+        <p:spPr>
+          <a:xfrm flipH="1" flipV="1">
+            <a:off x="4904506" y="2299551"/>
+            <a:ext cx="480292" cy="1616667"/>
+          </a:xfrm>
+          <a:prstGeom prst="straightConnector1">
+            <a:avLst/>
+          </a:prstGeom>
+          <a:ln>
+            <a:solidFill>
+              <a:srgbClr val="0000FF"/>
+            </a:solidFill>
+            <a:prstDash val="dash"/>
+            <a:tailEnd type="triangle"/>
+          </a:ln>
+        </p:spPr>
+        <p:style>
+          <a:lnRef idx="1">
+            <a:schemeClr val="accent1"/>
+          </a:lnRef>
+          <a:fillRef idx="0">
+            <a:schemeClr val="accent1"/>
+          </a:fillRef>
+          <a:effectRef idx="0">
+            <a:schemeClr val="accent1"/>
+          </a:effectRef>
+          <a:fontRef idx="minor">
+            <a:schemeClr val="tx1"/>
+          </a:fontRef>
+        </p:style>
+      </p:cxnSp>
+      <p:cxnSp>
+        <p:nvCxnSpPr>
+          <p:cNvPr id="9" name="Connecteur droit avec flèche 8">
+            <a:extLst>
+              <a:ext uri="{FF2B5EF4-FFF2-40B4-BE49-F238E27FC236}">
+                <a16:creationId xmlns:a16="http://schemas.microsoft.com/office/drawing/2014/main" id="{9799DB40-8FFA-4DCC-A903-BA95FFC3E68E}"/>
+              </a:ext>
+            </a:extLst>
+          </p:cNvPr>
+          <p:cNvCxnSpPr>
+            <a:cxnSpLocks/>
+          </p:cNvCxnSpPr>
+          <p:nvPr/>
+        </p:nvCxnSpPr>
+        <p:spPr>
+          <a:xfrm flipV="1">
+            <a:off x="3768436" y="2299551"/>
+            <a:ext cx="711194" cy="1044013"/>
+          </a:xfrm>
+          <a:prstGeom prst="straightConnector1">
+            <a:avLst/>
+          </a:prstGeom>
+          <a:ln>
+            <a:solidFill>
+              <a:srgbClr val="0000FF"/>
+            </a:solidFill>
+            <a:prstDash val="dash"/>
+            <a:tailEnd type="triangle"/>
+          </a:ln>
+        </p:spPr>
+        <p:style>
+          <a:lnRef idx="1">
+            <a:schemeClr val="accent1"/>
+          </a:lnRef>
+          <a:fillRef idx="0">
+            <a:schemeClr val="accent1"/>
+          </a:fillRef>
+          <a:effectRef idx="0">
+            <a:schemeClr val="accent1"/>
+          </a:effectRef>
+          <a:fontRef idx="minor">
+            <a:schemeClr val="tx1"/>
+          </a:fontRef>
+        </p:style>
+      </p:cxnSp>
     </p:spTree>
     <p:extLst>
       <p:ext uri="{BB962C8B-B14F-4D97-AF65-F5344CB8AC3E}">

--- a/inst/tmp.pptx
+++ b/inst/tmp.pptx
@@ -268,7 +268,7 @@
           <a:p>
             <a:fld id="{63C097CE-CE30-40FD-8349-F85D75ED7B0A}" type="datetimeFigureOut">
               <a:rPr lang="en-US" smtClean="0"/>
-              <a:t>8/16/2018</a:t>
+              <a:t>9/9/2018</a:t>
             </a:fld>
             <a:endParaRPr lang="en-US"/>
           </a:p>
@@ -468,7 +468,7 @@
           <a:p>
             <a:fld id="{63C097CE-CE30-40FD-8349-F85D75ED7B0A}" type="datetimeFigureOut">
               <a:rPr lang="en-US" smtClean="0"/>
-              <a:t>8/16/2018</a:t>
+              <a:t>9/9/2018</a:t>
             </a:fld>
             <a:endParaRPr lang="en-US"/>
           </a:p>
@@ -678,7 +678,7 @@
           <a:p>
             <a:fld id="{63C097CE-CE30-40FD-8349-F85D75ED7B0A}" type="datetimeFigureOut">
               <a:rPr lang="en-US" smtClean="0"/>
-              <a:t>8/16/2018</a:t>
+              <a:t>9/9/2018</a:t>
             </a:fld>
             <a:endParaRPr lang="en-US"/>
           </a:p>
@@ -878,7 +878,7 @@
           <a:p>
             <a:fld id="{63C097CE-CE30-40FD-8349-F85D75ED7B0A}" type="datetimeFigureOut">
               <a:rPr lang="en-US" smtClean="0"/>
-              <a:t>8/16/2018</a:t>
+              <a:t>9/9/2018</a:t>
             </a:fld>
             <a:endParaRPr lang="en-US"/>
           </a:p>
@@ -1154,7 +1154,7 @@
           <a:p>
             <a:fld id="{63C097CE-CE30-40FD-8349-F85D75ED7B0A}" type="datetimeFigureOut">
               <a:rPr lang="en-US" smtClean="0"/>
-              <a:t>8/16/2018</a:t>
+              <a:t>9/9/2018</a:t>
             </a:fld>
             <a:endParaRPr lang="en-US"/>
           </a:p>
@@ -1422,7 +1422,7 @@
           <a:p>
             <a:fld id="{63C097CE-CE30-40FD-8349-F85D75ED7B0A}" type="datetimeFigureOut">
               <a:rPr lang="en-US" smtClean="0"/>
-              <a:t>8/16/2018</a:t>
+              <a:t>9/9/2018</a:t>
             </a:fld>
             <a:endParaRPr lang="en-US"/>
           </a:p>
@@ -1837,7 +1837,7 @@
           <a:p>
             <a:fld id="{63C097CE-CE30-40FD-8349-F85D75ED7B0A}" type="datetimeFigureOut">
               <a:rPr lang="en-US" smtClean="0"/>
-              <a:t>8/16/2018</a:t>
+              <a:t>9/9/2018</a:t>
             </a:fld>
             <a:endParaRPr lang="en-US"/>
           </a:p>
@@ -1979,7 +1979,7 @@
           <a:p>
             <a:fld id="{63C097CE-CE30-40FD-8349-F85D75ED7B0A}" type="datetimeFigureOut">
               <a:rPr lang="en-US" smtClean="0"/>
-              <a:t>8/16/2018</a:t>
+              <a:t>9/9/2018</a:t>
             </a:fld>
             <a:endParaRPr lang="en-US"/>
           </a:p>
@@ -2092,7 +2092,7 @@
           <a:p>
             <a:fld id="{63C097CE-CE30-40FD-8349-F85D75ED7B0A}" type="datetimeFigureOut">
               <a:rPr lang="en-US" smtClean="0"/>
-              <a:t>8/16/2018</a:t>
+              <a:t>9/9/2018</a:t>
             </a:fld>
             <a:endParaRPr lang="en-US"/>
           </a:p>
@@ -2405,7 +2405,7 @@
           <a:p>
             <a:fld id="{63C097CE-CE30-40FD-8349-F85D75ED7B0A}" type="datetimeFigureOut">
               <a:rPr lang="en-US" smtClean="0"/>
-              <a:t>8/16/2018</a:t>
+              <a:t>9/9/2018</a:t>
             </a:fld>
             <a:endParaRPr lang="en-US"/>
           </a:p>
@@ -2694,7 +2694,7 @@
           <a:p>
             <a:fld id="{63C097CE-CE30-40FD-8349-F85D75ED7B0A}" type="datetimeFigureOut">
               <a:rPr lang="en-US" smtClean="0"/>
-              <a:t>8/16/2018</a:t>
+              <a:t>9/9/2018</a:t>
             </a:fld>
             <a:endParaRPr lang="en-US"/>
           </a:p>
@@ -2937,7 +2937,7 @@
           <a:p>
             <a:fld id="{63C097CE-CE30-40FD-8349-F85D75ED7B0A}" type="datetimeFigureOut">
               <a:rPr lang="en-US" smtClean="0"/>
-              <a:t>8/16/2018</a:t>
+              <a:t>9/9/2018</a:t>
             </a:fld>
             <a:endParaRPr lang="en-US"/>
           </a:p>

--- a/inst/tmp.pptx
+++ b/inst/tmp.pptx
@@ -6,13 +6,14 @@
   </p:sldMasterIdLst>
   <p:sldIdLst>
     <p:sldId id="258" r:id="rId2"/>
-    <p:sldId id="256" r:id="rId3"/>
-    <p:sldId id="257" r:id="rId4"/>
-    <p:sldId id="259" r:id="rId5"/>
-    <p:sldId id="260" r:id="rId6"/>
-    <p:sldId id="261" r:id="rId7"/>
-    <p:sldId id="262" r:id="rId8"/>
-    <p:sldId id="263" r:id="rId9"/>
+    <p:sldId id="264" r:id="rId3"/>
+    <p:sldId id="256" r:id="rId4"/>
+    <p:sldId id="257" r:id="rId5"/>
+    <p:sldId id="259" r:id="rId6"/>
+    <p:sldId id="260" r:id="rId7"/>
+    <p:sldId id="261" r:id="rId8"/>
+    <p:sldId id="262" r:id="rId9"/>
+    <p:sldId id="263" r:id="rId10"/>
   </p:sldIdLst>
   <p:sldSz cx="12192000" cy="6858000"/>
   <p:notesSz cx="6858000" cy="9144000"/>
@@ -268,7 +269,7 @@
           <a:p>
             <a:fld id="{63C097CE-CE30-40FD-8349-F85D75ED7B0A}" type="datetimeFigureOut">
               <a:rPr lang="en-US" smtClean="0"/>
-              <a:t>9/9/2018</a:t>
+              <a:t>2/19/2019</a:t>
             </a:fld>
             <a:endParaRPr lang="en-US"/>
           </a:p>
@@ -468,7 +469,7 @@
           <a:p>
             <a:fld id="{63C097CE-CE30-40FD-8349-F85D75ED7B0A}" type="datetimeFigureOut">
               <a:rPr lang="en-US" smtClean="0"/>
-              <a:t>9/9/2018</a:t>
+              <a:t>2/19/2019</a:t>
             </a:fld>
             <a:endParaRPr lang="en-US"/>
           </a:p>
@@ -678,7 +679,7 @@
           <a:p>
             <a:fld id="{63C097CE-CE30-40FD-8349-F85D75ED7B0A}" type="datetimeFigureOut">
               <a:rPr lang="en-US" smtClean="0"/>
-              <a:t>9/9/2018</a:t>
+              <a:t>2/19/2019</a:t>
             </a:fld>
             <a:endParaRPr lang="en-US"/>
           </a:p>
@@ -878,7 +879,7 @@
           <a:p>
             <a:fld id="{63C097CE-CE30-40FD-8349-F85D75ED7B0A}" type="datetimeFigureOut">
               <a:rPr lang="en-US" smtClean="0"/>
-              <a:t>9/9/2018</a:t>
+              <a:t>2/19/2019</a:t>
             </a:fld>
             <a:endParaRPr lang="en-US"/>
           </a:p>
@@ -1154,7 +1155,7 @@
           <a:p>
             <a:fld id="{63C097CE-CE30-40FD-8349-F85D75ED7B0A}" type="datetimeFigureOut">
               <a:rPr lang="en-US" smtClean="0"/>
-              <a:t>9/9/2018</a:t>
+              <a:t>2/19/2019</a:t>
             </a:fld>
             <a:endParaRPr lang="en-US"/>
           </a:p>
@@ -1422,7 +1423,7 @@
           <a:p>
             <a:fld id="{63C097CE-CE30-40FD-8349-F85D75ED7B0A}" type="datetimeFigureOut">
               <a:rPr lang="en-US" smtClean="0"/>
-              <a:t>9/9/2018</a:t>
+              <a:t>2/19/2019</a:t>
             </a:fld>
             <a:endParaRPr lang="en-US"/>
           </a:p>
@@ -1837,7 +1838,7 @@
           <a:p>
             <a:fld id="{63C097CE-CE30-40FD-8349-F85D75ED7B0A}" type="datetimeFigureOut">
               <a:rPr lang="en-US" smtClean="0"/>
-              <a:t>9/9/2018</a:t>
+              <a:t>2/19/2019</a:t>
             </a:fld>
             <a:endParaRPr lang="en-US"/>
           </a:p>
@@ -1979,7 +1980,7 @@
           <a:p>
             <a:fld id="{63C097CE-CE30-40FD-8349-F85D75ED7B0A}" type="datetimeFigureOut">
               <a:rPr lang="en-US" smtClean="0"/>
-              <a:t>9/9/2018</a:t>
+              <a:t>2/19/2019</a:t>
             </a:fld>
             <a:endParaRPr lang="en-US"/>
           </a:p>
@@ -2092,7 +2093,7 @@
           <a:p>
             <a:fld id="{63C097CE-CE30-40FD-8349-F85D75ED7B0A}" type="datetimeFigureOut">
               <a:rPr lang="en-US" smtClean="0"/>
-              <a:t>9/9/2018</a:t>
+              <a:t>2/19/2019</a:t>
             </a:fld>
             <a:endParaRPr lang="en-US"/>
           </a:p>
@@ -2405,7 +2406,7 @@
           <a:p>
             <a:fld id="{63C097CE-CE30-40FD-8349-F85D75ED7B0A}" type="datetimeFigureOut">
               <a:rPr lang="en-US" smtClean="0"/>
-              <a:t>9/9/2018</a:t>
+              <a:t>2/19/2019</a:t>
             </a:fld>
             <a:endParaRPr lang="en-US"/>
           </a:p>
@@ -2694,7 +2695,7 @@
           <a:p>
             <a:fld id="{63C097CE-CE30-40FD-8349-F85D75ED7B0A}" type="datetimeFigureOut">
               <a:rPr lang="en-US" smtClean="0"/>
-              <a:t>9/9/2018</a:t>
+              <a:t>2/19/2019</a:t>
             </a:fld>
             <a:endParaRPr lang="en-US"/>
           </a:p>
@@ -2937,7 +2938,7 @@
           <a:p>
             <a:fld id="{63C097CE-CE30-40FD-8349-F85D75ED7B0A}" type="datetimeFigureOut">
               <a:rPr lang="en-US" smtClean="0"/>
-              <a:t>9/9/2018</a:t>
+              <a:t>2/19/2019</a:t>
             </a:fld>
             <a:endParaRPr lang="en-US"/>
           </a:p>
@@ -5201,80 +5202,77 @@
           <a:chExt cx="0" cy="0"/>
         </a:xfrm>
       </p:grpSpPr>
-      <p:pic>
-        <p:nvPicPr>
-          <p:cNvPr id="4" name="Image 3">
-            <a:extLst>
-              <a:ext uri="{FF2B5EF4-FFF2-40B4-BE49-F238E27FC236}">
-                <a16:creationId xmlns:a16="http://schemas.microsoft.com/office/drawing/2014/main" id="{610CA675-FFE8-4B5B-86D7-7E335369991D}"/>
-              </a:ext>
-            </a:extLst>
-          </p:cNvPr>
-          <p:cNvPicPr>
-            <a:picLocks noChangeAspect="1"/>
-          </p:cNvPicPr>
-          <p:nvPr/>
-        </p:nvPicPr>
-        <p:blipFill rotWithShape="1">
-          <a:blip r:embed="rId2"/>
-          <a:srcRect t="1992" r="2879" b="6128"/>
-          <a:stretch/>
-        </p:blipFill>
-        <p:spPr>
-          <a:xfrm>
-            <a:off x="0" y="108920"/>
-            <a:ext cx="11841018" cy="6301115"/>
+      <p:sp>
+        <p:nvSpPr>
+          <p:cNvPr id="27" name="ZoneTexte 26">
+            <a:extLst>
+              <a:ext uri="{FF2B5EF4-FFF2-40B4-BE49-F238E27FC236}">
+                <a16:creationId xmlns:a16="http://schemas.microsoft.com/office/drawing/2014/main" id="{17A232AC-BE9C-44F3-81A1-C0816D4CCDFB}"/>
+              </a:ext>
+            </a:extLst>
+          </p:cNvPr>
+          <p:cNvSpPr txBox="1"/>
+          <p:nvPr/>
+        </p:nvSpPr>
+        <p:spPr>
+          <a:xfrm>
+            <a:off x="529788" y="2208912"/>
+            <a:ext cx="1425678" cy="1631216"/>
           </a:xfrm>
           <a:prstGeom prst="rect">
             <a:avLst/>
           </a:prstGeom>
-          <a:ln>
-            <a:solidFill>
-              <a:schemeClr val="tx1"/>
-            </a:solidFill>
-          </a:ln>
-        </p:spPr>
-      </p:pic>
-      <p:pic>
-        <p:nvPicPr>
-          <p:cNvPr id="5" name="Image 4">
-            <a:extLst>
-              <a:ext uri="{FF2B5EF4-FFF2-40B4-BE49-F238E27FC236}">
-                <a16:creationId xmlns:a16="http://schemas.microsoft.com/office/drawing/2014/main" id="{2CB5E54B-F563-45B8-BA7D-CFD70B08DD63}"/>
-              </a:ext>
-            </a:extLst>
-          </p:cNvPr>
-          <p:cNvPicPr>
-            <a:picLocks noChangeAspect="1"/>
-          </p:cNvPicPr>
-          <p:nvPr/>
-        </p:nvPicPr>
-        <p:blipFill rotWithShape="1">
-          <a:blip r:embed="rId3"/>
-          <a:srcRect l="3544" t="-339"/>
-          <a:stretch/>
-        </p:blipFill>
-        <p:spPr>
-          <a:xfrm>
-            <a:off x="6096000" y="630443"/>
-            <a:ext cx="4959927" cy="4722359"/>
-          </a:xfrm>
-          <a:prstGeom prst="rect">
-            <a:avLst/>
-          </a:prstGeom>
-          <a:ln>
-            <a:solidFill>
-              <a:schemeClr val="tx1"/>
-            </a:solidFill>
-          </a:ln>
-        </p:spPr>
-      </p:pic>
-      <p:sp>
-        <p:nvSpPr>
-          <p:cNvPr id="6" name="Flèche : droite 5">
-            <a:extLst>
-              <a:ext uri="{FF2B5EF4-FFF2-40B4-BE49-F238E27FC236}">
-                <a16:creationId xmlns:a16="http://schemas.microsoft.com/office/drawing/2014/main" id="{59D75A8B-7F6E-434E-899C-1EFC01CBDAF5}"/>
+          <a:noFill/>
+        </p:spPr>
+        <p:txBody>
+          <a:bodyPr wrap="square" rtlCol="0">
+            <a:spAutoFit/>
+          </a:bodyPr>
+          <a:lstStyle/>
+          <a:p>
+            <a:pPr algn="ctr"/>
+            <a:r>
+              <a:rPr lang="en-US" sz="2000" b="1" dirty="0"/>
+              <a:t>LC-MS/MS </a:t>
+            </a:r>
+            <a:r>
+              <a:rPr lang="en-US" sz="2000" i="1" dirty="0" err="1"/>
+              <a:t>Thermo</a:t>
+            </a:r>
+            <a:r>
+              <a:rPr lang="en-US" sz="2000" i="1" dirty="0"/>
+              <a:t> </a:t>
+            </a:r>
+          </a:p>
+          <a:p>
+            <a:pPr algn="ctr"/>
+            <a:r>
+              <a:rPr lang="en-US" sz="2000" i="1" dirty="0"/>
+              <a:t>Water</a:t>
+            </a:r>
+          </a:p>
+          <a:p>
+            <a:pPr algn="ctr"/>
+            <a:r>
+              <a:rPr lang="en-US" sz="2000" i="1" dirty="0"/>
+              <a:t>Bruker</a:t>
+            </a:r>
+          </a:p>
+          <a:p>
+            <a:pPr algn="ctr"/>
+            <a:r>
+              <a:rPr lang="en-US" sz="2000" i="1" dirty="0"/>
+              <a:t>…</a:t>
+            </a:r>
+          </a:p>
+        </p:txBody>
+      </p:sp>
+      <p:sp>
+        <p:nvSpPr>
+          <p:cNvPr id="31" name="Rectangle : coins arrondis 30">
+            <a:extLst>
+              <a:ext uri="{FF2B5EF4-FFF2-40B4-BE49-F238E27FC236}">
+                <a16:creationId xmlns:a16="http://schemas.microsoft.com/office/drawing/2014/main" id="{7A834BBF-570A-4DE4-B9A1-F9CAFDB62BFA}"/>
               </a:ext>
             </a:extLst>
           </p:cNvPr>
@@ -5283,12 +5281,18 @@
         </p:nvSpPr>
         <p:spPr>
           <a:xfrm>
-            <a:off x="4802909" y="1634836"/>
-            <a:ext cx="757382" cy="304800"/>
-          </a:xfrm>
-          <a:prstGeom prst="rightArrow">
-            <a:avLst/>
-          </a:prstGeom>
+            <a:off x="2937778" y="2233880"/>
+            <a:ext cx="1737074" cy="764337"/>
+          </a:xfrm>
+          <a:prstGeom prst="roundRect">
+            <a:avLst/>
+          </a:prstGeom>
+          <a:solidFill>
+            <a:schemeClr val="accent1">
+              <a:lumMod val="60000"/>
+              <a:lumOff val="40000"/>
+            </a:schemeClr>
+          </a:solidFill>
         </p:spPr>
         <p:style>
           <a:lnRef idx="2">
@@ -5317,10 +5321,10 @@
       </p:sp>
       <p:sp>
         <p:nvSpPr>
-          <p:cNvPr id="7" name="Rectangle 6">
-            <a:extLst>
-              <a:ext uri="{FF2B5EF4-FFF2-40B4-BE49-F238E27FC236}">
-                <a16:creationId xmlns:a16="http://schemas.microsoft.com/office/drawing/2014/main" id="{159C655E-D36E-43CB-9B8C-CD8737861973}"/>
+          <p:cNvPr id="32" name="Rectangle 31">
+            <a:extLst>
+              <a:ext uri="{FF2B5EF4-FFF2-40B4-BE49-F238E27FC236}">
+                <a16:creationId xmlns:a16="http://schemas.microsoft.com/office/drawing/2014/main" id="{3FC42521-4507-48FF-A9AE-54D6B6020B8D}"/>
               </a:ext>
             </a:extLst>
           </p:cNvPr>
@@ -5329,8 +5333,262 @@
         </p:nvSpPr>
         <p:spPr>
           <a:xfrm>
-            <a:off x="5780056" y="4862272"/>
-            <a:ext cx="4659343" cy="461665"/>
+            <a:off x="3078287" y="2262105"/>
+            <a:ext cx="1477840" cy="707886"/>
+          </a:xfrm>
+          <a:prstGeom prst="rect">
+            <a:avLst/>
+          </a:prstGeom>
+        </p:spPr>
+        <p:txBody>
+          <a:bodyPr wrap="none">
+            <a:spAutoFit/>
+          </a:bodyPr>
+          <a:lstStyle/>
+          <a:p>
+            <a:pPr lvl="0" algn="ctr" eaLnBrk="0" fontAlgn="base" hangingPunct="0">
+              <a:spcBef>
+                <a:spcPct val="0"/>
+              </a:spcBef>
+              <a:spcAft>
+                <a:spcPct val="0"/>
+              </a:spcAft>
+            </a:pPr>
+            <a:r>
+              <a:rPr lang="en-US" altLang="en-US" sz="2400" dirty="0" err="1">
+                <a:solidFill>
+                  <a:srgbClr val="000000"/>
+                </a:solidFill>
+                <a:latin typeface="Calibri" panose="020F0502020204030204" pitchFamily="34" charset="0"/>
+                <a:cs typeface="Calibri" panose="020F0502020204030204" pitchFamily="34" charset="0"/>
+              </a:rPr>
+              <a:t>mzML</a:t>
+            </a:r>
+            <a:endParaRPr lang="en-US" altLang="en-US" sz="2400" dirty="0">
+              <a:solidFill>
+                <a:srgbClr val="000000"/>
+              </a:solidFill>
+              <a:latin typeface="Calibri" panose="020F0502020204030204" pitchFamily="34" charset="0"/>
+              <a:cs typeface="Calibri" panose="020F0502020204030204" pitchFamily="34" charset="0"/>
+            </a:endParaRPr>
+          </a:p>
+          <a:p>
+            <a:pPr algn="ctr" eaLnBrk="0" fontAlgn="base" hangingPunct="0">
+              <a:spcBef>
+                <a:spcPct val="0"/>
+              </a:spcBef>
+              <a:spcAft>
+                <a:spcPct val="0"/>
+              </a:spcAft>
+            </a:pPr>
+            <a:r>
+              <a:rPr lang="en-US" altLang="zh-CN" sz="1600" dirty="0">
+                <a:solidFill>
+                  <a:srgbClr val="000000"/>
+                </a:solidFill>
+                <a:latin typeface="Calibri" panose="020F0502020204030204" pitchFamily="34" charset="0"/>
+              </a:rPr>
+              <a:t> Centroid mode</a:t>
+            </a:r>
+            <a:endParaRPr lang="en-US" sz="1600" dirty="0"/>
+          </a:p>
+        </p:txBody>
+      </p:sp>
+      <p:cxnSp>
+        <p:nvCxnSpPr>
+          <p:cNvPr id="33" name="Connecteur droit avec flèche 32">
+            <a:extLst>
+              <a:ext uri="{FF2B5EF4-FFF2-40B4-BE49-F238E27FC236}">
+                <a16:creationId xmlns:a16="http://schemas.microsoft.com/office/drawing/2014/main" id="{79EED48B-BB08-47FD-B175-0B63231DD550}"/>
+              </a:ext>
+            </a:extLst>
+          </p:cNvPr>
+          <p:cNvCxnSpPr>
+            <a:cxnSpLocks/>
+          </p:cNvCxnSpPr>
+          <p:nvPr/>
+        </p:nvCxnSpPr>
+        <p:spPr>
+          <a:xfrm rot="-5400000">
+            <a:off x="2329221" y="2240957"/>
+            <a:ext cx="0" cy="1005840"/>
+          </a:xfrm>
+          <a:prstGeom prst="straightConnector1">
+            <a:avLst/>
+          </a:prstGeom>
+          <a:ln w="38100">
+            <a:solidFill>
+              <a:schemeClr val="tx1"/>
+            </a:solidFill>
+            <a:tailEnd type="triangle"/>
+          </a:ln>
+        </p:spPr>
+        <p:style>
+          <a:lnRef idx="1">
+            <a:schemeClr val="accent1"/>
+          </a:lnRef>
+          <a:fillRef idx="0">
+            <a:schemeClr val="accent1"/>
+          </a:fillRef>
+          <a:effectRef idx="0">
+            <a:schemeClr val="accent1"/>
+          </a:effectRef>
+          <a:fontRef idx="minor">
+            <a:schemeClr val="tx1"/>
+          </a:fontRef>
+        </p:style>
+      </p:cxnSp>
+      <p:sp>
+        <p:nvSpPr>
+          <p:cNvPr id="39" name="Rectangle : coins arrondis 38">
+            <a:extLst>
+              <a:ext uri="{FF2B5EF4-FFF2-40B4-BE49-F238E27FC236}">
+                <a16:creationId xmlns:a16="http://schemas.microsoft.com/office/drawing/2014/main" id="{FA35E514-2F56-4789-B1B7-2871021581C4}"/>
+              </a:ext>
+            </a:extLst>
+          </p:cNvPr>
+          <p:cNvSpPr/>
+          <p:nvPr/>
+        </p:nvSpPr>
+        <p:spPr>
+          <a:xfrm>
+            <a:off x="3074206" y="2359542"/>
+            <a:ext cx="1737074" cy="764337"/>
+          </a:xfrm>
+          <a:prstGeom prst="roundRect">
+            <a:avLst/>
+          </a:prstGeom>
+          <a:solidFill>
+            <a:schemeClr val="accent1">
+              <a:lumMod val="60000"/>
+              <a:lumOff val="40000"/>
+            </a:schemeClr>
+          </a:solidFill>
+        </p:spPr>
+        <p:style>
+          <a:lnRef idx="2">
+            <a:schemeClr val="accent1">
+              <a:shade val="50000"/>
+            </a:schemeClr>
+          </a:lnRef>
+          <a:fillRef idx="1">
+            <a:schemeClr val="accent1"/>
+          </a:fillRef>
+          <a:effectRef idx="0">
+            <a:schemeClr val="accent1"/>
+          </a:effectRef>
+          <a:fontRef idx="minor">
+            <a:schemeClr val="lt1"/>
+          </a:fontRef>
+        </p:style>
+        <p:txBody>
+          <a:bodyPr rtlCol="0" anchor="ctr"/>
+          <a:lstStyle/>
+          <a:p>
+            <a:pPr algn="ctr"/>
+            <a:endParaRPr lang="en-US"/>
+          </a:p>
+        </p:txBody>
+      </p:sp>
+      <p:sp>
+        <p:nvSpPr>
+          <p:cNvPr id="40" name="Rectangle : coins arrondis 39">
+            <a:extLst>
+              <a:ext uri="{FF2B5EF4-FFF2-40B4-BE49-F238E27FC236}">
+                <a16:creationId xmlns:a16="http://schemas.microsoft.com/office/drawing/2014/main" id="{9E8DE408-DD85-4019-9BC3-FF3585107409}"/>
+              </a:ext>
+            </a:extLst>
+          </p:cNvPr>
+          <p:cNvSpPr/>
+          <p:nvPr/>
+        </p:nvSpPr>
+        <p:spPr>
+          <a:xfrm>
+            <a:off x="3226606" y="2511942"/>
+            <a:ext cx="1737074" cy="764337"/>
+          </a:xfrm>
+          <a:prstGeom prst="roundRect">
+            <a:avLst/>
+          </a:prstGeom>
+          <a:solidFill>
+            <a:schemeClr val="accent1">
+              <a:lumMod val="60000"/>
+              <a:lumOff val="40000"/>
+            </a:schemeClr>
+          </a:solidFill>
+        </p:spPr>
+        <p:style>
+          <a:lnRef idx="2">
+            <a:schemeClr val="accent1">
+              <a:shade val="50000"/>
+            </a:schemeClr>
+          </a:lnRef>
+          <a:fillRef idx="1">
+            <a:schemeClr val="accent1"/>
+          </a:fillRef>
+          <a:effectRef idx="0">
+            <a:schemeClr val="accent1"/>
+          </a:effectRef>
+          <a:fontRef idx="minor">
+            <a:schemeClr val="lt1"/>
+          </a:fontRef>
+        </p:style>
+        <p:txBody>
+          <a:bodyPr rtlCol="0" anchor="ctr"/>
+          <a:lstStyle/>
+          <a:p>
+            <a:pPr algn="ctr"/>
+            <a:r>
+              <a:rPr lang="en-US" sz="2000" b="1" dirty="0" err="1">
+                <a:solidFill>
+                  <a:schemeClr val="tx1"/>
+                </a:solidFill>
+              </a:rPr>
+              <a:t>mz</a:t>
+            </a:r>
+            <a:r>
+              <a:rPr lang="en-US" sz="2000" b="1" dirty="0">
+                <a:solidFill>
+                  <a:schemeClr val="tx1"/>
+                </a:solidFill>
+              </a:rPr>
+              <a:t>(X)ML</a:t>
+            </a:r>
+            <a:endParaRPr lang="en-US" b="1" dirty="0">
+              <a:solidFill>
+                <a:schemeClr val="tx1"/>
+              </a:solidFill>
+            </a:endParaRPr>
+          </a:p>
+          <a:p>
+            <a:pPr algn="ctr"/>
+            <a:r>
+              <a:rPr lang="en-US" b="1" dirty="0">
+                <a:solidFill>
+                  <a:schemeClr val="tx1"/>
+                </a:solidFill>
+              </a:rPr>
+              <a:t>(Centroid)</a:t>
+            </a:r>
+          </a:p>
+        </p:txBody>
+      </p:sp>
+      <p:sp>
+        <p:nvSpPr>
+          <p:cNvPr id="50" name="Rectangle 49">
+            <a:extLst>
+              <a:ext uri="{FF2B5EF4-FFF2-40B4-BE49-F238E27FC236}">
+                <a16:creationId xmlns:a16="http://schemas.microsoft.com/office/drawing/2014/main" id="{6A298FF7-929C-4104-BB8D-966DCE0A5095}"/>
+              </a:ext>
+            </a:extLst>
+          </p:cNvPr>
+          <p:cNvSpPr/>
+          <p:nvPr/>
+        </p:nvSpPr>
+        <p:spPr>
+          <a:xfrm>
+            <a:off x="526977" y="4359613"/>
+            <a:ext cx="1392658" cy="1015663"/>
           </a:xfrm>
           <a:prstGeom prst="rect">
             <a:avLst/>
@@ -5342,26 +5600,2293 @@
           </a:bodyPr>
           <a:lstStyle/>
           <a:p>
-            <a:r>
-              <a:rPr lang="en-US" sz="2400" b="1" dirty="0">
+            <a:pPr lvl="0" algn="ctr" eaLnBrk="0" fontAlgn="base" hangingPunct="0">
+              <a:spcBef>
+                <a:spcPct val="0"/>
+              </a:spcBef>
+              <a:spcAft>
+                <a:spcPct val="0"/>
+              </a:spcAft>
+            </a:pPr>
+            <a:r>
+              <a:rPr lang="en-US" altLang="en-US" sz="2000" b="1" dirty="0">
+                <a:solidFill>
+                  <a:srgbClr val="000000"/>
+                </a:solidFill>
+                <a:latin typeface="Calibri" panose="020F0502020204030204" pitchFamily="34" charset="0"/>
+                <a:cs typeface="Calibri" panose="020F0502020204030204" pitchFamily="34" charset="0"/>
+              </a:rPr>
+              <a:t>Basic metadata</a:t>
+            </a:r>
+          </a:p>
+          <a:p>
+            <a:pPr lvl="0" algn="ctr" eaLnBrk="0" fontAlgn="base" hangingPunct="0">
+              <a:spcBef>
+                <a:spcPct val="0"/>
+              </a:spcBef>
+              <a:spcAft>
+                <a:spcPct val="0"/>
+              </a:spcAft>
+            </a:pPr>
+            <a:r>
+              <a:rPr lang="en-US" altLang="en-US" sz="2000" dirty="0">
+                <a:solidFill>
+                  <a:srgbClr val="000000"/>
+                </a:solidFill>
+                <a:latin typeface="Calibri" panose="020F0502020204030204" pitchFamily="34" charset="0"/>
+                <a:cs typeface="Calibri" panose="020F0502020204030204" pitchFamily="34" charset="0"/>
+              </a:rPr>
+              <a:t>(.csv)  </a:t>
+            </a:r>
+          </a:p>
+        </p:txBody>
+      </p:sp>
+      <p:sp>
+        <p:nvSpPr>
+          <p:cNvPr id="51" name="Accolade ouvrante 50">
+            <a:extLst>
+              <a:ext uri="{FF2B5EF4-FFF2-40B4-BE49-F238E27FC236}">
+                <a16:creationId xmlns:a16="http://schemas.microsoft.com/office/drawing/2014/main" id="{3DEBE41F-5C34-4A3F-8308-57696A413F36}"/>
+              </a:ext>
+            </a:extLst>
+          </p:cNvPr>
+          <p:cNvSpPr/>
+          <p:nvPr/>
+        </p:nvSpPr>
+        <p:spPr>
+          <a:xfrm>
+            <a:off x="1883896" y="4081433"/>
+            <a:ext cx="110980" cy="1257954"/>
+          </a:xfrm>
+          <a:prstGeom prst="leftBrace">
+            <a:avLst>
+              <a:gd name="adj1" fmla="val 8333"/>
+              <a:gd name="adj2" fmla="val 49116"/>
+            </a:avLst>
+          </a:prstGeom>
+          <a:ln w="28575">
+            <a:solidFill>
+              <a:schemeClr val="tx1"/>
+            </a:solidFill>
+          </a:ln>
+        </p:spPr>
+        <p:style>
+          <a:lnRef idx="1">
+            <a:schemeClr val="accent1"/>
+          </a:lnRef>
+          <a:fillRef idx="0">
+            <a:schemeClr val="accent1"/>
+          </a:fillRef>
+          <a:effectRef idx="0">
+            <a:schemeClr val="accent1"/>
+          </a:effectRef>
+          <a:fontRef idx="minor">
+            <a:schemeClr val="tx1"/>
+          </a:fontRef>
+        </p:style>
+        <p:txBody>
+          <a:bodyPr rtlCol="0" anchor="ctr"/>
+          <a:lstStyle/>
+          <a:p>
+            <a:pPr algn="ctr"/>
+            <a:endParaRPr lang="en-US"/>
+          </a:p>
+        </p:txBody>
+      </p:sp>
+      <p:sp>
+        <p:nvSpPr>
+          <p:cNvPr id="52" name="Rectangle 51">
+            <a:extLst>
+              <a:ext uri="{FF2B5EF4-FFF2-40B4-BE49-F238E27FC236}">
+                <a16:creationId xmlns:a16="http://schemas.microsoft.com/office/drawing/2014/main" id="{76B3F375-1801-420A-8BD9-9B2D18ED39AC}"/>
+              </a:ext>
+            </a:extLst>
+          </p:cNvPr>
+          <p:cNvSpPr/>
+          <p:nvPr/>
+        </p:nvSpPr>
+        <p:spPr>
+          <a:xfrm>
+            <a:off x="2001621" y="4009223"/>
+            <a:ext cx="1535802" cy="1754326"/>
+          </a:xfrm>
+          <a:prstGeom prst="rect">
+            <a:avLst/>
+          </a:prstGeom>
+        </p:spPr>
+        <p:txBody>
+          <a:bodyPr wrap="square">
+            <a:spAutoFit/>
+          </a:bodyPr>
+          <a:lstStyle/>
+          <a:p>
+            <a:pPr lvl="0" eaLnBrk="0" fontAlgn="base" hangingPunct="0">
+              <a:spcBef>
+                <a:spcPct val="0"/>
+              </a:spcBef>
+              <a:spcAft>
+                <a:spcPct val="0"/>
+              </a:spcAft>
+            </a:pPr>
+            <a:r>
+              <a:rPr lang="en-US" altLang="en-US" dirty="0">
+                <a:solidFill>
+                  <a:srgbClr val="000000"/>
+                </a:solidFill>
+                <a:latin typeface="Calibri" panose="020F0502020204030204" pitchFamily="34" charset="0"/>
+                <a:cs typeface="Calibri" panose="020F0502020204030204" pitchFamily="34" charset="0"/>
+              </a:rPr>
+              <a:t>Targeted mass</a:t>
+            </a:r>
+          </a:p>
+          <a:p>
+            <a:pPr lvl="0" eaLnBrk="0" fontAlgn="base" hangingPunct="0">
+              <a:spcBef>
+                <a:spcPct val="0"/>
+              </a:spcBef>
+              <a:spcAft>
+                <a:spcPct val="0"/>
+              </a:spcAft>
+            </a:pPr>
+            <a:r>
+              <a:rPr lang="en-US" altLang="en-US" dirty="0">
+                <a:solidFill>
+                  <a:srgbClr val="000000"/>
+                </a:solidFill>
+                <a:latin typeface="Calibri" panose="020F0502020204030204" pitchFamily="34" charset="0"/>
+                <a:cs typeface="Calibri" panose="020F0502020204030204" pitchFamily="34" charset="0"/>
+              </a:rPr>
+              <a:t>Targeted rt</a:t>
+            </a:r>
+          </a:p>
+          <a:p>
+            <a:pPr lvl="0" eaLnBrk="0" fontAlgn="base" hangingPunct="0">
+              <a:spcBef>
+                <a:spcPct val="0"/>
+              </a:spcBef>
+              <a:spcAft>
+                <a:spcPct val="0"/>
+              </a:spcAft>
+            </a:pPr>
+            <a:r>
+              <a:rPr lang="en-US" altLang="en-US" dirty="0">
+                <a:solidFill>
+                  <a:srgbClr val="000000"/>
+                </a:solidFill>
+                <a:latin typeface="Calibri" panose="020F0502020204030204" pitchFamily="34" charset="0"/>
+                <a:cs typeface="Calibri" panose="020F0502020204030204" pitchFamily="34" charset="0"/>
+              </a:rPr>
+              <a:t>D-NUM ID</a:t>
+            </a:r>
+          </a:p>
+          <a:p>
+            <a:pPr lvl="0" eaLnBrk="0" fontAlgn="base" hangingPunct="0">
+              <a:spcBef>
+                <a:spcPct val="0"/>
+              </a:spcBef>
+              <a:spcAft>
+                <a:spcPct val="0"/>
+              </a:spcAft>
+            </a:pPr>
+            <a:r>
+              <a:rPr lang="en-US" altLang="en-US" dirty="0">
+                <a:solidFill>
+                  <a:srgbClr val="000000"/>
+                </a:solidFill>
+                <a:latin typeface="Calibri" panose="020F0502020204030204" pitchFamily="34" charset="0"/>
+                <a:cs typeface="Calibri" panose="020F0502020204030204" pitchFamily="34" charset="0"/>
+              </a:rPr>
+              <a:t>JNJ ID</a:t>
+            </a:r>
+          </a:p>
+          <a:p>
+            <a:pPr lvl="0" eaLnBrk="0" fontAlgn="base" hangingPunct="0">
+              <a:spcBef>
+                <a:spcPct val="0"/>
+              </a:spcBef>
+              <a:spcAft>
+                <a:spcPct val="0"/>
+              </a:spcAft>
+            </a:pPr>
+            <a:r>
+              <a:rPr lang="en-US" altLang="en-US" dirty="0">
+                <a:solidFill>
+                  <a:srgbClr val="000000"/>
+                </a:solidFill>
+                <a:latin typeface="Calibri" panose="020F0502020204030204" pitchFamily="34" charset="0"/>
+                <a:cs typeface="Calibri" panose="020F0502020204030204" pitchFamily="34" charset="0"/>
+              </a:rPr>
+              <a:t>Ion mode</a:t>
+            </a:r>
+          </a:p>
+          <a:p>
+            <a:pPr lvl="0" eaLnBrk="0" fontAlgn="base" hangingPunct="0">
+              <a:spcBef>
+                <a:spcPct val="0"/>
+              </a:spcBef>
+              <a:spcAft>
+                <a:spcPct val="0"/>
+              </a:spcAft>
+            </a:pPr>
+            <a:r>
+              <a:rPr lang="en-US" altLang="en-US" dirty="0">
+                <a:solidFill>
+                  <a:srgbClr val="000000"/>
+                </a:solidFill>
+                <a:latin typeface="Calibri" panose="020F0502020204030204" pitchFamily="34" charset="0"/>
+                <a:cs typeface="Calibri" panose="020F0502020204030204" pitchFamily="34" charset="0"/>
+              </a:rPr>
+              <a:t>…</a:t>
+            </a:r>
+          </a:p>
+        </p:txBody>
+      </p:sp>
+      <p:sp>
+        <p:nvSpPr>
+          <p:cNvPr id="64" name="ZoneTexte 63">
+            <a:extLst>
+              <a:ext uri="{FF2B5EF4-FFF2-40B4-BE49-F238E27FC236}">
+                <a16:creationId xmlns:a16="http://schemas.microsoft.com/office/drawing/2014/main" id="{A9BCE1B9-9E04-4723-B03C-A52D9DC1806C}"/>
+              </a:ext>
+            </a:extLst>
+          </p:cNvPr>
+          <p:cNvSpPr txBox="1"/>
+          <p:nvPr/>
+        </p:nvSpPr>
+        <p:spPr>
+          <a:xfrm>
+            <a:off x="4876271" y="1808885"/>
+            <a:ext cx="1347600" cy="646331"/>
+          </a:xfrm>
+          <a:prstGeom prst="rect">
+            <a:avLst/>
+          </a:prstGeom>
+          <a:noFill/>
+        </p:spPr>
+        <p:txBody>
+          <a:bodyPr wrap="square" rtlCol="0">
+            <a:spAutoFit/>
+          </a:bodyPr>
+          <a:lstStyle/>
+          <a:p>
+            <a:pPr algn="ctr"/>
+            <a:r>
+              <a:rPr lang="en-US" b="1" i="1" dirty="0">
+                <a:solidFill>
+                  <a:srgbClr val="00B050"/>
+                </a:solidFill>
+              </a:rPr>
+              <a:t>library_</a:t>
+            </a:r>
+          </a:p>
+          <a:p>
+            <a:pPr algn="ctr"/>
+            <a:r>
+              <a:rPr lang="en-US" b="1" i="1" dirty="0">
+                <a:solidFill>
+                  <a:srgbClr val="00B050"/>
+                </a:solidFill>
+              </a:rPr>
+              <a:t>generator ()</a:t>
+            </a:r>
+          </a:p>
+        </p:txBody>
+      </p:sp>
+      <p:sp>
+        <p:nvSpPr>
+          <p:cNvPr id="26" name="Rectangle : coins arrondis 25">
+            <a:extLst>
+              <a:ext uri="{FF2B5EF4-FFF2-40B4-BE49-F238E27FC236}">
+                <a16:creationId xmlns:a16="http://schemas.microsoft.com/office/drawing/2014/main" id="{EA0F6D78-D54F-40E6-9D5F-C2C7E4153B1E}"/>
+              </a:ext>
+            </a:extLst>
+          </p:cNvPr>
+          <p:cNvSpPr/>
+          <p:nvPr/>
+        </p:nvSpPr>
+        <p:spPr>
+          <a:xfrm>
+            <a:off x="9856396" y="1780372"/>
+            <a:ext cx="2152211" cy="1495907"/>
+          </a:xfrm>
+          <a:prstGeom prst="roundRect">
+            <a:avLst/>
+          </a:prstGeom>
+          <a:solidFill>
+            <a:schemeClr val="accent1">
+              <a:lumMod val="60000"/>
+              <a:lumOff val="40000"/>
+            </a:schemeClr>
+          </a:solidFill>
+        </p:spPr>
+        <p:style>
+          <a:lnRef idx="2">
+            <a:schemeClr val="accent1">
+              <a:shade val="50000"/>
+            </a:schemeClr>
+          </a:lnRef>
+          <a:fillRef idx="1">
+            <a:schemeClr val="accent1"/>
+          </a:fillRef>
+          <a:effectRef idx="0">
+            <a:schemeClr val="accent1"/>
+          </a:effectRef>
+          <a:fontRef idx="minor">
+            <a:schemeClr val="lt1"/>
+          </a:fontRef>
+        </p:style>
+        <p:txBody>
+          <a:bodyPr rtlCol="0" anchor="ctr"/>
+          <a:lstStyle/>
+          <a:p>
+            <a:pPr algn="ctr"/>
+            <a:r>
+              <a:rPr lang="en-US" b="1" i="1" dirty="0" err="1">
                 <a:solidFill>
                   <a:srgbClr val="FF0000"/>
                 </a:solidFill>
               </a:rPr>
-              <a:t>(Line spectra = Centroid-mode)</a:t>
-            </a:r>
-            <a:endParaRPr lang="en-US" sz="2400" dirty="0">
+              <a:t>Library_visualizer</a:t>
+            </a:r>
+            <a:r>
+              <a:rPr lang="en-US" b="1" i="1" dirty="0">
+                <a:solidFill>
+                  <a:srgbClr val="FF0000"/>
+                </a:solidFill>
+              </a:rPr>
+              <a:t>()</a:t>
+            </a:r>
+          </a:p>
+          <a:p>
+            <a:pPr algn="ctr"/>
+            <a:endParaRPr lang="en-US" i="1" dirty="0">
               <a:solidFill>
                 <a:srgbClr val="FF0000"/>
               </a:solidFill>
             </a:endParaRPr>
           </a:p>
+          <a:p>
+            <a:pPr algn="ctr"/>
+            <a:endParaRPr lang="en-US" i="1" dirty="0">
+              <a:solidFill>
+                <a:schemeClr val="tx1"/>
+              </a:solidFill>
+            </a:endParaRPr>
+          </a:p>
+          <a:p>
+            <a:pPr algn="ctr"/>
+            <a:endParaRPr lang="en-US" i="1" dirty="0">
+              <a:solidFill>
+                <a:schemeClr val="tx1"/>
+              </a:solidFill>
+            </a:endParaRPr>
+          </a:p>
+        </p:txBody>
+      </p:sp>
+      <p:sp>
+        <p:nvSpPr>
+          <p:cNvPr id="37" name="Rectangle : coins arrondis 36">
+            <a:extLst>
+              <a:ext uri="{FF2B5EF4-FFF2-40B4-BE49-F238E27FC236}">
+                <a16:creationId xmlns:a16="http://schemas.microsoft.com/office/drawing/2014/main" id="{F9532241-B33D-41D9-B8A1-74BD6C4F8804}"/>
+              </a:ext>
+            </a:extLst>
+          </p:cNvPr>
+          <p:cNvSpPr/>
+          <p:nvPr/>
+        </p:nvSpPr>
+        <p:spPr>
+          <a:xfrm>
+            <a:off x="6117520" y="2062050"/>
+            <a:ext cx="1156087" cy="400110"/>
+          </a:xfrm>
+          <a:prstGeom prst="roundRect">
+            <a:avLst/>
+          </a:prstGeom>
+          <a:solidFill>
+            <a:schemeClr val="accent1">
+              <a:lumMod val="60000"/>
+              <a:lumOff val="40000"/>
+            </a:schemeClr>
+          </a:solidFill>
+        </p:spPr>
+        <p:style>
+          <a:lnRef idx="2">
+            <a:schemeClr val="accent1">
+              <a:shade val="50000"/>
+            </a:schemeClr>
+          </a:lnRef>
+          <a:fillRef idx="1">
+            <a:schemeClr val="accent1"/>
+          </a:fillRef>
+          <a:effectRef idx="0">
+            <a:schemeClr val="accent1"/>
+          </a:effectRef>
+          <a:fontRef idx="minor">
+            <a:schemeClr val="lt1"/>
+          </a:fontRef>
+        </p:style>
+        <p:txBody>
+          <a:bodyPr rtlCol="0" anchor="ctr"/>
+          <a:lstStyle/>
+          <a:p>
+            <a:pPr algn="ctr"/>
+            <a:r>
+              <a:rPr lang="en-US" sz="1400" b="1" dirty="0">
+                <a:solidFill>
+                  <a:schemeClr val="tx1"/>
+                </a:solidFill>
+              </a:rPr>
+              <a:t>Previous </a:t>
+            </a:r>
+          </a:p>
+          <a:p>
+            <a:pPr algn="ctr"/>
+            <a:r>
+              <a:rPr lang="en-US" sz="1400" b="1" dirty="0">
+                <a:solidFill>
+                  <a:schemeClr val="tx1"/>
+                </a:solidFill>
+              </a:rPr>
+              <a:t>library</a:t>
+            </a:r>
+          </a:p>
+        </p:txBody>
+      </p:sp>
+      <p:sp>
+        <p:nvSpPr>
+          <p:cNvPr id="35" name="Rectangle : coins arrondis 34">
+            <a:extLst>
+              <a:ext uri="{FF2B5EF4-FFF2-40B4-BE49-F238E27FC236}">
+                <a16:creationId xmlns:a16="http://schemas.microsoft.com/office/drawing/2014/main" id="{260881A1-3FB5-4334-8A68-2E99A346CECA}"/>
+              </a:ext>
+            </a:extLst>
+          </p:cNvPr>
+          <p:cNvSpPr/>
+          <p:nvPr/>
+        </p:nvSpPr>
+        <p:spPr>
+          <a:xfrm>
+            <a:off x="1846079" y="2359542"/>
+            <a:ext cx="979052" cy="707885"/>
+          </a:xfrm>
+          <a:prstGeom prst="roundRect">
+            <a:avLst/>
+          </a:prstGeom>
+          <a:noFill/>
+          <a:ln>
+            <a:solidFill>
+              <a:srgbClr val="FF0000"/>
+            </a:solidFill>
+            <a:prstDash val="sysDot"/>
+          </a:ln>
+        </p:spPr>
+        <p:style>
+          <a:lnRef idx="2">
+            <a:schemeClr val="accent1">
+              <a:shade val="50000"/>
+            </a:schemeClr>
+          </a:lnRef>
+          <a:fillRef idx="1">
+            <a:schemeClr val="accent1"/>
+          </a:fillRef>
+          <a:effectRef idx="0">
+            <a:schemeClr val="accent1"/>
+          </a:effectRef>
+          <a:fontRef idx="minor">
+            <a:schemeClr val="lt1"/>
+          </a:fontRef>
+        </p:style>
+        <p:txBody>
+          <a:bodyPr rtlCol="0" anchor="ctr"/>
+          <a:lstStyle/>
+          <a:p>
+            <a:pPr algn="ctr"/>
+            <a:endParaRPr lang="en-US"/>
+          </a:p>
+        </p:txBody>
+      </p:sp>
+      <p:sp>
+        <p:nvSpPr>
+          <p:cNvPr id="9" name="Rectangle 8">
+            <a:extLst>
+              <a:ext uri="{FF2B5EF4-FFF2-40B4-BE49-F238E27FC236}">
+                <a16:creationId xmlns:a16="http://schemas.microsoft.com/office/drawing/2014/main" id="{4C0DC613-10A5-435C-B8FD-BD83518C38AF}"/>
+              </a:ext>
+            </a:extLst>
+          </p:cNvPr>
+          <p:cNvSpPr/>
+          <p:nvPr/>
+        </p:nvSpPr>
+        <p:spPr>
+          <a:xfrm>
+            <a:off x="1259498" y="1785052"/>
+            <a:ext cx="2152213" cy="646331"/>
+          </a:xfrm>
+          <a:prstGeom prst="rect">
+            <a:avLst/>
+          </a:prstGeom>
+        </p:spPr>
+        <p:txBody>
+          <a:bodyPr wrap="square">
+            <a:spAutoFit/>
+          </a:bodyPr>
+          <a:lstStyle/>
+          <a:p>
+            <a:pPr algn="ctr"/>
+            <a:r>
+              <a:rPr lang="en-US" b="1" i="1" dirty="0" err="1">
+                <a:solidFill>
+                  <a:srgbClr val="FF0000"/>
+                </a:solidFill>
+              </a:rPr>
+              <a:t>MSConvert</a:t>
+            </a:r>
+            <a:r>
+              <a:rPr lang="en-US" b="1" i="1" dirty="0">
+                <a:solidFill>
+                  <a:srgbClr val="FF0000"/>
+                </a:solidFill>
+              </a:rPr>
+              <a:t> () </a:t>
+            </a:r>
+          </a:p>
+          <a:p>
+            <a:pPr algn="ctr"/>
+            <a:r>
+              <a:rPr lang="en-US" sz="1200" dirty="0">
+                <a:solidFill>
+                  <a:srgbClr val="FF0000"/>
+                </a:solidFill>
+              </a:rPr>
+              <a:t>Docker</a:t>
+            </a:r>
+            <a:r>
+              <a:rPr lang="en-US" dirty="0">
+                <a:solidFill>
+                  <a:srgbClr val="FF0000"/>
+                </a:solidFill>
+              </a:rPr>
+              <a:t> </a:t>
+            </a:r>
+            <a:r>
+              <a:rPr lang="en-US" sz="1200" dirty="0">
+                <a:solidFill>
+                  <a:srgbClr val="FF0000"/>
+                </a:solidFill>
+              </a:rPr>
+              <a:t>(Ronald)</a:t>
+            </a:r>
+          </a:p>
+        </p:txBody>
+      </p:sp>
+      <p:pic>
+        <p:nvPicPr>
+          <p:cNvPr id="34" name="Image 33">
+            <a:extLst>
+              <a:ext uri="{FF2B5EF4-FFF2-40B4-BE49-F238E27FC236}">
+                <a16:creationId xmlns:a16="http://schemas.microsoft.com/office/drawing/2014/main" id="{F3BB3CF9-79E4-43D5-9CE3-B0936F526C46}"/>
+              </a:ext>
+            </a:extLst>
+          </p:cNvPr>
+          <p:cNvPicPr>
+            <a:picLocks noChangeAspect="1"/>
+          </p:cNvPicPr>
+          <p:nvPr/>
+        </p:nvPicPr>
+        <p:blipFill rotWithShape="1">
+          <a:blip r:embed="rId2"/>
+          <a:srcRect t="14384" r="-2014"/>
+          <a:stretch/>
+        </p:blipFill>
+        <p:spPr>
+          <a:xfrm>
+            <a:off x="10363973" y="2336407"/>
+            <a:ext cx="1137055" cy="787472"/>
+          </a:xfrm>
+          <a:prstGeom prst="rect">
+            <a:avLst/>
+          </a:prstGeom>
+        </p:spPr>
+      </p:pic>
+      <p:sp>
+        <p:nvSpPr>
+          <p:cNvPr id="5" name="ZoneTexte 4">
+            <a:extLst>
+              <a:ext uri="{FF2B5EF4-FFF2-40B4-BE49-F238E27FC236}">
+                <a16:creationId xmlns:a16="http://schemas.microsoft.com/office/drawing/2014/main" id="{E1879905-A5DD-4022-98ED-5890315F95ED}"/>
+              </a:ext>
+            </a:extLst>
+          </p:cNvPr>
+          <p:cNvSpPr txBox="1"/>
+          <p:nvPr/>
+        </p:nvSpPr>
+        <p:spPr>
+          <a:xfrm>
+            <a:off x="6812249" y="5396418"/>
+            <a:ext cx="5042856" cy="646331"/>
+          </a:xfrm>
+          <a:prstGeom prst="rect">
+            <a:avLst/>
+          </a:prstGeom>
+          <a:noFill/>
+        </p:spPr>
+        <p:txBody>
+          <a:bodyPr wrap="square" rtlCol="0">
+            <a:spAutoFit/>
+          </a:bodyPr>
+          <a:lstStyle/>
+          <a:p>
+            <a:r>
+              <a:rPr lang="en-US" dirty="0">
+                <a:solidFill>
+                  <a:srgbClr val="FF0000"/>
+                </a:solidFill>
+              </a:rPr>
+              <a:t>* Under-development (by first release of web app)</a:t>
+            </a:r>
+          </a:p>
+          <a:p>
+            <a:r>
+              <a:rPr lang="en-US" dirty="0">
+                <a:solidFill>
+                  <a:srgbClr val="00B050"/>
+                </a:solidFill>
+              </a:rPr>
+              <a:t>* Developed – stable until first release</a:t>
+            </a:r>
+          </a:p>
+        </p:txBody>
+      </p:sp>
+      <p:cxnSp>
+        <p:nvCxnSpPr>
+          <p:cNvPr id="53" name="Connecteur droit avec flèche 52">
+            <a:extLst>
+              <a:ext uri="{FF2B5EF4-FFF2-40B4-BE49-F238E27FC236}">
+                <a16:creationId xmlns:a16="http://schemas.microsoft.com/office/drawing/2014/main" id="{CAB3A3CB-AE41-4C0F-AB98-B6CE321EA53D}"/>
+              </a:ext>
+            </a:extLst>
+          </p:cNvPr>
+          <p:cNvCxnSpPr>
+            <a:cxnSpLocks/>
+          </p:cNvCxnSpPr>
+          <p:nvPr/>
+        </p:nvCxnSpPr>
+        <p:spPr>
+          <a:xfrm flipV="1">
+            <a:off x="3488505" y="3559135"/>
+            <a:ext cx="1564094" cy="727261"/>
+          </a:xfrm>
+          <a:prstGeom prst="straightConnector1">
+            <a:avLst/>
+          </a:prstGeom>
+          <a:ln w="12700">
+            <a:solidFill>
+              <a:srgbClr val="00B050"/>
+            </a:solidFill>
+            <a:prstDash val="sysDot"/>
+            <a:tailEnd type="triangle"/>
+          </a:ln>
+        </p:spPr>
+        <p:style>
+          <a:lnRef idx="1">
+            <a:schemeClr val="accent1"/>
+          </a:lnRef>
+          <a:fillRef idx="0">
+            <a:schemeClr val="accent1"/>
+          </a:fillRef>
+          <a:effectRef idx="0">
+            <a:schemeClr val="accent1"/>
+          </a:effectRef>
+          <a:fontRef idx="minor">
+            <a:schemeClr val="tx1"/>
+          </a:fontRef>
+        </p:style>
+      </p:cxnSp>
+      <p:cxnSp>
+        <p:nvCxnSpPr>
+          <p:cNvPr id="54" name="Connecteur droit avec flèche 53">
+            <a:extLst>
+              <a:ext uri="{FF2B5EF4-FFF2-40B4-BE49-F238E27FC236}">
+                <a16:creationId xmlns:a16="http://schemas.microsoft.com/office/drawing/2014/main" id="{B12555E8-1159-4720-BB85-4E739B7CB25A}"/>
+              </a:ext>
+            </a:extLst>
+          </p:cNvPr>
+          <p:cNvCxnSpPr>
+            <a:cxnSpLocks/>
+          </p:cNvCxnSpPr>
+          <p:nvPr/>
+        </p:nvCxnSpPr>
+        <p:spPr>
+          <a:xfrm rot="-5400000">
+            <a:off x="5544248" y="2262557"/>
+            <a:ext cx="0" cy="1005840"/>
+          </a:xfrm>
+          <a:prstGeom prst="straightConnector1">
+            <a:avLst/>
+          </a:prstGeom>
+          <a:ln w="38100">
+            <a:solidFill>
+              <a:schemeClr val="tx1"/>
+            </a:solidFill>
+            <a:tailEnd type="triangle"/>
+          </a:ln>
+        </p:spPr>
+        <p:style>
+          <a:lnRef idx="1">
+            <a:schemeClr val="accent1"/>
+          </a:lnRef>
+          <a:fillRef idx="0">
+            <a:schemeClr val="accent1"/>
+          </a:fillRef>
+          <a:effectRef idx="0">
+            <a:schemeClr val="accent1"/>
+          </a:effectRef>
+          <a:fontRef idx="minor">
+            <a:schemeClr val="tx1"/>
+          </a:fontRef>
+        </p:style>
+      </p:cxnSp>
+      <p:sp>
+        <p:nvSpPr>
+          <p:cNvPr id="55" name="Rectangle : coins arrondis 54">
+            <a:extLst>
+              <a:ext uri="{FF2B5EF4-FFF2-40B4-BE49-F238E27FC236}">
+                <a16:creationId xmlns:a16="http://schemas.microsoft.com/office/drawing/2014/main" id="{732907F6-7693-4B8E-B5B6-A42B8A5BC633}"/>
+              </a:ext>
+            </a:extLst>
+          </p:cNvPr>
+          <p:cNvSpPr/>
+          <p:nvPr/>
+        </p:nvSpPr>
+        <p:spPr>
+          <a:xfrm>
+            <a:off x="5052599" y="2416949"/>
+            <a:ext cx="979052" cy="1217412"/>
+          </a:xfrm>
+          <a:prstGeom prst="roundRect">
+            <a:avLst/>
+          </a:prstGeom>
+          <a:noFill/>
+          <a:ln>
+            <a:solidFill>
+              <a:srgbClr val="00B050"/>
+            </a:solidFill>
+            <a:prstDash val="sysDot"/>
+          </a:ln>
+        </p:spPr>
+        <p:style>
+          <a:lnRef idx="2">
+            <a:schemeClr val="accent1">
+              <a:shade val="50000"/>
+            </a:schemeClr>
+          </a:lnRef>
+          <a:fillRef idx="1">
+            <a:schemeClr val="accent1"/>
+          </a:fillRef>
+          <a:effectRef idx="0">
+            <a:schemeClr val="accent1"/>
+          </a:effectRef>
+          <a:fontRef idx="minor">
+            <a:schemeClr val="lt1"/>
+          </a:fontRef>
+        </p:style>
+        <p:txBody>
+          <a:bodyPr rtlCol="0" anchor="ctr"/>
+          <a:lstStyle/>
+          <a:p>
+            <a:pPr algn="ctr"/>
+            <a:endParaRPr lang="en-US"/>
+          </a:p>
+        </p:txBody>
+      </p:sp>
+      <p:sp>
+        <p:nvSpPr>
+          <p:cNvPr id="6" name="Rectangle 5">
+            <a:extLst>
+              <a:ext uri="{FF2B5EF4-FFF2-40B4-BE49-F238E27FC236}">
+                <a16:creationId xmlns:a16="http://schemas.microsoft.com/office/drawing/2014/main" id="{39ECA70F-28A6-4A5D-A76C-54D5FB79A138}"/>
+              </a:ext>
+            </a:extLst>
+          </p:cNvPr>
+          <p:cNvSpPr/>
+          <p:nvPr/>
+        </p:nvSpPr>
+        <p:spPr>
+          <a:xfrm>
+            <a:off x="6071323" y="2600659"/>
+            <a:ext cx="1156086" cy="369332"/>
+          </a:xfrm>
+          <a:prstGeom prst="rect">
+            <a:avLst/>
+          </a:prstGeom>
+        </p:spPr>
+        <p:txBody>
+          <a:bodyPr wrap="none">
+            <a:spAutoFit/>
+          </a:bodyPr>
+          <a:lstStyle/>
+          <a:p>
+            <a:pPr algn="ctr"/>
+            <a:r>
+              <a:rPr lang="en-US" b="1" dirty="0"/>
+              <a:t>MS1+MS2</a:t>
+            </a:r>
+          </a:p>
+        </p:txBody>
+      </p:sp>
+      <p:cxnSp>
+        <p:nvCxnSpPr>
+          <p:cNvPr id="58" name="Connecteur droit avec flèche 57">
+            <a:extLst>
+              <a:ext uri="{FF2B5EF4-FFF2-40B4-BE49-F238E27FC236}">
+                <a16:creationId xmlns:a16="http://schemas.microsoft.com/office/drawing/2014/main" id="{4971909E-65F6-40C5-AD69-51EABB874044}"/>
+              </a:ext>
+            </a:extLst>
+          </p:cNvPr>
+          <p:cNvCxnSpPr>
+            <a:cxnSpLocks/>
+          </p:cNvCxnSpPr>
+          <p:nvPr/>
+        </p:nvCxnSpPr>
+        <p:spPr>
+          <a:xfrm rot="-5400000">
+            <a:off x="3506365" y="4344650"/>
+            <a:ext cx="0" cy="731520"/>
+          </a:xfrm>
+          <a:prstGeom prst="straightConnector1">
+            <a:avLst/>
+          </a:prstGeom>
+          <a:ln w="38100">
+            <a:solidFill>
+              <a:schemeClr val="tx1"/>
+            </a:solidFill>
+            <a:tailEnd type="triangle"/>
+          </a:ln>
+        </p:spPr>
+        <p:style>
+          <a:lnRef idx="1">
+            <a:schemeClr val="accent1"/>
+          </a:lnRef>
+          <a:fillRef idx="0">
+            <a:schemeClr val="accent1"/>
+          </a:fillRef>
+          <a:effectRef idx="0">
+            <a:schemeClr val="accent1"/>
+          </a:effectRef>
+          <a:fontRef idx="minor">
+            <a:schemeClr val="tx1"/>
+          </a:fontRef>
+        </p:style>
+      </p:cxnSp>
+      <p:cxnSp>
+        <p:nvCxnSpPr>
+          <p:cNvPr id="15" name="Connecteur droit 14">
+            <a:extLst>
+              <a:ext uri="{FF2B5EF4-FFF2-40B4-BE49-F238E27FC236}">
+                <a16:creationId xmlns:a16="http://schemas.microsoft.com/office/drawing/2014/main" id="{3F2A4674-6C96-4F2C-BC5C-84279CD64A73}"/>
+              </a:ext>
+            </a:extLst>
+          </p:cNvPr>
+          <p:cNvCxnSpPr/>
+          <p:nvPr/>
+        </p:nvCxnSpPr>
+        <p:spPr>
+          <a:xfrm>
+            <a:off x="3488505" y="4068746"/>
+            <a:ext cx="0" cy="457116"/>
+          </a:xfrm>
+          <a:prstGeom prst="line">
+            <a:avLst/>
+          </a:prstGeom>
+          <a:ln>
+            <a:solidFill>
+              <a:srgbClr val="00B050"/>
+            </a:solidFill>
+          </a:ln>
+        </p:spPr>
+        <p:style>
+          <a:lnRef idx="1">
+            <a:schemeClr val="accent1"/>
+          </a:lnRef>
+          <a:fillRef idx="0">
+            <a:schemeClr val="accent1"/>
+          </a:fillRef>
+          <a:effectRef idx="0">
+            <a:schemeClr val="accent1"/>
+          </a:effectRef>
+          <a:fontRef idx="minor">
+            <a:schemeClr val="tx1"/>
+          </a:fontRef>
+        </p:style>
+      </p:cxnSp>
+      <p:sp>
+        <p:nvSpPr>
+          <p:cNvPr id="59" name="Rectangle 58">
+            <a:extLst>
+              <a:ext uri="{FF2B5EF4-FFF2-40B4-BE49-F238E27FC236}">
+                <a16:creationId xmlns:a16="http://schemas.microsoft.com/office/drawing/2014/main" id="{CE55A4E5-11BF-42B7-ADBC-B121FA08139F}"/>
+              </a:ext>
+            </a:extLst>
+          </p:cNvPr>
+          <p:cNvSpPr/>
+          <p:nvPr/>
+        </p:nvSpPr>
+        <p:spPr>
+          <a:xfrm>
+            <a:off x="3547921" y="4357759"/>
+            <a:ext cx="2152213" cy="646331"/>
+          </a:xfrm>
+          <a:prstGeom prst="rect">
+            <a:avLst/>
+          </a:prstGeom>
+        </p:spPr>
+        <p:txBody>
+          <a:bodyPr wrap="square">
+            <a:spAutoFit/>
+          </a:bodyPr>
+          <a:lstStyle/>
+          <a:p>
+            <a:pPr algn="ctr"/>
+            <a:r>
+              <a:rPr lang="en-US" b="1" i="1" dirty="0" err="1">
+                <a:solidFill>
+                  <a:srgbClr val="FF0000"/>
+                </a:solidFill>
+              </a:rPr>
+              <a:t>Struc_retrieval</a:t>
+            </a:r>
+            <a:r>
+              <a:rPr lang="en-US" b="1" i="1" dirty="0">
+                <a:solidFill>
+                  <a:srgbClr val="FF0000"/>
+                </a:solidFill>
+              </a:rPr>
+              <a:t>()</a:t>
+            </a:r>
+          </a:p>
+          <a:p>
+            <a:pPr algn="ctr"/>
+            <a:r>
+              <a:rPr lang="en-US" sz="1200" dirty="0">
+                <a:solidFill>
+                  <a:srgbClr val="FF0000"/>
+                </a:solidFill>
+              </a:rPr>
+              <a:t>Rate project</a:t>
+            </a:r>
+            <a:r>
+              <a:rPr lang="en-US" dirty="0">
+                <a:solidFill>
+                  <a:srgbClr val="FF0000"/>
+                </a:solidFill>
+              </a:rPr>
+              <a:t> </a:t>
+            </a:r>
+            <a:r>
+              <a:rPr lang="en-US" sz="1200" dirty="0">
+                <a:solidFill>
+                  <a:srgbClr val="FF0000"/>
+                </a:solidFill>
+              </a:rPr>
+              <a:t>(Ronald)</a:t>
+            </a:r>
+          </a:p>
+        </p:txBody>
+      </p:sp>
+      <p:cxnSp>
+        <p:nvCxnSpPr>
+          <p:cNvPr id="63" name="Connecteur droit avec flèche 62">
+            <a:extLst>
+              <a:ext uri="{FF2B5EF4-FFF2-40B4-BE49-F238E27FC236}">
+                <a16:creationId xmlns:a16="http://schemas.microsoft.com/office/drawing/2014/main" id="{B472064F-3A18-4437-87C9-6C2213D7FC5C}"/>
+              </a:ext>
+            </a:extLst>
+          </p:cNvPr>
+          <p:cNvCxnSpPr>
+            <a:cxnSpLocks/>
+          </p:cNvCxnSpPr>
+          <p:nvPr/>
+        </p:nvCxnSpPr>
+        <p:spPr>
+          <a:xfrm rot="-5400000">
+            <a:off x="5735845" y="4343548"/>
+            <a:ext cx="0" cy="731520"/>
+          </a:xfrm>
+          <a:prstGeom prst="straightConnector1">
+            <a:avLst/>
+          </a:prstGeom>
+          <a:ln w="38100">
+            <a:solidFill>
+              <a:schemeClr val="tx1"/>
+            </a:solidFill>
+            <a:tailEnd type="triangle"/>
+          </a:ln>
+        </p:spPr>
+        <p:style>
+          <a:lnRef idx="1">
+            <a:schemeClr val="accent1"/>
+          </a:lnRef>
+          <a:fillRef idx="0">
+            <a:schemeClr val="accent1"/>
+          </a:fillRef>
+          <a:effectRef idx="0">
+            <a:schemeClr val="accent1"/>
+          </a:effectRef>
+          <a:fontRef idx="minor">
+            <a:schemeClr val="tx1"/>
+          </a:fontRef>
+        </p:style>
+      </p:cxnSp>
+      <p:sp>
+        <p:nvSpPr>
+          <p:cNvPr id="66" name="Rectangle 65">
+            <a:extLst>
+              <a:ext uri="{FF2B5EF4-FFF2-40B4-BE49-F238E27FC236}">
+                <a16:creationId xmlns:a16="http://schemas.microsoft.com/office/drawing/2014/main" id="{EFDF0391-C461-4F8E-AD66-26D64B63C3A5}"/>
+              </a:ext>
+            </a:extLst>
+          </p:cNvPr>
+          <p:cNvSpPr/>
+          <p:nvPr/>
+        </p:nvSpPr>
+        <p:spPr>
+          <a:xfrm>
+            <a:off x="6089878" y="3186602"/>
+            <a:ext cx="1211056" cy="646331"/>
+          </a:xfrm>
+          <a:prstGeom prst="rect">
+            <a:avLst/>
+          </a:prstGeom>
+        </p:spPr>
+        <p:txBody>
+          <a:bodyPr wrap="square">
+            <a:spAutoFit/>
+          </a:bodyPr>
+          <a:lstStyle/>
+          <a:p>
+            <a:pPr lvl="0" eaLnBrk="0" fontAlgn="base" hangingPunct="0">
+              <a:spcBef>
+                <a:spcPct val="0"/>
+              </a:spcBef>
+              <a:spcAft>
+                <a:spcPct val="0"/>
+              </a:spcAft>
+            </a:pPr>
+            <a:r>
+              <a:rPr lang="en-US" altLang="en-US" b="1" dirty="0">
+                <a:solidFill>
+                  <a:srgbClr val="000000"/>
+                </a:solidFill>
+                <a:latin typeface="Calibri" panose="020F0502020204030204" pitchFamily="34" charset="0"/>
+                <a:cs typeface="Calibri" panose="020F0502020204030204" pitchFamily="34" charset="0"/>
+              </a:rPr>
+              <a:t>Updated metadata</a:t>
+            </a:r>
+            <a:endParaRPr lang="en-US" altLang="en-US" dirty="0">
+              <a:solidFill>
+                <a:srgbClr val="000000"/>
+              </a:solidFill>
+              <a:latin typeface="Calibri" panose="020F0502020204030204" pitchFamily="34" charset="0"/>
+              <a:cs typeface="Calibri" panose="020F0502020204030204" pitchFamily="34" charset="0"/>
+            </a:endParaRPr>
+          </a:p>
+        </p:txBody>
+      </p:sp>
+      <p:sp>
+        <p:nvSpPr>
+          <p:cNvPr id="21" name="Accolade fermante 20">
+            <a:extLst>
+              <a:ext uri="{FF2B5EF4-FFF2-40B4-BE49-F238E27FC236}">
+                <a16:creationId xmlns:a16="http://schemas.microsoft.com/office/drawing/2014/main" id="{1CC33C39-1715-4693-9F8C-D36CA50553DE}"/>
+              </a:ext>
+            </a:extLst>
+          </p:cNvPr>
+          <p:cNvSpPr/>
+          <p:nvPr/>
+        </p:nvSpPr>
+        <p:spPr>
+          <a:xfrm>
+            <a:off x="7348031" y="2206298"/>
+            <a:ext cx="148214" cy="1428064"/>
+          </a:xfrm>
+          <a:prstGeom prst="rightBrace">
+            <a:avLst/>
+          </a:prstGeom>
+          <a:ln w="28575">
+            <a:solidFill>
+              <a:schemeClr val="tx1"/>
+            </a:solidFill>
+          </a:ln>
+        </p:spPr>
+        <p:style>
+          <a:lnRef idx="1">
+            <a:schemeClr val="accent1"/>
+          </a:lnRef>
+          <a:fillRef idx="0">
+            <a:schemeClr val="accent1"/>
+          </a:fillRef>
+          <a:effectRef idx="0">
+            <a:schemeClr val="accent1"/>
+          </a:effectRef>
+          <a:fontRef idx="minor">
+            <a:schemeClr val="tx1"/>
+          </a:fontRef>
+        </p:style>
+        <p:txBody>
+          <a:bodyPr rtlCol="0" anchor="ctr"/>
+          <a:lstStyle/>
+          <a:p>
+            <a:pPr algn="ctr"/>
+            <a:endParaRPr lang="en-US"/>
+          </a:p>
+        </p:txBody>
+      </p:sp>
+      <p:cxnSp>
+        <p:nvCxnSpPr>
+          <p:cNvPr id="69" name="Connecteur droit avec flèche 68">
+            <a:extLst>
+              <a:ext uri="{FF2B5EF4-FFF2-40B4-BE49-F238E27FC236}">
+                <a16:creationId xmlns:a16="http://schemas.microsoft.com/office/drawing/2014/main" id="{74A44C6C-57B7-4001-95F7-8FF9EC8076C2}"/>
+              </a:ext>
+            </a:extLst>
+          </p:cNvPr>
+          <p:cNvCxnSpPr>
+            <a:cxnSpLocks/>
+          </p:cNvCxnSpPr>
+          <p:nvPr/>
+        </p:nvCxnSpPr>
+        <p:spPr>
+          <a:xfrm>
+            <a:off x="5052974" y="2765477"/>
+            <a:ext cx="994194" cy="698425"/>
+          </a:xfrm>
+          <a:prstGeom prst="straightConnector1">
+            <a:avLst/>
+          </a:prstGeom>
+          <a:ln w="38100">
+            <a:solidFill>
+              <a:schemeClr val="tx1"/>
+            </a:solidFill>
+            <a:tailEnd type="triangle"/>
+          </a:ln>
+        </p:spPr>
+        <p:style>
+          <a:lnRef idx="1">
+            <a:schemeClr val="accent1"/>
+          </a:lnRef>
+          <a:fillRef idx="0">
+            <a:schemeClr val="accent1"/>
+          </a:fillRef>
+          <a:effectRef idx="0">
+            <a:schemeClr val="accent1"/>
+          </a:effectRef>
+          <a:fontRef idx="minor">
+            <a:schemeClr val="tx1"/>
+          </a:fontRef>
+        </p:style>
+      </p:cxnSp>
+      <p:sp>
+        <p:nvSpPr>
+          <p:cNvPr id="71" name="Rectangle 70">
+            <a:extLst>
+              <a:ext uri="{FF2B5EF4-FFF2-40B4-BE49-F238E27FC236}">
+                <a16:creationId xmlns:a16="http://schemas.microsoft.com/office/drawing/2014/main" id="{0328FF6C-BCEF-499D-940D-1DE5DE6F0AAD}"/>
+              </a:ext>
+            </a:extLst>
+          </p:cNvPr>
+          <p:cNvSpPr/>
+          <p:nvPr/>
+        </p:nvSpPr>
+        <p:spPr>
+          <a:xfrm>
+            <a:off x="6104330" y="4525455"/>
+            <a:ext cx="1535801" cy="369332"/>
+          </a:xfrm>
+          <a:prstGeom prst="rect">
+            <a:avLst/>
+          </a:prstGeom>
+        </p:spPr>
+        <p:txBody>
+          <a:bodyPr wrap="square">
+            <a:spAutoFit/>
+          </a:bodyPr>
+          <a:lstStyle/>
+          <a:p>
+            <a:pPr lvl="0" eaLnBrk="0" fontAlgn="base" hangingPunct="0">
+              <a:spcBef>
+                <a:spcPct val="0"/>
+              </a:spcBef>
+              <a:spcAft>
+                <a:spcPct val="0"/>
+              </a:spcAft>
+            </a:pPr>
+            <a:r>
+              <a:rPr lang="en-US" altLang="en-US" b="1" dirty="0">
+                <a:solidFill>
+                  <a:srgbClr val="000000"/>
+                </a:solidFill>
+                <a:latin typeface="Calibri" panose="020F0502020204030204" pitchFamily="34" charset="0"/>
+                <a:cs typeface="Calibri" panose="020F0502020204030204" pitchFamily="34" charset="0"/>
+              </a:rPr>
+              <a:t>Smiles/INCHI</a:t>
+            </a:r>
+            <a:endParaRPr lang="en-US" altLang="en-US" dirty="0">
+              <a:solidFill>
+                <a:srgbClr val="000000"/>
+              </a:solidFill>
+              <a:latin typeface="Calibri" panose="020F0502020204030204" pitchFamily="34" charset="0"/>
+              <a:cs typeface="Calibri" panose="020F0502020204030204" pitchFamily="34" charset="0"/>
+            </a:endParaRPr>
+          </a:p>
+        </p:txBody>
+      </p:sp>
+      <p:cxnSp>
+        <p:nvCxnSpPr>
+          <p:cNvPr id="72" name="Connecteur droit avec flèche 71">
+            <a:extLst>
+              <a:ext uri="{FF2B5EF4-FFF2-40B4-BE49-F238E27FC236}">
+                <a16:creationId xmlns:a16="http://schemas.microsoft.com/office/drawing/2014/main" id="{992B6536-7771-4F6D-8BEE-EA33EEC34E42}"/>
+              </a:ext>
+            </a:extLst>
+          </p:cNvPr>
+          <p:cNvCxnSpPr>
+            <a:cxnSpLocks/>
+            <a:endCxn id="66" idx="2"/>
+          </p:cNvCxnSpPr>
+          <p:nvPr/>
+        </p:nvCxnSpPr>
+        <p:spPr>
+          <a:xfrm flipV="1">
+            <a:off x="6695406" y="3832933"/>
+            <a:ext cx="0" cy="691713"/>
+          </a:xfrm>
+          <a:prstGeom prst="straightConnector1">
+            <a:avLst/>
+          </a:prstGeom>
+          <a:ln w="38100">
+            <a:solidFill>
+              <a:schemeClr val="tx1"/>
+            </a:solidFill>
+            <a:tailEnd type="triangle"/>
+          </a:ln>
+        </p:spPr>
+        <p:style>
+          <a:lnRef idx="1">
+            <a:schemeClr val="accent1"/>
+          </a:lnRef>
+          <a:fillRef idx="0">
+            <a:schemeClr val="accent1"/>
+          </a:fillRef>
+          <a:effectRef idx="0">
+            <a:schemeClr val="accent1"/>
+          </a:effectRef>
+          <a:fontRef idx="minor">
+            <a:schemeClr val="tx1"/>
+          </a:fontRef>
+        </p:style>
+      </p:cxnSp>
+      <p:sp>
+        <p:nvSpPr>
+          <p:cNvPr id="25" name="Forme libre : forme 24">
+            <a:extLst>
+              <a:ext uri="{FF2B5EF4-FFF2-40B4-BE49-F238E27FC236}">
+                <a16:creationId xmlns:a16="http://schemas.microsoft.com/office/drawing/2014/main" id="{3A3EC69A-D821-46AD-86B9-3D83BB80F2CD}"/>
+              </a:ext>
+            </a:extLst>
+          </p:cNvPr>
+          <p:cNvSpPr/>
+          <p:nvPr/>
+        </p:nvSpPr>
+        <p:spPr>
+          <a:xfrm>
+            <a:off x="7950973" y="1923551"/>
+            <a:ext cx="994439" cy="338554"/>
+          </a:xfrm>
+          <a:custGeom>
+            <a:avLst/>
+            <a:gdLst>
+              <a:gd name="connsiteX0" fmla="*/ 344745 w 1709067"/>
+              <a:gd name="connsiteY0" fmla="*/ 1201429 h 1229138"/>
+              <a:gd name="connsiteX1" fmla="*/ 86127 w 1709067"/>
+              <a:gd name="connsiteY1" fmla="*/ 259320 h 1229138"/>
+              <a:gd name="connsiteX2" fmla="*/ 1656309 w 1709067"/>
+              <a:gd name="connsiteY2" fmla="*/ 65356 h 1229138"/>
+              <a:gd name="connsiteX3" fmla="*/ 1185254 w 1709067"/>
+              <a:gd name="connsiteY3" fmla="*/ 1229138 h 1229138"/>
+            </a:gdLst>
+            <a:ahLst/>
+            <a:cxnLst>
+              <a:cxn ang="0">
+                <a:pos x="connsiteX0" y="connsiteY0"/>
+              </a:cxn>
+              <a:cxn ang="0">
+                <a:pos x="connsiteX1" y="connsiteY1"/>
+              </a:cxn>
+              <a:cxn ang="0">
+                <a:pos x="connsiteX2" y="connsiteY2"/>
+              </a:cxn>
+              <a:cxn ang="0">
+                <a:pos x="connsiteX3" y="connsiteY3"/>
+              </a:cxn>
+            </a:cxnLst>
+            <a:rect l="l" t="t" r="r" b="b"/>
+            <a:pathLst>
+              <a:path w="1709067" h="1229138">
+                <a:moveTo>
+                  <a:pt x="344745" y="1201429"/>
+                </a:moveTo>
+                <a:cubicBezTo>
+                  <a:pt x="106139" y="825047"/>
+                  <a:pt x="-132467" y="448665"/>
+                  <a:pt x="86127" y="259320"/>
+                </a:cubicBezTo>
+                <a:cubicBezTo>
+                  <a:pt x="304721" y="69975"/>
+                  <a:pt x="1473121" y="-96280"/>
+                  <a:pt x="1656309" y="65356"/>
+                </a:cubicBezTo>
+                <a:cubicBezTo>
+                  <a:pt x="1839497" y="226992"/>
+                  <a:pt x="1512375" y="728065"/>
+                  <a:pt x="1185254" y="1229138"/>
+                </a:cubicBezTo>
+              </a:path>
+            </a:pathLst>
+          </a:custGeom>
+          <a:noFill/>
+          <a:ln w="28575">
+            <a:solidFill>
+              <a:schemeClr val="tx1"/>
+            </a:solidFill>
+            <a:headEnd type="none" w="med" len="med"/>
+            <a:tailEnd type="arrow" w="med" len="med"/>
+          </a:ln>
+        </p:spPr>
+        <p:style>
+          <a:lnRef idx="2">
+            <a:schemeClr val="accent1">
+              <a:shade val="50000"/>
+            </a:schemeClr>
+          </a:lnRef>
+          <a:fillRef idx="1">
+            <a:schemeClr val="accent1"/>
+          </a:fillRef>
+          <a:effectRef idx="0">
+            <a:schemeClr val="accent1"/>
+          </a:effectRef>
+          <a:fontRef idx="minor">
+            <a:schemeClr val="lt1"/>
+          </a:fontRef>
+        </p:style>
+        <p:txBody>
+          <a:bodyPr rtlCol="0" anchor="ctr"/>
+          <a:lstStyle/>
+          <a:p>
+            <a:pPr algn="ctr"/>
+            <a:endParaRPr lang="en-US"/>
+          </a:p>
+        </p:txBody>
+      </p:sp>
+      <p:sp>
+        <p:nvSpPr>
+          <p:cNvPr id="73" name="ZoneTexte 72">
+            <a:extLst>
+              <a:ext uri="{FF2B5EF4-FFF2-40B4-BE49-F238E27FC236}">
+                <a16:creationId xmlns:a16="http://schemas.microsoft.com/office/drawing/2014/main" id="{0D22CBEC-F26D-4960-B9D9-0B61BA08E060}"/>
+              </a:ext>
+            </a:extLst>
+          </p:cNvPr>
+          <p:cNvSpPr txBox="1"/>
+          <p:nvPr/>
+        </p:nvSpPr>
+        <p:spPr>
+          <a:xfrm>
+            <a:off x="8102145" y="516908"/>
+            <a:ext cx="2892463" cy="800219"/>
+          </a:xfrm>
+          <a:prstGeom prst="rect">
+            <a:avLst/>
+          </a:prstGeom>
+          <a:noFill/>
+        </p:spPr>
+        <p:txBody>
+          <a:bodyPr wrap="square" rtlCol="0">
+            <a:spAutoFit/>
+          </a:bodyPr>
+          <a:lstStyle/>
+          <a:p>
+            <a:pPr algn="ctr"/>
+            <a:r>
+              <a:rPr lang="en-US" b="1" i="1" dirty="0" err="1">
+                <a:solidFill>
+                  <a:srgbClr val="00B050"/>
+                </a:solidFill>
+              </a:rPr>
+              <a:t>library_manager</a:t>
+            </a:r>
+            <a:r>
+              <a:rPr lang="en-US" b="1" i="1" dirty="0">
+                <a:solidFill>
+                  <a:srgbClr val="00B050"/>
+                </a:solidFill>
+              </a:rPr>
+              <a:t>()</a:t>
+            </a:r>
+          </a:p>
+          <a:p>
+            <a:pPr algn="ctr"/>
+            <a:r>
+              <a:rPr lang="en-US" sz="1400" dirty="0"/>
+              <a:t>Query one or more metadata</a:t>
+            </a:r>
+          </a:p>
+          <a:p>
+            <a:pPr algn="ctr"/>
+            <a:r>
+              <a:rPr lang="en-US" sz="1400" dirty="0"/>
+              <a:t> simple fragment search</a:t>
+            </a:r>
+          </a:p>
+        </p:txBody>
+      </p:sp>
+      <p:cxnSp>
+        <p:nvCxnSpPr>
+          <p:cNvPr id="75" name="Connecteur droit avec flèche 74">
+            <a:extLst>
+              <a:ext uri="{FF2B5EF4-FFF2-40B4-BE49-F238E27FC236}">
+                <a16:creationId xmlns:a16="http://schemas.microsoft.com/office/drawing/2014/main" id="{453238BA-A5F2-4AF8-A8DA-C60EF7E06A9D}"/>
+              </a:ext>
+            </a:extLst>
+          </p:cNvPr>
+          <p:cNvCxnSpPr>
+            <a:cxnSpLocks/>
+          </p:cNvCxnSpPr>
+          <p:nvPr/>
+        </p:nvCxnSpPr>
+        <p:spPr>
+          <a:xfrm flipH="1">
+            <a:off x="8341009" y="1312087"/>
+            <a:ext cx="416510" cy="443455"/>
+          </a:xfrm>
+          <a:prstGeom prst="straightConnector1">
+            <a:avLst/>
+          </a:prstGeom>
+          <a:ln w="38100">
+            <a:solidFill>
+              <a:schemeClr val="tx1"/>
+            </a:solidFill>
+            <a:tailEnd type="triangle"/>
+          </a:ln>
+        </p:spPr>
+        <p:style>
+          <a:lnRef idx="1">
+            <a:schemeClr val="accent1"/>
+          </a:lnRef>
+          <a:fillRef idx="0">
+            <a:schemeClr val="accent1"/>
+          </a:fillRef>
+          <a:effectRef idx="0">
+            <a:schemeClr val="accent1"/>
+          </a:effectRef>
+          <a:fontRef idx="minor">
+            <a:schemeClr val="tx1"/>
+          </a:fontRef>
+        </p:style>
+      </p:cxnSp>
+      <p:cxnSp>
+        <p:nvCxnSpPr>
+          <p:cNvPr id="77" name="Connecteur droit avec flèche 76">
+            <a:extLst>
+              <a:ext uri="{FF2B5EF4-FFF2-40B4-BE49-F238E27FC236}">
+                <a16:creationId xmlns:a16="http://schemas.microsoft.com/office/drawing/2014/main" id="{5A224EB8-0B22-4040-8B80-0162558FC24B}"/>
+              </a:ext>
+            </a:extLst>
+          </p:cNvPr>
+          <p:cNvCxnSpPr>
+            <a:cxnSpLocks/>
+          </p:cNvCxnSpPr>
+          <p:nvPr/>
+        </p:nvCxnSpPr>
+        <p:spPr>
+          <a:xfrm>
+            <a:off x="10502585" y="1317274"/>
+            <a:ext cx="364956" cy="433079"/>
+          </a:xfrm>
+          <a:prstGeom prst="straightConnector1">
+            <a:avLst/>
+          </a:prstGeom>
+          <a:ln w="38100">
+            <a:solidFill>
+              <a:schemeClr val="tx1"/>
+            </a:solidFill>
+            <a:tailEnd type="triangle"/>
+          </a:ln>
+        </p:spPr>
+        <p:style>
+          <a:lnRef idx="1">
+            <a:schemeClr val="accent1"/>
+          </a:lnRef>
+          <a:fillRef idx="0">
+            <a:schemeClr val="accent1"/>
+          </a:fillRef>
+          <a:effectRef idx="0">
+            <a:schemeClr val="accent1"/>
+          </a:effectRef>
+          <a:fontRef idx="minor">
+            <a:schemeClr val="tx1"/>
+          </a:fontRef>
+        </p:style>
+      </p:cxnSp>
+      <p:sp>
+        <p:nvSpPr>
+          <p:cNvPr id="78" name="Rectangle : coins arrondis 77">
+            <a:extLst>
+              <a:ext uri="{FF2B5EF4-FFF2-40B4-BE49-F238E27FC236}">
+                <a16:creationId xmlns:a16="http://schemas.microsoft.com/office/drawing/2014/main" id="{284554FF-9B91-4999-8632-D15073E7C9AA}"/>
+              </a:ext>
+            </a:extLst>
+          </p:cNvPr>
+          <p:cNvSpPr/>
+          <p:nvPr/>
+        </p:nvSpPr>
+        <p:spPr>
+          <a:xfrm>
+            <a:off x="9823868" y="3458322"/>
+            <a:ext cx="2152211" cy="1428064"/>
+          </a:xfrm>
+          <a:prstGeom prst="roundRect">
+            <a:avLst/>
+          </a:prstGeom>
+          <a:solidFill>
+            <a:schemeClr val="accent1">
+              <a:lumMod val="60000"/>
+              <a:lumOff val="40000"/>
+            </a:schemeClr>
+          </a:solidFill>
+        </p:spPr>
+        <p:style>
+          <a:lnRef idx="2">
+            <a:schemeClr val="accent1">
+              <a:shade val="50000"/>
+            </a:schemeClr>
+          </a:lnRef>
+          <a:fillRef idx="1">
+            <a:schemeClr val="accent1"/>
+          </a:fillRef>
+          <a:effectRef idx="0">
+            <a:schemeClr val="accent1"/>
+          </a:effectRef>
+          <a:fontRef idx="minor">
+            <a:schemeClr val="lt1"/>
+          </a:fontRef>
+        </p:style>
+        <p:txBody>
+          <a:bodyPr rtlCol="0" anchor="ctr"/>
+          <a:lstStyle/>
+          <a:p>
+            <a:pPr algn="ctr"/>
+            <a:endParaRPr lang="en-US" i="1" dirty="0">
+              <a:solidFill>
+                <a:srgbClr val="FF0000"/>
+              </a:solidFill>
+            </a:endParaRPr>
+          </a:p>
+          <a:p>
+            <a:pPr algn="ctr"/>
+            <a:r>
+              <a:rPr lang="en-US" b="1" i="1" dirty="0" err="1">
+                <a:solidFill>
+                  <a:srgbClr val="FF0000"/>
+                </a:solidFill>
+              </a:rPr>
+              <a:t>Library_statistics</a:t>
+            </a:r>
+            <a:r>
+              <a:rPr lang="en-US" b="1" i="1" dirty="0">
+                <a:solidFill>
+                  <a:srgbClr val="FF0000"/>
+                </a:solidFill>
+              </a:rPr>
+              <a:t>()</a:t>
+            </a:r>
+          </a:p>
+          <a:p>
+            <a:pPr marL="285750" indent="-285750">
+              <a:buFont typeface="Arial" panose="020B0604020202020204" pitchFamily="34" charset="0"/>
+              <a:buChar char="•"/>
+            </a:pPr>
+            <a:r>
+              <a:rPr lang="en-US" sz="1600" i="1" dirty="0" err="1">
+                <a:solidFill>
+                  <a:schemeClr val="tx1"/>
+                </a:solidFill>
+              </a:rPr>
+              <a:t>Nb</a:t>
+            </a:r>
+            <a:r>
+              <a:rPr lang="en-US" sz="1600" i="1" dirty="0">
+                <a:solidFill>
+                  <a:schemeClr val="tx1"/>
+                </a:solidFill>
+              </a:rPr>
+              <a:t> of compounds</a:t>
+            </a:r>
+          </a:p>
+          <a:p>
+            <a:pPr marL="285750" indent="-285750">
+              <a:buFont typeface="Arial" panose="020B0604020202020204" pitchFamily="34" charset="0"/>
+              <a:buChar char="•"/>
+            </a:pPr>
+            <a:r>
+              <a:rPr lang="en-US" sz="1600" i="1" dirty="0">
+                <a:solidFill>
+                  <a:schemeClr val="tx1"/>
+                </a:solidFill>
+              </a:rPr>
+              <a:t>Class prediction</a:t>
+            </a:r>
+          </a:p>
+          <a:p>
+            <a:pPr marL="285750" indent="-285750">
+              <a:buFont typeface="Arial" panose="020B0604020202020204" pitchFamily="34" charset="0"/>
+              <a:buChar char="•"/>
+            </a:pPr>
+            <a:r>
+              <a:rPr lang="en-US" sz="1600" i="1" dirty="0">
+                <a:solidFill>
+                  <a:schemeClr val="tx1"/>
+                </a:solidFill>
+              </a:rPr>
+              <a:t>Update history</a:t>
+            </a:r>
+          </a:p>
+          <a:p>
+            <a:pPr marL="285750" indent="-285750">
+              <a:buFont typeface="Arial" panose="020B0604020202020204" pitchFamily="34" charset="0"/>
+              <a:buChar char="•"/>
+            </a:pPr>
+            <a:r>
+              <a:rPr lang="en-US" sz="1600" i="1" dirty="0" err="1">
+                <a:solidFill>
+                  <a:schemeClr val="tx1"/>
+                </a:solidFill>
+              </a:rPr>
+              <a:t>Metadata_sum</a:t>
+            </a:r>
+            <a:endParaRPr lang="en-US" i="1" dirty="0">
+              <a:solidFill>
+                <a:schemeClr val="tx1"/>
+              </a:solidFill>
+            </a:endParaRPr>
+          </a:p>
+          <a:p>
+            <a:pPr algn="ctr"/>
+            <a:endParaRPr lang="en-US" i="1" dirty="0">
+              <a:solidFill>
+                <a:schemeClr val="tx1"/>
+              </a:solidFill>
+            </a:endParaRPr>
+          </a:p>
+        </p:txBody>
+      </p:sp>
+      <p:sp>
+        <p:nvSpPr>
+          <p:cNvPr id="30" name="Accolade ouvrante 29">
+            <a:extLst>
+              <a:ext uri="{FF2B5EF4-FFF2-40B4-BE49-F238E27FC236}">
+                <a16:creationId xmlns:a16="http://schemas.microsoft.com/office/drawing/2014/main" id="{048C429B-982D-4E4B-8CA1-EB9466B9BB2B}"/>
+              </a:ext>
+            </a:extLst>
+          </p:cNvPr>
+          <p:cNvSpPr/>
+          <p:nvPr/>
+        </p:nvSpPr>
+        <p:spPr>
+          <a:xfrm>
+            <a:off x="9400141" y="2403623"/>
+            <a:ext cx="259099" cy="1274819"/>
+          </a:xfrm>
+          <a:prstGeom prst="leftBrace">
+            <a:avLst/>
+          </a:prstGeom>
+          <a:ln w="19050">
+            <a:solidFill>
+              <a:schemeClr val="tx1"/>
+            </a:solidFill>
+          </a:ln>
+        </p:spPr>
+        <p:style>
+          <a:lnRef idx="1">
+            <a:schemeClr val="accent1"/>
+          </a:lnRef>
+          <a:fillRef idx="0">
+            <a:schemeClr val="accent1"/>
+          </a:fillRef>
+          <a:effectRef idx="0">
+            <a:schemeClr val="accent1"/>
+          </a:effectRef>
+          <a:fontRef idx="minor">
+            <a:schemeClr val="tx1"/>
+          </a:fontRef>
+        </p:style>
+        <p:txBody>
+          <a:bodyPr rtlCol="0" anchor="ctr"/>
+          <a:lstStyle/>
+          <a:p>
+            <a:pPr algn="ctr"/>
+            <a:endParaRPr lang="en-US" b="1" dirty="0"/>
+          </a:p>
+        </p:txBody>
+      </p:sp>
+      <p:sp>
+        <p:nvSpPr>
+          <p:cNvPr id="36" name="Rectangle 35">
+            <a:extLst>
+              <a:ext uri="{FF2B5EF4-FFF2-40B4-BE49-F238E27FC236}">
+                <a16:creationId xmlns:a16="http://schemas.microsoft.com/office/drawing/2014/main" id="{74C5E3FF-8AD4-4817-A72A-159B1DD587AD}"/>
+              </a:ext>
+            </a:extLst>
+          </p:cNvPr>
+          <p:cNvSpPr/>
+          <p:nvPr/>
+        </p:nvSpPr>
+        <p:spPr>
+          <a:xfrm>
+            <a:off x="3988509" y="5375276"/>
+            <a:ext cx="751937" cy="369332"/>
+          </a:xfrm>
+          <a:prstGeom prst="rect">
+            <a:avLst/>
+          </a:prstGeom>
+        </p:spPr>
+        <p:txBody>
+          <a:bodyPr wrap="none">
+            <a:spAutoFit/>
+          </a:bodyPr>
+          <a:lstStyle/>
+          <a:p>
+            <a:r>
+              <a:rPr lang="en-US" i="1" dirty="0" err="1"/>
+              <a:t>Devco</a:t>
+            </a:r>
+            <a:endParaRPr lang="en-US" dirty="0"/>
+          </a:p>
+        </p:txBody>
+      </p:sp>
+      <p:cxnSp>
+        <p:nvCxnSpPr>
+          <p:cNvPr id="81" name="Connecteur droit avec flèche 80">
+            <a:extLst>
+              <a:ext uri="{FF2B5EF4-FFF2-40B4-BE49-F238E27FC236}">
+                <a16:creationId xmlns:a16="http://schemas.microsoft.com/office/drawing/2014/main" id="{08012423-0591-4C31-B237-74AD4341FC6F}"/>
+              </a:ext>
+            </a:extLst>
+          </p:cNvPr>
+          <p:cNvCxnSpPr>
+            <a:cxnSpLocks/>
+          </p:cNvCxnSpPr>
+          <p:nvPr/>
+        </p:nvCxnSpPr>
+        <p:spPr>
+          <a:xfrm flipV="1">
+            <a:off x="4591372" y="4993530"/>
+            <a:ext cx="0" cy="457200"/>
+          </a:xfrm>
+          <a:prstGeom prst="straightConnector1">
+            <a:avLst/>
+          </a:prstGeom>
+          <a:ln w="19050">
+            <a:solidFill>
+              <a:schemeClr val="tx1"/>
+            </a:solidFill>
+            <a:prstDash val="sysDot"/>
+            <a:tailEnd type="triangle"/>
+          </a:ln>
+        </p:spPr>
+        <p:style>
+          <a:lnRef idx="1">
+            <a:schemeClr val="accent1"/>
+          </a:lnRef>
+          <a:fillRef idx="0">
+            <a:schemeClr val="accent1"/>
+          </a:fillRef>
+          <a:effectRef idx="0">
+            <a:schemeClr val="accent1"/>
+          </a:effectRef>
+          <a:fontRef idx="minor">
+            <a:schemeClr val="tx1"/>
+          </a:fontRef>
+        </p:style>
+      </p:cxnSp>
+      <p:sp>
+        <p:nvSpPr>
+          <p:cNvPr id="79" name="Rectangle 78">
+            <a:extLst>
+              <a:ext uri="{FF2B5EF4-FFF2-40B4-BE49-F238E27FC236}">
+                <a16:creationId xmlns:a16="http://schemas.microsoft.com/office/drawing/2014/main" id="{A03C4781-1877-4D5F-A557-7BE9D66ABB4C}"/>
+              </a:ext>
+            </a:extLst>
+          </p:cNvPr>
+          <p:cNvSpPr/>
+          <p:nvPr/>
+        </p:nvSpPr>
+        <p:spPr>
+          <a:xfrm>
+            <a:off x="4774217" y="970843"/>
+            <a:ext cx="1551707" cy="369332"/>
+          </a:xfrm>
+          <a:prstGeom prst="rect">
+            <a:avLst/>
+          </a:prstGeom>
+        </p:spPr>
+        <p:txBody>
+          <a:bodyPr wrap="none">
+            <a:spAutoFit/>
+          </a:bodyPr>
+          <a:lstStyle/>
+          <a:p>
+            <a:pPr lvl="0" algn="ctr" eaLnBrk="0" fontAlgn="base" hangingPunct="0">
+              <a:spcBef>
+                <a:spcPct val="0"/>
+              </a:spcBef>
+              <a:spcAft>
+                <a:spcPct val="0"/>
+              </a:spcAft>
+            </a:pPr>
+            <a:r>
+              <a:rPr lang="en-US" altLang="en-US" b="1" dirty="0" err="1">
+                <a:solidFill>
+                  <a:srgbClr val="000000"/>
+                </a:solidFill>
+                <a:latin typeface="Calibri" panose="020F0502020204030204" pitchFamily="34" charset="0"/>
+                <a:cs typeface="Calibri" panose="020F0502020204030204" pitchFamily="34" charset="0"/>
+              </a:rPr>
+              <a:t>Search_param</a:t>
+            </a:r>
+            <a:endParaRPr lang="en-US" altLang="en-US" b="1" dirty="0">
+              <a:solidFill>
+                <a:srgbClr val="000000"/>
+              </a:solidFill>
+              <a:latin typeface="Calibri" panose="020F0502020204030204" pitchFamily="34" charset="0"/>
+              <a:cs typeface="Calibri" panose="020F0502020204030204" pitchFamily="34" charset="0"/>
+            </a:endParaRPr>
+          </a:p>
+        </p:txBody>
+      </p:sp>
+      <p:cxnSp>
+        <p:nvCxnSpPr>
+          <p:cNvPr id="83" name="Connecteur droit avec flèche 82">
+            <a:extLst>
+              <a:ext uri="{FF2B5EF4-FFF2-40B4-BE49-F238E27FC236}">
+                <a16:creationId xmlns:a16="http://schemas.microsoft.com/office/drawing/2014/main" id="{A16F744A-7DE8-4C7F-B641-48086822BF0B}"/>
+              </a:ext>
+            </a:extLst>
+          </p:cNvPr>
+          <p:cNvCxnSpPr>
+            <a:cxnSpLocks/>
+          </p:cNvCxnSpPr>
+          <p:nvPr/>
+        </p:nvCxnSpPr>
+        <p:spPr>
+          <a:xfrm>
+            <a:off x="5542125" y="1356620"/>
+            <a:ext cx="0" cy="529815"/>
+          </a:xfrm>
+          <a:prstGeom prst="straightConnector1">
+            <a:avLst/>
+          </a:prstGeom>
+          <a:ln w="19050">
+            <a:solidFill>
+              <a:schemeClr val="tx1"/>
+            </a:solidFill>
+            <a:prstDash val="sysDot"/>
+            <a:tailEnd type="triangle"/>
+          </a:ln>
+        </p:spPr>
+        <p:style>
+          <a:lnRef idx="1">
+            <a:schemeClr val="accent1"/>
+          </a:lnRef>
+          <a:fillRef idx="0">
+            <a:schemeClr val="accent1"/>
+          </a:fillRef>
+          <a:effectRef idx="0">
+            <a:schemeClr val="accent1"/>
+          </a:effectRef>
+          <a:fontRef idx="minor">
+            <a:schemeClr val="tx1"/>
+          </a:fontRef>
+        </p:style>
+      </p:cxnSp>
+      <p:pic>
+        <p:nvPicPr>
+          <p:cNvPr id="82" name="Image 81">
+            <a:extLst>
+              <a:ext uri="{FF2B5EF4-FFF2-40B4-BE49-F238E27FC236}">
+                <a16:creationId xmlns:a16="http://schemas.microsoft.com/office/drawing/2014/main" id="{C3218754-31A8-4ECB-8DE7-E22B33ABCEDE}"/>
+              </a:ext>
+            </a:extLst>
+          </p:cNvPr>
+          <p:cNvPicPr>
+            <a:picLocks noChangeAspect="1"/>
+          </p:cNvPicPr>
+          <p:nvPr/>
+        </p:nvPicPr>
+        <p:blipFill>
+          <a:blip r:embed="rId3"/>
+          <a:stretch>
+            <a:fillRect/>
+          </a:stretch>
+        </p:blipFill>
+        <p:spPr>
+          <a:xfrm>
+            <a:off x="4713782" y="5379349"/>
+            <a:ext cx="499796" cy="515074"/>
+          </a:xfrm>
+          <a:prstGeom prst="rect">
+            <a:avLst/>
+          </a:prstGeom>
+        </p:spPr>
+      </p:pic>
+      <p:sp>
+        <p:nvSpPr>
+          <p:cNvPr id="2" name="Ellipse 1">
+            <a:extLst>
+              <a:ext uri="{FF2B5EF4-FFF2-40B4-BE49-F238E27FC236}">
+                <a16:creationId xmlns:a16="http://schemas.microsoft.com/office/drawing/2014/main" id="{3EE10E1E-5353-40EA-98D4-221655D95936}"/>
+              </a:ext>
+            </a:extLst>
+          </p:cNvPr>
+          <p:cNvSpPr/>
+          <p:nvPr/>
+        </p:nvSpPr>
+        <p:spPr>
+          <a:xfrm>
+            <a:off x="581801" y="2086590"/>
+            <a:ext cx="1204828" cy="1591852"/>
+          </a:xfrm>
+          <a:prstGeom prst="ellipse">
+            <a:avLst/>
+          </a:prstGeom>
+          <a:noFill/>
+          <a:ln w="38100">
+            <a:solidFill>
+              <a:srgbClr val="FFC000"/>
+            </a:solidFill>
+            <a:prstDash val="dash"/>
+          </a:ln>
+        </p:spPr>
+        <p:style>
+          <a:lnRef idx="2">
+            <a:schemeClr val="accent1">
+              <a:shade val="50000"/>
+            </a:schemeClr>
+          </a:lnRef>
+          <a:fillRef idx="1">
+            <a:schemeClr val="accent1"/>
+          </a:fillRef>
+          <a:effectRef idx="0">
+            <a:schemeClr val="accent1"/>
+          </a:effectRef>
+          <a:fontRef idx="minor">
+            <a:schemeClr val="lt1"/>
+          </a:fontRef>
+        </p:style>
+        <p:txBody>
+          <a:bodyPr rtlCol="0" anchor="ctr"/>
+          <a:lstStyle/>
+          <a:p>
+            <a:pPr algn="ctr"/>
+            <a:endParaRPr lang="en-US"/>
+          </a:p>
+        </p:txBody>
+      </p:sp>
+      <p:sp>
+        <p:nvSpPr>
+          <p:cNvPr id="3" name="ZoneTexte 2">
+            <a:extLst>
+              <a:ext uri="{FF2B5EF4-FFF2-40B4-BE49-F238E27FC236}">
+                <a16:creationId xmlns:a16="http://schemas.microsoft.com/office/drawing/2014/main" id="{D96ACB4C-A6F0-4391-9E1C-64F1C2290DD9}"/>
+              </a:ext>
+            </a:extLst>
+          </p:cNvPr>
+          <p:cNvSpPr txBox="1"/>
+          <p:nvPr/>
+        </p:nvSpPr>
+        <p:spPr>
+          <a:xfrm>
+            <a:off x="720139" y="1689427"/>
+            <a:ext cx="812294" cy="400110"/>
+          </a:xfrm>
+          <a:prstGeom prst="rect">
+            <a:avLst/>
+          </a:prstGeom>
+          <a:noFill/>
+        </p:spPr>
+        <p:txBody>
+          <a:bodyPr wrap="square" rtlCol="0">
+            <a:spAutoFit/>
+          </a:bodyPr>
+          <a:lstStyle/>
+          <a:p>
+            <a:pPr algn="ctr"/>
+            <a:r>
+              <a:rPr lang="en-US" sz="2000" b="1" dirty="0">
+                <a:solidFill>
+                  <a:srgbClr val="FFC000"/>
+                </a:solidFill>
+              </a:rPr>
+              <a:t>Input</a:t>
+            </a:r>
+          </a:p>
+        </p:txBody>
+      </p:sp>
+      <p:sp>
+        <p:nvSpPr>
+          <p:cNvPr id="46" name="Ellipse 45">
+            <a:extLst>
+              <a:ext uri="{FF2B5EF4-FFF2-40B4-BE49-F238E27FC236}">
+                <a16:creationId xmlns:a16="http://schemas.microsoft.com/office/drawing/2014/main" id="{DF844A6F-A4BE-482B-8F27-7BB44BB6EE97}"/>
+              </a:ext>
+            </a:extLst>
+          </p:cNvPr>
+          <p:cNvSpPr/>
+          <p:nvPr/>
+        </p:nvSpPr>
+        <p:spPr>
+          <a:xfrm>
+            <a:off x="603827" y="4310487"/>
+            <a:ext cx="1204828" cy="1085931"/>
+          </a:xfrm>
+          <a:prstGeom prst="ellipse">
+            <a:avLst/>
+          </a:prstGeom>
+          <a:noFill/>
+          <a:ln w="38100">
+            <a:solidFill>
+              <a:srgbClr val="FFC000"/>
+            </a:solidFill>
+            <a:prstDash val="dash"/>
+          </a:ln>
+        </p:spPr>
+        <p:style>
+          <a:lnRef idx="2">
+            <a:schemeClr val="accent1">
+              <a:shade val="50000"/>
+            </a:schemeClr>
+          </a:lnRef>
+          <a:fillRef idx="1">
+            <a:schemeClr val="accent1"/>
+          </a:fillRef>
+          <a:effectRef idx="0">
+            <a:schemeClr val="accent1"/>
+          </a:effectRef>
+          <a:fontRef idx="minor">
+            <a:schemeClr val="lt1"/>
+          </a:fontRef>
+        </p:style>
+        <p:txBody>
+          <a:bodyPr rtlCol="0" anchor="ctr"/>
+          <a:lstStyle/>
+          <a:p>
+            <a:pPr algn="ctr"/>
+            <a:endParaRPr lang="en-US"/>
+          </a:p>
+        </p:txBody>
+      </p:sp>
+      <p:sp>
+        <p:nvSpPr>
+          <p:cNvPr id="47" name="ZoneTexte 46">
+            <a:extLst>
+              <a:ext uri="{FF2B5EF4-FFF2-40B4-BE49-F238E27FC236}">
+                <a16:creationId xmlns:a16="http://schemas.microsoft.com/office/drawing/2014/main" id="{158D625E-EFDA-464B-AFDD-FBB4FA95877F}"/>
+              </a:ext>
+            </a:extLst>
+          </p:cNvPr>
+          <p:cNvSpPr txBox="1"/>
+          <p:nvPr/>
+        </p:nvSpPr>
+        <p:spPr>
+          <a:xfrm>
+            <a:off x="716195" y="5396418"/>
+            <a:ext cx="812294" cy="400110"/>
+          </a:xfrm>
+          <a:prstGeom prst="rect">
+            <a:avLst/>
+          </a:prstGeom>
+          <a:noFill/>
+        </p:spPr>
+        <p:txBody>
+          <a:bodyPr wrap="square" rtlCol="0">
+            <a:spAutoFit/>
+          </a:bodyPr>
+          <a:lstStyle/>
+          <a:p>
+            <a:pPr algn="ctr"/>
+            <a:r>
+              <a:rPr lang="en-US" sz="2000" b="1" dirty="0">
+                <a:solidFill>
+                  <a:srgbClr val="FFC000"/>
+                </a:solidFill>
+              </a:rPr>
+              <a:t>Input</a:t>
+            </a:r>
+          </a:p>
+        </p:txBody>
+      </p:sp>
+      <p:sp>
+        <p:nvSpPr>
+          <p:cNvPr id="48" name="Ellipse 47">
+            <a:extLst>
+              <a:ext uri="{FF2B5EF4-FFF2-40B4-BE49-F238E27FC236}">
+                <a16:creationId xmlns:a16="http://schemas.microsoft.com/office/drawing/2014/main" id="{74C835E8-7807-4752-8BEC-EFD479728D63}"/>
+              </a:ext>
+            </a:extLst>
+          </p:cNvPr>
+          <p:cNvSpPr/>
+          <p:nvPr/>
+        </p:nvSpPr>
+        <p:spPr>
+          <a:xfrm>
+            <a:off x="7660804" y="2221953"/>
+            <a:ext cx="1561392" cy="1231055"/>
+          </a:xfrm>
+          <a:prstGeom prst="ellipse">
+            <a:avLst/>
+          </a:prstGeom>
+          <a:noFill/>
+          <a:ln w="38100">
+            <a:solidFill>
+              <a:srgbClr val="FFC000"/>
+            </a:solidFill>
+            <a:prstDash val="dash"/>
+          </a:ln>
+        </p:spPr>
+        <p:style>
+          <a:lnRef idx="2">
+            <a:schemeClr val="accent1">
+              <a:shade val="50000"/>
+            </a:schemeClr>
+          </a:lnRef>
+          <a:fillRef idx="1">
+            <a:schemeClr val="accent1"/>
+          </a:fillRef>
+          <a:effectRef idx="0">
+            <a:schemeClr val="accent1"/>
+          </a:effectRef>
+          <a:fontRef idx="minor">
+            <a:schemeClr val="lt1"/>
+          </a:fontRef>
+        </p:style>
+        <p:txBody>
+          <a:bodyPr rtlCol="0" anchor="ctr"/>
+          <a:lstStyle/>
+          <a:p>
+            <a:pPr algn="ctr"/>
+            <a:endParaRPr lang="en-US"/>
+          </a:p>
+        </p:txBody>
+      </p:sp>
+      <p:sp>
+        <p:nvSpPr>
+          <p:cNvPr id="4" name="Rectangle 3">
+            <a:extLst>
+              <a:ext uri="{FF2B5EF4-FFF2-40B4-BE49-F238E27FC236}">
+                <a16:creationId xmlns:a16="http://schemas.microsoft.com/office/drawing/2014/main" id="{6E2353E6-36FC-40E0-A55B-A971E35B4FCE}"/>
+              </a:ext>
+            </a:extLst>
+          </p:cNvPr>
+          <p:cNvSpPr/>
+          <p:nvPr/>
+        </p:nvSpPr>
+        <p:spPr>
+          <a:xfrm>
+            <a:off x="7638880" y="2652642"/>
+            <a:ext cx="1606851" cy="400110"/>
+          </a:xfrm>
+          <a:prstGeom prst="rect">
+            <a:avLst/>
+          </a:prstGeom>
+        </p:spPr>
+        <p:txBody>
+          <a:bodyPr wrap="none">
+            <a:spAutoFit/>
+          </a:bodyPr>
+          <a:lstStyle/>
+          <a:p>
+            <a:pPr algn="ctr"/>
+            <a:r>
+              <a:rPr lang="en-US" sz="2000" b="1" dirty="0" err="1">
+                <a:solidFill>
+                  <a:srgbClr val="FFC000"/>
+                </a:solidFill>
+              </a:rPr>
+              <a:t>Ouput</a:t>
+            </a:r>
+            <a:r>
+              <a:rPr lang="en-US" sz="2000" b="1" dirty="0">
+                <a:solidFill>
+                  <a:srgbClr val="FFC000"/>
+                </a:solidFill>
+              </a:rPr>
+              <a:t> library</a:t>
+            </a:r>
+          </a:p>
+        </p:txBody>
+      </p:sp>
+      <p:sp>
+        <p:nvSpPr>
+          <p:cNvPr id="56" name="Rectangle 55">
+            <a:extLst>
+              <a:ext uri="{FF2B5EF4-FFF2-40B4-BE49-F238E27FC236}">
+                <a16:creationId xmlns:a16="http://schemas.microsoft.com/office/drawing/2014/main" id="{D874971D-3A66-42B3-B888-D93F01CA7E27}"/>
+              </a:ext>
+            </a:extLst>
+          </p:cNvPr>
+          <p:cNvSpPr/>
+          <p:nvPr/>
+        </p:nvSpPr>
+        <p:spPr>
+          <a:xfrm>
+            <a:off x="7557211" y="1641955"/>
+            <a:ext cx="1781962" cy="338554"/>
+          </a:xfrm>
+          <a:prstGeom prst="rect">
+            <a:avLst/>
+          </a:prstGeom>
+        </p:spPr>
+        <p:txBody>
+          <a:bodyPr wrap="none">
+            <a:spAutoFit/>
+          </a:bodyPr>
+          <a:lstStyle/>
+          <a:p>
+            <a:pPr lvl="0" algn="ctr" eaLnBrk="0" fontAlgn="base" hangingPunct="0">
+              <a:spcBef>
+                <a:spcPct val="0"/>
+              </a:spcBef>
+              <a:spcAft>
+                <a:spcPct val="0"/>
+              </a:spcAft>
+            </a:pPr>
+            <a:r>
+              <a:rPr lang="en-US" altLang="en-US" sz="1600" b="1" dirty="0">
+                <a:solidFill>
+                  <a:srgbClr val="000000"/>
+                </a:solidFill>
+                <a:latin typeface="Calibri" panose="020F0502020204030204" pitchFamily="34" charset="0"/>
+                <a:cs typeface="Calibri" panose="020F0502020204030204" pitchFamily="34" charset="0"/>
+              </a:rPr>
+              <a:t>Remove unwanted</a:t>
+            </a:r>
+          </a:p>
         </p:txBody>
       </p:sp>
     </p:spTree>
     <p:extLst>
       <p:ext uri="{BB962C8B-B14F-4D97-AF65-F5344CB8AC3E}">
-        <p14:creationId xmlns:p14="http://schemas.microsoft.com/office/powerpoint/2010/main" val="1992802774"/>
+        <p14:creationId xmlns:p14="http://schemas.microsoft.com/office/powerpoint/2010/main" val="2895995029"/>
       </p:ext>
     </p:extLst>
   </p:cSld>
@@ -5388,34 +7913,94 @@
           <a:chExt cx="0" cy="0"/>
         </a:xfrm>
       </p:grpSpPr>
-      <p:sp>
-        <p:nvSpPr>
-          <p:cNvPr id="16" name="Rectangle 15">
-            <a:extLst>
-              <a:ext uri="{FF2B5EF4-FFF2-40B4-BE49-F238E27FC236}">
-                <a16:creationId xmlns:a16="http://schemas.microsoft.com/office/drawing/2014/main" id="{57B88F3A-E3F6-48F7-93D3-E246BB955D05}"/>
-              </a:ext>
-            </a:extLst>
-          </p:cNvPr>
-          <p:cNvSpPr/>
-          <p:nvPr/>
-        </p:nvSpPr>
-        <p:spPr>
-          <a:xfrm>
-            <a:off x="-1244209" y="886692"/>
-            <a:ext cx="14349425" cy="6061518"/>
+      <p:pic>
+        <p:nvPicPr>
+          <p:cNvPr id="4" name="Image 3">
+            <a:extLst>
+              <a:ext uri="{FF2B5EF4-FFF2-40B4-BE49-F238E27FC236}">
+                <a16:creationId xmlns:a16="http://schemas.microsoft.com/office/drawing/2014/main" id="{610CA675-FFE8-4B5B-86D7-7E335369991D}"/>
+              </a:ext>
+            </a:extLst>
+          </p:cNvPr>
+          <p:cNvPicPr>
+            <a:picLocks noChangeAspect="1"/>
+          </p:cNvPicPr>
+          <p:nvPr/>
+        </p:nvPicPr>
+        <p:blipFill rotWithShape="1">
+          <a:blip r:embed="rId2"/>
+          <a:srcRect t="1992" r="2879" b="6128"/>
+          <a:stretch/>
+        </p:blipFill>
+        <p:spPr>
+          <a:xfrm>
+            <a:off x="0" y="108920"/>
+            <a:ext cx="11841018" cy="6301115"/>
           </a:xfrm>
           <a:prstGeom prst="rect">
             <a:avLst/>
           </a:prstGeom>
-          <a:solidFill>
-            <a:schemeClr val="bg1"/>
-          </a:solidFill>
           <a:ln>
             <a:solidFill>
-              <a:schemeClr val="bg1"/>
+              <a:schemeClr val="tx1"/>
             </a:solidFill>
           </a:ln>
+        </p:spPr>
+      </p:pic>
+      <p:pic>
+        <p:nvPicPr>
+          <p:cNvPr id="5" name="Image 4">
+            <a:extLst>
+              <a:ext uri="{FF2B5EF4-FFF2-40B4-BE49-F238E27FC236}">
+                <a16:creationId xmlns:a16="http://schemas.microsoft.com/office/drawing/2014/main" id="{2CB5E54B-F563-45B8-BA7D-CFD70B08DD63}"/>
+              </a:ext>
+            </a:extLst>
+          </p:cNvPr>
+          <p:cNvPicPr>
+            <a:picLocks noChangeAspect="1"/>
+          </p:cNvPicPr>
+          <p:nvPr/>
+        </p:nvPicPr>
+        <p:blipFill rotWithShape="1">
+          <a:blip r:embed="rId3"/>
+          <a:srcRect l="3544" t="-339"/>
+          <a:stretch/>
+        </p:blipFill>
+        <p:spPr>
+          <a:xfrm>
+            <a:off x="6096000" y="630443"/>
+            <a:ext cx="4959927" cy="4722359"/>
+          </a:xfrm>
+          <a:prstGeom prst="rect">
+            <a:avLst/>
+          </a:prstGeom>
+          <a:ln>
+            <a:solidFill>
+              <a:schemeClr val="tx1"/>
+            </a:solidFill>
+          </a:ln>
+        </p:spPr>
+      </p:pic>
+      <p:sp>
+        <p:nvSpPr>
+          <p:cNvPr id="6" name="Flèche : droite 5">
+            <a:extLst>
+              <a:ext uri="{FF2B5EF4-FFF2-40B4-BE49-F238E27FC236}">
+                <a16:creationId xmlns:a16="http://schemas.microsoft.com/office/drawing/2014/main" id="{59D75A8B-7F6E-434E-899C-1EFC01CBDAF5}"/>
+              </a:ext>
+            </a:extLst>
+          </p:cNvPr>
+          <p:cNvSpPr/>
+          <p:nvPr/>
+        </p:nvSpPr>
+        <p:spPr>
+          <a:xfrm>
+            <a:off x="4802909" y="1634836"/>
+            <a:ext cx="757382" cy="304800"/>
+          </a:xfrm>
+          <a:prstGeom prst="rightArrow">
+            <a:avLst/>
+          </a:prstGeom>
         </p:spPr>
         <p:style>
           <a:lnRef idx="2">
@@ -5442,336 +8027,29 @@
           </a:p>
         </p:txBody>
       </p:sp>
-      <p:pic>
-        <p:nvPicPr>
-          <p:cNvPr id="8" name="Image 7">
-            <a:extLst>
-              <a:ext uri="{FF2B5EF4-FFF2-40B4-BE49-F238E27FC236}">
-                <a16:creationId xmlns:a16="http://schemas.microsoft.com/office/drawing/2014/main" id="{0B0D218F-937B-41AB-8D1F-11FEA2997F84}"/>
-              </a:ext>
-            </a:extLst>
-          </p:cNvPr>
-          <p:cNvPicPr>
-            <a:picLocks noChangeAspect="1"/>
-          </p:cNvPicPr>
-          <p:nvPr/>
-        </p:nvPicPr>
-        <p:blipFill>
-          <a:blip r:embed="rId2"/>
-          <a:stretch>
-            <a:fillRect/>
-          </a:stretch>
-        </p:blipFill>
-        <p:spPr>
-          <a:xfrm>
-            <a:off x="-1214706" y="917473"/>
-            <a:ext cx="6798603" cy="5940527"/>
+      <p:sp>
+        <p:nvSpPr>
+          <p:cNvPr id="7" name="Rectangle 6">
+            <a:extLst>
+              <a:ext uri="{FF2B5EF4-FFF2-40B4-BE49-F238E27FC236}">
+                <a16:creationId xmlns:a16="http://schemas.microsoft.com/office/drawing/2014/main" id="{159C655E-D36E-43CB-9B8C-CD8737861973}"/>
+              </a:ext>
+            </a:extLst>
+          </p:cNvPr>
+          <p:cNvSpPr/>
+          <p:nvPr/>
+        </p:nvSpPr>
+        <p:spPr>
+          <a:xfrm>
+            <a:off x="5780056" y="4862272"/>
+            <a:ext cx="4659343" cy="461665"/>
           </a:xfrm>
           <a:prstGeom prst="rect">
             <a:avLst/>
           </a:prstGeom>
         </p:spPr>
-      </p:pic>
-      <p:pic>
-        <p:nvPicPr>
-          <p:cNvPr id="5" name="Image 4">
-            <a:extLst>
-              <a:ext uri="{FF2B5EF4-FFF2-40B4-BE49-F238E27FC236}">
-                <a16:creationId xmlns:a16="http://schemas.microsoft.com/office/drawing/2014/main" id="{FC128972-B57B-40D8-95D3-80EF26F2DA12}"/>
-              </a:ext>
-            </a:extLst>
-          </p:cNvPr>
-          <p:cNvPicPr>
-            <a:picLocks noChangeAspect="1"/>
-          </p:cNvPicPr>
-          <p:nvPr/>
-        </p:nvPicPr>
-        <p:blipFill>
-          <a:blip r:embed="rId3"/>
-          <a:stretch>
-            <a:fillRect/>
-          </a:stretch>
-        </p:blipFill>
-        <p:spPr>
-          <a:xfrm>
-            <a:off x="6196321" y="886691"/>
-            <a:ext cx="6798602" cy="6004605"/>
-          </a:xfrm>
-          <a:prstGeom prst="rect">
-            <a:avLst/>
-          </a:prstGeom>
-        </p:spPr>
-      </p:pic>
-      <p:sp>
-        <p:nvSpPr>
-          <p:cNvPr id="6" name="Rectangle : coins arrondis 5">
-            <a:extLst>
-              <a:ext uri="{FF2B5EF4-FFF2-40B4-BE49-F238E27FC236}">
-                <a16:creationId xmlns:a16="http://schemas.microsoft.com/office/drawing/2014/main" id="{C72FBA6D-C365-4034-9CAD-5AFD9D1F4033}"/>
-              </a:ext>
-            </a:extLst>
-          </p:cNvPr>
-          <p:cNvSpPr/>
-          <p:nvPr/>
-        </p:nvSpPr>
-        <p:spPr>
-          <a:xfrm>
-            <a:off x="-1203656" y="1244386"/>
-            <a:ext cx="2912603" cy="2662599"/>
-          </a:xfrm>
-          <a:prstGeom prst="roundRect">
-            <a:avLst/>
-          </a:prstGeom>
-          <a:noFill/>
-          <a:ln w="28575">
-            <a:prstDash val="sysDot"/>
-          </a:ln>
-        </p:spPr>
-        <p:style>
-          <a:lnRef idx="2">
-            <a:schemeClr val="accent1">
-              <a:shade val="50000"/>
-            </a:schemeClr>
-          </a:lnRef>
-          <a:fillRef idx="1">
-            <a:schemeClr val="accent1"/>
-          </a:fillRef>
-          <a:effectRef idx="0">
-            <a:schemeClr val="accent1"/>
-          </a:effectRef>
-          <a:fontRef idx="minor">
-            <a:schemeClr val="lt1"/>
-          </a:fontRef>
-        </p:style>
-        <p:txBody>
-          <a:bodyPr rtlCol="0" anchor="ctr"/>
-          <a:lstStyle/>
-          <a:p>
-            <a:pPr algn="ctr"/>
-            <a:r>
-              <a:rPr lang="en-US" dirty="0"/>
-              <a:t>v</a:t>
-            </a:r>
-          </a:p>
-        </p:txBody>
-      </p:sp>
-      <p:sp>
-        <p:nvSpPr>
-          <p:cNvPr id="7" name="ZoneTexte 6">
-            <a:extLst>
-              <a:ext uri="{FF2B5EF4-FFF2-40B4-BE49-F238E27FC236}">
-                <a16:creationId xmlns:a16="http://schemas.microsoft.com/office/drawing/2014/main" id="{5327A23D-1355-438A-9357-70AD55DBAA77}"/>
-              </a:ext>
-            </a:extLst>
-          </p:cNvPr>
-          <p:cNvSpPr txBox="1"/>
-          <p:nvPr/>
-        </p:nvSpPr>
-        <p:spPr>
-          <a:xfrm>
-            <a:off x="252645" y="896264"/>
-            <a:ext cx="4625529" cy="400110"/>
-          </a:xfrm>
-          <a:prstGeom prst="rect">
-            <a:avLst/>
-          </a:prstGeom>
-          <a:noFill/>
-        </p:spPr>
-        <p:txBody>
-          <a:bodyPr wrap="square" rtlCol="0">
-            <a:spAutoFit/>
-          </a:bodyPr>
-          <a:lstStyle/>
-          <a:p>
-            <a:r>
-              <a:rPr lang="en-US" sz="2000" b="1" dirty="0">
-                <a:solidFill>
-                  <a:srgbClr val="2F528F"/>
-                </a:solidFill>
-              </a:rPr>
-              <a:t>1. Browse and add raw LC-MS files. </a:t>
-            </a:r>
-          </a:p>
-        </p:txBody>
-      </p:sp>
-      <p:sp>
-        <p:nvSpPr>
-          <p:cNvPr id="9" name="Rectangle : coins arrondis 8">
-            <a:extLst>
-              <a:ext uri="{FF2B5EF4-FFF2-40B4-BE49-F238E27FC236}">
-                <a16:creationId xmlns:a16="http://schemas.microsoft.com/office/drawing/2014/main" id="{6B498291-7109-4167-BADC-11AF108424A1}"/>
-              </a:ext>
-            </a:extLst>
-          </p:cNvPr>
-          <p:cNvSpPr/>
-          <p:nvPr/>
-        </p:nvSpPr>
-        <p:spPr>
-          <a:xfrm>
-            <a:off x="2184595" y="2012843"/>
-            <a:ext cx="3276406" cy="2571857"/>
-          </a:xfrm>
-          <a:prstGeom prst="roundRect">
-            <a:avLst/>
-          </a:prstGeom>
-          <a:noFill/>
-          <a:ln w="28575">
-            <a:solidFill>
-              <a:schemeClr val="accent2">
-                <a:lumMod val="75000"/>
-              </a:schemeClr>
-            </a:solidFill>
-            <a:prstDash val="sysDot"/>
-          </a:ln>
-        </p:spPr>
-        <p:style>
-          <a:lnRef idx="2">
-            <a:schemeClr val="accent1">
-              <a:shade val="50000"/>
-            </a:schemeClr>
-          </a:lnRef>
-          <a:fillRef idx="1">
-            <a:schemeClr val="accent1"/>
-          </a:fillRef>
-          <a:effectRef idx="0">
-            <a:schemeClr val="accent1"/>
-          </a:effectRef>
-          <a:fontRef idx="minor">
-            <a:schemeClr val="lt1"/>
-          </a:fontRef>
-        </p:style>
-        <p:txBody>
-          <a:bodyPr rtlCol="0" anchor="ctr"/>
-          <a:lstStyle/>
-          <a:p>
-            <a:pPr algn="ctr"/>
-            <a:r>
-              <a:rPr lang="en-US" dirty="0"/>
-              <a:t>v</a:t>
-            </a:r>
-          </a:p>
-        </p:txBody>
-      </p:sp>
-      <p:sp>
-        <p:nvSpPr>
-          <p:cNvPr id="10" name="ZoneTexte 9">
-            <a:extLst>
-              <a:ext uri="{FF2B5EF4-FFF2-40B4-BE49-F238E27FC236}">
-                <a16:creationId xmlns:a16="http://schemas.microsoft.com/office/drawing/2014/main" id="{4A9A81E3-55E4-4BE2-9587-DC36CDA71B96}"/>
-              </a:ext>
-            </a:extLst>
-          </p:cNvPr>
-          <p:cNvSpPr txBox="1"/>
-          <p:nvPr/>
-        </p:nvSpPr>
-        <p:spPr>
-          <a:xfrm>
-            <a:off x="1982576" y="4644983"/>
-            <a:ext cx="3630823" cy="1938992"/>
-          </a:xfrm>
-          <a:prstGeom prst="rect">
-            <a:avLst/>
-          </a:prstGeom>
-          <a:noFill/>
-        </p:spPr>
-        <p:txBody>
-          <a:bodyPr wrap="square" rtlCol="0">
-            <a:spAutoFit/>
-          </a:bodyPr>
-          <a:lstStyle/>
-          <a:p>
-            <a:r>
-              <a:rPr lang="en-US" sz="2000" b="1" dirty="0">
-                <a:solidFill>
-                  <a:srgbClr val="C96420"/>
-                </a:solidFill>
-              </a:rPr>
-              <a:t>2. If your data is in profile mode, you need to apply peak picking for both MS1 and MS2 scans. We recommend Vendor algorithms for all data formats except for Waters’. </a:t>
-            </a:r>
-          </a:p>
-        </p:txBody>
-      </p:sp>
-      <p:sp>
-        <p:nvSpPr>
-          <p:cNvPr id="11" name="Rectangle : coins arrondis 10">
-            <a:extLst>
-              <a:ext uri="{FF2B5EF4-FFF2-40B4-BE49-F238E27FC236}">
-                <a16:creationId xmlns:a16="http://schemas.microsoft.com/office/drawing/2014/main" id="{F811AE33-B0A7-4670-B699-47EA6E2B1CDB}"/>
-              </a:ext>
-            </a:extLst>
-          </p:cNvPr>
-          <p:cNvSpPr/>
-          <p:nvPr/>
-        </p:nvSpPr>
-        <p:spPr>
-          <a:xfrm>
-            <a:off x="9474394" y="2012843"/>
-            <a:ext cx="3428805" cy="2444857"/>
-          </a:xfrm>
-          <a:prstGeom prst="roundRect">
-            <a:avLst/>
-          </a:prstGeom>
-          <a:noFill/>
-          <a:ln w="28575">
-            <a:solidFill>
-              <a:schemeClr val="accent2">
-                <a:lumMod val="75000"/>
-              </a:schemeClr>
-            </a:solidFill>
-            <a:prstDash val="sysDot"/>
-          </a:ln>
-        </p:spPr>
-        <p:style>
-          <a:lnRef idx="2">
-            <a:schemeClr val="accent1">
-              <a:shade val="50000"/>
-            </a:schemeClr>
-          </a:lnRef>
-          <a:fillRef idx="1">
-            <a:schemeClr val="accent1"/>
-          </a:fillRef>
-          <a:effectRef idx="0">
-            <a:schemeClr val="accent1"/>
-          </a:effectRef>
-          <a:fontRef idx="minor">
-            <a:schemeClr val="lt1"/>
-          </a:fontRef>
-        </p:style>
-        <p:txBody>
-          <a:bodyPr rtlCol="0" anchor="ctr"/>
-          <a:lstStyle/>
-          <a:p>
-            <a:pPr algn="ctr"/>
-            <a:r>
-              <a:rPr lang="en-US" dirty="0"/>
-              <a:t>v</a:t>
-            </a:r>
-          </a:p>
-        </p:txBody>
-      </p:sp>
-      <p:sp>
-        <p:nvSpPr>
-          <p:cNvPr id="12" name="Rectangle 11">
-            <a:extLst>
-              <a:ext uri="{FF2B5EF4-FFF2-40B4-BE49-F238E27FC236}">
-                <a16:creationId xmlns:a16="http://schemas.microsoft.com/office/drawing/2014/main" id="{CD1E3487-ED07-42C6-B9A3-A90E560A881C}"/>
-              </a:ext>
-            </a:extLst>
-          </p:cNvPr>
-          <p:cNvSpPr/>
-          <p:nvPr/>
-        </p:nvSpPr>
-        <p:spPr>
-          <a:xfrm>
-            <a:off x="4408457" y="6486544"/>
-            <a:ext cx="340158" cy="461665"/>
-          </a:xfrm>
-          <a:prstGeom prst="rect">
-            <a:avLst/>
-          </a:prstGeom>
-        </p:spPr>
-        <p:txBody>
-          <a:bodyPr wrap="none">
+        <p:txBody>
+          <a:bodyPr wrap="square">
             <a:spAutoFit/>
           </a:bodyPr>
           <a:lstStyle/>
@@ -5782,7 +8060,7 @@
                   <a:srgbClr val="FF0000"/>
                 </a:solidFill>
               </a:rPr>
-              <a:t>4</a:t>
+              <a:t>(Line spectra = Centroid-mode)</a:t>
             </a:r>
             <a:endParaRPr lang="en-US" sz="2400" dirty="0">
               <a:solidFill>
@@ -5792,157 +8070,10 @@
           </a:p>
         </p:txBody>
       </p:sp>
-      <p:sp>
-        <p:nvSpPr>
-          <p:cNvPr id="13" name="ZoneTexte 12">
-            <a:extLst>
-              <a:ext uri="{FF2B5EF4-FFF2-40B4-BE49-F238E27FC236}">
-                <a16:creationId xmlns:a16="http://schemas.microsoft.com/office/drawing/2014/main" id="{CC809EB8-8E09-41BE-A104-575F72F3850E}"/>
-              </a:ext>
-            </a:extLst>
-          </p:cNvPr>
-          <p:cNvSpPr txBox="1"/>
-          <p:nvPr/>
-        </p:nvSpPr>
-        <p:spPr>
-          <a:xfrm>
-            <a:off x="-1244208" y="5194628"/>
-            <a:ext cx="3428803" cy="707886"/>
-          </a:xfrm>
-          <a:prstGeom prst="rect">
-            <a:avLst/>
-          </a:prstGeom>
-          <a:noFill/>
-        </p:spPr>
-        <p:txBody>
-          <a:bodyPr wrap="square" rtlCol="0">
-            <a:spAutoFit/>
-          </a:bodyPr>
-          <a:lstStyle/>
-          <a:p>
-            <a:r>
-              <a:rPr lang="en-US" sz="2000" b="1" dirty="0">
-                <a:solidFill>
-                  <a:srgbClr val="00B050"/>
-                </a:solidFill>
-              </a:rPr>
-              <a:t>3. Define output format and output directory.</a:t>
-            </a:r>
-          </a:p>
-        </p:txBody>
-      </p:sp>
-      <p:sp>
-        <p:nvSpPr>
-          <p:cNvPr id="14" name="Rectangle : coins arrondis 13">
-            <a:extLst>
-              <a:ext uri="{FF2B5EF4-FFF2-40B4-BE49-F238E27FC236}">
-                <a16:creationId xmlns:a16="http://schemas.microsoft.com/office/drawing/2014/main" id="{22459870-9AA2-43D5-BC1F-D89CBE783ADE}"/>
-              </a:ext>
-            </a:extLst>
-          </p:cNvPr>
-          <p:cNvSpPr/>
-          <p:nvPr/>
-        </p:nvSpPr>
-        <p:spPr>
-          <a:xfrm>
-            <a:off x="-1216062" y="4012119"/>
-            <a:ext cx="2925009" cy="1029782"/>
-          </a:xfrm>
-          <a:prstGeom prst="roundRect">
-            <a:avLst/>
-          </a:prstGeom>
-          <a:noFill/>
-          <a:ln w="28575">
-            <a:solidFill>
-              <a:srgbClr val="00B050"/>
-            </a:solidFill>
-            <a:prstDash val="sysDot"/>
-          </a:ln>
-        </p:spPr>
-        <p:style>
-          <a:lnRef idx="2">
-            <a:schemeClr val="accent1">
-              <a:shade val="50000"/>
-            </a:schemeClr>
-          </a:lnRef>
-          <a:fillRef idx="1">
-            <a:schemeClr val="accent1"/>
-          </a:fillRef>
-          <a:effectRef idx="0">
-            <a:schemeClr val="accent1"/>
-          </a:effectRef>
-          <a:fontRef idx="minor">
-            <a:schemeClr val="lt1"/>
-          </a:fontRef>
-        </p:style>
-        <p:txBody>
-          <a:bodyPr rtlCol="0" anchor="ctr"/>
-          <a:lstStyle/>
-          <a:p>
-            <a:pPr algn="ctr"/>
-            <a:r>
-              <a:rPr lang="en-US" dirty="0"/>
-              <a:t>v</a:t>
-            </a:r>
-          </a:p>
-        </p:txBody>
-      </p:sp>
-      <p:sp>
-        <p:nvSpPr>
-          <p:cNvPr id="15" name="ZoneTexte 14">
-            <a:extLst>
-              <a:ext uri="{FF2B5EF4-FFF2-40B4-BE49-F238E27FC236}">
-                <a16:creationId xmlns:a16="http://schemas.microsoft.com/office/drawing/2014/main" id="{98F4CD3B-9533-4355-82D2-B97049E891FC}"/>
-              </a:ext>
-            </a:extLst>
-          </p:cNvPr>
-          <p:cNvSpPr txBox="1"/>
-          <p:nvPr/>
-        </p:nvSpPr>
-        <p:spPr>
-          <a:xfrm>
-            <a:off x="9474394" y="4547552"/>
-            <a:ext cx="3630823" cy="1015663"/>
-          </a:xfrm>
-          <a:prstGeom prst="rect">
-            <a:avLst/>
-          </a:prstGeom>
-          <a:noFill/>
-        </p:spPr>
-        <p:txBody>
-          <a:bodyPr wrap="square" rtlCol="0">
-            <a:spAutoFit/>
-          </a:bodyPr>
-          <a:lstStyle/>
-          <a:p>
-            <a:r>
-              <a:rPr lang="en-US" sz="2000" b="1" dirty="0">
-                <a:solidFill>
-                  <a:srgbClr val="C96420"/>
-                </a:solidFill>
-              </a:rPr>
-              <a:t>2. Please choose CWT algorithm to centroid Waters data </a:t>
-            </a:r>
-            <a:r>
-              <a:rPr lang="en-US" altLang="zh-CN" sz="2000" b="1" dirty="0">
-                <a:solidFill>
-                  <a:srgbClr val="C96420"/>
-                </a:solidFill>
-              </a:rPr>
-              <a:t>file. Please use default parameters.</a:t>
-            </a:r>
-            <a:endParaRPr lang="en-US" sz="2000" b="1" dirty="0">
-              <a:solidFill>
-                <a:srgbClr val="C96420"/>
-              </a:solidFill>
-            </a:endParaRPr>
-          </a:p>
-        </p:txBody>
-      </p:sp>
     </p:spTree>
     <p:extLst>
       <p:ext uri="{BB962C8B-B14F-4D97-AF65-F5344CB8AC3E}">
-        <p14:creationId xmlns:p14="http://schemas.microsoft.com/office/powerpoint/2010/main" val="3507292742"/>
+        <p14:creationId xmlns:p14="http://schemas.microsoft.com/office/powerpoint/2010/main" val="1992802774"/>
       </p:ext>
     </p:extLst>
   </p:cSld>
@@ -5971,10 +8102,10 @@
       </p:grpSpPr>
       <p:sp>
         <p:nvSpPr>
-          <p:cNvPr id="42" name="Rectangle 41">
-            <a:extLst>
-              <a:ext uri="{FF2B5EF4-FFF2-40B4-BE49-F238E27FC236}">
-                <a16:creationId xmlns:a16="http://schemas.microsoft.com/office/drawing/2014/main" id="{2A41BB3B-134B-45B1-9AF9-FD3AD979F5FA}"/>
+          <p:cNvPr id="16" name="Rectangle 15">
+            <a:extLst>
+              <a:ext uri="{FF2B5EF4-FFF2-40B4-BE49-F238E27FC236}">
+                <a16:creationId xmlns:a16="http://schemas.microsoft.com/office/drawing/2014/main" id="{57B88F3A-E3F6-48F7-93D3-E246BB955D05}"/>
               </a:ext>
             </a:extLst>
           </p:cNvPr>
@@ -5983,8 +8114,8 @@
         </p:nvSpPr>
         <p:spPr>
           <a:xfrm>
-            <a:off x="-1011631" y="-1195307"/>
-            <a:ext cx="11387531" cy="8053307"/>
+            <a:off x="-1244209" y="886692"/>
+            <a:ext cx="14349425" cy="6061518"/>
           </a:xfrm>
           <a:prstGeom prst="rect">
             <a:avLst/>
@@ -6025,10 +8156,10 @@
       </p:sp>
       <p:pic>
         <p:nvPicPr>
-          <p:cNvPr id="5" name="Image 4">
-            <a:extLst>
-              <a:ext uri="{FF2B5EF4-FFF2-40B4-BE49-F238E27FC236}">
-                <a16:creationId xmlns:a16="http://schemas.microsoft.com/office/drawing/2014/main" id="{AADEECB1-058D-4317-BB3F-CBDBCCE70BDF}"/>
+          <p:cNvPr id="8" name="Image 7">
+            <a:extLst>
+              <a:ext uri="{FF2B5EF4-FFF2-40B4-BE49-F238E27FC236}">
+                <a16:creationId xmlns:a16="http://schemas.microsoft.com/office/drawing/2014/main" id="{0B0D218F-937B-41AB-8D1F-11FEA2997F84}"/>
               </a:ext>
             </a:extLst>
           </p:cNvPr>
@@ -6045,102 +8176,103 @@
         </p:blipFill>
         <p:spPr>
           <a:xfrm>
-            <a:off x="990599" y="829012"/>
-            <a:ext cx="7784403" cy="5013325"/>
+            <a:off x="-1214706" y="917473"/>
+            <a:ext cx="6798603" cy="5940527"/>
           </a:xfrm>
           <a:prstGeom prst="rect">
             <a:avLst/>
           </a:prstGeom>
         </p:spPr>
       </p:pic>
-      <p:cxnSp>
-        <p:nvCxnSpPr>
-          <p:cNvPr id="9" name="Connecteur droit 8">
-            <a:extLst>
-              <a:ext uri="{FF2B5EF4-FFF2-40B4-BE49-F238E27FC236}">
-                <a16:creationId xmlns:a16="http://schemas.microsoft.com/office/drawing/2014/main" id="{792882E0-CA0A-45D5-9577-65488E8802C1}"/>
-              </a:ext>
-            </a:extLst>
-          </p:cNvPr>
-          <p:cNvCxnSpPr/>
-          <p:nvPr/>
-        </p:nvCxnSpPr>
-        <p:spPr>
-          <a:xfrm>
-            <a:off x="990599" y="829012"/>
-            <a:ext cx="0" cy="5943600"/>
-          </a:xfrm>
-          <a:prstGeom prst="line">
-            <a:avLst/>
-          </a:prstGeom>
-          <a:ln w="38100">
-            <a:solidFill>
-              <a:srgbClr val="FF0000"/>
-            </a:solidFill>
+      <p:pic>
+        <p:nvPicPr>
+          <p:cNvPr id="5" name="Image 4">
+            <a:extLst>
+              <a:ext uri="{FF2B5EF4-FFF2-40B4-BE49-F238E27FC236}">
+                <a16:creationId xmlns:a16="http://schemas.microsoft.com/office/drawing/2014/main" id="{FC128972-B57B-40D8-95D3-80EF26F2DA12}"/>
+              </a:ext>
+            </a:extLst>
+          </p:cNvPr>
+          <p:cNvPicPr>
+            <a:picLocks noChangeAspect="1"/>
+          </p:cNvPicPr>
+          <p:nvPr/>
+        </p:nvPicPr>
+        <p:blipFill>
+          <a:blip r:embed="rId3"/>
+          <a:stretch>
+            <a:fillRect/>
+          </a:stretch>
+        </p:blipFill>
+        <p:spPr>
+          <a:xfrm>
+            <a:off x="6196321" y="886691"/>
+            <a:ext cx="6798602" cy="6004605"/>
+          </a:xfrm>
+          <a:prstGeom prst="rect">
+            <a:avLst/>
+          </a:prstGeom>
+        </p:spPr>
+      </p:pic>
+      <p:sp>
+        <p:nvSpPr>
+          <p:cNvPr id="6" name="Rectangle : coins arrondis 5">
+            <a:extLst>
+              <a:ext uri="{FF2B5EF4-FFF2-40B4-BE49-F238E27FC236}">
+                <a16:creationId xmlns:a16="http://schemas.microsoft.com/office/drawing/2014/main" id="{C72FBA6D-C365-4034-9CAD-5AFD9D1F4033}"/>
+              </a:ext>
+            </a:extLst>
+          </p:cNvPr>
+          <p:cNvSpPr/>
+          <p:nvPr/>
+        </p:nvSpPr>
+        <p:spPr>
+          <a:xfrm>
+            <a:off x="-1203656" y="1244386"/>
+            <a:ext cx="2912603" cy="2662599"/>
+          </a:xfrm>
+          <a:prstGeom prst="roundRect">
+            <a:avLst/>
+          </a:prstGeom>
+          <a:noFill/>
+          <a:ln w="28575">
+            <a:prstDash val="sysDot"/>
           </a:ln>
         </p:spPr>
         <p:style>
-          <a:lnRef idx="1">
-            <a:schemeClr val="accent1"/>
+          <a:lnRef idx="2">
+            <a:schemeClr val="accent1">
+              <a:shade val="50000"/>
+            </a:schemeClr>
           </a:lnRef>
-          <a:fillRef idx="0">
+          <a:fillRef idx="1">
             <a:schemeClr val="accent1"/>
           </a:fillRef>
           <a:effectRef idx="0">
             <a:schemeClr val="accent1"/>
           </a:effectRef>
           <a:fontRef idx="minor">
-            <a:schemeClr val="tx1"/>
+            <a:schemeClr val="lt1"/>
           </a:fontRef>
         </p:style>
-      </p:cxnSp>
-      <p:cxnSp>
-        <p:nvCxnSpPr>
-          <p:cNvPr id="10" name="Connecteur droit 9">
-            <a:extLst>
-              <a:ext uri="{FF2B5EF4-FFF2-40B4-BE49-F238E27FC236}">
-                <a16:creationId xmlns:a16="http://schemas.microsoft.com/office/drawing/2014/main" id="{40CD8D7C-A79F-4327-A0FC-C1FCB5B1CF16}"/>
-              </a:ext>
-            </a:extLst>
-          </p:cNvPr>
-          <p:cNvCxnSpPr/>
-          <p:nvPr/>
-        </p:nvCxnSpPr>
-        <p:spPr>
-          <a:xfrm>
-            <a:off x="5448299" y="829012"/>
-            <a:ext cx="0" cy="5943600"/>
-          </a:xfrm>
-          <a:prstGeom prst="line">
-            <a:avLst/>
-          </a:prstGeom>
-          <a:ln w="38100">
-            <a:solidFill>
-              <a:srgbClr val="FF0000"/>
-            </a:solidFill>
-          </a:ln>
-        </p:spPr>
-        <p:style>
-          <a:lnRef idx="1">
-            <a:schemeClr val="accent1"/>
-          </a:lnRef>
-          <a:fillRef idx="0">
-            <a:schemeClr val="accent1"/>
-          </a:fillRef>
-          <a:effectRef idx="0">
-            <a:schemeClr val="accent1"/>
-          </a:effectRef>
-          <a:fontRef idx="minor">
-            <a:schemeClr val="tx1"/>
-          </a:fontRef>
-        </p:style>
-      </p:cxnSp>
-      <p:sp>
-        <p:nvSpPr>
-          <p:cNvPr id="12" name="ZoneTexte 11">
-            <a:extLst>
-              <a:ext uri="{FF2B5EF4-FFF2-40B4-BE49-F238E27FC236}">
-                <a16:creationId xmlns:a16="http://schemas.microsoft.com/office/drawing/2014/main" id="{0A24D7DC-9CF4-4AD0-85AF-61BEB3A89828}"/>
+        <p:txBody>
+          <a:bodyPr rtlCol="0" anchor="ctr"/>
+          <a:lstStyle/>
+          <a:p>
+            <a:pPr algn="ctr"/>
+            <a:r>
+              <a:rPr lang="en-US" dirty="0"/>
+              <a:t>v</a:t>
+            </a:r>
+          </a:p>
+        </p:txBody>
+      </p:sp>
+      <p:sp>
+        <p:nvSpPr>
+          <p:cNvPr id="7" name="ZoneTexte 6">
+            <a:extLst>
+              <a:ext uri="{FF2B5EF4-FFF2-40B4-BE49-F238E27FC236}">
+                <a16:creationId xmlns:a16="http://schemas.microsoft.com/office/drawing/2014/main" id="{5327A23D-1355-438A-9357-70AD55DBAA77}"/>
               </a:ext>
             </a:extLst>
           </p:cNvPr>
@@ -6149,8 +8281,8 @@
         </p:nvSpPr>
         <p:spPr>
           <a:xfrm>
-            <a:off x="9207501" y="689312"/>
-            <a:ext cx="571500" cy="523220"/>
+            <a:off x="252645" y="896264"/>
+            <a:ext cx="4625529" cy="400110"/>
           </a:xfrm>
           <a:prstGeom prst="rect">
             <a:avLst/>
@@ -6164,18 +8296,80 @@
           <a:lstStyle/>
           <a:p>
             <a:r>
-              <a:rPr lang="en-US" sz="2800" dirty="0"/>
-              <a:t>…</a:t>
-            </a:r>
-          </a:p>
-        </p:txBody>
-      </p:sp>
-      <p:sp>
-        <p:nvSpPr>
-          <p:cNvPr id="13" name="ZoneTexte 12">
-            <a:extLst>
-              <a:ext uri="{FF2B5EF4-FFF2-40B4-BE49-F238E27FC236}">
-                <a16:creationId xmlns:a16="http://schemas.microsoft.com/office/drawing/2014/main" id="{D379FF32-C994-4271-8D6F-DE4A7D7CE725}"/>
+              <a:rPr lang="en-US" sz="2000" b="1" dirty="0">
+                <a:solidFill>
+                  <a:srgbClr val="2F528F"/>
+                </a:solidFill>
+              </a:rPr>
+              <a:t>1. Browse and add raw LC-MS files. </a:t>
+            </a:r>
+          </a:p>
+        </p:txBody>
+      </p:sp>
+      <p:sp>
+        <p:nvSpPr>
+          <p:cNvPr id="9" name="Rectangle : coins arrondis 8">
+            <a:extLst>
+              <a:ext uri="{FF2B5EF4-FFF2-40B4-BE49-F238E27FC236}">
+                <a16:creationId xmlns:a16="http://schemas.microsoft.com/office/drawing/2014/main" id="{6B498291-7109-4167-BADC-11AF108424A1}"/>
+              </a:ext>
+            </a:extLst>
+          </p:cNvPr>
+          <p:cNvSpPr/>
+          <p:nvPr/>
+        </p:nvSpPr>
+        <p:spPr>
+          <a:xfrm>
+            <a:off x="2184595" y="2012843"/>
+            <a:ext cx="3276406" cy="2571857"/>
+          </a:xfrm>
+          <a:prstGeom prst="roundRect">
+            <a:avLst/>
+          </a:prstGeom>
+          <a:noFill/>
+          <a:ln w="28575">
+            <a:solidFill>
+              <a:schemeClr val="accent2">
+                <a:lumMod val="75000"/>
+              </a:schemeClr>
+            </a:solidFill>
+            <a:prstDash val="sysDot"/>
+          </a:ln>
+        </p:spPr>
+        <p:style>
+          <a:lnRef idx="2">
+            <a:schemeClr val="accent1">
+              <a:shade val="50000"/>
+            </a:schemeClr>
+          </a:lnRef>
+          <a:fillRef idx="1">
+            <a:schemeClr val="accent1"/>
+          </a:fillRef>
+          <a:effectRef idx="0">
+            <a:schemeClr val="accent1"/>
+          </a:effectRef>
+          <a:fontRef idx="minor">
+            <a:schemeClr val="lt1"/>
+          </a:fontRef>
+        </p:style>
+        <p:txBody>
+          <a:bodyPr rtlCol="0" anchor="ctr"/>
+          <a:lstStyle/>
+          <a:p>
+            <a:pPr algn="ctr"/>
+            <a:r>
+              <a:rPr lang="en-US" dirty="0"/>
+              <a:t>v</a:t>
+            </a:r>
+          </a:p>
+        </p:txBody>
+      </p:sp>
+      <p:sp>
+        <p:nvSpPr>
+          <p:cNvPr id="10" name="ZoneTexte 9">
+            <a:extLst>
+              <a:ext uri="{FF2B5EF4-FFF2-40B4-BE49-F238E27FC236}">
+                <a16:creationId xmlns:a16="http://schemas.microsoft.com/office/drawing/2014/main" id="{4A9A81E3-55E4-4BE2-9587-DC36CDA71B96}"/>
               </a:ext>
             </a:extLst>
           </p:cNvPr>
@@ -6184,8 +8378,8 @@
         </p:nvSpPr>
         <p:spPr>
           <a:xfrm>
-            <a:off x="9207501" y="3366768"/>
-            <a:ext cx="469900" cy="523220"/>
+            <a:off x="1982576" y="4644983"/>
+            <a:ext cx="3630823" cy="1938992"/>
           </a:xfrm>
           <a:prstGeom prst="rect">
             <a:avLst/>
@@ -6199,58 +8393,123 @@
           <a:lstStyle/>
           <a:p>
             <a:r>
-              <a:rPr lang="en-US" sz="2800" dirty="0"/>
-              <a:t>…</a:t>
-            </a:r>
-          </a:p>
-        </p:txBody>
-      </p:sp>
-      <p:sp>
-        <p:nvSpPr>
-          <p:cNvPr id="14" name="ZoneTexte 13">
-            <a:extLst>
-              <a:ext uri="{FF2B5EF4-FFF2-40B4-BE49-F238E27FC236}">
-                <a16:creationId xmlns:a16="http://schemas.microsoft.com/office/drawing/2014/main" id="{A542D2B4-3B1B-44DC-8576-44470BF544A5}"/>
-              </a:ext>
-            </a:extLst>
-          </p:cNvPr>
-          <p:cNvSpPr txBox="1"/>
-          <p:nvPr/>
-        </p:nvSpPr>
-        <p:spPr>
-          <a:xfrm>
-            <a:off x="1060631" y="5842337"/>
-            <a:ext cx="4317637" cy="1015663"/>
+              <a:rPr lang="en-US" sz="2000" b="1" dirty="0">
+                <a:solidFill>
+                  <a:srgbClr val="C96420"/>
+                </a:solidFill>
+              </a:rPr>
+              <a:t>2. If your data is in profile mode, you need to apply peak picking for both MS1 and MS2 scans. We recommend Vendor algorithms for all data formats except for Waters’. </a:t>
+            </a:r>
+          </a:p>
+        </p:txBody>
+      </p:sp>
+      <p:sp>
+        <p:nvSpPr>
+          <p:cNvPr id="11" name="Rectangle : coins arrondis 10">
+            <a:extLst>
+              <a:ext uri="{FF2B5EF4-FFF2-40B4-BE49-F238E27FC236}">
+                <a16:creationId xmlns:a16="http://schemas.microsoft.com/office/drawing/2014/main" id="{F811AE33-B0A7-4670-B699-47EA6E2B1CDB}"/>
+              </a:ext>
+            </a:extLst>
+          </p:cNvPr>
+          <p:cNvSpPr/>
+          <p:nvPr/>
+        </p:nvSpPr>
+        <p:spPr>
+          <a:xfrm>
+            <a:off x="9474394" y="2012843"/>
+            <a:ext cx="3428805" cy="2444857"/>
+          </a:xfrm>
+          <a:prstGeom prst="roundRect">
+            <a:avLst/>
+          </a:prstGeom>
+          <a:noFill/>
+          <a:ln w="28575">
+            <a:solidFill>
+              <a:schemeClr val="accent2">
+                <a:lumMod val="75000"/>
+              </a:schemeClr>
+            </a:solidFill>
+            <a:prstDash val="sysDot"/>
+          </a:ln>
+        </p:spPr>
+        <p:style>
+          <a:lnRef idx="2">
+            <a:schemeClr val="accent1">
+              <a:shade val="50000"/>
+            </a:schemeClr>
+          </a:lnRef>
+          <a:fillRef idx="1">
+            <a:schemeClr val="accent1"/>
+          </a:fillRef>
+          <a:effectRef idx="0">
+            <a:schemeClr val="accent1"/>
+          </a:effectRef>
+          <a:fontRef idx="minor">
+            <a:schemeClr val="lt1"/>
+          </a:fontRef>
+        </p:style>
+        <p:txBody>
+          <a:bodyPr rtlCol="0" anchor="ctr"/>
+          <a:lstStyle/>
+          <a:p>
+            <a:pPr algn="ctr"/>
+            <a:r>
+              <a:rPr lang="en-US" dirty="0"/>
+              <a:t>v</a:t>
+            </a:r>
+          </a:p>
+        </p:txBody>
+      </p:sp>
+      <p:sp>
+        <p:nvSpPr>
+          <p:cNvPr id="12" name="Rectangle 11">
+            <a:extLst>
+              <a:ext uri="{FF2B5EF4-FFF2-40B4-BE49-F238E27FC236}">
+                <a16:creationId xmlns:a16="http://schemas.microsoft.com/office/drawing/2014/main" id="{CD1E3487-ED07-42C6-B9A3-A90E560A881C}"/>
+              </a:ext>
+            </a:extLst>
+          </p:cNvPr>
+          <p:cNvSpPr/>
+          <p:nvPr/>
+        </p:nvSpPr>
+        <p:spPr>
+          <a:xfrm>
+            <a:off x="4408457" y="6486544"/>
+            <a:ext cx="340158" cy="461665"/>
           </a:xfrm>
           <a:prstGeom prst="rect">
             <a:avLst/>
           </a:prstGeom>
-          <a:noFill/>
-        </p:spPr>
-        <p:txBody>
-          <a:bodyPr wrap="square" rtlCol="0">
+        </p:spPr>
+        <p:txBody>
+          <a:bodyPr wrap="none">
             <a:spAutoFit/>
           </a:bodyPr>
           <a:lstStyle/>
           <a:p>
-            <a:pPr algn="ctr"/>
-            <a:r>
-              <a:rPr lang="en-US" sz="2000" b="1" dirty="0">
+            <a:r>
+              <a:rPr lang="en-US" sz="2400" b="1" dirty="0">
                 <a:solidFill>
                   <a:srgbClr val="FF0000"/>
                 </a:solidFill>
               </a:rPr>
-              <a:t>The first five columns of the metadata are mandatory. Column names and order must not be changed !</a:t>
-            </a:r>
-          </a:p>
-        </p:txBody>
-      </p:sp>
-      <p:sp>
-        <p:nvSpPr>
-          <p:cNvPr id="15" name="ZoneTexte 14">
-            <a:extLst>
-              <a:ext uri="{FF2B5EF4-FFF2-40B4-BE49-F238E27FC236}">
-                <a16:creationId xmlns:a16="http://schemas.microsoft.com/office/drawing/2014/main" id="{CED5FE49-39D3-40E1-A5BE-A04BBF180DA7}"/>
+              <a:t>4</a:t>
+            </a:r>
+            <a:endParaRPr lang="en-US" sz="2400" dirty="0">
+              <a:solidFill>
+                <a:srgbClr val="FF0000"/>
+              </a:solidFill>
+            </a:endParaRPr>
+          </a:p>
+        </p:txBody>
+      </p:sp>
+      <p:sp>
+        <p:nvSpPr>
+          <p:cNvPr id="13" name="ZoneTexte 12">
+            <a:extLst>
+              <a:ext uri="{FF2B5EF4-FFF2-40B4-BE49-F238E27FC236}">
+                <a16:creationId xmlns:a16="http://schemas.microsoft.com/office/drawing/2014/main" id="{CC809EB8-8E09-41BE-A104-575F72F3850E}"/>
               </a:ext>
             </a:extLst>
           </p:cNvPr>
@@ -6259,8 +8518,8 @@
         </p:nvSpPr>
         <p:spPr>
           <a:xfrm>
-            <a:off x="5562962" y="5842337"/>
-            <a:ext cx="4317637" cy="1015663"/>
+            <a:off x="-1244208" y="5194628"/>
+            <a:ext cx="3428803" cy="707886"/>
           </a:xfrm>
           <a:prstGeom prst="rect">
             <a:avLst/>
@@ -6273,486 +8532,129 @@
           </a:bodyPr>
           <a:lstStyle/>
           <a:p>
-            <a:pPr algn="ctr"/>
             <a:r>
               <a:rPr lang="en-US" sz="2000" b="1" dirty="0">
                 <a:solidFill>
-                  <a:srgbClr val="FF0000"/>
+                  <a:srgbClr val="00B050"/>
                 </a:solidFill>
               </a:rPr>
-              <a:t>The rest of columns are optional</a:t>
-            </a:r>
-          </a:p>
+              <a:t>3. Define output format and output directory.</a:t>
+            </a:r>
+          </a:p>
+        </p:txBody>
+      </p:sp>
+      <p:sp>
+        <p:nvSpPr>
+          <p:cNvPr id="14" name="Rectangle : coins arrondis 13">
+            <a:extLst>
+              <a:ext uri="{FF2B5EF4-FFF2-40B4-BE49-F238E27FC236}">
+                <a16:creationId xmlns:a16="http://schemas.microsoft.com/office/drawing/2014/main" id="{22459870-9AA2-43D5-BC1F-D89CBE783ADE}"/>
+              </a:ext>
+            </a:extLst>
+          </p:cNvPr>
+          <p:cNvSpPr/>
+          <p:nvPr/>
+        </p:nvSpPr>
+        <p:spPr>
+          <a:xfrm>
+            <a:off x="-1216062" y="4012119"/>
+            <a:ext cx="2925009" cy="1029782"/>
+          </a:xfrm>
+          <a:prstGeom prst="roundRect">
+            <a:avLst/>
+          </a:prstGeom>
+          <a:noFill/>
+          <a:ln w="28575">
+            <a:solidFill>
+              <a:srgbClr val="00B050"/>
+            </a:solidFill>
+            <a:prstDash val="sysDot"/>
+          </a:ln>
+        </p:spPr>
+        <p:style>
+          <a:lnRef idx="2">
+            <a:schemeClr val="accent1">
+              <a:shade val="50000"/>
+            </a:schemeClr>
+          </a:lnRef>
+          <a:fillRef idx="1">
+            <a:schemeClr val="accent1"/>
+          </a:fillRef>
+          <a:effectRef idx="0">
+            <a:schemeClr val="accent1"/>
+          </a:effectRef>
+          <a:fontRef idx="minor">
+            <a:schemeClr val="lt1"/>
+          </a:fontRef>
+        </p:style>
+        <p:txBody>
+          <a:bodyPr rtlCol="0" anchor="ctr"/>
+          <a:lstStyle/>
           <a:p>
             <a:pPr algn="ctr"/>
+            <a:r>
+              <a:rPr lang="en-US" dirty="0"/>
+              <a:t>v</a:t>
+            </a:r>
+          </a:p>
+        </p:txBody>
+      </p:sp>
+      <p:sp>
+        <p:nvSpPr>
+          <p:cNvPr id="15" name="ZoneTexte 14">
+            <a:extLst>
+              <a:ext uri="{FF2B5EF4-FFF2-40B4-BE49-F238E27FC236}">
+                <a16:creationId xmlns:a16="http://schemas.microsoft.com/office/drawing/2014/main" id="{98F4CD3B-9533-4355-82D2-B97049E891FC}"/>
+              </a:ext>
+            </a:extLst>
+          </p:cNvPr>
+          <p:cNvSpPr txBox="1"/>
+          <p:nvPr/>
+        </p:nvSpPr>
+        <p:spPr>
+          <a:xfrm>
+            <a:off x="9474394" y="4547552"/>
+            <a:ext cx="3630823" cy="1015663"/>
+          </a:xfrm>
+          <a:prstGeom prst="rect">
+            <a:avLst/>
+          </a:prstGeom>
+          <a:noFill/>
+        </p:spPr>
+        <p:txBody>
+          <a:bodyPr wrap="square" rtlCol="0">
+            <a:spAutoFit/>
+          </a:bodyPr>
+          <a:lstStyle/>
+          <a:p>
             <a:r>
               <a:rPr lang="en-US" sz="2000" b="1" dirty="0">
                 <a:solidFill>
-                  <a:srgbClr val="FF0000"/>
+                  <a:srgbClr val="C96420"/>
                 </a:solidFill>
               </a:rPr>
-              <a:t> e.g. “STRUCTURE” and “NAME” can be added for building in-house library.</a:t>
-            </a:r>
-          </a:p>
-        </p:txBody>
-      </p:sp>
-      <p:cxnSp>
-        <p:nvCxnSpPr>
-          <p:cNvPr id="16" name="Connecteur droit 15">
-            <a:extLst>
-              <a:ext uri="{FF2B5EF4-FFF2-40B4-BE49-F238E27FC236}">
-                <a16:creationId xmlns:a16="http://schemas.microsoft.com/office/drawing/2014/main" id="{6B9F2166-35F5-47E4-A82C-C773A47B9A7D}"/>
-              </a:ext>
-            </a:extLst>
-          </p:cNvPr>
-          <p:cNvCxnSpPr/>
-          <p:nvPr/>
-        </p:nvCxnSpPr>
-        <p:spPr>
-          <a:xfrm>
-            <a:off x="10032999" y="829012"/>
-            <a:ext cx="0" cy="5943600"/>
-          </a:xfrm>
-          <a:prstGeom prst="line">
-            <a:avLst/>
-          </a:prstGeom>
-          <a:ln w="38100">
-            <a:solidFill>
-              <a:srgbClr val="FF0000"/>
-            </a:solidFill>
-          </a:ln>
-        </p:spPr>
-        <p:style>
-          <a:lnRef idx="1">
-            <a:schemeClr val="accent1"/>
-          </a:lnRef>
-          <a:fillRef idx="0">
-            <a:schemeClr val="accent1"/>
-          </a:fillRef>
-          <a:effectRef idx="0">
-            <a:schemeClr val="accent1"/>
-          </a:effectRef>
-          <a:fontRef idx="minor">
-            <a:schemeClr val="tx1"/>
-          </a:fontRef>
-        </p:style>
-      </p:cxnSp>
-      <p:sp>
-        <p:nvSpPr>
-          <p:cNvPr id="17" name="Rectangle 16">
-            <a:extLst>
-              <a:ext uri="{FF2B5EF4-FFF2-40B4-BE49-F238E27FC236}">
-                <a16:creationId xmlns:a16="http://schemas.microsoft.com/office/drawing/2014/main" id="{BA925635-E6D5-4294-84D2-F29D0FE7465D}"/>
-              </a:ext>
-            </a:extLst>
-          </p:cNvPr>
-          <p:cNvSpPr/>
-          <p:nvPr/>
-        </p:nvSpPr>
-        <p:spPr>
-          <a:xfrm>
-            <a:off x="-1011630" y="2505670"/>
-            <a:ext cx="1741274" cy="923330"/>
-          </a:xfrm>
-          <a:prstGeom prst="rect">
-            <a:avLst/>
-          </a:prstGeom>
-        </p:spPr>
-        <p:txBody>
-          <a:bodyPr wrap="square">
-            <a:spAutoFit/>
-          </a:bodyPr>
-          <a:lstStyle/>
-          <a:p>
-            <a:r>
-              <a:rPr lang="en-US" dirty="0"/>
-              <a:t>Precursor m/z to be found in chromatograms</a:t>
-            </a:r>
-          </a:p>
-        </p:txBody>
-      </p:sp>
-      <p:cxnSp>
-        <p:nvCxnSpPr>
-          <p:cNvPr id="19" name="Connecteur droit avec flèche 18">
-            <a:extLst>
-              <a:ext uri="{FF2B5EF4-FFF2-40B4-BE49-F238E27FC236}">
-                <a16:creationId xmlns:a16="http://schemas.microsoft.com/office/drawing/2014/main" id="{B5F0A315-06F1-4507-B130-53F413AF6C86}"/>
-              </a:ext>
-            </a:extLst>
-          </p:cNvPr>
-          <p:cNvCxnSpPr>
-            <a:cxnSpLocks/>
-          </p:cNvCxnSpPr>
-          <p:nvPr/>
-        </p:nvCxnSpPr>
-        <p:spPr>
-          <a:xfrm flipH="1">
-            <a:off x="288278" y="1568855"/>
-            <a:ext cx="1103653" cy="962960"/>
-          </a:xfrm>
-          <a:prstGeom prst="straightConnector1">
-            <a:avLst/>
-          </a:prstGeom>
-          <a:ln w="19050">
-            <a:solidFill>
-              <a:srgbClr val="FF0000"/>
-            </a:solidFill>
-            <a:tailEnd type="triangle"/>
-          </a:ln>
-        </p:spPr>
-        <p:style>
-          <a:lnRef idx="1">
-            <a:schemeClr val="accent1"/>
-          </a:lnRef>
-          <a:fillRef idx="0">
-            <a:schemeClr val="accent1"/>
-          </a:fillRef>
-          <a:effectRef idx="0">
-            <a:schemeClr val="accent1"/>
-          </a:effectRef>
-          <a:fontRef idx="minor">
-            <a:schemeClr val="tx1"/>
-          </a:fontRef>
-        </p:style>
-      </p:cxnSp>
-      <p:sp>
-        <p:nvSpPr>
-          <p:cNvPr id="22" name="Rectangle 21">
-            <a:extLst>
-              <a:ext uri="{FF2B5EF4-FFF2-40B4-BE49-F238E27FC236}">
-                <a16:creationId xmlns:a16="http://schemas.microsoft.com/office/drawing/2014/main" id="{9746D2C9-171F-4FE2-84B1-665444D8C9DB}"/>
-              </a:ext>
-            </a:extLst>
-          </p:cNvPr>
-          <p:cNvSpPr/>
-          <p:nvPr/>
-        </p:nvSpPr>
-        <p:spPr>
-          <a:xfrm>
-            <a:off x="-787455" y="-729813"/>
-            <a:ext cx="3318147" cy="1477328"/>
-          </a:xfrm>
-          <a:prstGeom prst="rect">
-            <a:avLst/>
-          </a:prstGeom>
-        </p:spPr>
-        <p:txBody>
-          <a:bodyPr wrap="square">
-            <a:spAutoFit/>
-          </a:bodyPr>
-          <a:lstStyle/>
-          <a:p>
-            <a:r>
-              <a:rPr lang="en-US" dirty="0"/>
-              <a:t>Retention time (in minute) of metabolic features to be found, please put it to N/A if unknown. Important if isomers are present in the same sample.</a:t>
-            </a:r>
-          </a:p>
-        </p:txBody>
-      </p:sp>
-      <p:cxnSp>
-        <p:nvCxnSpPr>
-          <p:cNvPr id="23" name="Connecteur droit avec flèche 22">
-            <a:extLst>
-              <a:ext uri="{FF2B5EF4-FFF2-40B4-BE49-F238E27FC236}">
-                <a16:creationId xmlns:a16="http://schemas.microsoft.com/office/drawing/2014/main" id="{E2CD6BB9-7120-4A1A-9623-4E41FA06C346}"/>
-              </a:ext>
-            </a:extLst>
-          </p:cNvPr>
-          <p:cNvCxnSpPr>
-            <a:cxnSpLocks/>
-          </p:cNvCxnSpPr>
-          <p:nvPr/>
-        </p:nvCxnSpPr>
-        <p:spPr>
-          <a:xfrm flipH="1" flipV="1">
-            <a:off x="2029788" y="633051"/>
-            <a:ext cx="465635" cy="454324"/>
-          </a:xfrm>
-          <a:prstGeom prst="straightConnector1">
-            <a:avLst/>
-          </a:prstGeom>
-          <a:ln w="19050">
-            <a:solidFill>
-              <a:srgbClr val="FF0000"/>
-            </a:solidFill>
-            <a:tailEnd type="triangle"/>
-          </a:ln>
-        </p:spPr>
-        <p:style>
-          <a:lnRef idx="1">
-            <a:schemeClr val="accent1"/>
-          </a:lnRef>
-          <a:fillRef idx="0">
-            <a:schemeClr val="accent1"/>
-          </a:fillRef>
-          <a:effectRef idx="0">
-            <a:schemeClr val="accent1"/>
-          </a:effectRef>
-          <a:fontRef idx="minor">
-            <a:schemeClr val="tx1"/>
-          </a:fontRef>
-        </p:style>
-      </p:cxnSp>
-      <p:cxnSp>
-        <p:nvCxnSpPr>
-          <p:cNvPr id="26" name="Connecteur droit avec flèche 25">
-            <a:extLst>
-              <a:ext uri="{FF2B5EF4-FFF2-40B4-BE49-F238E27FC236}">
-                <a16:creationId xmlns:a16="http://schemas.microsoft.com/office/drawing/2014/main" id="{8B871A3C-B2E2-488A-B22E-94D0379C1B92}"/>
-              </a:ext>
-            </a:extLst>
-          </p:cNvPr>
-          <p:cNvCxnSpPr>
-            <a:cxnSpLocks/>
-          </p:cNvCxnSpPr>
-          <p:nvPr/>
-        </p:nvCxnSpPr>
-        <p:spPr>
-          <a:xfrm flipH="1" flipV="1">
-            <a:off x="3037255" y="459448"/>
-            <a:ext cx="263588" cy="531872"/>
-          </a:xfrm>
-          <a:prstGeom prst="straightConnector1">
-            <a:avLst/>
-          </a:prstGeom>
-          <a:ln w="19050">
-            <a:solidFill>
-              <a:srgbClr val="FF0000"/>
-            </a:solidFill>
-            <a:tailEnd type="triangle"/>
-          </a:ln>
-        </p:spPr>
-        <p:style>
-          <a:lnRef idx="1">
-            <a:schemeClr val="accent1"/>
-          </a:lnRef>
-          <a:fillRef idx="0">
-            <a:schemeClr val="accent1"/>
-          </a:fillRef>
-          <a:effectRef idx="0">
-            <a:schemeClr val="accent1"/>
-          </a:effectRef>
-          <a:fontRef idx="minor">
-            <a:schemeClr val="tx1"/>
-          </a:fontRef>
-        </p:style>
-      </p:cxnSp>
-      <p:sp>
-        <p:nvSpPr>
-          <p:cNvPr id="31" name="Rectangle 30">
-            <a:extLst>
-              <a:ext uri="{FF2B5EF4-FFF2-40B4-BE49-F238E27FC236}">
-                <a16:creationId xmlns:a16="http://schemas.microsoft.com/office/drawing/2014/main" id="{FC63799E-0B95-4877-81FD-D95B91D6DCBC}"/>
-              </a:ext>
-            </a:extLst>
-          </p:cNvPr>
-          <p:cNvSpPr/>
-          <p:nvPr/>
-        </p:nvSpPr>
-        <p:spPr>
-          <a:xfrm>
-            <a:off x="2494250" y="-142073"/>
-            <a:ext cx="1450397" cy="646331"/>
-          </a:xfrm>
-          <a:prstGeom prst="rect">
-            <a:avLst/>
-          </a:prstGeom>
-        </p:spPr>
-        <p:txBody>
-          <a:bodyPr wrap="none">
-            <a:spAutoFit/>
-          </a:bodyPr>
-          <a:lstStyle/>
-          <a:p>
-            <a:r>
-              <a:rPr lang="en-US" dirty="0"/>
-              <a:t>"Positive" </a:t>
-            </a:r>
-          </a:p>
-          <a:p>
-            <a:r>
-              <a:rPr lang="en-US" dirty="0"/>
-              <a:t>or "Negative"</a:t>
-            </a:r>
-          </a:p>
-        </p:txBody>
-      </p:sp>
-      <p:sp>
-        <p:nvSpPr>
-          <p:cNvPr id="32" name="Rectangle 31">
-            <a:extLst>
-              <a:ext uri="{FF2B5EF4-FFF2-40B4-BE49-F238E27FC236}">
-                <a16:creationId xmlns:a16="http://schemas.microsoft.com/office/drawing/2014/main" id="{E9543813-C727-4CDA-8151-30FCE4587D7C}"/>
-              </a:ext>
-            </a:extLst>
-          </p:cNvPr>
-          <p:cNvSpPr/>
-          <p:nvPr/>
-        </p:nvSpPr>
-        <p:spPr>
-          <a:xfrm>
-            <a:off x="5724418" y="-13280"/>
-            <a:ext cx="4530538" cy="646331"/>
-          </a:xfrm>
-          <a:prstGeom prst="rect">
-            <a:avLst/>
-          </a:prstGeom>
-        </p:spPr>
-        <p:txBody>
-          <a:bodyPr wrap="square">
-            <a:spAutoFit/>
-          </a:bodyPr>
-          <a:lstStyle/>
-          <a:p>
-            <a:r>
-              <a:rPr lang="en-US" dirty="0"/>
-              <a:t>A unique identifier for targeted compounds in spectral library, number or character</a:t>
-            </a:r>
-          </a:p>
-        </p:txBody>
-      </p:sp>
-      <p:cxnSp>
-        <p:nvCxnSpPr>
-          <p:cNvPr id="37" name="Connecteur droit avec flèche 36">
-            <a:extLst>
-              <a:ext uri="{FF2B5EF4-FFF2-40B4-BE49-F238E27FC236}">
-                <a16:creationId xmlns:a16="http://schemas.microsoft.com/office/drawing/2014/main" id="{FF9F1586-94EA-4660-A312-E04944290719}"/>
-              </a:ext>
-            </a:extLst>
-          </p:cNvPr>
-          <p:cNvCxnSpPr>
-            <a:cxnSpLocks/>
-          </p:cNvCxnSpPr>
-          <p:nvPr/>
-        </p:nvCxnSpPr>
-        <p:spPr>
-          <a:xfrm flipV="1">
-            <a:off x="5240305" y="621756"/>
-            <a:ext cx="855695" cy="1330412"/>
-          </a:xfrm>
-          <a:prstGeom prst="straightConnector1">
-            <a:avLst/>
-          </a:prstGeom>
-          <a:ln w="19050">
-            <a:solidFill>
-              <a:srgbClr val="FF0000"/>
-            </a:solidFill>
-            <a:tailEnd type="triangle"/>
-          </a:ln>
-        </p:spPr>
-        <p:style>
-          <a:lnRef idx="1">
-            <a:schemeClr val="accent1"/>
-          </a:lnRef>
-          <a:fillRef idx="0">
-            <a:schemeClr val="accent1"/>
-          </a:fillRef>
-          <a:effectRef idx="0">
-            <a:schemeClr val="accent1"/>
-          </a:effectRef>
-          <a:fontRef idx="minor">
-            <a:schemeClr val="tx1"/>
-          </a:fontRef>
-        </p:style>
-      </p:cxnSp>
-      <p:sp>
-        <p:nvSpPr>
-          <p:cNvPr id="39" name="Rectangle 38">
-            <a:extLst>
-              <a:ext uri="{FF2B5EF4-FFF2-40B4-BE49-F238E27FC236}">
-                <a16:creationId xmlns:a16="http://schemas.microsoft.com/office/drawing/2014/main" id="{CA8B4FFF-E8B7-4459-9D6C-1750153F545C}"/>
-              </a:ext>
-            </a:extLst>
-          </p:cNvPr>
-          <p:cNvSpPr/>
-          <p:nvPr/>
-        </p:nvSpPr>
-        <p:spPr>
-          <a:xfrm>
-            <a:off x="3816069" y="-1075109"/>
-            <a:ext cx="2127248" cy="1200329"/>
-          </a:xfrm>
-          <a:prstGeom prst="rect">
-            <a:avLst/>
-          </a:prstGeom>
-        </p:spPr>
-        <p:txBody>
-          <a:bodyPr wrap="square">
-            <a:spAutoFit/>
-          </a:bodyPr>
-          <a:lstStyle/>
-          <a:p>
-            <a:r>
-              <a:rPr lang="en-US" dirty="0"/>
-              <a:t>Precursor ion adduct type, one of "M+H","</a:t>
-            </a:r>
-            <a:r>
-              <a:rPr lang="en-US" dirty="0" err="1"/>
-              <a:t>M+Na</a:t>
-            </a:r>
-            <a:r>
-              <a:rPr lang="en-US" dirty="0"/>
-              <a:t>","M+K","M-H“, "</a:t>
-            </a:r>
-            <a:r>
-              <a:rPr lang="en-US" dirty="0" err="1"/>
-              <a:t>M+Cl</a:t>
-            </a:r>
-            <a:r>
-              <a:rPr lang="en-US" dirty="0"/>
-              <a:t>"</a:t>
-            </a:r>
-          </a:p>
-        </p:txBody>
-      </p:sp>
-      <p:cxnSp>
-        <p:nvCxnSpPr>
-          <p:cNvPr id="40" name="Connecteur droit avec flèche 39">
-            <a:extLst>
-              <a:ext uri="{FF2B5EF4-FFF2-40B4-BE49-F238E27FC236}">
-                <a16:creationId xmlns:a16="http://schemas.microsoft.com/office/drawing/2014/main" id="{25E1FE42-333F-4FCF-A492-E832DB416ECE}"/>
-              </a:ext>
-            </a:extLst>
-          </p:cNvPr>
-          <p:cNvCxnSpPr>
-            <a:cxnSpLocks/>
-          </p:cNvCxnSpPr>
-          <p:nvPr/>
-        </p:nvCxnSpPr>
-        <p:spPr>
-          <a:xfrm flipV="1">
-            <a:off x="4434883" y="160091"/>
-            <a:ext cx="120944" cy="1579485"/>
-          </a:xfrm>
-          <a:prstGeom prst="straightConnector1">
-            <a:avLst/>
-          </a:prstGeom>
-          <a:ln w="19050">
-            <a:solidFill>
-              <a:srgbClr val="FF0000"/>
-            </a:solidFill>
-            <a:tailEnd type="triangle"/>
-          </a:ln>
-        </p:spPr>
-        <p:style>
-          <a:lnRef idx="1">
-            <a:schemeClr val="accent1"/>
-          </a:lnRef>
-          <a:fillRef idx="0">
-            <a:schemeClr val="accent1"/>
-          </a:fillRef>
-          <a:effectRef idx="0">
-            <a:schemeClr val="accent1"/>
-          </a:effectRef>
-          <a:fontRef idx="minor">
-            <a:schemeClr val="tx1"/>
-          </a:fontRef>
-        </p:style>
-      </p:cxnSp>
+              <a:t>2. Please choose CWT algorithm to centroid Waters data </a:t>
+            </a:r>
+            <a:r>
+              <a:rPr lang="en-US" altLang="zh-CN" sz="2000" b="1" dirty="0">
+                <a:solidFill>
+                  <a:srgbClr val="C96420"/>
+                </a:solidFill>
+              </a:rPr>
+              <a:t>file. Please use default parameters.</a:t>
+            </a:r>
+            <a:endParaRPr lang="en-US" sz="2000" b="1" dirty="0">
+              <a:solidFill>
+                <a:srgbClr val="C96420"/>
+              </a:solidFill>
+            </a:endParaRPr>
+          </a:p>
+        </p:txBody>
+      </p:sp>
     </p:spTree>
     <p:extLst>
       <p:ext uri="{BB962C8B-B14F-4D97-AF65-F5344CB8AC3E}">
-        <p14:creationId xmlns:p14="http://schemas.microsoft.com/office/powerpoint/2010/main" val="1790534336"/>
+        <p14:creationId xmlns:p14="http://schemas.microsoft.com/office/powerpoint/2010/main" val="3507292742"/>
       </p:ext>
     </p:extLst>
   </p:cSld>
@@ -6779,6 +8681,816 @@
           <a:chExt cx="0" cy="0"/>
         </a:xfrm>
       </p:grpSpPr>
+      <p:sp>
+        <p:nvSpPr>
+          <p:cNvPr id="42" name="Rectangle 41">
+            <a:extLst>
+              <a:ext uri="{FF2B5EF4-FFF2-40B4-BE49-F238E27FC236}">
+                <a16:creationId xmlns:a16="http://schemas.microsoft.com/office/drawing/2014/main" id="{2A41BB3B-134B-45B1-9AF9-FD3AD979F5FA}"/>
+              </a:ext>
+            </a:extLst>
+          </p:cNvPr>
+          <p:cNvSpPr/>
+          <p:nvPr/>
+        </p:nvSpPr>
+        <p:spPr>
+          <a:xfrm>
+            <a:off x="-1011631" y="-1195307"/>
+            <a:ext cx="11387531" cy="8053307"/>
+          </a:xfrm>
+          <a:prstGeom prst="rect">
+            <a:avLst/>
+          </a:prstGeom>
+          <a:solidFill>
+            <a:schemeClr val="bg1"/>
+          </a:solidFill>
+          <a:ln>
+            <a:solidFill>
+              <a:schemeClr val="bg1"/>
+            </a:solidFill>
+          </a:ln>
+        </p:spPr>
+        <p:style>
+          <a:lnRef idx="2">
+            <a:schemeClr val="accent1">
+              <a:shade val="50000"/>
+            </a:schemeClr>
+          </a:lnRef>
+          <a:fillRef idx="1">
+            <a:schemeClr val="accent1"/>
+          </a:fillRef>
+          <a:effectRef idx="0">
+            <a:schemeClr val="accent1"/>
+          </a:effectRef>
+          <a:fontRef idx="minor">
+            <a:schemeClr val="lt1"/>
+          </a:fontRef>
+        </p:style>
+        <p:txBody>
+          <a:bodyPr rtlCol="0" anchor="ctr"/>
+          <a:lstStyle/>
+          <a:p>
+            <a:pPr algn="ctr"/>
+            <a:endParaRPr lang="en-US"/>
+          </a:p>
+        </p:txBody>
+      </p:sp>
+      <p:pic>
+        <p:nvPicPr>
+          <p:cNvPr id="5" name="Image 4">
+            <a:extLst>
+              <a:ext uri="{FF2B5EF4-FFF2-40B4-BE49-F238E27FC236}">
+                <a16:creationId xmlns:a16="http://schemas.microsoft.com/office/drawing/2014/main" id="{AADEECB1-058D-4317-BB3F-CBDBCCE70BDF}"/>
+              </a:ext>
+            </a:extLst>
+          </p:cNvPr>
+          <p:cNvPicPr>
+            <a:picLocks noChangeAspect="1"/>
+          </p:cNvPicPr>
+          <p:nvPr/>
+        </p:nvPicPr>
+        <p:blipFill>
+          <a:blip r:embed="rId2"/>
+          <a:stretch>
+            <a:fillRect/>
+          </a:stretch>
+        </p:blipFill>
+        <p:spPr>
+          <a:xfrm>
+            <a:off x="990599" y="829012"/>
+            <a:ext cx="7784403" cy="5013325"/>
+          </a:xfrm>
+          <a:prstGeom prst="rect">
+            <a:avLst/>
+          </a:prstGeom>
+        </p:spPr>
+      </p:pic>
+      <p:cxnSp>
+        <p:nvCxnSpPr>
+          <p:cNvPr id="9" name="Connecteur droit 8">
+            <a:extLst>
+              <a:ext uri="{FF2B5EF4-FFF2-40B4-BE49-F238E27FC236}">
+                <a16:creationId xmlns:a16="http://schemas.microsoft.com/office/drawing/2014/main" id="{792882E0-CA0A-45D5-9577-65488E8802C1}"/>
+              </a:ext>
+            </a:extLst>
+          </p:cNvPr>
+          <p:cNvCxnSpPr/>
+          <p:nvPr/>
+        </p:nvCxnSpPr>
+        <p:spPr>
+          <a:xfrm>
+            <a:off x="990599" y="829012"/>
+            <a:ext cx="0" cy="5943600"/>
+          </a:xfrm>
+          <a:prstGeom prst="line">
+            <a:avLst/>
+          </a:prstGeom>
+          <a:ln w="38100">
+            <a:solidFill>
+              <a:srgbClr val="FF0000"/>
+            </a:solidFill>
+          </a:ln>
+        </p:spPr>
+        <p:style>
+          <a:lnRef idx="1">
+            <a:schemeClr val="accent1"/>
+          </a:lnRef>
+          <a:fillRef idx="0">
+            <a:schemeClr val="accent1"/>
+          </a:fillRef>
+          <a:effectRef idx="0">
+            <a:schemeClr val="accent1"/>
+          </a:effectRef>
+          <a:fontRef idx="minor">
+            <a:schemeClr val="tx1"/>
+          </a:fontRef>
+        </p:style>
+      </p:cxnSp>
+      <p:cxnSp>
+        <p:nvCxnSpPr>
+          <p:cNvPr id="10" name="Connecteur droit 9">
+            <a:extLst>
+              <a:ext uri="{FF2B5EF4-FFF2-40B4-BE49-F238E27FC236}">
+                <a16:creationId xmlns:a16="http://schemas.microsoft.com/office/drawing/2014/main" id="{40CD8D7C-A79F-4327-A0FC-C1FCB5B1CF16}"/>
+              </a:ext>
+            </a:extLst>
+          </p:cNvPr>
+          <p:cNvCxnSpPr/>
+          <p:nvPr/>
+        </p:nvCxnSpPr>
+        <p:spPr>
+          <a:xfrm>
+            <a:off x="5448299" y="829012"/>
+            <a:ext cx="0" cy="5943600"/>
+          </a:xfrm>
+          <a:prstGeom prst="line">
+            <a:avLst/>
+          </a:prstGeom>
+          <a:ln w="38100">
+            <a:solidFill>
+              <a:srgbClr val="FF0000"/>
+            </a:solidFill>
+          </a:ln>
+        </p:spPr>
+        <p:style>
+          <a:lnRef idx="1">
+            <a:schemeClr val="accent1"/>
+          </a:lnRef>
+          <a:fillRef idx="0">
+            <a:schemeClr val="accent1"/>
+          </a:fillRef>
+          <a:effectRef idx="0">
+            <a:schemeClr val="accent1"/>
+          </a:effectRef>
+          <a:fontRef idx="minor">
+            <a:schemeClr val="tx1"/>
+          </a:fontRef>
+        </p:style>
+      </p:cxnSp>
+      <p:sp>
+        <p:nvSpPr>
+          <p:cNvPr id="12" name="ZoneTexte 11">
+            <a:extLst>
+              <a:ext uri="{FF2B5EF4-FFF2-40B4-BE49-F238E27FC236}">
+                <a16:creationId xmlns:a16="http://schemas.microsoft.com/office/drawing/2014/main" id="{0A24D7DC-9CF4-4AD0-85AF-61BEB3A89828}"/>
+              </a:ext>
+            </a:extLst>
+          </p:cNvPr>
+          <p:cNvSpPr txBox="1"/>
+          <p:nvPr/>
+        </p:nvSpPr>
+        <p:spPr>
+          <a:xfrm>
+            <a:off x="9207501" y="689312"/>
+            <a:ext cx="571500" cy="523220"/>
+          </a:xfrm>
+          <a:prstGeom prst="rect">
+            <a:avLst/>
+          </a:prstGeom>
+          <a:noFill/>
+        </p:spPr>
+        <p:txBody>
+          <a:bodyPr wrap="square" rtlCol="0">
+            <a:spAutoFit/>
+          </a:bodyPr>
+          <a:lstStyle/>
+          <a:p>
+            <a:r>
+              <a:rPr lang="en-US" sz="2800" dirty="0"/>
+              <a:t>…</a:t>
+            </a:r>
+          </a:p>
+        </p:txBody>
+      </p:sp>
+      <p:sp>
+        <p:nvSpPr>
+          <p:cNvPr id="13" name="ZoneTexte 12">
+            <a:extLst>
+              <a:ext uri="{FF2B5EF4-FFF2-40B4-BE49-F238E27FC236}">
+                <a16:creationId xmlns:a16="http://schemas.microsoft.com/office/drawing/2014/main" id="{D379FF32-C994-4271-8D6F-DE4A7D7CE725}"/>
+              </a:ext>
+            </a:extLst>
+          </p:cNvPr>
+          <p:cNvSpPr txBox="1"/>
+          <p:nvPr/>
+        </p:nvSpPr>
+        <p:spPr>
+          <a:xfrm>
+            <a:off x="9207501" y="3366768"/>
+            <a:ext cx="469900" cy="523220"/>
+          </a:xfrm>
+          <a:prstGeom prst="rect">
+            <a:avLst/>
+          </a:prstGeom>
+          <a:noFill/>
+        </p:spPr>
+        <p:txBody>
+          <a:bodyPr wrap="square" rtlCol="0">
+            <a:spAutoFit/>
+          </a:bodyPr>
+          <a:lstStyle/>
+          <a:p>
+            <a:r>
+              <a:rPr lang="en-US" sz="2800" dirty="0"/>
+              <a:t>…</a:t>
+            </a:r>
+          </a:p>
+        </p:txBody>
+      </p:sp>
+      <p:sp>
+        <p:nvSpPr>
+          <p:cNvPr id="14" name="ZoneTexte 13">
+            <a:extLst>
+              <a:ext uri="{FF2B5EF4-FFF2-40B4-BE49-F238E27FC236}">
+                <a16:creationId xmlns:a16="http://schemas.microsoft.com/office/drawing/2014/main" id="{A542D2B4-3B1B-44DC-8576-44470BF544A5}"/>
+              </a:ext>
+            </a:extLst>
+          </p:cNvPr>
+          <p:cNvSpPr txBox="1"/>
+          <p:nvPr/>
+        </p:nvSpPr>
+        <p:spPr>
+          <a:xfrm>
+            <a:off x="1060631" y="5842337"/>
+            <a:ext cx="4317637" cy="1015663"/>
+          </a:xfrm>
+          <a:prstGeom prst="rect">
+            <a:avLst/>
+          </a:prstGeom>
+          <a:noFill/>
+        </p:spPr>
+        <p:txBody>
+          <a:bodyPr wrap="square" rtlCol="0">
+            <a:spAutoFit/>
+          </a:bodyPr>
+          <a:lstStyle/>
+          <a:p>
+            <a:pPr algn="ctr"/>
+            <a:r>
+              <a:rPr lang="en-US" sz="2000" b="1" dirty="0">
+                <a:solidFill>
+                  <a:srgbClr val="FF0000"/>
+                </a:solidFill>
+              </a:rPr>
+              <a:t>The first five columns of the metadata are mandatory. Column names and order must not be changed !</a:t>
+            </a:r>
+          </a:p>
+        </p:txBody>
+      </p:sp>
+      <p:sp>
+        <p:nvSpPr>
+          <p:cNvPr id="15" name="ZoneTexte 14">
+            <a:extLst>
+              <a:ext uri="{FF2B5EF4-FFF2-40B4-BE49-F238E27FC236}">
+                <a16:creationId xmlns:a16="http://schemas.microsoft.com/office/drawing/2014/main" id="{CED5FE49-39D3-40E1-A5BE-A04BBF180DA7}"/>
+              </a:ext>
+            </a:extLst>
+          </p:cNvPr>
+          <p:cNvSpPr txBox="1"/>
+          <p:nvPr/>
+        </p:nvSpPr>
+        <p:spPr>
+          <a:xfrm>
+            <a:off x="5562962" y="5842337"/>
+            <a:ext cx="4317637" cy="1015663"/>
+          </a:xfrm>
+          <a:prstGeom prst="rect">
+            <a:avLst/>
+          </a:prstGeom>
+          <a:noFill/>
+        </p:spPr>
+        <p:txBody>
+          <a:bodyPr wrap="square" rtlCol="0">
+            <a:spAutoFit/>
+          </a:bodyPr>
+          <a:lstStyle/>
+          <a:p>
+            <a:pPr algn="ctr"/>
+            <a:r>
+              <a:rPr lang="en-US" sz="2000" b="1" dirty="0">
+                <a:solidFill>
+                  <a:srgbClr val="FF0000"/>
+                </a:solidFill>
+              </a:rPr>
+              <a:t>The rest of columns are optional</a:t>
+            </a:r>
+          </a:p>
+          <a:p>
+            <a:pPr algn="ctr"/>
+            <a:r>
+              <a:rPr lang="en-US" sz="2000" b="1" dirty="0">
+                <a:solidFill>
+                  <a:srgbClr val="FF0000"/>
+                </a:solidFill>
+              </a:rPr>
+              <a:t> e.g. “STRUCTURE” and “NAME” can be added for building in-house library.</a:t>
+            </a:r>
+          </a:p>
+        </p:txBody>
+      </p:sp>
+      <p:cxnSp>
+        <p:nvCxnSpPr>
+          <p:cNvPr id="16" name="Connecteur droit 15">
+            <a:extLst>
+              <a:ext uri="{FF2B5EF4-FFF2-40B4-BE49-F238E27FC236}">
+                <a16:creationId xmlns:a16="http://schemas.microsoft.com/office/drawing/2014/main" id="{6B9F2166-35F5-47E4-A82C-C773A47B9A7D}"/>
+              </a:ext>
+            </a:extLst>
+          </p:cNvPr>
+          <p:cNvCxnSpPr/>
+          <p:nvPr/>
+        </p:nvCxnSpPr>
+        <p:spPr>
+          <a:xfrm>
+            <a:off x="10032999" y="829012"/>
+            <a:ext cx="0" cy="5943600"/>
+          </a:xfrm>
+          <a:prstGeom prst="line">
+            <a:avLst/>
+          </a:prstGeom>
+          <a:ln w="38100">
+            <a:solidFill>
+              <a:srgbClr val="FF0000"/>
+            </a:solidFill>
+          </a:ln>
+        </p:spPr>
+        <p:style>
+          <a:lnRef idx="1">
+            <a:schemeClr val="accent1"/>
+          </a:lnRef>
+          <a:fillRef idx="0">
+            <a:schemeClr val="accent1"/>
+          </a:fillRef>
+          <a:effectRef idx="0">
+            <a:schemeClr val="accent1"/>
+          </a:effectRef>
+          <a:fontRef idx="minor">
+            <a:schemeClr val="tx1"/>
+          </a:fontRef>
+        </p:style>
+      </p:cxnSp>
+      <p:sp>
+        <p:nvSpPr>
+          <p:cNvPr id="17" name="Rectangle 16">
+            <a:extLst>
+              <a:ext uri="{FF2B5EF4-FFF2-40B4-BE49-F238E27FC236}">
+                <a16:creationId xmlns:a16="http://schemas.microsoft.com/office/drawing/2014/main" id="{BA925635-E6D5-4294-84D2-F29D0FE7465D}"/>
+              </a:ext>
+            </a:extLst>
+          </p:cNvPr>
+          <p:cNvSpPr/>
+          <p:nvPr/>
+        </p:nvSpPr>
+        <p:spPr>
+          <a:xfrm>
+            <a:off x="-1011630" y="2505670"/>
+            <a:ext cx="1741274" cy="923330"/>
+          </a:xfrm>
+          <a:prstGeom prst="rect">
+            <a:avLst/>
+          </a:prstGeom>
+        </p:spPr>
+        <p:txBody>
+          <a:bodyPr wrap="square">
+            <a:spAutoFit/>
+          </a:bodyPr>
+          <a:lstStyle/>
+          <a:p>
+            <a:r>
+              <a:rPr lang="en-US" dirty="0"/>
+              <a:t>Precursor m/z to be found in chromatograms</a:t>
+            </a:r>
+          </a:p>
+        </p:txBody>
+      </p:sp>
+      <p:cxnSp>
+        <p:nvCxnSpPr>
+          <p:cNvPr id="19" name="Connecteur droit avec flèche 18">
+            <a:extLst>
+              <a:ext uri="{FF2B5EF4-FFF2-40B4-BE49-F238E27FC236}">
+                <a16:creationId xmlns:a16="http://schemas.microsoft.com/office/drawing/2014/main" id="{B5F0A315-06F1-4507-B130-53F413AF6C86}"/>
+              </a:ext>
+            </a:extLst>
+          </p:cNvPr>
+          <p:cNvCxnSpPr>
+            <a:cxnSpLocks/>
+          </p:cNvCxnSpPr>
+          <p:nvPr/>
+        </p:nvCxnSpPr>
+        <p:spPr>
+          <a:xfrm flipH="1">
+            <a:off x="288278" y="1568855"/>
+            <a:ext cx="1103653" cy="962960"/>
+          </a:xfrm>
+          <a:prstGeom prst="straightConnector1">
+            <a:avLst/>
+          </a:prstGeom>
+          <a:ln w="19050">
+            <a:solidFill>
+              <a:srgbClr val="FF0000"/>
+            </a:solidFill>
+            <a:tailEnd type="triangle"/>
+          </a:ln>
+        </p:spPr>
+        <p:style>
+          <a:lnRef idx="1">
+            <a:schemeClr val="accent1"/>
+          </a:lnRef>
+          <a:fillRef idx="0">
+            <a:schemeClr val="accent1"/>
+          </a:fillRef>
+          <a:effectRef idx="0">
+            <a:schemeClr val="accent1"/>
+          </a:effectRef>
+          <a:fontRef idx="minor">
+            <a:schemeClr val="tx1"/>
+          </a:fontRef>
+        </p:style>
+      </p:cxnSp>
+      <p:sp>
+        <p:nvSpPr>
+          <p:cNvPr id="22" name="Rectangle 21">
+            <a:extLst>
+              <a:ext uri="{FF2B5EF4-FFF2-40B4-BE49-F238E27FC236}">
+                <a16:creationId xmlns:a16="http://schemas.microsoft.com/office/drawing/2014/main" id="{9746D2C9-171F-4FE2-84B1-665444D8C9DB}"/>
+              </a:ext>
+            </a:extLst>
+          </p:cNvPr>
+          <p:cNvSpPr/>
+          <p:nvPr/>
+        </p:nvSpPr>
+        <p:spPr>
+          <a:xfrm>
+            <a:off x="-787455" y="-729813"/>
+            <a:ext cx="3318147" cy="1477328"/>
+          </a:xfrm>
+          <a:prstGeom prst="rect">
+            <a:avLst/>
+          </a:prstGeom>
+        </p:spPr>
+        <p:txBody>
+          <a:bodyPr wrap="square">
+            <a:spAutoFit/>
+          </a:bodyPr>
+          <a:lstStyle/>
+          <a:p>
+            <a:r>
+              <a:rPr lang="en-US" dirty="0"/>
+              <a:t>Retention time (in minute) of metabolic features to be found, please put it to N/A if unknown. Important if isomers are present in the same sample.</a:t>
+            </a:r>
+          </a:p>
+        </p:txBody>
+      </p:sp>
+      <p:cxnSp>
+        <p:nvCxnSpPr>
+          <p:cNvPr id="23" name="Connecteur droit avec flèche 22">
+            <a:extLst>
+              <a:ext uri="{FF2B5EF4-FFF2-40B4-BE49-F238E27FC236}">
+                <a16:creationId xmlns:a16="http://schemas.microsoft.com/office/drawing/2014/main" id="{E2CD6BB9-7120-4A1A-9623-4E41FA06C346}"/>
+              </a:ext>
+            </a:extLst>
+          </p:cNvPr>
+          <p:cNvCxnSpPr>
+            <a:cxnSpLocks/>
+          </p:cNvCxnSpPr>
+          <p:nvPr/>
+        </p:nvCxnSpPr>
+        <p:spPr>
+          <a:xfrm flipH="1" flipV="1">
+            <a:off x="2029788" y="633051"/>
+            <a:ext cx="465635" cy="454324"/>
+          </a:xfrm>
+          <a:prstGeom prst="straightConnector1">
+            <a:avLst/>
+          </a:prstGeom>
+          <a:ln w="19050">
+            <a:solidFill>
+              <a:srgbClr val="FF0000"/>
+            </a:solidFill>
+            <a:tailEnd type="triangle"/>
+          </a:ln>
+        </p:spPr>
+        <p:style>
+          <a:lnRef idx="1">
+            <a:schemeClr val="accent1"/>
+          </a:lnRef>
+          <a:fillRef idx="0">
+            <a:schemeClr val="accent1"/>
+          </a:fillRef>
+          <a:effectRef idx="0">
+            <a:schemeClr val="accent1"/>
+          </a:effectRef>
+          <a:fontRef idx="minor">
+            <a:schemeClr val="tx1"/>
+          </a:fontRef>
+        </p:style>
+      </p:cxnSp>
+      <p:cxnSp>
+        <p:nvCxnSpPr>
+          <p:cNvPr id="26" name="Connecteur droit avec flèche 25">
+            <a:extLst>
+              <a:ext uri="{FF2B5EF4-FFF2-40B4-BE49-F238E27FC236}">
+                <a16:creationId xmlns:a16="http://schemas.microsoft.com/office/drawing/2014/main" id="{8B871A3C-B2E2-488A-B22E-94D0379C1B92}"/>
+              </a:ext>
+            </a:extLst>
+          </p:cNvPr>
+          <p:cNvCxnSpPr>
+            <a:cxnSpLocks/>
+          </p:cNvCxnSpPr>
+          <p:nvPr/>
+        </p:nvCxnSpPr>
+        <p:spPr>
+          <a:xfrm flipH="1" flipV="1">
+            <a:off x="3037255" y="459448"/>
+            <a:ext cx="263588" cy="531872"/>
+          </a:xfrm>
+          <a:prstGeom prst="straightConnector1">
+            <a:avLst/>
+          </a:prstGeom>
+          <a:ln w="19050">
+            <a:solidFill>
+              <a:srgbClr val="FF0000"/>
+            </a:solidFill>
+            <a:tailEnd type="triangle"/>
+          </a:ln>
+        </p:spPr>
+        <p:style>
+          <a:lnRef idx="1">
+            <a:schemeClr val="accent1"/>
+          </a:lnRef>
+          <a:fillRef idx="0">
+            <a:schemeClr val="accent1"/>
+          </a:fillRef>
+          <a:effectRef idx="0">
+            <a:schemeClr val="accent1"/>
+          </a:effectRef>
+          <a:fontRef idx="minor">
+            <a:schemeClr val="tx1"/>
+          </a:fontRef>
+        </p:style>
+      </p:cxnSp>
+      <p:sp>
+        <p:nvSpPr>
+          <p:cNvPr id="31" name="Rectangle 30">
+            <a:extLst>
+              <a:ext uri="{FF2B5EF4-FFF2-40B4-BE49-F238E27FC236}">
+                <a16:creationId xmlns:a16="http://schemas.microsoft.com/office/drawing/2014/main" id="{FC63799E-0B95-4877-81FD-D95B91D6DCBC}"/>
+              </a:ext>
+            </a:extLst>
+          </p:cNvPr>
+          <p:cNvSpPr/>
+          <p:nvPr/>
+        </p:nvSpPr>
+        <p:spPr>
+          <a:xfrm>
+            <a:off x="2494250" y="-142073"/>
+            <a:ext cx="1450397" cy="646331"/>
+          </a:xfrm>
+          <a:prstGeom prst="rect">
+            <a:avLst/>
+          </a:prstGeom>
+        </p:spPr>
+        <p:txBody>
+          <a:bodyPr wrap="none">
+            <a:spAutoFit/>
+          </a:bodyPr>
+          <a:lstStyle/>
+          <a:p>
+            <a:r>
+              <a:rPr lang="en-US" dirty="0"/>
+              <a:t>"Positive" </a:t>
+            </a:r>
+          </a:p>
+          <a:p>
+            <a:r>
+              <a:rPr lang="en-US" dirty="0"/>
+              <a:t>or "Negative"</a:t>
+            </a:r>
+          </a:p>
+        </p:txBody>
+      </p:sp>
+      <p:sp>
+        <p:nvSpPr>
+          <p:cNvPr id="32" name="Rectangle 31">
+            <a:extLst>
+              <a:ext uri="{FF2B5EF4-FFF2-40B4-BE49-F238E27FC236}">
+                <a16:creationId xmlns:a16="http://schemas.microsoft.com/office/drawing/2014/main" id="{E9543813-C727-4CDA-8151-30FCE4587D7C}"/>
+              </a:ext>
+            </a:extLst>
+          </p:cNvPr>
+          <p:cNvSpPr/>
+          <p:nvPr/>
+        </p:nvSpPr>
+        <p:spPr>
+          <a:xfrm>
+            <a:off x="5724418" y="-13280"/>
+            <a:ext cx="4530538" cy="646331"/>
+          </a:xfrm>
+          <a:prstGeom prst="rect">
+            <a:avLst/>
+          </a:prstGeom>
+        </p:spPr>
+        <p:txBody>
+          <a:bodyPr wrap="square">
+            <a:spAutoFit/>
+          </a:bodyPr>
+          <a:lstStyle/>
+          <a:p>
+            <a:r>
+              <a:rPr lang="en-US" dirty="0"/>
+              <a:t>A unique identifier for targeted compounds in spectral library, number or character</a:t>
+            </a:r>
+          </a:p>
+        </p:txBody>
+      </p:sp>
+      <p:cxnSp>
+        <p:nvCxnSpPr>
+          <p:cNvPr id="37" name="Connecteur droit avec flèche 36">
+            <a:extLst>
+              <a:ext uri="{FF2B5EF4-FFF2-40B4-BE49-F238E27FC236}">
+                <a16:creationId xmlns:a16="http://schemas.microsoft.com/office/drawing/2014/main" id="{FF9F1586-94EA-4660-A312-E04944290719}"/>
+              </a:ext>
+            </a:extLst>
+          </p:cNvPr>
+          <p:cNvCxnSpPr>
+            <a:cxnSpLocks/>
+          </p:cNvCxnSpPr>
+          <p:nvPr/>
+        </p:nvCxnSpPr>
+        <p:spPr>
+          <a:xfrm flipV="1">
+            <a:off x="5240305" y="621756"/>
+            <a:ext cx="855695" cy="1330412"/>
+          </a:xfrm>
+          <a:prstGeom prst="straightConnector1">
+            <a:avLst/>
+          </a:prstGeom>
+          <a:ln w="19050">
+            <a:solidFill>
+              <a:srgbClr val="FF0000"/>
+            </a:solidFill>
+            <a:tailEnd type="triangle"/>
+          </a:ln>
+        </p:spPr>
+        <p:style>
+          <a:lnRef idx="1">
+            <a:schemeClr val="accent1"/>
+          </a:lnRef>
+          <a:fillRef idx="0">
+            <a:schemeClr val="accent1"/>
+          </a:fillRef>
+          <a:effectRef idx="0">
+            <a:schemeClr val="accent1"/>
+          </a:effectRef>
+          <a:fontRef idx="minor">
+            <a:schemeClr val="tx1"/>
+          </a:fontRef>
+        </p:style>
+      </p:cxnSp>
+      <p:sp>
+        <p:nvSpPr>
+          <p:cNvPr id="39" name="Rectangle 38">
+            <a:extLst>
+              <a:ext uri="{FF2B5EF4-FFF2-40B4-BE49-F238E27FC236}">
+                <a16:creationId xmlns:a16="http://schemas.microsoft.com/office/drawing/2014/main" id="{CA8B4FFF-E8B7-4459-9D6C-1750153F545C}"/>
+              </a:ext>
+            </a:extLst>
+          </p:cNvPr>
+          <p:cNvSpPr/>
+          <p:nvPr/>
+        </p:nvSpPr>
+        <p:spPr>
+          <a:xfrm>
+            <a:off x="3816069" y="-1075109"/>
+            <a:ext cx="2127248" cy="1200329"/>
+          </a:xfrm>
+          <a:prstGeom prst="rect">
+            <a:avLst/>
+          </a:prstGeom>
+        </p:spPr>
+        <p:txBody>
+          <a:bodyPr wrap="square">
+            <a:spAutoFit/>
+          </a:bodyPr>
+          <a:lstStyle/>
+          <a:p>
+            <a:r>
+              <a:rPr lang="en-US" dirty="0"/>
+              <a:t>Precursor ion adduct type, one of "M+H","</a:t>
+            </a:r>
+            <a:r>
+              <a:rPr lang="en-US" dirty="0" err="1"/>
+              <a:t>M+Na</a:t>
+            </a:r>
+            <a:r>
+              <a:rPr lang="en-US" dirty="0"/>
+              <a:t>","M+K","M-H“, "</a:t>
+            </a:r>
+            <a:r>
+              <a:rPr lang="en-US" dirty="0" err="1"/>
+              <a:t>M+Cl</a:t>
+            </a:r>
+            <a:r>
+              <a:rPr lang="en-US" dirty="0"/>
+              <a:t>"</a:t>
+            </a:r>
+          </a:p>
+        </p:txBody>
+      </p:sp>
+      <p:cxnSp>
+        <p:nvCxnSpPr>
+          <p:cNvPr id="40" name="Connecteur droit avec flèche 39">
+            <a:extLst>
+              <a:ext uri="{FF2B5EF4-FFF2-40B4-BE49-F238E27FC236}">
+                <a16:creationId xmlns:a16="http://schemas.microsoft.com/office/drawing/2014/main" id="{25E1FE42-333F-4FCF-A492-E832DB416ECE}"/>
+              </a:ext>
+            </a:extLst>
+          </p:cNvPr>
+          <p:cNvCxnSpPr>
+            <a:cxnSpLocks/>
+          </p:cNvCxnSpPr>
+          <p:nvPr/>
+        </p:nvCxnSpPr>
+        <p:spPr>
+          <a:xfrm flipV="1">
+            <a:off x="4434883" y="160091"/>
+            <a:ext cx="120944" cy="1579485"/>
+          </a:xfrm>
+          <a:prstGeom prst="straightConnector1">
+            <a:avLst/>
+          </a:prstGeom>
+          <a:ln w="19050">
+            <a:solidFill>
+              <a:srgbClr val="FF0000"/>
+            </a:solidFill>
+            <a:tailEnd type="triangle"/>
+          </a:ln>
+        </p:spPr>
+        <p:style>
+          <a:lnRef idx="1">
+            <a:schemeClr val="accent1"/>
+          </a:lnRef>
+          <a:fillRef idx="0">
+            <a:schemeClr val="accent1"/>
+          </a:fillRef>
+          <a:effectRef idx="0">
+            <a:schemeClr val="accent1"/>
+          </a:effectRef>
+          <a:fontRef idx="minor">
+            <a:schemeClr val="tx1"/>
+          </a:fontRef>
+        </p:style>
+      </p:cxnSp>
+    </p:spTree>
+    <p:extLst>
+      <p:ext uri="{BB962C8B-B14F-4D97-AF65-F5344CB8AC3E}">
+        <p14:creationId xmlns:p14="http://schemas.microsoft.com/office/powerpoint/2010/main" val="1790534336"/>
+      </p:ext>
+    </p:extLst>
+  </p:cSld>
+  <p:clrMapOvr>
+    <a:masterClrMapping/>
+  </p:clrMapOvr>
+</p:sld>
+</file>
+
+<file path=ppt/slides/slide6.xml><?xml version="1.0" encoding="utf-8"?>
+<p:sld xmlns:a="http://schemas.openxmlformats.org/drawingml/2006/main" xmlns:r="http://schemas.openxmlformats.org/officeDocument/2006/relationships" xmlns:p="http://schemas.openxmlformats.org/presentationml/2006/main">
+  <p:cSld>
+    <p:spTree>
+      <p:nvGrpSpPr>
+        <p:cNvPr id="1" name=""/>
+        <p:cNvGrpSpPr/>
+        <p:nvPr/>
+      </p:nvGrpSpPr>
+      <p:grpSpPr>
+        <a:xfrm>
+          <a:off x="0" y="0"/>
+          <a:ext cx="0" cy="0"/>
+          <a:chOff x="0" y="0"/>
+          <a:chExt cx="0" cy="0"/>
+        </a:xfrm>
+      </p:grpSpPr>
       <p:pic>
         <p:nvPicPr>
           <p:cNvPr id="4" name="Image 3">
@@ -6902,7 +9614,7 @@
 </p:sld>
 </file>
 
-<file path=ppt/slides/slide6.xml><?xml version="1.0" encoding="utf-8"?>
+<file path=ppt/slides/slide7.xml><?xml version="1.0" encoding="utf-8"?>
 <p:sld xmlns:a="http://schemas.openxmlformats.org/drawingml/2006/main" xmlns:r="http://schemas.openxmlformats.org/officeDocument/2006/relationships" xmlns:p="http://schemas.openxmlformats.org/presentationml/2006/main">
   <p:cSld>
     <p:spTree>
@@ -8216,7 +10928,7 @@
 </p:sld>
 </file>
 
-<file path=ppt/slides/slide7.xml><?xml version="1.0" encoding="utf-8"?>
+<file path=ppt/slides/slide8.xml><?xml version="1.0" encoding="utf-8"?>
 <p:sld xmlns:a="http://schemas.openxmlformats.org/drawingml/2006/main" xmlns:r="http://schemas.openxmlformats.org/officeDocument/2006/relationships" xmlns:p="http://schemas.openxmlformats.org/presentationml/2006/main">
   <p:cSld>
     <p:spTree>
@@ -8670,7 +11382,7 @@
 </p:sld>
 </file>
 
-<file path=ppt/slides/slide8.xml><?xml version="1.0" encoding="utf-8"?>
+<file path=ppt/slides/slide9.xml><?xml version="1.0" encoding="utf-8"?>
 <p:sld xmlns:a="http://schemas.openxmlformats.org/drawingml/2006/main" xmlns:r="http://schemas.openxmlformats.org/officeDocument/2006/relationships" xmlns:p="http://schemas.openxmlformats.org/presentationml/2006/main">
   <p:cSld>
     <p:spTree>

--- a/inst/tmp.pptx
+++ b/inst/tmp.pptx
@@ -4,14 +4,17 @@
   <p:sldMasterIdLst>
     <p:sldMasterId id="2147483648" r:id="rId1"/>
   </p:sldMasterIdLst>
+  <p:notesMasterIdLst>
+    <p:notesMasterId r:id="rId11"/>
+  </p:notesMasterIdLst>
   <p:sldIdLst>
     <p:sldId id="258" r:id="rId2"/>
-    <p:sldId id="264" r:id="rId3"/>
+    <p:sldId id="266" r:id="rId3"/>
     <p:sldId id="256" r:id="rId4"/>
     <p:sldId id="257" r:id="rId5"/>
     <p:sldId id="259" r:id="rId6"/>
     <p:sldId id="260" r:id="rId7"/>
-    <p:sldId id="261" r:id="rId8"/>
+    <p:sldId id="265" r:id="rId8"/>
     <p:sldId id="262" r:id="rId9"/>
     <p:sldId id="263" r:id="rId10"/>
   </p:sldIdLst>
@@ -120,6 +123,440 @@
 </p:presentation>
 </file>
 
+<file path=ppt/notesMasters/notesMaster1.xml><?xml version="1.0" encoding="utf-8"?>
+<p:notesMaster xmlns:a="http://schemas.openxmlformats.org/drawingml/2006/main" xmlns:r="http://schemas.openxmlformats.org/officeDocument/2006/relationships" xmlns:p="http://schemas.openxmlformats.org/presentationml/2006/main">
+  <p:cSld>
+    <p:bg>
+      <p:bgRef idx="1001">
+        <a:schemeClr val="bg1"/>
+      </p:bgRef>
+    </p:bg>
+    <p:spTree>
+      <p:nvGrpSpPr>
+        <p:cNvPr id="1" name=""/>
+        <p:cNvGrpSpPr/>
+        <p:nvPr/>
+      </p:nvGrpSpPr>
+      <p:grpSpPr>
+        <a:xfrm>
+          <a:off x="0" y="0"/>
+          <a:ext cx="0" cy="0"/>
+          <a:chOff x="0" y="0"/>
+          <a:chExt cx="0" cy="0"/>
+        </a:xfrm>
+      </p:grpSpPr>
+      <p:sp>
+        <p:nvSpPr>
+          <p:cNvPr id="2" name="Espace réservé de l'en-tête 1"/>
+          <p:cNvSpPr>
+            <a:spLocks noGrp="1"/>
+          </p:cNvSpPr>
+          <p:nvPr>
+            <p:ph type="hdr" sz="quarter"/>
+          </p:nvPr>
+        </p:nvSpPr>
+        <p:spPr>
+          <a:xfrm>
+            <a:off x="0" y="0"/>
+            <a:ext cx="2971800" cy="458788"/>
+          </a:xfrm>
+          <a:prstGeom prst="rect">
+            <a:avLst/>
+          </a:prstGeom>
+        </p:spPr>
+        <p:txBody>
+          <a:bodyPr vert="horz" lIns="91440" tIns="45720" rIns="91440" bIns="45720" rtlCol="0"/>
+          <a:lstStyle>
+            <a:lvl1pPr algn="l">
+              <a:defRPr sz="1200"/>
+            </a:lvl1pPr>
+          </a:lstStyle>
+          <a:p>
+            <a:endParaRPr lang="en-US"/>
+          </a:p>
+        </p:txBody>
+      </p:sp>
+      <p:sp>
+        <p:nvSpPr>
+          <p:cNvPr id="3" name="Espace réservé de la date 2"/>
+          <p:cNvSpPr>
+            <a:spLocks noGrp="1"/>
+          </p:cNvSpPr>
+          <p:nvPr>
+            <p:ph type="dt" idx="1"/>
+          </p:nvPr>
+        </p:nvSpPr>
+        <p:spPr>
+          <a:xfrm>
+            <a:off x="3884613" y="0"/>
+            <a:ext cx="2971800" cy="458788"/>
+          </a:xfrm>
+          <a:prstGeom prst="rect">
+            <a:avLst/>
+          </a:prstGeom>
+        </p:spPr>
+        <p:txBody>
+          <a:bodyPr vert="horz" lIns="91440" tIns="45720" rIns="91440" bIns="45720" rtlCol="0"/>
+          <a:lstStyle>
+            <a:lvl1pPr algn="r">
+              <a:defRPr sz="1200"/>
+            </a:lvl1pPr>
+          </a:lstStyle>
+          <a:p>
+            <a:fld id="{DB793187-038D-46E7-93F5-6A59D77E4888}" type="datetimeFigureOut">
+              <a:rPr lang="en-US" smtClean="0"/>
+              <a:t>3/3/2019</a:t>
+            </a:fld>
+            <a:endParaRPr lang="en-US"/>
+          </a:p>
+        </p:txBody>
+      </p:sp>
+      <p:sp>
+        <p:nvSpPr>
+          <p:cNvPr id="4" name="Espace réservé de l'image des diapositives 3"/>
+          <p:cNvSpPr>
+            <a:spLocks noGrp="1" noRot="1" noChangeAspect="1"/>
+          </p:cNvSpPr>
+          <p:nvPr>
+            <p:ph type="sldImg" idx="2"/>
+          </p:nvPr>
+        </p:nvSpPr>
+        <p:spPr>
+          <a:xfrm>
+            <a:off x="685800" y="1143000"/>
+            <a:ext cx="5486400" cy="3086100"/>
+          </a:xfrm>
+          <a:prstGeom prst="rect">
+            <a:avLst/>
+          </a:prstGeom>
+          <a:noFill/>
+          <a:ln w="12700">
+            <a:solidFill>
+              <a:prstClr val="black"/>
+            </a:solidFill>
+          </a:ln>
+        </p:spPr>
+        <p:txBody>
+          <a:bodyPr vert="horz" lIns="91440" tIns="45720" rIns="91440" bIns="45720" rtlCol="0" anchor="ctr"/>
+          <a:lstStyle/>
+          <a:p>
+            <a:endParaRPr lang="en-US"/>
+          </a:p>
+        </p:txBody>
+      </p:sp>
+      <p:sp>
+        <p:nvSpPr>
+          <p:cNvPr id="5" name="Espace réservé des notes 4"/>
+          <p:cNvSpPr>
+            <a:spLocks noGrp="1"/>
+          </p:cNvSpPr>
+          <p:nvPr>
+            <p:ph type="body" sz="quarter" idx="3"/>
+          </p:nvPr>
+        </p:nvSpPr>
+        <p:spPr>
+          <a:xfrm>
+            <a:off x="685800" y="4400550"/>
+            <a:ext cx="5486400" cy="3600450"/>
+          </a:xfrm>
+          <a:prstGeom prst="rect">
+            <a:avLst/>
+          </a:prstGeom>
+        </p:spPr>
+        <p:txBody>
+          <a:bodyPr vert="horz" lIns="91440" tIns="45720" rIns="91440" bIns="45720" rtlCol="0"/>
+          <a:lstStyle/>
+          <a:p>
+            <a:pPr lvl="0"/>
+            <a:r>
+              <a:rPr lang="fr-FR"/>
+              <a:t>Modifier les styles du texte du masque</a:t>
+            </a:r>
+          </a:p>
+          <a:p>
+            <a:pPr lvl="1"/>
+            <a:r>
+              <a:rPr lang="fr-FR"/>
+              <a:t>Deuxième niveau</a:t>
+            </a:r>
+          </a:p>
+          <a:p>
+            <a:pPr lvl="2"/>
+            <a:r>
+              <a:rPr lang="fr-FR"/>
+              <a:t>Troisième niveau</a:t>
+            </a:r>
+          </a:p>
+          <a:p>
+            <a:pPr lvl="3"/>
+            <a:r>
+              <a:rPr lang="fr-FR"/>
+              <a:t>Quatrième niveau</a:t>
+            </a:r>
+          </a:p>
+          <a:p>
+            <a:pPr lvl="4"/>
+            <a:r>
+              <a:rPr lang="fr-FR"/>
+              <a:t>Cinquième niveau</a:t>
+            </a:r>
+            <a:endParaRPr lang="en-US"/>
+          </a:p>
+        </p:txBody>
+      </p:sp>
+      <p:sp>
+        <p:nvSpPr>
+          <p:cNvPr id="6" name="Espace réservé du pied de page 5"/>
+          <p:cNvSpPr>
+            <a:spLocks noGrp="1"/>
+          </p:cNvSpPr>
+          <p:nvPr>
+            <p:ph type="ftr" sz="quarter" idx="4"/>
+          </p:nvPr>
+        </p:nvSpPr>
+        <p:spPr>
+          <a:xfrm>
+            <a:off x="0" y="8685213"/>
+            <a:ext cx="2971800" cy="458787"/>
+          </a:xfrm>
+          <a:prstGeom prst="rect">
+            <a:avLst/>
+          </a:prstGeom>
+        </p:spPr>
+        <p:txBody>
+          <a:bodyPr vert="horz" lIns="91440" tIns="45720" rIns="91440" bIns="45720" rtlCol="0" anchor="b"/>
+          <a:lstStyle>
+            <a:lvl1pPr algn="l">
+              <a:defRPr sz="1200"/>
+            </a:lvl1pPr>
+          </a:lstStyle>
+          <a:p>
+            <a:endParaRPr lang="en-US"/>
+          </a:p>
+        </p:txBody>
+      </p:sp>
+      <p:sp>
+        <p:nvSpPr>
+          <p:cNvPr id="7" name="Espace réservé du numéro de diapositive 6"/>
+          <p:cNvSpPr>
+            <a:spLocks noGrp="1"/>
+          </p:cNvSpPr>
+          <p:nvPr>
+            <p:ph type="sldNum" sz="quarter" idx="5"/>
+          </p:nvPr>
+        </p:nvSpPr>
+        <p:spPr>
+          <a:xfrm>
+            <a:off x="3884613" y="8685213"/>
+            <a:ext cx="2971800" cy="458787"/>
+          </a:xfrm>
+          <a:prstGeom prst="rect">
+            <a:avLst/>
+          </a:prstGeom>
+        </p:spPr>
+        <p:txBody>
+          <a:bodyPr vert="horz" lIns="91440" tIns="45720" rIns="91440" bIns="45720" rtlCol="0" anchor="b"/>
+          <a:lstStyle>
+            <a:lvl1pPr algn="r">
+              <a:defRPr sz="1200"/>
+            </a:lvl1pPr>
+          </a:lstStyle>
+          <a:p>
+            <a:fld id="{E3321616-E315-44E4-BD4C-1021EFED320A}" type="slidenum">
+              <a:rPr lang="en-US" smtClean="0"/>
+              <a:t>‹N°›</a:t>
+            </a:fld>
+            <a:endParaRPr lang="en-US"/>
+          </a:p>
+        </p:txBody>
+      </p:sp>
+    </p:spTree>
+    <p:extLst>
+      <p:ext uri="{BB962C8B-B14F-4D97-AF65-F5344CB8AC3E}">
+        <p14:creationId xmlns:p14="http://schemas.microsoft.com/office/powerpoint/2010/main" val="2686364472"/>
+      </p:ext>
+    </p:extLst>
+  </p:cSld>
+  <p:clrMap bg1="lt1" tx1="dk1" bg2="lt2" tx2="dk2" accent1="accent1" accent2="accent2" accent3="accent3" accent4="accent4" accent5="accent5" accent6="accent6" hlink="hlink" folHlink="folHlink"/>
+  <p:notesStyle>
+    <a:lvl1pPr marL="0" algn="l" defTabSz="914400" rtl="0" eaLnBrk="1" latinLnBrk="0" hangingPunct="1">
+      <a:defRPr sz="1200" kern="1200">
+        <a:solidFill>
+          <a:schemeClr val="tx1"/>
+        </a:solidFill>
+        <a:latin typeface="+mn-lt"/>
+        <a:ea typeface="+mn-ea"/>
+        <a:cs typeface="+mn-cs"/>
+      </a:defRPr>
+    </a:lvl1pPr>
+    <a:lvl2pPr marL="457200" algn="l" defTabSz="914400" rtl="0" eaLnBrk="1" latinLnBrk="0" hangingPunct="1">
+      <a:defRPr sz="1200" kern="1200">
+        <a:solidFill>
+          <a:schemeClr val="tx1"/>
+        </a:solidFill>
+        <a:latin typeface="+mn-lt"/>
+        <a:ea typeface="+mn-ea"/>
+        <a:cs typeface="+mn-cs"/>
+      </a:defRPr>
+    </a:lvl2pPr>
+    <a:lvl3pPr marL="914400" algn="l" defTabSz="914400" rtl="0" eaLnBrk="1" latinLnBrk="0" hangingPunct="1">
+      <a:defRPr sz="1200" kern="1200">
+        <a:solidFill>
+          <a:schemeClr val="tx1"/>
+        </a:solidFill>
+        <a:latin typeface="+mn-lt"/>
+        <a:ea typeface="+mn-ea"/>
+        <a:cs typeface="+mn-cs"/>
+      </a:defRPr>
+    </a:lvl3pPr>
+    <a:lvl4pPr marL="1371600" algn="l" defTabSz="914400" rtl="0" eaLnBrk="1" latinLnBrk="0" hangingPunct="1">
+      <a:defRPr sz="1200" kern="1200">
+        <a:solidFill>
+          <a:schemeClr val="tx1"/>
+        </a:solidFill>
+        <a:latin typeface="+mn-lt"/>
+        <a:ea typeface="+mn-ea"/>
+        <a:cs typeface="+mn-cs"/>
+      </a:defRPr>
+    </a:lvl4pPr>
+    <a:lvl5pPr marL="1828800" algn="l" defTabSz="914400" rtl="0" eaLnBrk="1" latinLnBrk="0" hangingPunct="1">
+      <a:defRPr sz="1200" kern="1200">
+        <a:solidFill>
+          <a:schemeClr val="tx1"/>
+        </a:solidFill>
+        <a:latin typeface="+mn-lt"/>
+        <a:ea typeface="+mn-ea"/>
+        <a:cs typeface="+mn-cs"/>
+      </a:defRPr>
+    </a:lvl5pPr>
+    <a:lvl6pPr marL="2286000" algn="l" defTabSz="914400" rtl="0" eaLnBrk="1" latinLnBrk="0" hangingPunct="1">
+      <a:defRPr sz="1200" kern="1200">
+        <a:solidFill>
+          <a:schemeClr val="tx1"/>
+        </a:solidFill>
+        <a:latin typeface="+mn-lt"/>
+        <a:ea typeface="+mn-ea"/>
+        <a:cs typeface="+mn-cs"/>
+      </a:defRPr>
+    </a:lvl6pPr>
+    <a:lvl7pPr marL="2743200" algn="l" defTabSz="914400" rtl="0" eaLnBrk="1" latinLnBrk="0" hangingPunct="1">
+      <a:defRPr sz="1200" kern="1200">
+        <a:solidFill>
+          <a:schemeClr val="tx1"/>
+        </a:solidFill>
+        <a:latin typeface="+mn-lt"/>
+        <a:ea typeface="+mn-ea"/>
+        <a:cs typeface="+mn-cs"/>
+      </a:defRPr>
+    </a:lvl7pPr>
+    <a:lvl8pPr marL="3200400" algn="l" defTabSz="914400" rtl="0" eaLnBrk="1" latinLnBrk="0" hangingPunct="1">
+      <a:defRPr sz="1200" kern="1200">
+        <a:solidFill>
+          <a:schemeClr val="tx1"/>
+        </a:solidFill>
+        <a:latin typeface="+mn-lt"/>
+        <a:ea typeface="+mn-ea"/>
+        <a:cs typeface="+mn-cs"/>
+      </a:defRPr>
+    </a:lvl8pPr>
+    <a:lvl9pPr marL="3657600" algn="l" defTabSz="914400" rtl="0" eaLnBrk="1" latinLnBrk="0" hangingPunct="1">
+      <a:defRPr sz="1200" kern="1200">
+        <a:solidFill>
+          <a:schemeClr val="tx1"/>
+        </a:solidFill>
+        <a:latin typeface="+mn-lt"/>
+        <a:ea typeface="+mn-ea"/>
+        <a:cs typeface="+mn-cs"/>
+      </a:defRPr>
+    </a:lvl9pPr>
+  </p:notesStyle>
+</p:notesMaster>
+</file>
+
+<file path=ppt/notesSlides/notesSlide1.xml><?xml version="1.0" encoding="utf-8"?>
+<p:notes xmlns:a="http://schemas.openxmlformats.org/drawingml/2006/main" xmlns:r="http://schemas.openxmlformats.org/officeDocument/2006/relationships" xmlns:p="http://schemas.openxmlformats.org/presentationml/2006/main">
+  <p:cSld>
+    <p:spTree>
+      <p:nvGrpSpPr>
+        <p:cNvPr id="1" name=""/>
+        <p:cNvGrpSpPr/>
+        <p:nvPr/>
+      </p:nvGrpSpPr>
+      <p:grpSpPr>
+        <a:xfrm>
+          <a:off x="0" y="0"/>
+          <a:ext cx="0" cy="0"/>
+          <a:chOff x="0" y="0"/>
+          <a:chExt cx="0" cy="0"/>
+        </a:xfrm>
+      </p:grpSpPr>
+      <p:sp>
+        <p:nvSpPr>
+          <p:cNvPr id="2" name="Espace réservé de l'image des diapositives 1"/>
+          <p:cNvSpPr>
+            <a:spLocks noGrp="1" noRot="1" noChangeAspect="1"/>
+          </p:cNvSpPr>
+          <p:nvPr>
+            <p:ph type="sldImg"/>
+          </p:nvPr>
+        </p:nvSpPr>
+        <p:spPr/>
+      </p:sp>
+      <p:sp>
+        <p:nvSpPr>
+          <p:cNvPr id="3" name="Espace réservé des notes 2"/>
+          <p:cNvSpPr>
+            <a:spLocks noGrp="1"/>
+          </p:cNvSpPr>
+          <p:nvPr>
+            <p:ph type="body" idx="1"/>
+          </p:nvPr>
+        </p:nvSpPr>
+        <p:spPr/>
+        <p:txBody>
+          <a:bodyPr/>
+          <a:lstStyle/>
+          <a:p>
+            <a:endParaRPr lang="en-US" dirty="0"/>
+          </a:p>
+        </p:txBody>
+      </p:sp>
+      <p:sp>
+        <p:nvSpPr>
+          <p:cNvPr id="4" name="Espace réservé du numéro de diapositive 3"/>
+          <p:cNvSpPr>
+            <a:spLocks noGrp="1"/>
+          </p:cNvSpPr>
+          <p:nvPr>
+            <p:ph type="sldNum" sz="quarter" idx="5"/>
+          </p:nvPr>
+        </p:nvSpPr>
+        <p:spPr/>
+        <p:txBody>
+          <a:bodyPr/>
+          <a:lstStyle/>
+          <a:p>
+            <a:fld id="{E3321616-E315-44E4-BD4C-1021EFED320A}" type="slidenum">
+              <a:rPr lang="en-US" smtClean="0"/>
+              <a:t>7</a:t>
+            </a:fld>
+            <a:endParaRPr lang="en-US"/>
+          </a:p>
+        </p:txBody>
+      </p:sp>
+    </p:spTree>
+    <p:extLst>
+      <p:ext uri="{BB962C8B-B14F-4D97-AF65-F5344CB8AC3E}">
+        <p14:creationId xmlns:p14="http://schemas.microsoft.com/office/powerpoint/2010/main" val="37809427"/>
+      </p:ext>
+    </p:extLst>
+  </p:cSld>
+  <p:clrMapOvr>
+    <a:masterClrMapping/>
+  </p:clrMapOvr>
+</p:notes>
+</file>
+
 <file path=ppt/slideLayouts/slideLayout1.xml><?xml version="1.0" encoding="utf-8"?>
 <p:sldLayout xmlns:a="http://schemas.openxmlformats.org/drawingml/2006/main" xmlns:r="http://schemas.openxmlformats.org/officeDocument/2006/relationships" xmlns:p="http://schemas.openxmlformats.org/presentationml/2006/main" type="title" preserve="1">
   <p:cSld name="Diapositive de titre">
@@ -269,7 +706,7 @@
           <a:p>
             <a:fld id="{63C097CE-CE30-40FD-8349-F85D75ED7B0A}" type="datetimeFigureOut">
               <a:rPr lang="en-US" smtClean="0"/>
-              <a:t>2/19/2019</a:t>
+              <a:t>3/3/2019</a:t>
             </a:fld>
             <a:endParaRPr lang="en-US"/>
           </a:p>
@@ -469,7 +906,7 @@
           <a:p>
             <a:fld id="{63C097CE-CE30-40FD-8349-F85D75ED7B0A}" type="datetimeFigureOut">
               <a:rPr lang="en-US" smtClean="0"/>
-              <a:t>2/19/2019</a:t>
+              <a:t>3/3/2019</a:t>
             </a:fld>
             <a:endParaRPr lang="en-US"/>
           </a:p>
@@ -679,7 +1116,7 @@
           <a:p>
             <a:fld id="{63C097CE-CE30-40FD-8349-F85D75ED7B0A}" type="datetimeFigureOut">
               <a:rPr lang="en-US" smtClean="0"/>
-              <a:t>2/19/2019</a:t>
+              <a:t>3/3/2019</a:t>
             </a:fld>
             <a:endParaRPr lang="en-US"/>
           </a:p>
@@ -879,7 +1316,7 @@
           <a:p>
             <a:fld id="{63C097CE-CE30-40FD-8349-F85D75ED7B0A}" type="datetimeFigureOut">
               <a:rPr lang="en-US" smtClean="0"/>
-              <a:t>2/19/2019</a:t>
+              <a:t>3/3/2019</a:t>
             </a:fld>
             <a:endParaRPr lang="en-US"/>
           </a:p>
@@ -1155,7 +1592,7 @@
           <a:p>
             <a:fld id="{63C097CE-CE30-40FD-8349-F85D75ED7B0A}" type="datetimeFigureOut">
               <a:rPr lang="en-US" smtClean="0"/>
-              <a:t>2/19/2019</a:t>
+              <a:t>3/3/2019</a:t>
             </a:fld>
             <a:endParaRPr lang="en-US"/>
           </a:p>
@@ -1423,7 +1860,7 @@
           <a:p>
             <a:fld id="{63C097CE-CE30-40FD-8349-F85D75ED7B0A}" type="datetimeFigureOut">
               <a:rPr lang="en-US" smtClean="0"/>
-              <a:t>2/19/2019</a:t>
+              <a:t>3/3/2019</a:t>
             </a:fld>
             <a:endParaRPr lang="en-US"/>
           </a:p>
@@ -1838,7 +2275,7 @@
           <a:p>
             <a:fld id="{63C097CE-CE30-40FD-8349-F85D75ED7B0A}" type="datetimeFigureOut">
               <a:rPr lang="en-US" smtClean="0"/>
-              <a:t>2/19/2019</a:t>
+              <a:t>3/3/2019</a:t>
             </a:fld>
             <a:endParaRPr lang="en-US"/>
           </a:p>
@@ -1980,7 +2417,7 @@
           <a:p>
             <a:fld id="{63C097CE-CE30-40FD-8349-F85D75ED7B0A}" type="datetimeFigureOut">
               <a:rPr lang="en-US" smtClean="0"/>
-              <a:t>2/19/2019</a:t>
+              <a:t>3/3/2019</a:t>
             </a:fld>
             <a:endParaRPr lang="en-US"/>
           </a:p>
@@ -2093,7 +2530,7 @@
           <a:p>
             <a:fld id="{63C097CE-CE30-40FD-8349-F85D75ED7B0A}" type="datetimeFigureOut">
               <a:rPr lang="en-US" smtClean="0"/>
-              <a:t>2/19/2019</a:t>
+              <a:t>3/3/2019</a:t>
             </a:fld>
             <a:endParaRPr lang="en-US"/>
           </a:p>
@@ -2406,7 +2843,7 @@
           <a:p>
             <a:fld id="{63C097CE-CE30-40FD-8349-F85D75ED7B0A}" type="datetimeFigureOut">
               <a:rPr lang="en-US" smtClean="0"/>
-              <a:t>2/19/2019</a:t>
+              <a:t>3/3/2019</a:t>
             </a:fld>
             <a:endParaRPr lang="en-US"/>
           </a:p>
@@ -2695,7 +3132,7 @@
           <a:p>
             <a:fld id="{63C097CE-CE30-40FD-8349-F85D75ED7B0A}" type="datetimeFigureOut">
               <a:rPr lang="en-US" smtClean="0"/>
-              <a:t>2/19/2019</a:t>
+              <a:t>3/3/2019</a:t>
             </a:fld>
             <a:endParaRPr lang="en-US"/>
           </a:p>
@@ -2938,7 +3375,7 @@
           <a:p>
             <a:fld id="{63C097CE-CE30-40FD-8349-F85D75ED7B0A}" type="datetimeFigureOut">
               <a:rPr lang="en-US" smtClean="0"/>
-              <a:t>2/19/2019</a:t>
+              <a:t>3/3/2019</a:t>
             </a:fld>
             <a:endParaRPr lang="en-US"/>
           </a:p>
@@ -5204,95 +5641,32 @@
       </p:grpSpPr>
       <p:sp>
         <p:nvSpPr>
-          <p:cNvPr id="27" name="ZoneTexte 26">
-            <a:extLst>
-              <a:ext uri="{FF2B5EF4-FFF2-40B4-BE49-F238E27FC236}">
-                <a16:creationId xmlns:a16="http://schemas.microsoft.com/office/drawing/2014/main" id="{17A232AC-BE9C-44F3-81A1-C0816D4CCDFB}"/>
-              </a:ext>
-            </a:extLst>
-          </p:cNvPr>
-          <p:cNvSpPr txBox="1"/>
-          <p:nvPr/>
-        </p:nvSpPr>
-        <p:spPr>
-          <a:xfrm>
-            <a:off x="529788" y="2208912"/>
-            <a:ext cx="1425678" cy="1631216"/>
+          <p:cNvPr id="76" name="Rectangle 75">
+            <a:extLst>
+              <a:ext uri="{FF2B5EF4-FFF2-40B4-BE49-F238E27FC236}">
+                <a16:creationId xmlns:a16="http://schemas.microsoft.com/office/drawing/2014/main" id="{1FC1620F-3165-40DC-872E-431CB86BFDF3}"/>
+              </a:ext>
+            </a:extLst>
+          </p:cNvPr>
+          <p:cNvSpPr/>
+          <p:nvPr/>
+        </p:nvSpPr>
+        <p:spPr>
+          <a:xfrm>
+            <a:off x="247787" y="571500"/>
+            <a:ext cx="11944213" cy="6286500"/>
           </a:xfrm>
           <a:prstGeom prst="rect">
             <a:avLst/>
           </a:prstGeom>
-          <a:noFill/>
-        </p:spPr>
-        <p:txBody>
-          <a:bodyPr wrap="square" rtlCol="0">
-            <a:spAutoFit/>
-          </a:bodyPr>
-          <a:lstStyle/>
-          <a:p>
-            <a:pPr algn="ctr"/>
-            <a:r>
-              <a:rPr lang="en-US" sz="2000" b="1" dirty="0"/>
-              <a:t>LC-MS/MS </a:t>
-            </a:r>
-            <a:r>
-              <a:rPr lang="en-US" sz="2000" i="1" dirty="0" err="1"/>
-              <a:t>Thermo</a:t>
-            </a:r>
-            <a:r>
-              <a:rPr lang="en-US" sz="2000" i="1" dirty="0"/>
-              <a:t> </a:t>
-            </a:r>
-          </a:p>
-          <a:p>
-            <a:pPr algn="ctr"/>
-            <a:r>
-              <a:rPr lang="en-US" sz="2000" i="1" dirty="0"/>
-              <a:t>Water</a:t>
-            </a:r>
-          </a:p>
-          <a:p>
-            <a:pPr algn="ctr"/>
-            <a:r>
-              <a:rPr lang="en-US" sz="2000" i="1" dirty="0"/>
-              <a:t>Bruker</a:t>
-            </a:r>
-          </a:p>
-          <a:p>
-            <a:pPr algn="ctr"/>
-            <a:r>
-              <a:rPr lang="en-US" sz="2000" i="1" dirty="0"/>
-              <a:t>…</a:t>
-            </a:r>
-          </a:p>
-        </p:txBody>
-      </p:sp>
-      <p:sp>
-        <p:nvSpPr>
-          <p:cNvPr id="31" name="Rectangle : coins arrondis 30">
-            <a:extLst>
-              <a:ext uri="{FF2B5EF4-FFF2-40B4-BE49-F238E27FC236}">
-                <a16:creationId xmlns:a16="http://schemas.microsoft.com/office/drawing/2014/main" id="{7A834BBF-570A-4DE4-B9A1-F9CAFDB62BFA}"/>
-              </a:ext>
-            </a:extLst>
-          </p:cNvPr>
-          <p:cNvSpPr/>
-          <p:nvPr/>
-        </p:nvSpPr>
-        <p:spPr>
-          <a:xfrm>
-            <a:off x="2937778" y="2233880"/>
-            <a:ext cx="1737074" cy="764337"/>
-          </a:xfrm>
-          <a:prstGeom prst="roundRect">
-            <a:avLst/>
-          </a:prstGeom>
           <a:solidFill>
-            <a:schemeClr val="accent1">
-              <a:lumMod val="60000"/>
-              <a:lumOff val="40000"/>
-            </a:schemeClr>
+            <a:schemeClr val="bg1"/>
           </a:solidFill>
+          <a:ln>
+            <a:solidFill>
+              <a:schemeClr val="bg1"/>
+            </a:solidFill>
+          </a:ln>
         </p:spPr>
         <p:style>
           <a:lnRef idx="2">
@@ -5321,6 +5695,123 @@
       </p:sp>
       <p:sp>
         <p:nvSpPr>
+          <p:cNvPr id="27" name="ZoneTexte 26">
+            <a:extLst>
+              <a:ext uri="{FF2B5EF4-FFF2-40B4-BE49-F238E27FC236}">
+                <a16:creationId xmlns:a16="http://schemas.microsoft.com/office/drawing/2014/main" id="{17A232AC-BE9C-44F3-81A1-C0816D4CCDFB}"/>
+              </a:ext>
+            </a:extLst>
+          </p:cNvPr>
+          <p:cNvSpPr txBox="1"/>
+          <p:nvPr/>
+        </p:nvSpPr>
+        <p:spPr>
+          <a:xfrm>
+            <a:off x="345945" y="2653957"/>
+            <a:ext cx="1425678" cy="1631216"/>
+          </a:xfrm>
+          <a:prstGeom prst="rect">
+            <a:avLst/>
+          </a:prstGeom>
+          <a:noFill/>
+        </p:spPr>
+        <p:txBody>
+          <a:bodyPr wrap="square" rtlCol="0">
+            <a:spAutoFit/>
+          </a:bodyPr>
+          <a:lstStyle/>
+          <a:p>
+            <a:pPr algn="ctr"/>
+            <a:r>
+              <a:rPr lang="en-US" sz="2000" b="1" dirty="0"/>
+              <a:t>LC-MS/MS </a:t>
+            </a:r>
+            <a:r>
+              <a:rPr lang="en-US" sz="2000" i="1" dirty="0" err="1"/>
+              <a:t>Thermo</a:t>
+            </a:r>
+            <a:r>
+              <a:rPr lang="en-US" sz="2000" i="1" dirty="0"/>
+              <a:t> </a:t>
+            </a:r>
+          </a:p>
+          <a:p>
+            <a:pPr algn="ctr"/>
+            <a:r>
+              <a:rPr lang="en-US" sz="2000" i="1" dirty="0"/>
+              <a:t>Water</a:t>
+            </a:r>
+          </a:p>
+          <a:p>
+            <a:pPr algn="ctr"/>
+            <a:r>
+              <a:rPr lang="en-US" sz="2000" i="1" dirty="0"/>
+              <a:t>Bruker</a:t>
+            </a:r>
+          </a:p>
+          <a:p>
+            <a:pPr algn="ctr"/>
+            <a:r>
+              <a:rPr lang="en-US" sz="2000" i="1" dirty="0"/>
+              <a:t>…</a:t>
+            </a:r>
+          </a:p>
+        </p:txBody>
+      </p:sp>
+      <p:sp>
+        <p:nvSpPr>
+          <p:cNvPr id="31" name="Rectangle : coins arrondis 30">
+            <a:extLst>
+              <a:ext uri="{FF2B5EF4-FFF2-40B4-BE49-F238E27FC236}">
+                <a16:creationId xmlns:a16="http://schemas.microsoft.com/office/drawing/2014/main" id="{7A834BBF-570A-4DE4-B9A1-F9CAFDB62BFA}"/>
+              </a:ext>
+            </a:extLst>
+          </p:cNvPr>
+          <p:cNvSpPr/>
+          <p:nvPr/>
+        </p:nvSpPr>
+        <p:spPr>
+          <a:xfrm>
+            <a:off x="2823477" y="2898904"/>
+            <a:ext cx="1737074" cy="764337"/>
+          </a:xfrm>
+          <a:prstGeom prst="roundRect">
+            <a:avLst/>
+          </a:prstGeom>
+          <a:solidFill>
+            <a:schemeClr val="accent1">
+              <a:lumMod val="60000"/>
+              <a:lumOff val="40000"/>
+            </a:schemeClr>
+          </a:solidFill>
+        </p:spPr>
+        <p:style>
+          <a:lnRef idx="2">
+            <a:schemeClr val="accent1">
+              <a:shade val="50000"/>
+            </a:schemeClr>
+          </a:lnRef>
+          <a:fillRef idx="1">
+            <a:schemeClr val="accent1"/>
+          </a:fillRef>
+          <a:effectRef idx="0">
+            <a:schemeClr val="accent1"/>
+          </a:effectRef>
+          <a:fontRef idx="minor">
+            <a:schemeClr val="lt1"/>
+          </a:fontRef>
+        </p:style>
+        <p:txBody>
+          <a:bodyPr rtlCol="0" anchor="ctr"/>
+          <a:lstStyle/>
+          <a:p>
+            <a:pPr algn="ctr"/>
+            <a:endParaRPr lang="en-US"/>
+          </a:p>
+        </p:txBody>
+      </p:sp>
+      <p:sp>
+        <p:nvSpPr>
           <p:cNvPr id="32" name="Rectangle 31">
             <a:extLst>
               <a:ext uri="{FF2B5EF4-FFF2-40B4-BE49-F238E27FC236}">
@@ -5333,7 +5824,7 @@
         </p:nvSpPr>
         <p:spPr>
           <a:xfrm>
-            <a:off x="3078287" y="2262105"/>
+            <a:off x="2963986" y="2927129"/>
             <a:ext cx="1477840" cy="707886"/>
           </a:xfrm>
           <a:prstGeom prst="rect">
@@ -5410,7 +5901,7 @@
         </p:nvCxnSpPr>
         <p:spPr>
           <a:xfrm rot="-5400000">
-            <a:off x="2329221" y="2240957"/>
+            <a:off x="2214920" y="2905981"/>
             <a:ext cx="0" cy="1005840"/>
           </a:xfrm>
           <a:prstGeom prst="straightConnector1">
@@ -5452,7 +5943,7 @@
         </p:nvSpPr>
         <p:spPr>
           <a:xfrm>
-            <a:off x="3074206" y="2359542"/>
+            <a:off x="2959905" y="3024566"/>
             <a:ext cx="1737074" cy="764337"/>
           </a:xfrm>
           <a:prstGeom prst="roundRect">
@@ -5504,7 +5995,7 @@
         </p:nvSpPr>
         <p:spPr>
           <a:xfrm>
-            <a:off x="3226606" y="2511942"/>
+            <a:off x="3112305" y="3176966"/>
             <a:ext cx="1737074" cy="764337"/>
           </a:xfrm>
           <a:prstGeom prst="roundRect">
@@ -5587,7 +6078,7 @@
         </p:nvSpPr>
         <p:spPr>
           <a:xfrm>
-            <a:off x="526977" y="4359613"/>
+            <a:off x="412676" y="5024637"/>
             <a:ext cx="1392658" cy="1015663"/>
           </a:xfrm>
           <a:prstGeom prst="rect">
@@ -5655,7 +6146,7 @@
         </p:nvSpPr>
         <p:spPr>
           <a:xfrm>
-            <a:off x="1883896" y="4081433"/>
+            <a:off x="1769595" y="4746457"/>
             <a:ext cx="110980" cy="1257954"/>
           </a:xfrm>
           <a:prstGeom prst="leftBrace">
@@ -5707,7 +6198,7 @@
         </p:nvSpPr>
         <p:spPr>
           <a:xfrm>
-            <a:off x="2001621" y="4009223"/>
+            <a:off x="1887320" y="4674247"/>
             <a:ext cx="1535802" cy="1754326"/>
           </a:xfrm>
           <a:prstGeom prst="rect">
@@ -5855,7 +6346,7 @@
         </p:nvSpPr>
         <p:spPr>
           <a:xfrm>
-            <a:off x="4876271" y="1808885"/>
+            <a:off x="4761970" y="2473909"/>
             <a:ext cx="1347600" cy="646331"/>
           </a:xfrm>
           <a:prstGeom prst="rect">
@@ -5873,7 +6364,7 @@
             <a:r>
               <a:rPr lang="en-US" b="1" i="1" dirty="0">
                 <a:solidFill>
-                  <a:srgbClr val="00B050"/>
+                  <a:srgbClr val="FF0000"/>
                 </a:solidFill>
               </a:rPr>
               <a:t>library_</a:t>
@@ -5884,7 +6375,7 @@
             <a:r>
               <a:rPr lang="en-US" b="1" i="1" dirty="0">
                 <a:solidFill>
-                  <a:srgbClr val="00B050"/>
+                  <a:srgbClr val="FF0000"/>
                 </a:solidFill>
               </a:rPr>
               <a:t>generator ()</a:t>
@@ -5906,8 +6397,8 @@
         </p:nvSpPr>
         <p:spPr>
           <a:xfrm>
-            <a:off x="9856396" y="1780372"/>
-            <a:ext cx="2152211" cy="1495907"/>
+            <a:off x="9792001" y="1921401"/>
+            <a:ext cx="2119683" cy="1274819"/>
           </a:xfrm>
           <a:prstGeom prst="roundRect">
             <a:avLst/>
@@ -5997,7 +6488,7 @@
         </p:nvSpPr>
         <p:spPr>
           <a:xfrm>
-            <a:off x="6117520" y="2062050"/>
+            <a:off x="6003219" y="2727074"/>
             <a:ext cx="1156087" cy="400110"/>
           </a:xfrm>
           <a:prstGeom prst="roundRect">
@@ -6067,7 +6558,7 @@
         </p:nvSpPr>
         <p:spPr>
           <a:xfrm>
-            <a:off x="1846079" y="2359542"/>
+            <a:off x="1731778" y="3024566"/>
             <a:ext cx="979052" cy="707885"/>
           </a:xfrm>
           <a:prstGeom prst="roundRect">
@@ -6120,7 +6611,7 @@
         </p:nvSpPr>
         <p:spPr>
           <a:xfrm>
-            <a:off x="1259498" y="1785052"/>
+            <a:off x="1207308" y="2398687"/>
             <a:ext cx="2152213" cy="646331"/>
           </a:xfrm>
           <a:prstGeom prst="rect">
@@ -6201,7 +6692,7 @@
         </p:blipFill>
         <p:spPr>
           <a:xfrm>
-            <a:off x="10363973" y="2336407"/>
+            <a:off x="10299578" y="2318321"/>
             <a:ext cx="1137055" cy="787472"/>
           </a:xfrm>
           <a:prstGeom prst="rect">
@@ -6209,55 +6700,6 @@
           </a:prstGeom>
         </p:spPr>
       </p:pic>
-      <p:sp>
-        <p:nvSpPr>
-          <p:cNvPr id="5" name="ZoneTexte 4">
-            <a:extLst>
-              <a:ext uri="{FF2B5EF4-FFF2-40B4-BE49-F238E27FC236}">
-                <a16:creationId xmlns:a16="http://schemas.microsoft.com/office/drawing/2014/main" id="{E1879905-A5DD-4022-98ED-5890315F95ED}"/>
-              </a:ext>
-            </a:extLst>
-          </p:cNvPr>
-          <p:cNvSpPr txBox="1"/>
-          <p:nvPr/>
-        </p:nvSpPr>
-        <p:spPr>
-          <a:xfrm>
-            <a:off x="6812249" y="5396418"/>
-            <a:ext cx="5042856" cy="646331"/>
-          </a:xfrm>
-          <a:prstGeom prst="rect">
-            <a:avLst/>
-          </a:prstGeom>
-          <a:noFill/>
-        </p:spPr>
-        <p:txBody>
-          <a:bodyPr wrap="square" rtlCol="0">
-            <a:spAutoFit/>
-          </a:bodyPr>
-          <a:lstStyle/>
-          <a:p>
-            <a:r>
-              <a:rPr lang="en-US" dirty="0">
-                <a:solidFill>
-                  <a:srgbClr val="FF0000"/>
-                </a:solidFill>
-              </a:rPr>
-              <a:t>* Under-development (by first release of web app)</a:t>
-            </a:r>
-          </a:p>
-          <a:p>
-            <a:r>
-              <a:rPr lang="en-US" dirty="0">
-                <a:solidFill>
-                  <a:srgbClr val="00B050"/>
-                </a:solidFill>
-              </a:rPr>
-              <a:t>* Developed – stable until first release</a:t>
-            </a:r>
-          </a:p>
-        </p:txBody>
-      </p:sp>
       <p:cxnSp>
         <p:nvCxnSpPr>
           <p:cNvPr id="53" name="Connecteur droit avec flèche 52">
@@ -6274,7 +6716,7 @@
         </p:nvCxnSpPr>
         <p:spPr>
           <a:xfrm flipV="1">
-            <a:off x="3488505" y="3559135"/>
+            <a:off x="3374204" y="4224159"/>
             <a:ext cx="1564094" cy="727261"/>
           </a:xfrm>
           <a:prstGeom prst="straightConnector1">
@@ -6282,7 +6724,7 @@
           </a:prstGeom>
           <a:ln w="12700">
             <a:solidFill>
-              <a:srgbClr val="00B050"/>
+              <a:srgbClr val="FF0000"/>
             </a:solidFill>
             <a:prstDash val="sysDot"/>
             <a:tailEnd type="triangle"/>
@@ -6319,7 +6761,7 @@
         </p:nvCxnSpPr>
         <p:spPr>
           <a:xfrm rot="-5400000">
-            <a:off x="5544248" y="2262557"/>
+            <a:off x="5429947" y="2927581"/>
             <a:ext cx="0" cy="1005840"/>
           </a:xfrm>
           <a:prstGeom prst="straightConnector1">
@@ -6361,7 +6803,7 @@
         </p:nvSpPr>
         <p:spPr>
           <a:xfrm>
-            <a:off x="5052599" y="2416949"/>
+            <a:off x="4938298" y="3081973"/>
             <a:ext cx="979052" cy="1217412"/>
           </a:xfrm>
           <a:prstGeom prst="roundRect">
@@ -6370,7 +6812,7 @@
           <a:noFill/>
           <a:ln>
             <a:solidFill>
-              <a:srgbClr val="00B050"/>
+              <a:srgbClr val="FF0000"/>
             </a:solidFill>
             <a:prstDash val="sysDot"/>
           </a:ln>
@@ -6414,7 +6856,7 @@
         </p:nvSpPr>
         <p:spPr>
           <a:xfrm>
-            <a:off x="6071323" y="2600659"/>
+            <a:off x="5957022" y="3265683"/>
             <a:ext cx="1156086" cy="369332"/>
           </a:xfrm>
           <a:prstGeom prst="rect">
@@ -6451,7 +6893,7 @@
         </p:nvCxnSpPr>
         <p:spPr>
           <a:xfrm rot="-5400000">
-            <a:off x="3506365" y="4344650"/>
+            <a:off x="3392064" y="5009674"/>
             <a:ext cx="0" cy="731520"/>
           </a:xfrm>
           <a:prstGeom prst="straightConnector1">
@@ -6493,7 +6935,7 @@
         </p:nvCxnSpPr>
         <p:spPr>
           <a:xfrm>
-            <a:off x="3488505" y="4068746"/>
+            <a:off x="3374204" y="4733770"/>
             <a:ext cx="0" cy="457116"/>
           </a:xfrm>
           <a:prstGeom prst="line">
@@ -6501,7 +6943,7 @@
           </a:prstGeom>
           <a:ln>
             <a:solidFill>
-              <a:srgbClr val="00B050"/>
+              <a:srgbClr val="FF0000"/>
             </a:solidFill>
           </a:ln>
         </p:spPr>
@@ -6534,7 +6976,7 @@
         </p:nvSpPr>
         <p:spPr>
           <a:xfrm>
-            <a:off x="3547921" y="4357759"/>
+            <a:off x="3433620" y="5022783"/>
             <a:ext cx="2152213" cy="646331"/>
           </a:xfrm>
           <a:prstGeom prst="rect">
@@ -6610,7 +7052,7 @@
         </p:nvCxnSpPr>
         <p:spPr>
           <a:xfrm rot="-5400000">
-            <a:off x="5735845" y="4343548"/>
+            <a:off x="5621544" y="5008572"/>
             <a:ext cx="0" cy="731520"/>
           </a:xfrm>
           <a:prstGeom prst="straightConnector1">
@@ -6652,7 +7094,7 @@
         </p:nvSpPr>
         <p:spPr>
           <a:xfrm>
-            <a:off x="6089878" y="3186602"/>
+            <a:off x="5975577" y="3851626"/>
             <a:ext cx="1211056" cy="646331"/>
           </a:xfrm>
           <a:prstGeom prst="rect">
@@ -6707,7 +7149,7 @@
         </p:nvSpPr>
         <p:spPr>
           <a:xfrm>
-            <a:off x="7348031" y="2206298"/>
+            <a:off x="7233730" y="2871322"/>
             <a:ext cx="148214" cy="1428064"/>
           </a:xfrm>
           <a:prstGeom prst="rightBrace">
@@ -6758,7 +7200,7 @@
         </p:nvCxnSpPr>
         <p:spPr>
           <a:xfrm>
-            <a:off x="5052974" y="2765477"/>
+            <a:off x="4938673" y="3430501"/>
             <a:ext cx="994194" cy="698425"/>
           </a:xfrm>
           <a:prstGeom prst="straightConnector1">
@@ -6800,7 +7242,7 @@
         </p:nvSpPr>
         <p:spPr>
           <a:xfrm>
-            <a:off x="6104330" y="4525455"/>
+            <a:off x="5990029" y="5190479"/>
             <a:ext cx="1535801" cy="369332"/>
           </a:xfrm>
           <a:prstGeom prst="rect">
@@ -6858,7 +7300,7 @@
         </p:nvCxnSpPr>
         <p:spPr>
           <a:xfrm flipV="1">
-            <a:off x="6695406" y="3832933"/>
+            <a:off x="6581105" y="4497957"/>
             <a:ext cx="0" cy="691713"/>
           </a:xfrm>
           <a:prstGeom prst="straightConnector1">
@@ -6900,8 +7342,8 @@
         </p:nvSpPr>
         <p:spPr>
           <a:xfrm>
-            <a:off x="7950973" y="1923551"/>
-            <a:ext cx="994439" cy="338554"/>
+            <a:off x="7990681" y="2649520"/>
+            <a:ext cx="935110" cy="228279"/>
           </a:xfrm>
           <a:custGeom>
             <a:avLst/>
@@ -6955,10 +7397,11 @@
             </a:pathLst>
           </a:custGeom>
           <a:noFill/>
-          <a:ln w="28575">
+          <a:ln w="38100">
             <a:solidFill>
-              <a:schemeClr val="tx1"/>
+              <a:srgbClr val="FF0000"/>
             </a:solidFill>
+            <a:prstDash val="sysDot"/>
             <a:headEnd type="none" w="med" len="med"/>
             <a:tailEnd type="arrow" w="med" len="med"/>
           </a:ln>
@@ -7002,8 +7445,8 @@
         </p:nvSpPr>
         <p:spPr>
           <a:xfrm>
-            <a:off x="8102145" y="516908"/>
-            <a:ext cx="2892463" cy="800219"/>
+            <a:off x="7249535" y="670496"/>
+            <a:ext cx="2455992" cy="800219"/>
           </a:xfrm>
           <a:prstGeom prst="rect">
             <a:avLst/>
@@ -7020,7 +7463,7 @@
             <a:r>
               <a:rPr lang="en-US" b="1" i="1" dirty="0" err="1">
                 <a:solidFill>
-                  <a:srgbClr val="00B050"/>
+                  <a:srgbClr val="FF0000"/>
                 </a:solidFill>
               </a:rPr>
               <a:t>library_manager</a:t>
@@ -7028,7 +7471,7 @@
             <a:r>
               <a:rPr lang="en-US" b="1" i="1" dirty="0">
                 <a:solidFill>
-                  <a:srgbClr val="00B050"/>
+                  <a:srgbClr val="FF0000"/>
                 </a:solidFill>
               </a:rPr>
               <a:t>()</a:t>
@@ -7065,9 +7508,9 @@
           <p:nvPr/>
         </p:nvCxnSpPr>
         <p:spPr>
-          <a:xfrm flipH="1">
-            <a:off x="8341009" y="1312087"/>
-            <a:ext cx="416510" cy="443455"/>
+          <a:xfrm>
+            <a:off x="8521810" y="1468710"/>
+            <a:ext cx="982" cy="548640"/>
           </a:xfrm>
           <a:prstGeom prst="straightConnector1">
             <a:avLst/>
@@ -7105,13 +7548,14 @@
           </p:cNvPr>
           <p:cNvCxnSpPr>
             <a:cxnSpLocks/>
+            <a:endCxn id="26" idx="0"/>
           </p:cNvCxnSpPr>
           <p:nvPr/>
         </p:nvCxnSpPr>
         <p:spPr>
           <a:xfrm>
-            <a:off x="10502585" y="1317274"/>
-            <a:ext cx="364956" cy="433079"/>
+            <a:off x="9588314" y="1230136"/>
+            <a:ext cx="1263529" cy="691265"/>
           </a:xfrm>
           <a:prstGeom prst="straightConnector1">
             <a:avLst/>
@@ -7152,7 +7596,7 @@
         </p:nvSpPr>
         <p:spPr>
           <a:xfrm>
-            <a:off x="9823868" y="3458322"/>
+            <a:off x="9792001" y="4298892"/>
             <a:ext cx="2152211" cy="1428064"/>
           </a:xfrm>
           <a:prstGeom prst="roundRect">
@@ -7200,7 +7644,7 @@
                   <a:srgbClr val="FF0000"/>
                 </a:solidFill>
               </a:rPr>
-              <a:t>Library_statistics</a:t>
+              <a:t>Library_reporter</a:t>
             </a:r>
             <a:r>
               <a:rPr lang="en-US" b="1" i="1" dirty="0">
@@ -7304,8 +7748,8 @@
         </p:nvSpPr>
         <p:spPr>
           <a:xfrm>
-            <a:off x="9400141" y="2403623"/>
-            <a:ext cx="259099" cy="1274819"/>
+            <a:off x="9427560" y="2235871"/>
+            <a:ext cx="325854" cy="1615755"/>
           </a:xfrm>
           <a:prstGeom prst="leftBrace">
             <a:avLst/>
@@ -7353,8 +7797,8 @@
         </p:nvSpPr>
         <p:spPr>
           <a:xfrm>
-            <a:off x="3988509" y="5375276"/>
-            <a:ext cx="751937" cy="369332"/>
+            <a:off x="3505108" y="6185635"/>
+            <a:ext cx="760657" cy="369332"/>
           </a:xfrm>
           <a:prstGeom prst="rect">
             <a:avLst/>
@@ -7367,7 +7811,7 @@
           <a:lstStyle/>
           <a:p>
             <a:r>
-              <a:rPr lang="en-US" i="1" dirty="0" err="1"/>
+              <a:rPr lang="en-US" dirty="0" err="1"/>
               <a:t>Devco</a:t>
             </a:r>
             <a:endParaRPr lang="en-US" dirty="0"/>
@@ -7390,7 +7834,7 @@
         </p:nvCxnSpPr>
         <p:spPr>
           <a:xfrm flipV="1">
-            <a:off x="4591372" y="4993530"/>
+            <a:off x="4477071" y="5658554"/>
             <a:ext cx="0" cy="457200"/>
           </a:xfrm>
           <a:prstGeom prst="straightConnector1">
@@ -7433,7 +7877,7 @@
         </p:nvSpPr>
         <p:spPr>
           <a:xfrm>
-            <a:off x="4774217" y="970843"/>
+            <a:off x="3757824" y="1594494"/>
             <a:ext cx="1551707" cy="369332"/>
           </a:xfrm>
           <a:prstGeom prst="rect">
@@ -7490,8 +7934,8 @@
         </p:nvCxnSpPr>
         <p:spPr>
           <a:xfrm>
-            <a:off x="5542125" y="1356620"/>
-            <a:ext cx="0" cy="529815"/>
+            <a:off x="4787413" y="1976943"/>
+            <a:ext cx="387927" cy="468603"/>
           </a:xfrm>
           <a:prstGeom prst="straightConnector1">
             <a:avLst/>
@@ -7500,7 +7944,7 @@
             <a:solidFill>
               <a:schemeClr val="tx1"/>
             </a:solidFill>
-            <a:prstDash val="sysDot"/>
+            <a:prstDash val="solid"/>
             <a:tailEnd type="triangle"/>
           </a:ln>
         </p:spPr>
@@ -7541,7 +7985,7 @@
         </p:blipFill>
         <p:spPr>
           <a:xfrm>
-            <a:off x="4713782" y="5379349"/>
+            <a:off x="4212229" y="6160843"/>
             <a:ext cx="499796" cy="515074"/>
           </a:xfrm>
           <a:prstGeom prst="rect">
@@ -7563,7 +8007,7 @@
         </p:nvSpPr>
         <p:spPr>
           <a:xfrm>
-            <a:off x="581801" y="2086590"/>
+            <a:off x="397958" y="2531635"/>
             <a:ext cx="1204828" cy="1591852"/>
           </a:xfrm>
           <a:prstGeom prst="ellipse">
@@ -7616,8 +8060,8 @@
         </p:nvSpPr>
         <p:spPr>
           <a:xfrm>
-            <a:off x="720139" y="1689427"/>
-            <a:ext cx="812294" cy="400110"/>
+            <a:off x="369368" y="2131525"/>
+            <a:ext cx="1125940" cy="461665"/>
           </a:xfrm>
           <a:prstGeom prst="rect">
             <a:avLst/>
@@ -7632,7 +8076,7 @@
           <a:p>
             <a:pPr algn="ctr"/>
             <a:r>
-              <a:rPr lang="en-US" sz="2000" b="1" dirty="0">
+              <a:rPr lang="en-US" sz="2400" b="1" dirty="0">
                 <a:solidFill>
                   <a:srgbClr val="FFC000"/>
                 </a:solidFill>
@@ -7656,7 +8100,7 @@
         </p:nvSpPr>
         <p:spPr>
           <a:xfrm>
-            <a:off x="603827" y="4310487"/>
+            <a:off x="489526" y="4975511"/>
             <a:ext cx="1204828" cy="1085931"/>
           </a:xfrm>
           <a:prstGeom prst="ellipse">
@@ -7709,7 +8153,7 @@
         </p:nvSpPr>
         <p:spPr>
           <a:xfrm>
-            <a:off x="716195" y="5396418"/>
+            <a:off x="601894" y="6061442"/>
             <a:ext cx="812294" cy="400110"/>
           </a:xfrm>
           <a:prstGeom prst="rect">
@@ -7749,8 +8193,8 @@
         </p:nvSpPr>
         <p:spPr>
           <a:xfrm>
-            <a:off x="7660804" y="2221953"/>
-            <a:ext cx="1561392" cy="1231055"/>
+            <a:off x="7619240" y="2877800"/>
+            <a:ext cx="1561392" cy="1370773"/>
           </a:xfrm>
           <a:prstGeom prst="ellipse">
             <a:avLst/>
@@ -7802,8 +8246,8 @@
         </p:nvSpPr>
         <p:spPr>
           <a:xfrm>
-            <a:off x="7638880" y="2652642"/>
-            <a:ext cx="1606851" cy="400110"/>
+            <a:off x="7592499" y="3321378"/>
+            <a:ext cx="1653338" cy="400110"/>
           </a:xfrm>
           <a:prstGeom prst="rect">
             <a:avLst/>
@@ -7817,76 +8261,396 @@
           <a:p>
             <a:pPr algn="ctr"/>
             <a:r>
-              <a:rPr lang="en-US" sz="2000" b="1" dirty="0" err="1">
+              <a:rPr lang="en-US" sz="2000" b="1" dirty="0" err="1"/>
+              <a:t>Ouput</a:t>
+            </a:r>
+            <a:r>
+              <a:rPr lang="en-US" sz="2000" b="1" dirty="0"/>
+              <a:t> Library</a:t>
+            </a:r>
+          </a:p>
+        </p:txBody>
+      </p:sp>
+      <p:pic>
+        <p:nvPicPr>
+          <p:cNvPr id="7" name="Image 6">
+            <a:extLst>
+              <a:ext uri="{FF2B5EF4-FFF2-40B4-BE49-F238E27FC236}">
+                <a16:creationId xmlns:a16="http://schemas.microsoft.com/office/drawing/2014/main" id="{90710137-5F46-458C-9A4B-8F570D1E8F6B}"/>
+              </a:ext>
+            </a:extLst>
+          </p:cNvPr>
+          <p:cNvPicPr>
+            <a:picLocks noChangeAspect="1"/>
+          </p:cNvPicPr>
+          <p:nvPr/>
+        </p:nvPicPr>
+        <p:blipFill>
+          <a:blip r:embed="rId4"/>
+          <a:stretch>
+            <a:fillRect/>
+          </a:stretch>
+        </p:blipFill>
+        <p:spPr>
+          <a:xfrm>
+            <a:off x="9017915" y="1463748"/>
+            <a:ext cx="548843" cy="503754"/>
+          </a:xfrm>
+          <a:prstGeom prst="rect">
+            <a:avLst/>
+          </a:prstGeom>
+        </p:spPr>
+      </p:pic>
+      <p:pic>
+        <p:nvPicPr>
+          <p:cNvPr id="57" name="Image 56">
+            <a:extLst>
+              <a:ext uri="{FF2B5EF4-FFF2-40B4-BE49-F238E27FC236}">
+                <a16:creationId xmlns:a16="http://schemas.microsoft.com/office/drawing/2014/main" id="{DAA2B3D1-A1A7-409E-9CFC-6AC3CBA71883}"/>
+              </a:ext>
+            </a:extLst>
+          </p:cNvPr>
+          <p:cNvPicPr>
+            <a:picLocks noChangeAspect="1"/>
+          </p:cNvPicPr>
+          <p:nvPr/>
+        </p:nvPicPr>
+        <p:blipFill>
+          <a:blip r:embed="rId4"/>
+          <a:stretch>
+            <a:fillRect/>
+          </a:stretch>
+        </p:blipFill>
+        <p:spPr>
+          <a:xfrm>
+            <a:off x="4748585" y="5633256"/>
+            <a:ext cx="548843" cy="503754"/>
+          </a:xfrm>
+          <a:prstGeom prst="rect">
+            <a:avLst/>
+          </a:prstGeom>
+        </p:spPr>
+      </p:pic>
+      <p:pic>
+        <p:nvPicPr>
+          <p:cNvPr id="62" name="Image 61">
+            <a:extLst>
+              <a:ext uri="{FF2B5EF4-FFF2-40B4-BE49-F238E27FC236}">
+                <a16:creationId xmlns:a16="http://schemas.microsoft.com/office/drawing/2014/main" id="{BACC2ED1-7251-4AD5-ABCA-45461B9EF733}"/>
+              </a:ext>
+            </a:extLst>
+          </p:cNvPr>
+          <p:cNvPicPr>
+            <a:picLocks noChangeAspect="1"/>
+          </p:cNvPicPr>
+          <p:nvPr/>
+        </p:nvPicPr>
+        <p:blipFill>
+          <a:blip r:embed="rId4"/>
+          <a:stretch>
+            <a:fillRect/>
+          </a:stretch>
+        </p:blipFill>
+        <p:spPr>
+          <a:xfrm>
+            <a:off x="1963014" y="1999988"/>
+            <a:ext cx="548843" cy="503754"/>
+          </a:xfrm>
+          <a:prstGeom prst="rect">
+            <a:avLst/>
+          </a:prstGeom>
+        </p:spPr>
+      </p:pic>
+      <p:sp>
+        <p:nvSpPr>
+          <p:cNvPr id="65" name="ZoneTexte 64">
+            <a:extLst>
+              <a:ext uri="{FF2B5EF4-FFF2-40B4-BE49-F238E27FC236}">
+                <a16:creationId xmlns:a16="http://schemas.microsoft.com/office/drawing/2014/main" id="{8CE272BD-46A5-4D5B-A8EA-6B63A8582230}"/>
+              </a:ext>
+            </a:extLst>
+          </p:cNvPr>
+          <p:cNvSpPr txBox="1"/>
+          <p:nvPr/>
+        </p:nvSpPr>
+        <p:spPr>
+          <a:xfrm>
+            <a:off x="5586742" y="1098760"/>
+            <a:ext cx="1738442" cy="861774"/>
+          </a:xfrm>
+          <a:prstGeom prst="rect">
+            <a:avLst/>
+          </a:prstGeom>
+          <a:noFill/>
+        </p:spPr>
+        <p:txBody>
+          <a:bodyPr wrap="square" rtlCol="0">
+            <a:spAutoFit/>
+          </a:bodyPr>
+          <a:lstStyle/>
+          <a:p>
+            <a:pPr algn="ctr"/>
+            <a:r>
+              <a:rPr lang="en-US" altLang="zh-CN" b="1" i="1" dirty="0" err="1">
                 <a:solidFill>
-                  <a:srgbClr val="FFC000"/>
+                  <a:srgbClr val="FF0000"/>
                 </a:solidFill>
               </a:rPr>
-              <a:t>Ouput</a:t>
-            </a:r>
-            <a:r>
-              <a:rPr lang="en-US" sz="2000" b="1" dirty="0">
+              <a:t>Meta_editor</a:t>
+            </a:r>
+            <a:r>
+              <a:rPr lang="en-US" altLang="zh-CN" b="1" i="1" dirty="0">
                 <a:solidFill>
-                  <a:srgbClr val="FFC000"/>
+                  <a:srgbClr val="FF0000"/>
                 </a:solidFill>
               </a:rPr>
-              <a:t> library</a:t>
-            </a:r>
-          </a:p>
-        </p:txBody>
-      </p:sp>
-      <p:sp>
-        <p:nvSpPr>
-          <p:cNvPr id="56" name="Rectangle 55">
-            <a:extLst>
-              <a:ext uri="{FF2B5EF4-FFF2-40B4-BE49-F238E27FC236}">
-                <a16:creationId xmlns:a16="http://schemas.microsoft.com/office/drawing/2014/main" id="{D874971D-3A66-42B3-B888-D93F01CA7E27}"/>
-              </a:ext>
-            </a:extLst>
-          </p:cNvPr>
-          <p:cNvSpPr/>
-          <p:nvPr/>
-        </p:nvSpPr>
-        <p:spPr>
-          <a:xfrm>
-            <a:off x="7557211" y="1641955"/>
-            <a:ext cx="1781962" cy="338554"/>
+              <a:t>()</a:t>
+            </a:r>
+            <a:endParaRPr lang="en-US" b="1" i="1" dirty="0">
+              <a:solidFill>
+                <a:srgbClr val="FF0000"/>
+              </a:solidFill>
+            </a:endParaRPr>
+          </a:p>
+          <a:p>
+            <a:pPr algn="ctr"/>
+            <a:r>
+              <a:rPr lang="en-US" b="1" i="1" dirty="0">
+                <a:solidFill>
+                  <a:srgbClr val="FF0000"/>
+                </a:solidFill>
+              </a:rPr>
+              <a:t> </a:t>
+            </a:r>
+            <a:r>
+              <a:rPr lang="en-US" sz="1400" dirty="0"/>
+              <a:t>Searching for adduct and multi-charged</a:t>
+            </a:r>
+            <a:endParaRPr lang="en-US" sz="1400" b="1" i="1" dirty="0">
+              <a:solidFill>
+                <a:srgbClr val="FF0000"/>
+              </a:solidFill>
+            </a:endParaRPr>
+          </a:p>
+        </p:txBody>
+      </p:sp>
+      <p:cxnSp>
+        <p:nvCxnSpPr>
+          <p:cNvPr id="67" name="Connecteur droit avec flèche 66">
+            <a:extLst>
+              <a:ext uri="{FF2B5EF4-FFF2-40B4-BE49-F238E27FC236}">
+                <a16:creationId xmlns:a16="http://schemas.microsoft.com/office/drawing/2014/main" id="{0681500A-71B5-4ED9-8D0F-A4BF00DE4C34}"/>
+              </a:ext>
+            </a:extLst>
+          </p:cNvPr>
+          <p:cNvCxnSpPr>
+            <a:cxnSpLocks/>
+          </p:cNvCxnSpPr>
+          <p:nvPr/>
+        </p:nvCxnSpPr>
+        <p:spPr>
+          <a:xfrm flipH="1">
+            <a:off x="5659539" y="1975627"/>
+            <a:ext cx="356921" cy="486482"/>
+          </a:xfrm>
+          <a:prstGeom prst="straightConnector1">
+            <a:avLst/>
+          </a:prstGeom>
+          <a:ln w="19050">
+            <a:solidFill>
+              <a:schemeClr val="tx1"/>
+            </a:solidFill>
+            <a:prstDash val="sysDot"/>
+            <a:tailEnd type="triangle"/>
+          </a:ln>
+        </p:spPr>
+        <p:style>
+          <a:lnRef idx="1">
+            <a:schemeClr val="accent1"/>
+          </a:lnRef>
+          <a:fillRef idx="0">
+            <a:schemeClr val="accent1"/>
+          </a:fillRef>
+          <a:effectRef idx="0">
+            <a:schemeClr val="accent1"/>
+          </a:effectRef>
+          <a:fontRef idx="minor">
+            <a:schemeClr val="tx1"/>
+          </a:fontRef>
+        </p:style>
+      </p:cxnSp>
+      <p:sp>
+        <p:nvSpPr>
+          <p:cNvPr id="14" name="ZoneTexte 13">
+            <a:extLst>
+              <a:ext uri="{FF2B5EF4-FFF2-40B4-BE49-F238E27FC236}">
+                <a16:creationId xmlns:a16="http://schemas.microsoft.com/office/drawing/2014/main" id="{DFA89A87-A592-4FB3-9C56-0B01A59048BE}"/>
+              </a:ext>
+            </a:extLst>
+          </p:cNvPr>
+          <p:cNvSpPr txBox="1"/>
+          <p:nvPr/>
+        </p:nvSpPr>
+        <p:spPr>
+          <a:xfrm>
+            <a:off x="7475358" y="1999988"/>
+            <a:ext cx="2152209" cy="584775"/>
           </a:xfrm>
           <a:prstGeom prst="rect">
             <a:avLst/>
           </a:prstGeom>
-        </p:spPr>
-        <p:txBody>
-          <a:bodyPr wrap="none">
+          <a:noFill/>
+        </p:spPr>
+        <p:txBody>
+          <a:bodyPr wrap="square" rtlCol="0">
             <a:spAutoFit/>
           </a:bodyPr>
           <a:lstStyle/>
           <a:p>
-            <a:pPr lvl="0" algn="ctr" eaLnBrk="0" fontAlgn="base" hangingPunct="0">
-              <a:spcBef>
-                <a:spcPct val="0"/>
-              </a:spcBef>
-              <a:spcAft>
-                <a:spcPct val="0"/>
-              </a:spcAft>
+            <a:pPr marL="285750" indent="-285750">
+              <a:buFont typeface="Arial" panose="020B0604020202020204" pitchFamily="34" charset="0"/>
+              <a:buChar char="•"/>
             </a:pPr>
             <a:r>
-              <a:rPr lang="en-US" altLang="en-US" sz="1600" b="1" dirty="0">
+              <a:rPr lang="en-US" sz="1600" b="1" dirty="0">
                 <a:solidFill>
-                  <a:srgbClr val="000000"/>
+                  <a:srgbClr val="FF0000"/>
                 </a:solidFill>
-                <a:latin typeface="Calibri" panose="020F0502020204030204" pitchFamily="34" charset="0"/>
-                <a:cs typeface="Calibri" panose="020F0502020204030204" pitchFamily="34" charset="0"/>
               </a:rPr>
-              <a:t>Remove unwanted</a:t>
-            </a:r>
-          </a:p>
-        </p:txBody>
-      </p:sp>
+              <a:t>Remove records</a:t>
+            </a:r>
+          </a:p>
+          <a:p>
+            <a:pPr marL="285750" indent="-285750">
+              <a:buFont typeface="Arial" panose="020B0604020202020204" pitchFamily="34" charset="0"/>
+              <a:buChar char="•"/>
+            </a:pPr>
+            <a:r>
+              <a:rPr lang="en-US" sz="1600" b="1" dirty="0">
+                <a:solidFill>
+                  <a:srgbClr val="FF0000"/>
+                </a:solidFill>
+              </a:rPr>
+              <a:t>Update metadata</a:t>
+            </a:r>
+          </a:p>
+        </p:txBody>
+      </p:sp>
+      <p:sp>
+        <p:nvSpPr>
+          <p:cNvPr id="70" name="Rectangle : coins arrondis 69">
+            <a:extLst>
+              <a:ext uri="{FF2B5EF4-FFF2-40B4-BE49-F238E27FC236}">
+                <a16:creationId xmlns:a16="http://schemas.microsoft.com/office/drawing/2014/main" id="{E7026028-D063-4835-B3DA-B8BB8C5A7ECA}"/>
+              </a:ext>
+            </a:extLst>
+          </p:cNvPr>
+          <p:cNvSpPr/>
+          <p:nvPr/>
+        </p:nvSpPr>
+        <p:spPr>
+          <a:xfrm>
+            <a:off x="9792822" y="3336908"/>
+            <a:ext cx="2119683" cy="744525"/>
+          </a:xfrm>
+          <a:prstGeom prst="roundRect">
+            <a:avLst/>
+          </a:prstGeom>
+          <a:solidFill>
+            <a:schemeClr val="accent1">
+              <a:lumMod val="60000"/>
+              <a:lumOff val="40000"/>
+            </a:schemeClr>
+          </a:solidFill>
+        </p:spPr>
+        <p:style>
+          <a:lnRef idx="2">
+            <a:schemeClr val="accent1">
+              <a:shade val="50000"/>
+            </a:schemeClr>
+          </a:lnRef>
+          <a:fillRef idx="1">
+            <a:schemeClr val="accent1"/>
+          </a:fillRef>
+          <a:effectRef idx="0">
+            <a:schemeClr val="accent1"/>
+          </a:effectRef>
+          <a:fontRef idx="minor">
+            <a:schemeClr val="lt1"/>
+          </a:fontRef>
+        </p:style>
+        <p:txBody>
+          <a:bodyPr rtlCol="0" anchor="ctr"/>
+          <a:lstStyle/>
+          <a:p>
+            <a:pPr algn="ctr"/>
+            <a:r>
+              <a:rPr lang="en-US" b="1" i="1" dirty="0" err="1">
+                <a:solidFill>
+                  <a:srgbClr val="FF0000"/>
+                </a:solidFill>
+              </a:rPr>
+              <a:t>Spectra_compare</a:t>
+            </a:r>
+            <a:r>
+              <a:rPr lang="en-US" b="1" i="1" dirty="0">
+                <a:solidFill>
+                  <a:srgbClr val="FF0000"/>
+                </a:solidFill>
+              </a:rPr>
+              <a:t>()</a:t>
+            </a:r>
+          </a:p>
+        </p:txBody>
+      </p:sp>
+      <p:cxnSp>
+        <p:nvCxnSpPr>
+          <p:cNvPr id="74" name="Connecteur droit avec flèche 73">
+            <a:extLst>
+              <a:ext uri="{FF2B5EF4-FFF2-40B4-BE49-F238E27FC236}">
+                <a16:creationId xmlns:a16="http://schemas.microsoft.com/office/drawing/2014/main" id="{D91A46AB-911D-4CD1-84FE-78902E2EB1B9}"/>
+              </a:ext>
+            </a:extLst>
+          </p:cNvPr>
+          <p:cNvCxnSpPr>
+            <a:cxnSpLocks/>
+          </p:cNvCxnSpPr>
+          <p:nvPr/>
+        </p:nvCxnSpPr>
+        <p:spPr>
+          <a:xfrm>
+            <a:off x="8829440" y="4216594"/>
+            <a:ext cx="944724" cy="889437"/>
+          </a:xfrm>
+          <a:prstGeom prst="straightConnector1">
+            <a:avLst/>
+          </a:prstGeom>
+          <a:ln w="38100">
+            <a:solidFill>
+              <a:schemeClr val="tx1"/>
+            </a:solidFill>
+            <a:tailEnd type="triangle"/>
+          </a:ln>
+        </p:spPr>
+        <p:style>
+          <a:lnRef idx="1">
+            <a:schemeClr val="accent1"/>
+          </a:lnRef>
+          <a:fillRef idx="0">
+            <a:schemeClr val="accent1"/>
+          </a:fillRef>
+          <a:effectRef idx="0">
+            <a:schemeClr val="accent1"/>
+          </a:effectRef>
+          <a:fontRef idx="minor">
+            <a:schemeClr val="tx1"/>
+          </a:fontRef>
+        </p:style>
+      </p:cxnSp>
     </p:spTree>
     <p:extLst>
       <p:ext uri="{BB962C8B-B14F-4D97-AF65-F5344CB8AC3E}">
-        <p14:creationId xmlns:p14="http://schemas.microsoft.com/office/powerpoint/2010/main" val="2895995029"/>
+        <p14:creationId xmlns:p14="http://schemas.microsoft.com/office/powerpoint/2010/main" val="1847860187"/>
       </p:ext>
     </p:extLst>
   </p:cSld>
@@ -8695,8 +9459,8 @@
         </p:nvSpPr>
         <p:spPr>
           <a:xfrm>
-            <a:off x="-1011631" y="-1195307"/>
-            <a:ext cx="11387531" cy="8053307"/>
+            <a:off x="673100" y="-577157"/>
+            <a:ext cx="12034982" cy="6931404"/>
           </a:xfrm>
           <a:prstGeom prst="rect">
             <a:avLst/>
@@ -8735,12 +9499,190 @@
           </a:p>
         </p:txBody>
       </p:sp>
+      <p:sp>
+        <p:nvSpPr>
+          <p:cNvPr id="22" name="Rectangle 21">
+            <a:extLst>
+              <a:ext uri="{FF2B5EF4-FFF2-40B4-BE49-F238E27FC236}">
+                <a16:creationId xmlns:a16="http://schemas.microsoft.com/office/drawing/2014/main" id="{9746D2C9-171F-4FE2-84B1-665444D8C9DB}"/>
+              </a:ext>
+            </a:extLst>
+          </p:cNvPr>
+          <p:cNvSpPr/>
+          <p:nvPr/>
+        </p:nvSpPr>
+        <p:spPr>
+          <a:xfrm>
+            <a:off x="673101" y="-540419"/>
+            <a:ext cx="3309652" cy="1200329"/>
+          </a:xfrm>
+          <a:prstGeom prst="rect">
+            <a:avLst/>
+          </a:prstGeom>
+        </p:spPr>
+        <p:txBody>
+          <a:bodyPr wrap="square">
+            <a:spAutoFit/>
+          </a:bodyPr>
+          <a:lstStyle/>
+          <a:p>
+            <a:pPr algn="just"/>
+            <a:r>
+              <a:rPr lang="en-US" dirty="0"/>
+              <a:t>Retention time (in minute) of metabolic features to be found, please put it to N/A if unknown. </a:t>
+            </a:r>
+            <a:r>
+              <a:rPr lang="en-US" dirty="0" err="1"/>
+              <a:t>M</a:t>
+            </a:r>
+            <a:r>
+              <a:rPr lang="en-US" altLang="zh-CN" dirty="0" err="1"/>
+              <a:t>ergeION</a:t>
+            </a:r>
+            <a:r>
+              <a:rPr lang="en-US" altLang="zh-CN" dirty="0"/>
+              <a:t> will detect all isomers</a:t>
+            </a:r>
+            <a:r>
+              <a:rPr lang="en-US" dirty="0"/>
+              <a:t>. </a:t>
+            </a:r>
+          </a:p>
+        </p:txBody>
+      </p:sp>
+      <p:sp>
+        <p:nvSpPr>
+          <p:cNvPr id="32" name="Rectangle 31">
+            <a:extLst>
+              <a:ext uri="{FF2B5EF4-FFF2-40B4-BE49-F238E27FC236}">
+                <a16:creationId xmlns:a16="http://schemas.microsoft.com/office/drawing/2014/main" id="{E9543813-C727-4CDA-8151-30FCE4587D7C}"/>
+              </a:ext>
+            </a:extLst>
+          </p:cNvPr>
+          <p:cNvSpPr/>
+          <p:nvPr/>
+        </p:nvSpPr>
+        <p:spPr>
+          <a:xfrm>
+            <a:off x="9354655" y="-532306"/>
+            <a:ext cx="2576945" cy="1200329"/>
+          </a:xfrm>
+          <a:prstGeom prst="rect">
+            <a:avLst/>
+          </a:prstGeom>
+        </p:spPr>
+        <p:txBody>
+          <a:bodyPr wrap="square">
+            <a:spAutoFit/>
+          </a:bodyPr>
+          <a:lstStyle/>
+          <a:p>
+            <a:pPr algn="just"/>
+            <a:r>
+              <a:rPr lang="en-US" dirty="0"/>
+              <a:t>A unique identifier for targeted compounds in spectral library, number or character</a:t>
+            </a:r>
+          </a:p>
+        </p:txBody>
+      </p:sp>
+      <p:sp>
+        <p:nvSpPr>
+          <p:cNvPr id="39" name="Rectangle 38">
+            <a:extLst>
+              <a:ext uri="{FF2B5EF4-FFF2-40B4-BE49-F238E27FC236}">
+                <a16:creationId xmlns:a16="http://schemas.microsoft.com/office/drawing/2014/main" id="{CA8B4FFF-E8B7-4459-9D6C-1750153F545C}"/>
+              </a:ext>
+            </a:extLst>
+          </p:cNvPr>
+          <p:cNvSpPr/>
+          <p:nvPr/>
+        </p:nvSpPr>
+        <p:spPr>
+          <a:xfrm>
+            <a:off x="4989413" y="-540481"/>
+            <a:ext cx="2127248" cy="1200329"/>
+          </a:xfrm>
+          <a:prstGeom prst="rect">
+            <a:avLst/>
+          </a:prstGeom>
+        </p:spPr>
+        <p:txBody>
+          <a:bodyPr wrap="square">
+            <a:spAutoFit/>
+          </a:bodyPr>
+          <a:lstStyle/>
+          <a:p>
+            <a:r>
+              <a:rPr lang="en-US" dirty="0"/>
+              <a:t>Precursor ion adduct type, one of "M+H","</a:t>
+            </a:r>
+            <a:r>
+              <a:rPr lang="en-US" dirty="0" err="1"/>
+              <a:t>M+Na</a:t>
+            </a:r>
+            <a:r>
+              <a:rPr lang="en-US" dirty="0"/>
+              <a:t>","M+K","M-H“, "</a:t>
+            </a:r>
+            <a:r>
+              <a:rPr lang="en-US" dirty="0" err="1"/>
+              <a:t>M+Cl</a:t>
+            </a:r>
+            <a:r>
+              <a:rPr lang="en-US" dirty="0"/>
+              <a:t>"</a:t>
+            </a:r>
+          </a:p>
+        </p:txBody>
+      </p:sp>
+      <p:sp>
+        <p:nvSpPr>
+          <p:cNvPr id="38" name="Rectangle 37">
+            <a:extLst>
+              <a:ext uri="{FF2B5EF4-FFF2-40B4-BE49-F238E27FC236}">
+                <a16:creationId xmlns:a16="http://schemas.microsoft.com/office/drawing/2014/main" id="{38B95EB8-D655-4432-A1A5-3B4A4C47DDE6}"/>
+              </a:ext>
+            </a:extLst>
+          </p:cNvPr>
+          <p:cNvSpPr/>
+          <p:nvPr/>
+        </p:nvSpPr>
+        <p:spPr>
+          <a:xfrm>
+            <a:off x="7283391" y="-393806"/>
+            <a:ext cx="1720846" cy="923330"/>
+          </a:xfrm>
+          <a:prstGeom prst="rect">
+            <a:avLst/>
+          </a:prstGeom>
+        </p:spPr>
+        <p:txBody>
+          <a:bodyPr wrap="square">
+            <a:spAutoFit/>
+          </a:bodyPr>
+          <a:lstStyle/>
+          <a:p>
+            <a:pPr algn="just"/>
+            <a:r>
+              <a:rPr lang="en-US" dirty="0"/>
+              <a:t>Charge number,</a:t>
+            </a:r>
+          </a:p>
+          <a:p>
+            <a:pPr algn="just"/>
+            <a:r>
+              <a:rPr lang="en-US" dirty="0"/>
+              <a:t>Please keep the value at 1</a:t>
+            </a:r>
+          </a:p>
+        </p:txBody>
+      </p:sp>
       <p:pic>
         <p:nvPicPr>
-          <p:cNvPr id="5" name="Image 4">
-            <a:extLst>
-              <a:ext uri="{FF2B5EF4-FFF2-40B4-BE49-F238E27FC236}">
-                <a16:creationId xmlns:a16="http://schemas.microsoft.com/office/drawing/2014/main" id="{AADEECB1-058D-4317-BB3F-CBDBCCE70BDF}"/>
+          <p:cNvPr id="2" name="Image 1">
+            <a:extLst>
+              <a:ext uri="{FF2B5EF4-FFF2-40B4-BE49-F238E27FC236}">
+                <a16:creationId xmlns:a16="http://schemas.microsoft.com/office/drawing/2014/main" id="{0F9A9F7A-33E2-4E7A-9400-236640E5621D}"/>
               </a:ext>
             </a:extLst>
           </p:cNvPr>
@@ -8757,8 +9699,8 @@
         </p:blipFill>
         <p:spPr>
           <a:xfrm>
-            <a:off x="990599" y="829012"/>
-            <a:ext cx="7784403" cy="5013325"/>
+            <a:off x="2764491" y="1257042"/>
+            <a:ext cx="9668230" cy="3868881"/>
           </a:xfrm>
           <a:prstGeom prst="rect">
             <a:avLst/>
@@ -8779,8 +9721,8 @@
         </p:nvCxnSpPr>
         <p:spPr>
           <a:xfrm>
-            <a:off x="990599" y="829012"/>
-            <a:ext cx="0" cy="5943600"/>
+            <a:off x="2589432" y="1257042"/>
+            <a:ext cx="0" cy="4846320"/>
           </a:xfrm>
           <a:prstGeom prst="line">
             <a:avLst/>
@@ -8789,6 +9731,261 @@
             <a:solidFill>
               <a:srgbClr val="FF0000"/>
             </a:solidFill>
+          </a:ln>
+        </p:spPr>
+        <p:style>
+          <a:lnRef idx="1">
+            <a:schemeClr val="accent1"/>
+          </a:lnRef>
+          <a:fillRef idx="0">
+            <a:schemeClr val="accent1"/>
+          </a:fillRef>
+          <a:effectRef idx="0">
+            <a:schemeClr val="accent1"/>
+          </a:effectRef>
+          <a:fontRef idx="minor">
+            <a:schemeClr val="tx1"/>
+          </a:fontRef>
+        </p:style>
+      </p:cxnSp>
+      <p:sp>
+        <p:nvSpPr>
+          <p:cNvPr id="14" name="ZoneTexte 13">
+            <a:extLst>
+              <a:ext uri="{FF2B5EF4-FFF2-40B4-BE49-F238E27FC236}">
+                <a16:creationId xmlns:a16="http://schemas.microsoft.com/office/drawing/2014/main" id="{A542D2B4-3B1B-44DC-8576-44470BF544A5}"/>
+              </a:ext>
+            </a:extLst>
+          </p:cNvPr>
+          <p:cNvSpPr txBox="1"/>
+          <p:nvPr/>
+        </p:nvSpPr>
+        <p:spPr>
+          <a:xfrm>
+            <a:off x="3482515" y="5224268"/>
+            <a:ext cx="4317637" cy="923330"/>
+          </a:xfrm>
+          <a:prstGeom prst="rect">
+            <a:avLst/>
+          </a:prstGeom>
+          <a:noFill/>
+        </p:spPr>
+        <p:txBody>
+          <a:bodyPr wrap="square" rtlCol="0">
+            <a:spAutoFit/>
+          </a:bodyPr>
+          <a:lstStyle/>
+          <a:p>
+            <a:pPr algn="ctr"/>
+            <a:r>
+              <a:rPr lang="en-US" b="1" dirty="0">
+                <a:solidFill>
+                  <a:srgbClr val="FF0000"/>
+                </a:solidFill>
+              </a:rPr>
+              <a:t>The first </a:t>
+            </a:r>
+            <a:r>
+              <a:rPr lang="en-US" altLang="zh-CN" b="1" dirty="0">
+                <a:solidFill>
+                  <a:srgbClr val="FF0000"/>
+                </a:solidFill>
+              </a:rPr>
+              <a:t>six</a:t>
+            </a:r>
+            <a:r>
+              <a:rPr lang="en-US" b="1" dirty="0">
+                <a:solidFill>
+                  <a:srgbClr val="FF0000"/>
+                </a:solidFill>
+              </a:rPr>
+              <a:t> columns of the metadata are mandatory. Column names and their order must not be changed !</a:t>
+            </a:r>
+          </a:p>
+        </p:txBody>
+      </p:sp>
+      <p:sp>
+        <p:nvSpPr>
+          <p:cNvPr id="15" name="ZoneTexte 14">
+            <a:extLst>
+              <a:ext uri="{FF2B5EF4-FFF2-40B4-BE49-F238E27FC236}">
+                <a16:creationId xmlns:a16="http://schemas.microsoft.com/office/drawing/2014/main" id="{CED5FE49-39D3-40E1-A5BE-A04BBF180DA7}"/>
+              </a:ext>
+            </a:extLst>
+          </p:cNvPr>
+          <p:cNvSpPr txBox="1"/>
+          <p:nvPr/>
+        </p:nvSpPr>
+        <p:spPr>
+          <a:xfrm>
+            <a:off x="8280913" y="5231626"/>
+            <a:ext cx="3409692" cy="369332"/>
+          </a:xfrm>
+          <a:prstGeom prst="rect">
+            <a:avLst/>
+          </a:prstGeom>
+          <a:noFill/>
+        </p:spPr>
+        <p:txBody>
+          <a:bodyPr wrap="square" rtlCol="0">
+            <a:spAutoFit/>
+          </a:bodyPr>
+          <a:lstStyle/>
+          <a:p>
+            <a:pPr algn="ctr"/>
+            <a:r>
+              <a:rPr lang="en-US" b="1" dirty="0">
+                <a:solidFill>
+                  <a:srgbClr val="FF0000"/>
+                </a:solidFill>
+              </a:rPr>
+              <a:t>Rest of columns are optional</a:t>
+            </a:r>
+          </a:p>
+        </p:txBody>
+      </p:sp>
+      <p:cxnSp>
+        <p:nvCxnSpPr>
+          <p:cNvPr id="16" name="Connecteur droit 15">
+            <a:extLst>
+              <a:ext uri="{FF2B5EF4-FFF2-40B4-BE49-F238E27FC236}">
+                <a16:creationId xmlns:a16="http://schemas.microsoft.com/office/drawing/2014/main" id="{6B9F2166-35F5-47E4-A82C-C773A47B9A7D}"/>
+              </a:ext>
+            </a:extLst>
+          </p:cNvPr>
+          <p:cNvCxnSpPr/>
+          <p:nvPr/>
+        </p:nvCxnSpPr>
+        <p:spPr>
+          <a:xfrm>
+            <a:off x="12432721" y="1267061"/>
+            <a:ext cx="0" cy="4846320"/>
+          </a:xfrm>
+          <a:prstGeom prst="line">
+            <a:avLst/>
+          </a:prstGeom>
+          <a:ln w="38100">
+            <a:solidFill>
+              <a:srgbClr val="FF0000"/>
+            </a:solidFill>
+          </a:ln>
+        </p:spPr>
+        <p:style>
+          <a:lnRef idx="1">
+            <a:schemeClr val="accent1"/>
+          </a:lnRef>
+          <a:fillRef idx="0">
+            <a:schemeClr val="accent1"/>
+          </a:fillRef>
+          <a:effectRef idx="0">
+            <a:schemeClr val="accent1"/>
+          </a:effectRef>
+          <a:fontRef idx="minor">
+            <a:schemeClr val="tx1"/>
+          </a:fontRef>
+        </p:style>
+      </p:cxnSp>
+      <p:sp>
+        <p:nvSpPr>
+          <p:cNvPr id="17" name="Rectangle 16">
+            <a:extLst>
+              <a:ext uri="{FF2B5EF4-FFF2-40B4-BE49-F238E27FC236}">
+                <a16:creationId xmlns:a16="http://schemas.microsoft.com/office/drawing/2014/main" id="{BA925635-E6D5-4294-84D2-F29D0FE7465D}"/>
+              </a:ext>
+            </a:extLst>
+          </p:cNvPr>
+          <p:cNvSpPr/>
+          <p:nvPr/>
+        </p:nvSpPr>
+        <p:spPr>
+          <a:xfrm>
+            <a:off x="673100" y="3051361"/>
+            <a:ext cx="1741274" cy="923330"/>
+          </a:xfrm>
+          <a:prstGeom prst="rect">
+            <a:avLst/>
+          </a:prstGeom>
+        </p:spPr>
+        <p:txBody>
+          <a:bodyPr wrap="square">
+            <a:spAutoFit/>
+          </a:bodyPr>
+          <a:lstStyle/>
+          <a:p>
+            <a:r>
+              <a:rPr lang="en-US" dirty="0"/>
+              <a:t>Precursor m/z to be found in chromatograms</a:t>
+            </a:r>
+          </a:p>
+        </p:txBody>
+      </p:sp>
+      <p:sp>
+        <p:nvSpPr>
+          <p:cNvPr id="31" name="Rectangle 30">
+            <a:extLst>
+              <a:ext uri="{FF2B5EF4-FFF2-40B4-BE49-F238E27FC236}">
+                <a16:creationId xmlns:a16="http://schemas.microsoft.com/office/drawing/2014/main" id="{FC63799E-0B95-4877-81FD-D95B91D6DCBC}"/>
+              </a:ext>
+            </a:extLst>
+          </p:cNvPr>
+          <p:cNvSpPr/>
+          <p:nvPr/>
+        </p:nvSpPr>
+        <p:spPr>
+          <a:xfrm>
+            <a:off x="3982752" y="613002"/>
+            <a:ext cx="1450397" cy="646331"/>
+          </a:xfrm>
+          <a:prstGeom prst="rect">
+            <a:avLst/>
+          </a:prstGeom>
+        </p:spPr>
+        <p:txBody>
+          <a:bodyPr wrap="none">
+            <a:spAutoFit/>
+          </a:bodyPr>
+          <a:lstStyle/>
+          <a:p>
+            <a:r>
+              <a:rPr lang="en-US" dirty="0"/>
+              <a:t>"Positive" </a:t>
+            </a:r>
+          </a:p>
+          <a:p>
+            <a:r>
+              <a:rPr lang="en-US" dirty="0"/>
+              <a:t>or "Negative"</a:t>
+            </a:r>
+          </a:p>
+        </p:txBody>
+      </p:sp>
+      <p:cxnSp>
+        <p:nvCxnSpPr>
+          <p:cNvPr id="37" name="Connecteur droit avec flèche 36">
+            <a:extLst>
+              <a:ext uri="{FF2B5EF4-FFF2-40B4-BE49-F238E27FC236}">
+                <a16:creationId xmlns:a16="http://schemas.microsoft.com/office/drawing/2014/main" id="{FF9F1586-94EA-4660-A312-E04944290719}"/>
+              </a:ext>
+            </a:extLst>
+          </p:cNvPr>
+          <p:cNvCxnSpPr>
+            <a:cxnSpLocks/>
+          </p:cNvCxnSpPr>
+          <p:nvPr/>
+        </p:nvCxnSpPr>
+        <p:spPr>
+          <a:xfrm flipV="1">
+            <a:off x="8121582" y="400381"/>
+            <a:ext cx="1273326" cy="987389"/>
+          </a:xfrm>
+          <a:prstGeom prst="straightConnector1">
+            <a:avLst/>
+          </a:prstGeom>
+          <a:ln w="19050">
+            <a:solidFill>
+              <a:srgbClr val="FF0000"/>
+            </a:solidFill>
+            <a:tailEnd type="triangle"/>
           </a:ln>
         </p:spPr>
         <p:style>
@@ -8820,8 +10017,8 @@
         </p:nvCxnSpPr>
         <p:spPr>
           <a:xfrm>
-            <a:off x="5448299" y="829012"/>
-            <a:ext cx="0" cy="5943600"/>
+            <a:off x="8382759" y="1267061"/>
+            <a:ext cx="0" cy="4846320"/>
           </a:xfrm>
           <a:prstGeom prst="line">
             <a:avLst/>
@@ -8847,191 +10044,33 @@
           </a:fontRef>
         </p:style>
       </p:cxnSp>
-      <p:sp>
-        <p:nvSpPr>
-          <p:cNvPr id="12" name="ZoneTexte 11">
-            <a:extLst>
-              <a:ext uri="{FF2B5EF4-FFF2-40B4-BE49-F238E27FC236}">
-                <a16:creationId xmlns:a16="http://schemas.microsoft.com/office/drawing/2014/main" id="{0A24D7DC-9CF4-4AD0-85AF-61BEB3A89828}"/>
-              </a:ext>
-            </a:extLst>
-          </p:cNvPr>
-          <p:cNvSpPr txBox="1"/>
-          <p:nvPr/>
-        </p:nvSpPr>
-        <p:spPr>
-          <a:xfrm>
-            <a:off x="9207501" y="689312"/>
-            <a:ext cx="571500" cy="523220"/>
-          </a:xfrm>
-          <a:prstGeom prst="rect">
-            <a:avLst/>
-          </a:prstGeom>
-          <a:noFill/>
-        </p:spPr>
-        <p:txBody>
-          <a:bodyPr wrap="square" rtlCol="0">
-            <a:spAutoFit/>
-          </a:bodyPr>
-          <a:lstStyle/>
-          <a:p>
-            <a:r>
-              <a:rPr lang="en-US" sz="2800" dirty="0"/>
-              <a:t>…</a:t>
-            </a:r>
-          </a:p>
-        </p:txBody>
-      </p:sp>
-      <p:sp>
-        <p:nvSpPr>
-          <p:cNvPr id="13" name="ZoneTexte 12">
-            <a:extLst>
-              <a:ext uri="{FF2B5EF4-FFF2-40B4-BE49-F238E27FC236}">
-                <a16:creationId xmlns:a16="http://schemas.microsoft.com/office/drawing/2014/main" id="{D379FF32-C994-4271-8D6F-DE4A7D7CE725}"/>
-              </a:ext>
-            </a:extLst>
-          </p:cNvPr>
-          <p:cNvSpPr txBox="1"/>
-          <p:nvPr/>
-        </p:nvSpPr>
-        <p:spPr>
-          <a:xfrm>
-            <a:off x="9207501" y="3366768"/>
-            <a:ext cx="469900" cy="523220"/>
-          </a:xfrm>
-          <a:prstGeom prst="rect">
-            <a:avLst/>
-          </a:prstGeom>
-          <a:noFill/>
-        </p:spPr>
-        <p:txBody>
-          <a:bodyPr wrap="square" rtlCol="0">
-            <a:spAutoFit/>
-          </a:bodyPr>
-          <a:lstStyle/>
-          <a:p>
-            <a:r>
-              <a:rPr lang="en-US" sz="2800" dirty="0"/>
-              <a:t>…</a:t>
-            </a:r>
-          </a:p>
-        </p:txBody>
-      </p:sp>
-      <p:sp>
-        <p:nvSpPr>
-          <p:cNvPr id="14" name="ZoneTexte 13">
-            <a:extLst>
-              <a:ext uri="{FF2B5EF4-FFF2-40B4-BE49-F238E27FC236}">
-                <a16:creationId xmlns:a16="http://schemas.microsoft.com/office/drawing/2014/main" id="{A542D2B4-3B1B-44DC-8576-44470BF544A5}"/>
-              </a:ext>
-            </a:extLst>
-          </p:cNvPr>
-          <p:cNvSpPr txBox="1"/>
-          <p:nvPr/>
-        </p:nvSpPr>
-        <p:spPr>
-          <a:xfrm>
-            <a:off x="1060631" y="5842337"/>
-            <a:ext cx="4317637" cy="1015663"/>
-          </a:xfrm>
-          <a:prstGeom prst="rect">
-            <a:avLst/>
-          </a:prstGeom>
-          <a:noFill/>
-        </p:spPr>
-        <p:txBody>
-          <a:bodyPr wrap="square" rtlCol="0">
-            <a:spAutoFit/>
-          </a:bodyPr>
-          <a:lstStyle/>
-          <a:p>
-            <a:pPr algn="ctr"/>
-            <a:r>
-              <a:rPr lang="en-US" sz="2000" b="1" dirty="0">
-                <a:solidFill>
-                  <a:srgbClr val="FF0000"/>
-                </a:solidFill>
-              </a:rPr>
-              <a:t>The first five columns of the metadata are mandatory. Column names and order must not be changed !</a:t>
-            </a:r>
-          </a:p>
-        </p:txBody>
-      </p:sp>
-      <p:sp>
-        <p:nvSpPr>
-          <p:cNvPr id="15" name="ZoneTexte 14">
-            <a:extLst>
-              <a:ext uri="{FF2B5EF4-FFF2-40B4-BE49-F238E27FC236}">
-                <a16:creationId xmlns:a16="http://schemas.microsoft.com/office/drawing/2014/main" id="{CED5FE49-39D3-40E1-A5BE-A04BBF180DA7}"/>
-              </a:ext>
-            </a:extLst>
-          </p:cNvPr>
-          <p:cNvSpPr txBox="1"/>
-          <p:nvPr/>
-        </p:nvSpPr>
-        <p:spPr>
-          <a:xfrm>
-            <a:off x="5562962" y="5842337"/>
-            <a:ext cx="4317637" cy="1015663"/>
-          </a:xfrm>
-          <a:prstGeom prst="rect">
-            <a:avLst/>
-          </a:prstGeom>
-          <a:noFill/>
-        </p:spPr>
-        <p:txBody>
-          <a:bodyPr wrap="square" rtlCol="0">
-            <a:spAutoFit/>
-          </a:bodyPr>
-          <a:lstStyle/>
-          <a:p>
-            <a:pPr algn="ctr"/>
-            <a:r>
-              <a:rPr lang="en-US" sz="2000" b="1" dirty="0">
-                <a:solidFill>
-                  <a:srgbClr val="FF0000"/>
-                </a:solidFill>
-              </a:rPr>
-              <a:t>The rest of columns are optional</a:t>
-            </a:r>
-          </a:p>
-          <a:p>
-            <a:pPr algn="ctr"/>
-            <a:r>
-              <a:rPr lang="en-US" sz="2000" b="1" dirty="0">
-                <a:solidFill>
-                  <a:srgbClr val="FF0000"/>
-                </a:solidFill>
-              </a:rPr>
-              <a:t> e.g. “STRUCTURE” and “NAME” can be added for building in-house library.</a:t>
-            </a:r>
-          </a:p>
-        </p:txBody>
-      </p:sp>
       <p:cxnSp>
         <p:nvCxnSpPr>
-          <p:cNvPr id="16" name="Connecteur droit 15">
-            <a:extLst>
-              <a:ext uri="{FF2B5EF4-FFF2-40B4-BE49-F238E27FC236}">
-                <a16:creationId xmlns:a16="http://schemas.microsoft.com/office/drawing/2014/main" id="{6B9F2166-35F5-47E4-A82C-C773A47B9A7D}"/>
-              </a:ext>
-            </a:extLst>
-          </p:cNvPr>
-          <p:cNvCxnSpPr/>
+          <p:cNvPr id="19" name="Connecteur droit avec flèche 18">
+            <a:extLst>
+              <a:ext uri="{FF2B5EF4-FFF2-40B4-BE49-F238E27FC236}">
+                <a16:creationId xmlns:a16="http://schemas.microsoft.com/office/drawing/2014/main" id="{B5F0A315-06F1-4507-B130-53F413AF6C86}"/>
+              </a:ext>
+            </a:extLst>
+          </p:cNvPr>
+          <p:cNvCxnSpPr>
+            <a:cxnSpLocks/>
+          </p:cNvCxnSpPr>
           <p:nvPr/>
         </p:nvCxnSpPr>
         <p:spPr>
-          <a:xfrm>
-            <a:off x="10032999" y="829012"/>
-            <a:ext cx="0" cy="5943600"/>
-          </a:xfrm>
-          <a:prstGeom prst="line">
-            <a:avLst/>
-          </a:prstGeom>
-          <a:ln w="38100">
+          <a:xfrm flipH="1">
+            <a:off x="1736802" y="2212469"/>
+            <a:ext cx="1103653" cy="962960"/>
+          </a:xfrm>
+          <a:prstGeom prst="straightConnector1">
+            <a:avLst/>
+          </a:prstGeom>
+          <a:ln w="19050">
             <a:solidFill>
               <a:srgbClr val="FF0000"/>
             </a:solidFill>
+            <a:tailEnd type="triangle"/>
           </a:ln>
         </p:spPr>
         <p:style>
@@ -9049,46 +10088,12 @@
           </a:fontRef>
         </p:style>
       </p:cxnSp>
-      <p:sp>
-        <p:nvSpPr>
-          <p:cNvPr id="17" name="Rectangle 16">
-            <a:extLst>
-              <a:ext uri="{FF2B5EF4-FFF2-40B4-BE49-F238E27FC236}">
-                <a16:creationId xmlns:a16="http://schemas.microsoft.com/office/drawing/2014/main" id="{BA925635-E6D5-4294-84D2-F29D0FE7465D}"/>
-              </a:ext>
-            </a:extLst>
-          </p:cNvPr>
-          <p:cNvSpPr/>
-          <p:nvPr/>
-        </p:nvSpPr>
-        <p:spPr>
-          <a:xfrm>
-            <a:off x="-1011630" y="2505670"/>
-            <a:ext cx="1741274" cy="923330"/>
-          </a:xfrm>
-          <a:prstGeom prst="rect">
-            <a:avLst/>
-          </a:prstGeom>
-        </p:spPr>
-        <p:txBody>
-          <a:bodyPr wrap="square">
-            <a:spAutoFit/>
-          </a:bodyPr>
-          <a:lstStyle/>
-          <a:p>
-            <a:r>
-              <a:rPr lang="en-US" dirty="0"/>
-              <a:t>Precursor m/z to be found in chromatograms</a:t>
-            </a:r>
-          </a:p>
-        </p:txBody>
-      </p:sp>
       <p:cxnSp>
         <p:nvCxnSpPr>
-          <p:cNvPr id="19" name="Connecteur droit avec flèche 18">
-            <a:extLst>
-              <a:ext uri="{FF2B5EF4-FFF2-40B4-BE49-F238E27FC236}">
-                <a16:creationId xmlns:a16="http://schemas.microsoft.com/office/drawing/2014/main" id="{B5F0A315-06F1-4507-B130-53F413AF6C86}"/>
+          <p:cNvPr id="23" name="Connecteur droit avec flèche 22">
+            <a:extLst>
+              <a:ext uri="{FF2B5EF4-FFF2-40B4-BE49-F238E27FC236}">
+                <a16:creationId xmlns:a16="http://schemas.microsoft.com/office/drawing/2014/main" id="{E2CD6BB9-7120-4A1A-9623-4E41FA06C346}"/>
               </a:ext>
             </a:extLst>
           </p:cNvPr>
@@ -9098,9 +10103,9 @@
           <p:nvPr/>
         </p:nvCxnSpPr>
         <p:spPr>
-          <a:xfrm flipH="1">
-            <a:off x="288278" y="1568855"/>
-            <a:ext cx="1103653" cy="962960"/>
+          <a:xfrm flipH="1" flipV="1">
+            <a:off x="3271581" y="717211"/>
+            <a:ext cx="731966" cy="895096"/>
           </a:xfrm>
           <a:prstGeom prst="straightConnector1">
             <a:avLst/>
@@ -9127,46 +10132,12 @@
           </a:fontRef>
         </p:style>
       </p:cxnSp>
-      <p:sp>
-        <p:nvSpPr>
-          <p:cNvPr id="22" name="Rectangle 21">
-            <a:extLst>
-              <a:ext uri="{FF2B5EF4-FFF2-40B4-BE49-F238E27FC236}">
-                <a16:creationId xmlns:a16="http://schemas.microsoft.com/office/drawing/2014/main" id="{9746D2C9-171F-4FE2-84B1-665444D8C9DB}"/>
-              </a:ext>
-            </a:extLst>
-          </p:cNvPr>
-          <p:cNvSpPr/>
-          <p:nvPr/>
-        </p:nvSpPr>
-        <p:spPr>
-          <a:xfrm>
-            <a:off x="-787455" y="-729813"/>
-            <a:ext cx="3318147" cy="1477328"/>
-          </a:xfrm>
-          <a:prstGeom prst="rect">
-            <a:avLst/>
-          </a:prstGeom>
-        </p:spPr>
-        <p:txBody>
-          <a:bodyPr wrap="square">
-            <a:spAutoFit/>
-          </a:bodyPr>
-          <a:lstStyle/>
-          <a:p>
-            <a:r>
-              <a:rPr lang="en-US" dirty="0"/>
-              <a:t>Retention time (in minute) of metabolic features to be found, please put it to N/A if unknown. Important if isomers are present in the same sample.</a:t>
-            </a:r>
-          </a:p>
-        </p:txBody>
-      </p:sp>
       <p:cxnSp>
         <p:nvCxnSpPr>
-          <p:cNvPr id="23" name="Connecteur droit avec flèche 22">
-            <a:extLst>
-              <a:ext uri="{FF2B5EF4-FFF2-40B4-BE49-F238E27FC236}">
-                <a16:creationId xmlns:a16="http://schemas.microsoft.com/office/drawing/2014/main" id="{E2CD6BB9-7120-4A1A-9623-4E41FA06C346}"/>
+          <p:cNvPr id="40" name="Connecteur droit avec flèche 39">
+            <a:extLst>
+              <a:ext uri="{FF2B5EF4-FFF2-40B4-BE49-F238E27FC236}">
+                <a16:creationId xmlns:a16="http://schemas.microsoft.com/office/drawing/2014/main" id="{25E1FE42-333F-4FCF-A492-E832DB416ECE}"/>
               </a:ext>
             </a:extLst>
           </p:cNvPr>
@@ -9177,8 +10148,52 @@
         </p:nvCxnSpPr>
         <p:spPr>
           <a:xfrm flipH="1" flipV="1">
-            <a:off x="2029788" y="633051"/>
-            <a:ext cx="465635" cy="454324"/>
+            <a:off x="5932681" y="710403"/>
+            <a:ext cx="402162" cy="1056052"/>
+          </a:xfrm>
+          <a:prstGeom prst="straightConnector1">
+            <a:avLst/>
+          </a:prstGeom>
+          <a:ln w="19050">
+            <a:solidFill>
+              <a:srgbClr val="FF0000"/>
+            </a:solidFill>
+            <a:tailEnd type="triangle"/>
+          </a:ln>
+        </p:spPr>
+        <p:style>
+          <a:lnRef idx="1">
+            <a:schemeClr val="accent1"/>
+          </a:lnRef>
+          <a:fillRef idx="0">
+            <a:schemeClr val="accent1"/>
+          </a:fillRef>
+          <a:effectRef idx="0">
+            <a:schemeClr val="accent1"/>
+          </a:effectRef>
+          <a:fontRef idx="minor">
+            <a:schemeClr val="tx1"/>
+          </a:fontRef>
+        </p:style>
+      </p:cxnSp>
+      <p:cxnSp>
+        <p:nvCxnSpPr>
+          <p:cNvPr id="29" name="Connecteur droit avec flèche 28">
+            <a:extLst>
+              <a:ext uri="{FF2B5EF4-FFF2-40B4-BE49-F238E27FC236}">
+                <a16:creationId xmlns:a16="http://schemas.microsoft.com/office/drawing/2014/main" id="{DEBDDFBE-5C0E-4655-B474-063AF5BD6F65}"/>
+              </a:ext>
+            </a:extLst>
+          </p:cNvPr>
+          <p:cNvCxnSpPr>
+            <a:cxnSpLocks/>
+          </p:cNvCxnSpPr>
+          <p:nvPr/>
+        </p:nvCxnSpPr>
+        <p:spPr>
+          <a:xfrm flipV="1">
+            <a:off x="7346991" y="503754"/>
+            <a:ext cx="326481" cy="816192"/>
           </a:xfrm>
           <a:prstGeom prst="straightConnector1">
             <a:avLst/>
@@ -9221,220 +10236,8 @@
         </p:nvCxnSpPr>
         <p:spPr>
           <a:xfrm flipH="1" flipV="1">
-            <a:off x="3037255" y="459448"/>
-            <a:ext cx="263588" cy="531872"/>
-          </a:xfrm>
-          <a:prstGeom prst="straightConnector1">
-            <a:avLst/>
-          </a:prstGeom>
-          <a:ln w="19050">
-            <a:solidFill>
-              <a:srgbClr val="FF0000"/>
-            </a:solidFill>
-            <a:tailEnd type="triangle"/>
-          </a:ln>
-        </p:spPr>
-        <p:style>
-          <a:lnRef idx="1">
-            <a:schemeClr val="accent1"/>
-          </a:lnRef>
-          <a:fillRef idx="0">
-            <a:schemeClr val="accent1"/>
-          </a:fillRef>
-          <a:effectRef idx="0">
-            <a:schemeClr val="accent1"/>
-          </a:effectRef>
-          <a:fontRef idx="minor">
-            <a:schemeClr val="tx1"/>
-          </a:fontRef>
-        </p:style>
-      </p:cxnSp>
-      <p:sp>
-        <p:nvSpPr>
-          <p:cNvPr id="31" name="Rectangle 30">
-            <a:extLst>
-              <a:ext uri="{FF2B5EF4-FFF2-40B4-BE49-F238E27FC236}">
-                <a16:creationId xmlns:a16="http://schemas.microsoft.com/office/drawing/2014/main" id="{FC63799E-0B95-4877-81FD-D95B91D6DCBC}"/>
-              </a:ext>
-            </a:extLst>
-          </p:cNvPr>
-          <p:cNvSpPr/>
-          <p:nvPr/>
-        </p:nvSpPr>
-        <p:spPr>
-          <a:xfrm>
-            <a:off x="2494250" y="-142073"/>
-            <a:ext cx="1450397" cy="646331"/>
-          </a:xfrm>
-          <a:prstGeom prst="rect">
-            <a:avLst/>
-          </a:prstGeom>
-        </p:spPr>
-        <p:txBody>
-          <a:bodyPr wrap="none">
-            <a:spAutoFit/>
-          </a:bodyPr>
-          <a:lstStyle/>
-          <a:p>
-            <a:r>
-              <a:rPr lang="en-US" dirty="0"/>
-              <a:t>"Positive" </a:t>
-            </a:r>
-          </a:p>
-          <a:p>
-            <a:r>
-              <a:rPr lang="en-US" dirty="0"/>
-              <a:t>or "Negative"</a:t>
-            </a:r>
-          </a:p>
-        </p:txBody>
-      </p:sp>
-      <p:sp>
-        <p:nvSpPr>
-          <p:cNvPr id="32" name="Rectangle 31">
-            <a:extLst>
-              <a:ext uri="{FF2B5EF4-FFF2-40B4-BE49-F238E27FC236}">
-                <a16:creationId xmlns:a16="http://schemas.microsoft.com/office/drawing/2014/main" id="{E9543813-C727-4CDA-8151-30FCE4587D7C}"/>
-              </a:ext>
-            </a:extLst>
-          </p:cNvPr>
-          <p:cNvSpPr/>
-          <p:nvPr/>
-        </p:nvSpPr>
-        <p:spPr>
-          <a:xfrm>
-            <a:off x="5724418" y="-13280"/>
-            <a:ext cx="4530538" cy="646331"/>
-          </a:xfrm>
-          <a:prstGeom prst="rect">
-            <a:avLst/>
-          </a:prstGeom>
-        </p:spPr>
-        <p:txBody>
-          <a:bodyPr wrap="square">
-            <a:spAutoFit/>
-          </a:bodyPr>
-          <a:lstStyle/>
-          <a:p>
-            <a:r>
-              <a:rPr lang="en-US" dirty="0"/>
-              <a:t>A unique identifier for targeted compounds in spectral library, number or character</a:t>
-            </a:r>
-          </a:p>
-        </p:txBody>
-      </p:sp>
-      <p:cxnSp>
-        <p:nvCxnSpPr>
-          <p:cNvPr id="37" name="Connecteur droit avec flèche 36">
-            <a:extLst>
-              <a:ext uri="{FF2B5EF4-FFF2-40B4-BE49-F238E27FC236}">
-                <a16:creationId xmlns:a16="http://schemas.microsoft.com/office/drawing/2014/main" id="{FF9F1586-94EA-4660-A312-E04944290719}"/>
-              </a:ext>
-            </a:extLst>
-          </p:cNvPr>
-          <p:cNvCxnSpPr>
-            <a:cxnSpLocks/>
-          </p:cNvCxnSpPr>
-          <p:nvPr/>
-        </p:nvCxnSpPr>
-        <p:spPr>
-          <a:xfrm flipV="1">
-            <a:off x="5240305" y="621756"/>
-            <a:ext cx="855695" cy="1330412"/>
-          </a:xfrm>
-          <a:prstGeom prst="straightConnector1">
-            <a:avLst/>
-          </a:prstGeom>
-          <a:ln w="19050">
-            <a:solidFill>
-              <a:srgbClr val="FF0000"/>
-            </a:solidFill>
-            <a:tailEnd type="triangle"/>
-          </a:ln>
-        </p:spPr>
-        <p:style>
-          <a:lnRef idx="1">
-            <a:schemeClr val="accent1"/>
-          </a:lnRef>
-          <a:fillRef idx="0">
-            <a:schemeClr val="accent1"/>
-          </a:fillRef>
-          <a:effectRef idx="0">
-            <a:schemeClr val="accent1"/>
-          </a:effectRef>
-          <a:fontRef idx="minor">
-            <a:schemeClr val="tx1"/>
-          </a:fontRef>
-        </p:style>
-      </p:cxnSp>
-      <p:sp>
-        <p:nvSpPr>
-          <p:cNvPr id="39" name="Rectangle 38">
-            <a:extLst>
-              <a:ext uri="{FF2B5EF4-FFF2-40B4-BE49-F238E27FC236}">
-                <a16:creationId xmlns:a16="http://schemas.microsoft.com/office/drawing/2014/main" id="{CA8B4FFF-E8B7-4459-9D6C-1750153F545C}"/>
-              </a:ext>
-            </a:extLst>
-          </p:cNvPr>
-          <p:cNvSpPr/>
-          <p:nvPr/>
-        </p:nvSpPr>
-        <p:spPr>
-          <a:xfrm>
-            <a:off x="3816069" y="-1075109"/>
-            <a:ext cx="2127248" cy="1200329"/>
-          </a:xfrm>
-          <a:prstGeom prst="rect">
-            <a:avLst/>
-          </a:prstGeom>
-        </p:spPr>
-        <p:txBody>
-          <a:bodyPr wrap="square">
-            <a:spAutoFit/>
-          </a:bodyPr>
-          <a:lstStyle/>
-          <a:p>
-            <a:r>
-              <a:rPr lang="en-US" dirty="0"/>
-              <a:t>Precursor ion adduct type, one of "M+H","</a:t>
-            </a:r>
-            <a:r>
-              <a:rPr lang="en-US" dirty="0" err="1"/>
-              <a:t>M+Na</a:t>
-            </a:r>
-            <a:r>
-              <a:rPr lang="en-US" dirty="0"/>
-              <a:t>","M+K","M-H“, "</a:t>
-            </a:r>
-            <a:r>
-              <a:rPr lang="en-US" dirty="0" err="1"/>
-              <a:t>M+Cl</a:t>
-            </a:r>
-            <a:r>
-              <a:rPr lang="en-US" dirty="0"/>
-              <a:t>"</a:t>
-            </a:r>
-          </a:p>
-        </p:txBody>
-      </p:sp>
-      <p:cxnSp>
-        <p:nvCxnSpPr>
-          <p:cNvPr id="40" name="Connecteur droit avec flèche 39">
-            <a:extLst>
-              <a:ext uri="{FF2B5EF4-FFF2-40B4-BE49-F238E27FC236}">
-                <a16:creationId xmlns:a16="http://schemas.microsoft.com/office/drawing/2014/main" id="{25E1FE42-333F-4FCF-A492-E832DB416ECE}"/>
-              </a:ext>
-            </a:extLst>
-          </p:cNvPr>
-          <p:cNvCxnSpPr>
-            <a:cxnSpLocks/>
-          </p:cNvCxnSpPr>
-          <p:nvPr/>
-        </p:nvCxnSpPr>
-        <p:spPr>
-          <a:xfrm flipV="1">
-            <a:off x="4434883" y="160091"/>
-            <a:ext cx="120944" cy="1579485"/>
+            <a:off x="4685695" y="1267061"/>
+            <a:ext cx="392900" cy="1257930"/>
           </a:xfrm>
           <a:prstGeom prst="straightConnector1">
             <a:avLst/>
@@ -9633,10 +10436,10 @@
       </p:grpSpPr>
       <p:sp>
         <p:nvSpPr>
-          <p:cNvPr id="78" name="Rectangle 77">
-            <a:extLst>
-              <a:ext uri="{FF2B5EF4-FFF2-40B4-BE49-F238E27FC236}">
-                <a16:creationId xmlns:a16="http://schemas.microsoft.com/office/drawing/2014/main" id="{03406A81-9E7C-434C-B47E-98F1D751956B}"/>
+          <p:cNvPr id="41" name="Rectangle 40">
+            <a:extLst>
+              <a:ext uri="{FF2B5EF4-FFF2-40B4-BE49-F238E27FC236}">
+                <a16:creationId xmlns:a16="http://schemas.microsoft.com/office/drawing/2014/main" id="{16728B70-9AE4-41C7-8ABE-880318331C56}"/>
               </a:ext>
             </a:extLst>
           </p:cNvPr>
@@ -9645,8 +10448,8 @@
         </p:nvSpPr>
         <p:spPr>
           <a:xfrm>
-            <a:off x="472272" y="5419"/>
-            <a:ext cx="10335279" cy="6852581"/>
+            <a:off x="685799" y="-2606040"/>
+            <a:ext cx="10794351" cy="9890760"/>
           </a:xfrm>
           <a:prstGeom prst="rect">
             <a:avLst/>
@@ -9687,10 +10490,10 @@
       </p:sp>
       <p:pic>
         <p:nvPicPr>
-          <p:cNvPr id="71" name="Image 70">
-            <a:extLst>
-              <a:ext uri="{FF2B5EF4-FFF2-40B4-BE49-F238E27FC236}">
-                <a16:creationId xmlns:a16="http://schemas.microsoft.com/office/drawing/2014/main" id="{0569A8FB-C979-47B4-8A67-8499D0F60167}"/>
+          <p:cNvPr id="3" name="Image 2">
+            <a:extLst>
+              <a:ext uri="{FF2B5EF4-FFF2-40B4-BE49-F238E27FC236}">
+                <a16:creationId xmlns:a16="http://schemas.microsoft.com/office/drawing/2014/main" id="{A5A36007-7EAB-4FF6-85BD-161161480EEC}"/>
               </a:ext>
             </a:extLst>
           </p:cNvPr>
@@ -9700,61 +10503,27 @@
           <p:nvPr/>
         </p:nvPicPr>
         <p:blipFill>
-          <a:blip r:embed="rId2"/>
+          <a:blip r:embed="rId3"/>
           <a:stretch>
             <a:fillRect/>
           </a:stretch>
         </p:blipFill>
         <p:spPr>
           <a:xfrm>
-            <a:off x="5477377" y="3004988"/>
-            <a:ext cx="5105123" cy="2487379"/>
+            <a:off x="1122706" y="664162"/>
+            <a:ext cx="8104418" cy="3378701"/>
           </a:xfrm>
           <a:prstGeom prst="rect">
             <a:avLst/>
           </a:prstGeom>
         </p:spPr>
       </p:pic>
-      <p:pic>
-        <p:nvPicPr>
-          <p:cNvPr id="3" name="Image 2">
-            <a:extLst>
-              <a:ext uri="{FF2B5EF4-FFF2-40B4-BE49-F238E27FC236}">
-                <a16:creationId xmlns:a16="http://schemas.microsoft.com/office/drawing/2014/main" id="{6441B122-5C80-4158-AB15-A34346CA7F40}"/>
-              </a:ext>
-            </a:extLst>
-          </p:cNvPr>
-          <p:cNvPicPr>
-            <a:picLocks noChangeAspect="1"/>
-          </p:cNvPicPr>
-          <p:nvPr/>
-        </p:nvPicPr>
-        <p:blipFill rotWithShape="1">
-          <a:blip r:embed="rId3"/>
-          <a:srcRect t="1824" r="3361" b="9244"/>
-          <a:stretch/>
-        </p:blipFill>
-        <p:spPr>
-          <a:xfrm>
-            <a:off x="1256198" y="174113"/>
-            <a:ext cx="5260480" cy="2289509"/>
-          </a:xfrm>
-          <a:prstGeom prst="rect">
-            <a:avLst/>
-          </a:prstGeom>
-          <a:ln w="28575">
-            <a:solidFill>
-              <a:schemeClr val="tx1"/>
-            </a:solidFill>
-          </a:ln>
-        </p:spPr>
-      </p:pic>
-      <p:sp>
-        <p:nvSpPr>
-          <p:cNvPr id="8" name="ZoneTexte 7">
-            <a:extLst>
-              <a:ext uri="{FF2B5EF4-FFF2-40B4-BE49-F238E27FC236}">
-                <a16:creationId xmlns:a16="http://schemas.microsoft.com/office/drawing/2014/main" id="{7813EC17-F8C4-4085-9A1C-E31AC58D9D20}"/>
+      <p:sp>
+        <p:nvSpPr>
+          <p:cNvPr id="12" name="ZoneTexte 11">
+            <a:extLst>
+              <a:ext uri="{FF2B5EF4-FFF2-40B4-BE49-F238E27FC236}">
+                <a16:creationId xmlns:a16="http://schemas.microsoft.com/office/drawing/2014/main" id="{67CF0401-36AF-4ED8-9295-83E81D8AD96E}"/>
               </a:ext>
             </a:extLst>
           </p:cNvPr>
@@ -9763,8 +10532,8 @@
         </p:nvSpPr>
         <p:spPr>
           <a:xfrm>
-            <a:off x="4903650" y="2775850"/>
-            <a:ext cx="604565" cy="461665"/>
+            <a:off x="1051551" y="4032347"/>
+            <a:ext cx="5296917" cy="369332"/>
           </a:xfrm>
           <a:prstGeom prst="rect">
             <a:avLst/>
@@ -9777,80 +10546,8 @@
           </a:bodyPr>
           <a:lstStyle/>
           <a:p>
-            <a:pPr algn="ctr"/>
-            <a:r>
-              <a:rPr lang="en-US" sz="2400" dirty="0"/>
-              <a:t>…</a:t>
-            </a:r>
-          </a:p>
-        </p:txBody>
-      </p:sp>
-      <p:sp>
-        <p:nvSpPr>
-          <p:cNvPr id="10" name="ZoneTexte 9">
-            <a:extLst>
-              <a:ext uri="{FF2B5EF4-FFF2-40B4-BE49-F238E27FC236}">
-                <a16:creationId xmlns:a16="http://schemas.microsoft.com/office/drawing/2014/main" id="{90CA22D0-0131-4E86-A2BD-0E378D3E3DD0}"/>
-              </a:ext>
-            </a:extLst>
-          </p:cNvPr>
-          <p:cNvSpPr txBox="1"/>
-          <p:nvPr/>
-        </p:nvSpPr>
-        <p:spPr>
-          <a:xfrm>
-            <a:off x="4735168" y="3933107"/>
-            <a:ext cx="941531" cy="461665"/>
-          </a:xfrm>
-          <a:prstGeom prst="rect">
-            <a:avLst/>
-          </a:prstGeom>
-          <a:noFill/>
-        </p:spPr>
-        <p:txBody>
-          <a:bodyPr wrap="square" rtlCol="0">
-            <a:spAutoFit/>
-          </a:bodyPr>
-          <a:lstStyle/>
-          <a:p>
-            <a:pPr algn="ctr"/>
-            <a:r>
-              <a:rPr lang="en-US" sz="2400" dirty="0"/>
-              <a:t>…</a:t>
-            </a:r>
-          </a:p>
-        </p:txBody>
-      </p:sp>
-      <p:sp>
-        <p:nvSpPr>
-          <p:cNvPr id="12" name="ZoneTexte 11">
-            <a:extLst>
-              <a:ext uri="{FF2B5EF4-FFF2-40B4-BE49-F238E27FC236}">
-                <a16:creationId xmlns:a16="http://schemas.microsoft.com/office/drawing/2014/main" id="{67CF0401-36AF-4ED8-9295-83E81D8AD96E}"/>
-              </a:ext>
-            </a:extLst>
-          </p:cNvPr>
-          <p:cNvSpPr txBox="1"/>
-          <p:nvPr/>
-        </p:nvSpPr>
-        <p:spPr>
-          <a:xfrm>
-            <a:off x="5560581" y="5498507"/>
-            <a:ext cx="3860472" cy="369332"/>
-          </a:xfrm>
-          <a:prstGeom prst="rect">
-            <a:avLst/>
-          </a:prstGeom>
-          <a:noFill/>
-        </p:spPr>
-        <p:txBody>
-          <a:bodyPr wrap="square" rtlCol="0">
-            <a:spAutoFit/>
-          </a:bodyPr>
-          <a:lstStyle/>
-          <a:p>
-            <a:r>
-              <a:rPr lang="en-US" dirty="0">
+            <a:r>
+              <a:rPr lang="en-US" b="1" dirty="0">
                 <a:solidFill>
                   <a:srgbClr val="FF0000"/>
                 </a:solidFill>
@@ -9858,14 +10555,14 @@
               <a:t>F</a:t>
             </a:r>
             <a:r>
-              <a:rPr lang="en-US" altLang="zh-CN" dirty="0">
+              <a:rPr lang="en-US" altLang="zh-CN" b="1" dirty="0">
                 <a:solidFill>
                   <a:srgbClr val="FF0000"/>
                 </a:solidFill>
               </a:rPr>
-              <a:t>ollowing metadata columns are added</a:t>
-            </a:r>
-            <a:endParaRPr lang="en-US" dirty="0">
+              <a:t>ollowing metadata columns are added:</a:t>
+            </a:r>
+            <a:endParaRPr lang="en-US" b="1" dirty="0">
               <a:solidFill>
                 <a:srgbClr val="FF0000"/>
               </a:solidFill>
@@ -9875,10 +10572,10 @@
       </p:sp>
       <p:sp>
         <p:nvSpPr>
-          <p:cNvPr id="22" name="ZoneTexte 21">
-            <a:extLst>
-              <a:ext uri="{FF2B5EF4-FFF2-40B4-BE49-F238E27FC236}">
-                <a16:creationId xmlns:a16="http://schemas.microsoft.com/office/drawing/2014/main" id="{935795B6-F2ED-4924-A5EF-B2BE173A6655}"/>
+          <p:cNvPr id="24" name="ZoneTexte 23">
+            <a:extLst>
+              <a:ext uri="{FF2B5EF4-FFF2-40B4-BE49-F238E27FC236}">
+                <a16:creationId xmlns:a16="http://schemas.microsoft.com/office/drawing/2014/main" id="{5C028F4F-4373-4D7B-B3F7-C9B9214C7865}"/>
               </a:ext>
             </a:extLst>
           </p:cNvPr>
@@ -9887,46 +10584,7 @@
         </p:nvSpPr>
         <p:spPr>
           <a:xfrm>
-            <a:off x="652187" y="2492600"/>
-            <a:ext cx="1351088" cy="369332"/>
-          </a:xfrm>
-          <a:prstGeom prst="rect">
-            <a:avLst/>
-          </a:prstGeom>
-          <a:noFill/>
-        </p:spPr>
-        <p:txBody>
-          <a:bodyPr wrap="square" rtlCol="0">
-            <a:spAutoFit/>
-          </a:bodyPr>
-          <a:lstStyle/>
-          <a:p>
-            <a:r>
-              <a:rPr lang="en-US" dirty="0">
-                <a:solidFill>
-                  <a:srgbClr val="FF0000"/>
-                </a:solidFill>
-              </a:rPr>
-              <a:t>Meta data</a:t>
-            </a:r>
-          </a:p>
-        </p:txBody>
-      </p:sp>
-      <p:sp>
-        <p:nvSpPr>
-          <p:cNvPr id="24" name="ZoneTexte 23">
-            <a:extLst>
-              <a:ext uri="{FF2B5EF4-FFF2-40B4-BE49-F238E27FC236}">
-                <a16:creationId xmlns:a16="http://schemas.microsoft.com/office/drawing/2014/main" id="{5C028F4F-4373-4D7B-B3F7-C9B9214C7865}"/>
-              </a:ext>
-            </a:extLst>
-          </p:cNvPr>
-          <p:cNvSpPr txBox="1"/>
-          <p:nvPr/>
-        </p:nvSpPr>
-        <p:spPr>
-          <a:xfrm>
-            <a:off x="9027000" y="2077556"/>
+            <a:off x="9027000" y="-374698"/>
             <a:ext cx="1542997" cy="369332"/>
           </a:xfrm>
           <a:prstGeom prst="rect">
@@ -9951,277 +10609,12 @@
           </a:p>
         </p:txBody>
       </p:sp>
-      <p:pic>
-        <p:nvPicPr>
-          <p:cNvPr id="41" name="Image 40">
-            <a:extLst>
-              <a:ext uri="{FF2B5EF4-FFF2-40B4-BE49-F238E27FC236}">
-                <a16:creationId xmlns:a16="http://schemas.microsoft.com/office/drawing/2014/main" id="{E012CF8E-8D48-4C4A-8CA0-1986C6096E61}"/>
-              </a:ext>
-            </a:extLst>
-          </p:cNvPr>
-          <p:cNvPicPr>
-            <a:picLocks noChangeAspect="1"/>
-          </p:cNvPicPr>
-          <p:nvPr/>
-        </p:nvPicPr>
-        <p:blipFill>
-          <a:blip r:embed="rId4"/>
-          <a:stretch>
-            <a:fillRect/>
-          </a:stretch>
-        </p:blipFill>
-        <p:spPr>
-          <a:xfrm>
-            <a:off x="1188147" y="3003114"/>
-            <a:ext cx="3771787" cy="2492166"/>
-          </a:xfrm>
-          <a:prstGeom prst="rect">
-            <a:avLst/>
-          </a:prstGeom>
-        </p:spPr>
-      </p:pic>
-      <p:sp>
-        <p:nvSpPr>
-          <p:cNvPr id="45" name="Forme libre : forme 44">
-            <a:extLst>
-              <a:ext uri="{FF2B5EF4-FFF2-40B4-BE49-F238E27FC236}">
-                <a16:creationId xmlns:a16="http://schemas.microsoft.com/office/drawing/2014/main" id="{85736300-E6E6-4539-813C-418D7BB194CA}"/>
-              </a:ext>
-            </a:extLst>
-          </p:cNvPr>
-          <p:cNvSpPr/>
-          <p:nvPr/>
-        </p:nvSpPr>
-        <p:spPr>
-          <a:xfrm>
-            <a:off x="546575" y="1922101"/>
-            <a:ext cx="1147432" cy="1367803"/>
-          </a:xfrm>
-          <a:custGeom>
-            <a:avLst/>
-            <a:gdLst>
-              <a:gd name="connsiteX0" fmla="*/ 1086082 w 1086082"/>
-              <a:gd name="connsiteY0" fmla="*/ 0 h 1395167"/>
-              <a:gd name="connsiteX1" fmla="*/ 2000 w 1086082"/>
-              <a:gd name="connsiteY1" fmla="*/ 735291 h 1395167"/>
-              <a:gd name="connsiteX2" fmla="*/ 822132 w 1086082"/>
-              <a:gd name="connsiteY2" fmla="*/ 1395167 h 1395167"/>
-            </a:gdLst>
-            <a:ahLst/>
-            <a:cxnLst>
-              <a:cxn ang="0">
-                <a:pos x="connsiteX0" y="connsiteY0"/>
-              </a:cxn>
-              <a:cxn ang="0">
-                <a:pos x="connsiteX1" y="connsiteY1"/>
-              </a:cxn>
-              <a:cxn ang="0">
-                <a:pos x="connsiteX2" y="connsiteY2"/>
-              </a:cxn>
-            </a:cxnLst>
-            <a:rect l="l" t="t" r="r" b="b"/>
-            <a:pathLst>
-              <a:path w="1086082" h="1395167">
-                <a:moveTo>
-                  <a:pt x="1086082" y="0"/>
-                </a:moveTo>
-                <a:cubicBezTo>
-                  <a:pt x="566037" y="251381"/>
-                  <a:pt x="45992" y="502763"/>
-                  <a:pt x="2000" y="735291"/>
-                </a:cubicBezTo>
-                <a:cubicBezTo>
-                  <a:pt x="-41992" y="967819"/>
-                  <a:pt x="652450" y="1271048"/>
-                  <a:pt x="822132" y="1395167"/>
-                </a:cubicBezTo>
-              </a:path>
-            </a:pathLst>
-          </a:custGeom>
-          <a:noFill/>
-          <a:ln w="28575">
-            <a:solidFill>
-              <a:srgbClr val="FF0000"/>
-            </a:solidFill>
-            <a:headEnd type="none" w="med" len="med"/>
-            <a:tailEnd type="arrow" w="med" len="med"/>
-          </a:ln>
-        </p:spPr>
-        <p:style>
-          <a:lnRef idx="2">
-            <a:schemeClr val="accent1">
-              <a:shade val="50000"/>
-            </a:schemeClr>
-          </a:lnRef>
-          <a:fillRef idx="1">
-            <a:schemeClr val="accent1"/>
-          </a:fillRef>
-          <a:effectRef idx="0">
-            <a:schemeClr val="accent1"/>
-          </a:effectRef>
-          <a:fontRef idx="minor">
-            <a:schemeClr val="lt1"/>
-          </a:fontRef>
-        </p:style>
-        <p:txBody>
-          <a:bodyPr rtlCol="0" anchor="ctr"/>
-          <a:lstStyle/>
-          <a:p>
-            <a:pPr algn="ctr"/>
-            <a:endParaRPr lang="en-US"/>
-          </a:p>
-        </p:txBody>
-      </p:sp>
-      <p:sp>
-        <p:nvSpPr>
-          <p:cNvPr id="46" name="Rectangle : coins arrondis 45">
-            <a:extLst>
-              <a:ext uri="{FF2B5EF4-FFF2-40B4-BE49-F238E27FC236}">
-                <a16:creationId xmlns:a16="http://schemas.microsoft.com/office/drawing/2014/main" id="{3B181BFD-CF84-4A54-A0F3-2AFCB1C5CFE2}"/>
-              </a:ext>
-            </a:extLst>
-          </p:cNvPr>
-          <p:cNvSpPr/>
-          <p:nvPr/>
-        </p:nvSpPr>
-        <p:spPr>
-          <a:xfrm>
-            <a:off x="4161368" y="4919275"/>
-            <a:ext cx="2056110" cy="352950"/>
-          </a:xfrm>
-          <a:prstGeom prst="roundRect">
-            <a:avLst/>
-          </a:prstGeom>
-          <a:noFill/>
-          <a:ln>
-            <a:solidFill>
-              <a:srgbClr val="0070C0"/>
-            </a:solidFill>
-          </a:ln>
-        </p:spPr>
-        <p:style>
-          <a:lnRef idx="2">
-            <a:schemeClr val="accent1">
-              <a:shade val="50000"/>
-            </a:schemeClr>
-          </a:lnRef>
-          <a:fillRef idx="1">
-            <a:schemeClr val="accent1"/>
-          </a:fillRef>
-          <a:effectRef idx="0">
-            <a:schemeClr val="accent1"/>
-          </a:effectRef>
-          <a:fontRef idx="minor">
-            <a:schemeClr val="lt1"/>
-          </a:fontRef>
-        </p:style>
-        <p:txBody>
-          <a:bodyPr rtlCol="0" anchor="ctr"/>
-          <a:lstStyle/>
-          <a:p>
-            <a:pPr algn="ctr"/>
-            <a:endParaRPr lang="en-US"/>
-          </a:p>
-        </p:txBody>
-      </p:sp>
-      <p:sp>
-        <p:nvSpPr>
-          <p:cNvPr id="28" name="Rectangle : coins arrondis 27">
-            <a:extLst>
-              <a:ext uri="{FF2B5EF4-FFF2-40B4-BE49-F238E27FC236}">
-                <a16:creationId xmlns:a16="http://schemas.microsoft.com/office/drawing/2014/main" id="{87860E08-9A61-42C9-B1CF-C9E07D79939B}"/>
-              </a:ext>
-            </a:extLst>
-          </p:cNvPr>
-          <p:cNvSpPr/>
-          <p:nvPr/>
-        </p:nvSpPr>
-        <p:spPr>
-          <a:xfrm>
-            <a:off x="1188145" y="4386995"/>
-            <a:ext cx="9369343" cy="208159"/>
-          </a:xfrm>
-          <a:prstGeom prst="roundRect">
-            <a:avLst/>
-          </a:prstGeom>
-          <a:noFill/>
-          <a:ln>
-            <a:solidFill>
-              <a:srgbClr val="0070C0"/>
-            </a:solidFill>
-          </a:ln>
-        </p:spPr>
-        <p:style>
-          <a:lnRef idx="2">
-            <a:schemeClr val="accent1">
-              <a:shade val="50000"/>
-            </a:schemeClr>
-          </a:lnRef>
-          <a:fillRef idx="1">
-            <a:schemeClr val="accent1"/>
-          </a:fillRef>
-          <a:effectRef idx="0">
-            <a:schemeClr val="accent1"/>
-          </a:effectRef>
-          <a:fontRef idx="minor">
-            <a:schemeClr val="lt1"/>
-          </a:fontRef>
-        </p:style>
-        <p:txBody>
-          <a:bodyPr rtlCol="0" anchor="ctr"/>
-          <a:lstStyle/>
-          <a:p>
-            <a:pPr algn="ctr"/>
-            <a:endParaRPr lang="en-US"/>
-          </a:p>
-        </p:txBody>
-      </p:sp>
-      <p:sp>
-        <p:nvSpPr>
-          <p:cNvPr id="52" name="ZoneTexte 51">
-            <a:extLst>
-              <a:ext uri="{FF2B5EF4-FFF2-40B4-BE49-F238E27FC236}">
-                <a16:creationId xmlns:a16="http://schemas.microsoft.com/office/drawing/2014/main" id="{DAE24555-3B54-4BAD-B93A-7336AB6F9078}"/>
-              </a:ext>
-            </a:extLst>
-          </p:cNvPr>
-          <p:cNvSpPr txBox="1"/>
-          <p:nvPr/>
-        </p:nvSpPr>
-        <p:spPr>
-          <a:xfrm>
-            <a:off x="3235040" y="1313607"/>
-            <a:ext cx="3200957" cy="369332"/>
-          </a:xfrm>
-          <a:prstGeom prst="rect">
-            <a:avLst/>
-          </a:prstGeom>
-          <a:noFill/>
-        </p:spPr>
-        <p:txBody>
-          <a:bodyPr wrap="square" rtlCol="0">
-            <a:spAutoFit/>
-          </a:bodyPr>
-          <a:lstStyle/>
-          <a:p>
-            <a:r>
-              <a:rPr lang="en-US" dirty="0">
-                <a:solidFill>
-                  <a:srgbClr val="FF0000"/>
-                </a:solidFill>
-              </a:rPr>
-              <a:t>GNPS-style spectral library file</a:t>
-            </a:r>
-          </a:p>
-        </p:txBody>
-      </p:sp>
       <p:cxnSp>
         <p:nvCxnSpPr>
-          <p:cNvPr id="53" name="Connecteur droit avec flèche 52">
-            <a:extLst>
-              <a:ext uri="{FF2B5EF4-FFF2-40B4-BE49-F238E27FC236}">
-                <a16:creationId xmlns:a16="http://schemas.microsoft.com/office/drawing/2014/main" id="{A3533E91-5E66-46B5-9748-247863DD420B}"/>
+          <p:cNvPr id="56" name="Connecteur droit 55">
+            <a:extLst>
+              <a:ext uri="{FF2B5EF4-FFF2-40B4-BE49-F238E27FC236}">
+                <a16:creationId xmlns:a16="http://schemas.microsoft.com/office/drawing/2014/main" id="{04911FDB-6E6C-4760-900D-CCBA5FD281C3}"/>
               </a:ext>
             </a:extLst>
           </p:cNvPr>
@@ -10231,50 +10624,9 @@
           <p:nvPr/>
         </p:nvCxnSpPr>
         <p:spPr>
-          <a:xfrm flipH="1">
-            <a:off x="4410776" y="5287930"/>
-            <a:ext cx="101619" cy="330952"/>
-          </a:xfrm>
-          <a:prstGeom prst="straightConnector1">
-            <a:avLst/>
-          </a:prstGeom>
-          <a:ln>
-            <a:tailEnd type="triangle"/>
-          </a:ln>
-        </p:spPr>
-        <p:style>
-          <a:lnRef idx="1">
-            <a:schemeClr val="accent1"/>
-          </a:lnRef>
-          <a:fillRef idx="0">
-            <a:schemeClr val="accent1"/>
-          </a:fillRef>
-          <a:effectRef idx="0">
-            <a:schemeClr val="accent1"/>
-          </a:effectRef>
-          <a:fontRef idx="minor">
-            <a:schemeClr val="tx1"/>
-          </a:fontRef>
-        </p:style>
-      </p:cxnSp>
-      <p:cxnSp>
-        <p:nvCxnSpPr>
-          <p:cNvPr id="56" name="Connecteur droit 55">
-            <a:extLst>
-              <a:ext uri="{FF2B5EF4-FFF2-40B4-BE49-F238E27FC236}">
-                <a16:creationId xmlns:a16="http://schemas.microsoft.com/office/drawing/2014/main" id="{04911FDB-6E6C-4760-900D-CCBA5FD281C3}"/>
-              </a:ext>
-            </a:extLst>
-          </p:cNvPr>
-          <p:cNvCxnSpPr>
-            <a:cxnSpLocks/>
-          </p:cNvCxnSpPr>
-          <p:nvPr/>
-        </p:nvCxnSpPr>
-        <p:spPr>
-          <a:xfrm>
-            <a:off x="5477377" y="2957068"/>
-            <a:ext cx="0" cy="2859419"/>
+          <a:xfrm>
+            <a:off x="5809886" y="664161"/>
+            <a:ext cx="0" cy="3474720"/>
           </a:xfrm>
           <a:prstGeom prst="line">
             <a:avLst/>
@@ -10314,8 +10666,8 @@
         </p:nvCxnSpPr>
         <p:spPr>
           <a:xfrm>
-            <a:off x="10569997" y="2957068"/>
-            <a:ext cx="0" cy="2859419"/>
+            <a:off x="9227124" y="568143"/>
+            <a:ext cx="0" cy="3474720"/>
           </a:xfrm>
           <a:prstGeom prst="line">
             <a:avLst/>
@@ -10341,12 +10693,82 @@
           </a:fontRef>
         </p:style>
       </p:cxnSp>
-      <p:sp>
-        <p:nvSpPr>
-          <p:cNvPr id="60" name="ZoneTexte 59">
-            <a:extLst>
-              <a:ext uri="{FF2B5EF4-FFF2-40B4-BE49-F238E27FC236}">
-                <a16:creationId xmlns:a16="http://schemas.microsoft.com/office/drawing/2014/main" id="{B1DA18EC-3F80-4A32-9AD9-E042EC55B4E1}"/>
+      <p:pic>
+        <p:nvPicPr>
+          <p:cNvPr id="61" name="Image 60">
+            <a:extLst>
+              <a:ext uri="{FF2B5EF4-FFF2-40B4-BE49-F238E27FC236}">
+                <a16:creationId xmlns:a16="http://schemas.microsoft.com/office/drawing/2014/main" id="{47DDCEF7-BA9E-4FDA-860A-4FF7A48BCF26}"/>
+              </a:ext>
+            </a:extLst>
+          </p:cNvPr>
+          <p:cNvPicPr>
+            <a:picLocks noChangeAspect="1"/>
+          </p:cNvPicPr>
+          <p:nvPr/>
+        </p:nvPicPr>
+        <p:blipFill rotWithShape="1">
+          <a:blip r:embed="rId4"/>
+          <a:srcRect t="1523" r="24557"/>
+          <a:stretch/>
+        </p:blipFill>
+        <p:spPr>
+          <a:xfrm>
+            <a:off x="6916706" y="-2311456"/>
+            <a:ext cx="1999774" cy="2616802"/>
+          </a:xfrm>
+          <a:prstGeom prst="rect">
+            <a:avLst/>
+          </a:prstGeom>
+        </p:spPr>
+      </p:pic>
+      <p:cxnSp>
+        <p:nvCxnSpPr>
+          <p:cNvPr id="65" name="Connecteur droit 64">
+            <a:extLst>
+              <a:ext uri="{FF2B5EF4-FFF2-40B4-BE49-F238E27FC236}">
+                <a16:creationId xmlns:a16="http://schemas.microsoft.com/office/drawing/2014/main" id="{F42E9E83-3C0F-4B1B-A887-BA5E65AB9F40}"/>
+              </a:ext>
+            </a:extLst>
+          </p:cNvPr>
+          <p:cNvCxnSpPr/>
+          <p:nvPr/>
+        </p:nvCxnSpPr>
+        <p:spPr>
+          <a:xfrm>
+            <a:off x="8343933" y="-2311456"/>
+            <a:ext cx="0" cy="1645920"/>
+          </a:xfrm>
+          <a:prstGeom prst="line">
+            <a:avLst/>
+          </a:prstGeom>
+          <a:ln w="19050">
+            <a:solidFill>
+              <a:srgbClr val="FF0000"/>
+            </a:solidFill>
+          </a:ln>
+        </p:spPr>
+        <p:style>
+          <a:lnRef idx="1">
+            <a:schemeClr val="accent1"/>
+          </a:lnRef>
+          <a:fillRef idx="0">
+            <a:schemeClr val="accent1"/>
+          </a:fillRef>
+          <a:effectRef idx="0">
+            <a:schemeClr val="accent1"/>
+          </a:effectRef>
+          <a:fontRef idx="minor">
+            <a:schemeClr val="tx1"/>
+          </a:fontRef>
+        </p:style>
+      </p:cxnSp>
+      <p:sp>
+        <p:nvSpPr>
+          <p:cNvPr id="23" name="ZoneTexte 22">
+            <a:extLst>
+              <a:ext uri="{FF2B5EF4-FFF2-40B4-BE49-F238E27FC236}">
+                <a16:creationId xmlns:a16="http://schemas.microsoft.com/office/drawing/2014/main" id="{944CB714-62F4-4338-8FF0-2C3043047C6A}"/>
               </a:ext>
             </a:extLst>
           </p:cNvPr>
@@ -10355,8 +10777,8 @@
         </p:nvSpPr>
         <p:spPr>
           <a:xfrm>
-            <a:off x="3569998" y="5580856"/>
-            <a:ext cx="1928088" cy="738664"/>
+            <a:off x="8354247" y="-1673162"/>
+            <a:ext cx="1144703" cy="369332"/>
           </a:xfrm>
           <a:prstGeom prst="rect">
             <a:avLst/>
@@ -10370,22 +10792,103 @@
           <a:lstStyle/>
           <a:p>
             <a:r>
-              <a:rPr lang="en-US" sz="1400" i="1" dirty="0">
+              <a:rPr lang="en-US" i="1" dirty="0">
+                <a:solidFill>
+                  <a:srgbClr val="FF0000"/>
+                </a:solidFill>
+              </a:rPr>
+              <a:t>Metadata</a:t>
+            </a:r>
+          </a:p>
+        </p:txBody>
+      </p:sp>
+      <p:cxnSp>
+        <p:nvCxnSpPr>
+          <p:cNvPr id="66" name="Connecteur droit 65">
+            <a:extLst>
+              <a:ext uri="{FF2B5EF4-FFF2-40B4-BE49-F238E27FC236}">
+                <a16:creationId xmlns:a16="http://schemas.microsoft.com/office/drawing/2014/main" id="{C44EC7A9-4217-4157-A2F9-32820B011670}"/>
+              </a:ext>
+            </a:extLst>
+          </p:cNvPr>
+          <p:cNvCxnSpPr/>
+          <p:nvPr/>
+        </p:nvCxnSpPr>
+        <p:spPr>
+          <a:xfrm>
+            <a:off x="9027001" y="-665536"/>
+            <a:ext cx="0" cy="914400"/>
+          </a:xfrm>
+          <a:prstGeom prst="line">
+            <a:avLst/>
+          </a:prstGeom>
+          <a:ln w="19050">
+            <a:solidFill>
+              <a:srgbClr val="FF0000"/>
+            </a:solidFill>
+          </a:ln>
+        </p:spPr>
+        <p:style>
+          <a:lnRef idx="1">
+            <a:schemeClr val="accent1"/>
+          </a:lnRef>
+          <a:fillRef idx="0">
+            <a:schemeClr val="accent1"/>
+          </a:fillRef>
+          <a:effectRef idx="0">
+            <a:schemeClr val="accent1"/>
+          </a:effectRef>
+          <a:fontRef idx="minor">
+            <a:schemeClr val="tx1"/>
+          </a:fontRef>
+        </p:style>
+      </p:cxnSp>
+      <p:sp>
+        <p:nvSpPr>
+          <p:cNvPr id="37" name="ZoneTexte 36">
+            <a:extLst>
+              <a:ext uri="{FF2B5EF4-FFF2-40B4-BE49-F238E27FC236}">
+                <a16:creationId xmlns:a16="http://schemas.microsoft.com/office/drawing/2014/main" id="{B71716CC-E764-4070-9690-59D68F5530E8}"/>
+              </a:ext>
+            </a:extLst>
+          </p:cNvPr>
+          <p:cNvSpPr txBox="1"/>
+          <p:nvPr/>
+        </p:nvSpPr>
+        <p:spPr>
+          <a:xfrm>
+            <a:off x="8555424" y="-2301133"/>
+            <a:ext cx="2252883" cy="369332"/>
+          </a:xfrm>
+          <a:prstGeom prst="rect">
+            <a:avLst/>
+          </a:prstGeom>
+          <a:noFill/>
+        </p:spPr>
+        <p:txBody>
+          <a:bodyPr wrap="square" rtlCol="0">
+            <a:spAutoFit/>
+          </a:bodyPr>
+          <a:lstStyle/>
+          <a:p>
+            <a:pPr algn="ctr"/>
+            <a:r>
+              <a:rPr lang="en-US" i="1" dirty="0">
                 <a:solidFill>
                   <a:srgbClr val="4472C4"/>
                 </a:solidFill>
               </a:rPr>
-              <a:t>MS1 and MS2 scans are both detected for feature ID=8</a:t>
+              <a:t>Example of a “scan”</a:t>
             </a:r>
           </a:p>
         </p:txBody>
       </p:sp>
       <p:pic>
         <p:nvPicPr>
-          <p:cNvPr id="61" name="Image 60">
-            <a:extLst>
-              <a:ext uri="{FF2B5EF4-FFF2-40B4-BE49-F238E27FC236}">
-                <a16:creationId xmlns:a16="http://schemas.microsoft.com/office/drawing/2014/main" id="{47DDCEF7-BA9E-4FDA-860A-4FF7A48BCF26}"/>
+          <p:cNvPr id="2" name="Image 1">
+            <a:extLst>
+              <a:ext uri="{FF2B5EF4-FFF2-40B4-BE49-F238E27FC236}">
+                <a16:creationId xmlns:a16="http://schemas.microsoft.com/office/drawing/2014/main" id="{DACCA09B-0603-423E-9BE0-418159DF4DEC}"/>
               </a:ext>
             </a:extLst>
           </p:cNvPr>
@@ -10394,21 +10897,76 @@
           </p:cNvPicPr>
           <p:nvPr/>
         </p:nvPicPr>
-        <p:blipFill rotWithShape="1">
+        <p:blipFill>
           <a:blip r:embed="rId5"/>
-          <a:srcRect t="1523" r="24557"/>
-          <a:stretch/>
+          <a:stretch>
+            <a:fillRect/>
+          </a:stretch>
         </p:blipFill>
         <p:spPr>
           <a:xfrm>
-            <a:off x="6916706" y="140798"/>
-            <a:ext cx="1999774" cy="2616802"/>
+            <a:off x="1184919" y="-2182199"/>
+            <a:ext cx="4468990" cy="2187354"/>
           </a:xfrm>
           <a:prstGeom prst="rect">
             <a:avLst/>
           </a:prstGeom>
+          <a:ln w="28575">
+            <a:solidFill>
+              <a:schemeClr val="tx1"/>
+            </a:solidFill>
+          </a:ln>
         </p:spPr>
       </p:pic>
+      <p:sp>
+        <p:nvSpPr>
+          <p:cNvPr id="52" name="ZoneTexte 51">
+            <a:extLst>
+              <a:ext uri="{FF2B5EF4-FFF2-40B4-BE49-F238E27FC236}">
+                <a16:creationId xmlns:a16="http://schemas.microsoft.com/office/drawing/2014/main" id="{DAE24555-3B54-4BAD-B93A-7336AB6F9078}"/>
+              </a:ext>
+            </a:extLst>
+          </p:cNvPr>
+          <p:cNvSpPr txBox="1"/>
+          <p:nvPr/>
+        </p:nvSpPr>
+        <p:spPr>
+          <a:xfrm>
+            <a:off x="2866027" y="-1425064"/>
+            <a:ext cx="2098911" cy="646331"/>
+          </a:xfrm>
+          <a:prstGeom prst="rect">
+            <a:avLst/>
+          </a:prstGeom>
+          <a:noFill/>
+        </p:spPr>
+        <p:txBody>
+          <a:bodyPr wrap="square" rtlCol="0">
+            <a:spAutoFit/>
+          </a:bodyPr>
+          <a:lstStyle/>
+          <a:p>
+            <a:r>
+              <a:rPr lang="en-US" dirty="0">
+                <a:solidFill>
+                  <a:srgbClr val="FF0000"/>
+                </a:solidFill>
+              </a:rPr>
+              <a:t>GNPS-style</a:t>
+            </a:r>
+          </a:p>
+          <a:p>
+            <a:r>
+              <a:rPr lang="en-US" dirty="0">
+                <a:solidFill>
+                  <a:srgbClr val="FF0000"/>
+                </a:solidFill>
+              </a:rPr>
+              <a:t>spectral library file</a:t>
+            </a:r>
+          </a:p>
+        </p:txBody>
+      </p:sp>
       <p:cxnSp>
         <p:nvCxnSpPr>
           <p:cNvPr id="62" name="Connecteur droit avec flèche 61">
@@ -10425,7 +10983,7 @@
         </p:nvCxnSpPr>
         <p:spPr>
           <a:xfrm>
-            <a:off x="2894501" y="1682939"/>
+            <a:off x="2894501" y="-769315"/>
             <a:ext cx="4022205" cy="0"/>
           </a:xfrm>
           <a:prstGeom prst="straightConnector1">
@@ -10453,24 +11011,24 @@
           </a:fontRef>
         </p:style>
       </p:cxnSp>
-      <p:cxnSp>
-        <p:nvCxnSpPr>
-          <p:cNvPr id="65" name="Connecteur droit 64">
-            <a:extLst>
-              <a:ext uri="{FF2B5EF4-FFF2-40B4-BE49-F238E27FC236}">
-                <a16:creationId xmlns:a16="http://schemas.microsoft.com/office/drawing/2014/main" id="{F42E9E83-3C0F-4B1B-A887-BA5E65AB9F40}"/>
-              </a:ext>
-            </a:extLst>
-          </p:cNvPr>
-          <p:cNvCxnSpPr/>
-          <p:nvPr/>
-        </p:nvCxnSpPr>
-        <p:spPr>
-          <a:xfrm>
-            <a:off x="8343933" y="140798"/>
-            <a:ext cx="0" cy="1645920"/>
-          </a:xfrm>
-          <a:prstGeom prst="line">
+      <p:sp>
+        <p:nvSpPr>
+          <p:cNvPr id="4" name="Accolade ouvrante 3">
+            <a:extLst>
+              <a:ext uri="{FF2B5EF4-FFF2-40B4-BE49-F238E27FC236}">
+                <a16:creationId xmlns:a16="http://schemas.microsoft.com/office/drawing/2014/main" id="{D1A367C1-7264-488B-ADFE-7B938289269A}"/>
+              </a:ext>
+            </a:extLst>
+          </p:cNvPr>
+          <p:cNvSpPr/>
+          <p:nvPr/>
+        </p:nvSpPr>
+        <p:spPr>
+          <a:xfrm rot="10800000">
+            <a:off x="9763870" y="1317421"/>
+            <a:ext cx="364490" cy="4223157"/>
+          </a:xfrm>
+          <a:prstGeom prst="leftBrace">
             <a:avLst/>
           </a:prstGeom>
           <a:ln w="19050">
@@ -10493,13 +11051,139 @@
             <a:schemeClr val="tx1"/>
           </a:fontRef>
         </p:style>
-      </p:cxnSp>
-      <p:sp>
-        <p:nvSpPr>
-          <p:cNvPr id="23" name="ZoneTexte 22">
-            <a:extLst>
-              <a:ext uri="{FF2B5EF4-FFF2-40B4-BE49-F238E27FC236}">
-                <a16:creationId xmlns:a16="http://schemas.microsoft.com/office/drawing/2014/main" id="{944CB714-62F4-4338-8FF0-2C3043047C6A}"/>
+        <p:txBody>
+          <a:bodyPr rtlCol="0" anchor="ctr"/>
+          <a:lstStyle/>
+          <a:p>
+            <a:pPr algn="ctr"/>
+            <a:endParaRPr lang="en-US"/>
+          </a:p>
+        </p:txBody>
+      </p:sp>
+      <p:sp>
+        <p:nvSpPr>
+          <p:cNvPr id="5" name="Rectangle : coins arrondis 4">
+            <a:extLst>
+              <a:ext uri="{FF2B5EF4-FFF2-40B4-BE49-F238E27FC236}">
+                <a16:creationId xmlns:a16="http://schemas.microsoft.com/office/drawing/2014/main" id="{6B584F45-D360-4EB0-AB98-A5D42C2E9CE5}"/>
+              </a:ext>
+            </a:extLst>
+          </p:cNvPr>
+          <p:cNvSpPr/>
+          <p:nvPr/>
+        </p:nvSpPr>
+        <p:spPr>
+          <a:xfrm>
+            <a:off x="1154534" y="1701983"/>
+            <a:ext cx="1465119" cy="636198"/>
+          </a:xfrm>
+          <a:prstGeom prst="roundRect">
+            <a:avLst/>
+          </a:prstGeom>
+        </p:spPr>
+        <p:style>
+          <a:lnRef idx="2">
+            <a:schemeClr val="accent1">
+              <a:shade val="50000"/>
+            </a:schemeClr>
+          </a:lnRef>
+          <a:fillRef idx="1">
+            <a:schemeClr val="accent1"/>
+          </a:fillRef>
+          <a:effectRef idx="0">
+            <a:schemeClr val="accent1"/>
+          </a:effectRef>
+          <a:fontRef idx="minor">
+            <a:schemeClr val="lt1"/>
+          </a:fontRef>
+        </p:style>
+        <p:txBody>
+          <a:bodyPr rtlCol="0" anchor="ctr"/>
+          <a:lstStyle/>
+          <a:p>
+            <a:pPr algn="ctr"/>
+            <a:r>
+              <a:rPr lang="en-US" b="1" i="1" dirty="0">
+                <a:solidFill>
+                  <a:schemeClr val="bg1"/>
+                </a:solidFill>
+              </a:rPr>
+              <a:t>Actual value detected</a:t>
+            </a:r>
+            <a:endParaRPr lang="en-US" b="1" dirty="0">
+              <a:solidFill>
+                <a:schemeClr val="bg1"/>
+              </a:solidFill>
+            </a:endParaRPr>
+          </a:p>
+        </p:txBody>
+      </p:sp>
+      <p:pic>
+        <p:nvPicPr>
+          <p:cNvPr id="6" name="Image 5">
+            <a:extLst>
+              <a:ext uri="{FF2B5EF4-FFF2-40B4-BE49-F238E27FC236}">
+                <a16:creationId xmlns:a16="http://schemas.microsoft.com/office/drawing/2014/main" id="{D5DF1E7C-6A11-4A76-A010-A70E61CDDC05}"/>
+              </a:ext>
+            </a:extLst>
+          </p:cNvPr>
+          <p:cNvPicPr>
+            <a:picLocks noChangeAspect="1"/>
+          </p:cNvPicPr>
+          <p:nvPr/>
+        </p:nvPicPr>
+        <p:blipFill>
+          <a:blip r:embed="rId6"/>
+          <a:stretch>
+            <a:fillRect/>
+          </a:stretch>
+        </p:blipFill>
+        <p:spPr>
+          <a:xfrm>
+            <a:off x="1122706" y="4382387"/>
+            <a:ext cx="5225764" cy="2609819"/>
+          </a:xfrm>
+          <a:prstGeom prst="rect">
+            <a:avLst/>
+          </a:prstGeom>
+        </p:spPr>
+      </p:pic>
+      <p:pic>
+        <p:nvPicPr>
+          <p:cNvPr id="7" name="Image 6">
+            <a:extLst>
+              <a:ext uri="{FF2B5EF4-FFF2-40B4-BE49-F238E27FC236}">
+                <a16:creationId xmlns:a16="http://schemas.microsoft.com/office/drawing/2014/main" id="{2D25FB9B-F42D-4C24-9FA6-6A83F076E2DD}"/>
+              </a:ext>
+            </a:extLst>
+          </p:cNvPr>
+          <p:cNvPicPr>
+            <a:picLocks noChangeAspect="1"/>
+          </p:cNvPicPr>
+          <p:nvPr/>
+        </p:nvPicPr>
+        <p:blipFill>
+          <a:blip r:embed="rId7"/>
+          <a:stretch>
+            <a:fillRect/>
+          </a:stretch>
+        </p:blipFill>
+        <p:spPr>
+          <a:xfrm>
+            <a:off x="6957339" y="4382387"/>
+            <a:ext cx="2773188" cy="2631132"/>
+          </a:xfrm>
+          <a:prstGeom prst="rect">
+            <a:avLst/>
+          </a:prstGeom>
+        </p:spPr>
+      </p:pic>
+      <p:sp>
+        <p:nvSpPr>
+          <p:cNvPr id="9" name="ZoneTexte 8">
+            <a:extLst>
+              <a:ext uri="{FF2B5EF4-FFF2-40B4-BE49-F238E27FC236}">
+                <a16:creationId xmlns:a16="http://schemas.microsoft.com/office/drawing/2014/main" id="{1A29488B-F1B3-43ED-A947-CBB599709DC7}"/>
               </a:ext>
             </a:extLst>
           </p:cNvPr>
@@ -10508,7 +11192,269 @@
         </p:nvSpPr>
         <p:spPr>
           <a:xfrm>
-            <a:off x="8354247" y="779092"/>
+            <a:off x="6221962" y="5295976"/>
+            <a:ext cx="713333" cy="584775"/>
+          </a:xfrm>
+          <a:prstGeom prst="rect">
+            <a:avLst/>
+          </a:prstGeom>
+          <a:noFill/>
+        </p:spPr>
+        <p:txBody>
+          <a:bodyPr wrap="square" rtlCol="0">
+            <a:spAutoFit/>
+          </a:bodyPr>
+          <a:lstStyle/>
+          <a:p>
+            <a:pPr algn="ctr"/>
+            <a:r>
+              <a:rPr lang="en-US" sz="3200" b="1" dirty="0"/>
+              <a:t>…</a:t>
+            </a:r>
+          </a:p>
+        </p:txBody>
+      </p:sp>
+      <p:sp>
+        <p:nvSpPr>
+          <p:cNvPr id="36" name="ZoneTexte 35">
+            <a:extLst>
+              <a:ext uri="{FF2B5EF4-FFF2-40B4-BE49-F238E27FC236}">
+                <a16:creationId xmlns:a16="http://schemas.microsoft.com/office/drawing/2014/main" id="{0FF700D0-E90B-496B-9B46-E3FE1E420E0F}"/>
+              </a:ext>
+            </a:extLst>
+          </p:cNvPr>
+          <p:cNvSpPr txBox="1"/>
+          <p:nvPr/>
+        </p:nvSpPr>
+        <p:spPr>
+          <a:xfrm>
+            <a:off x="1070477" y="268507"/>
+            <a:ext cx="5506965" cy="369332"/>
+          </a:xfrm>
+          <a:prstGeom prst="rect">
+            <a:avLst/>
+          </a:prstGeom>
+          <a:noFill/>
+        </p:spPr>
+        <p:txBody>
+          <a:bodyPr wrap="square" rtlCol="0">
+            <a:spAutoFit/>
+          </a:bodyPr>
+          <a:lstStyle/>
+          <a:p>
+            <a:r>
+              <a:rPr lang="en-US" b="1" dirty="0">
+                <a:solidFill>
+                  <a:srgbClr val="FF0000"/>
+                </a:solidFill>
+              </a:rPr>
+              <a:t>F</a:t>
+            </a:r>
+            <a:r>
+              <a:rPr lang="en-US" altLang="zh-CN" b="1" dirty="0">
+                <a:solidFill>
+                  <a:srgbClr val="FF0000"/>
+                </a:solidFill>
+              </a:rPr>
+              <a:t>ollowing metadata columns are appended or updated:</a:t>
+            </a:r>
+            <a:endParaRPr lang="en-US" b="1" dirty="0">
+              <a:solidFill>
+                <a:srgbClr val="FF0000"/>
+              </a:solidFill>
+            </a:endParaRPr>
+          </a:p>
+        </p:txBody>
+      </p:sp>
+      <p:sp>
+        <p:nvSpPr>
+          <p:cNvPr id="38" name="Rectangle : coins arrondis 37">
+            <a:extLst>
+              <a:ext uri="{FF2B5EF4-FFF2-40B4-BE49-F238E27FC236}">
+                <a16:creationId xmlns:a16="http://schemas.microsoft.com/office/drawing/2014/main" id="{25C3F572-EAFF-45DF-A1D9-8B5E61E39790}"/>
+              </a:ext>
+            </a:extLst>
+          </p:cNvPr>
+          <p:cNvSpPr/>
+          <p:nvPr/>
+        </p:nvSpPr>
+        <p:spPr>
+          <a:xfrm>
+            <a:off x="1144225" y="5308185"/>
+            <a:ext cx="2056175" cy="636198"/>
+          </a:xfrm>
+          <a:prstGeom prst="roundRect">
+            <a:avLst/>
+          </a:prstGeom>
+        </p:spPr>
+        <p:style>
+          <a:lnRef idx="2">
+            <a:schemeClr val="accent1">
+              <a:shade val="50000"/>
+            </a:schemeClr>
+          </a:lnRef>
+          <a:fillRef idx="1">
+            <a:schemeClr val="accent1"/>
+          </a:fillRef>
+          <a:effectRef idx="0">
+            <a:schemeClr val="accent1"/>
+          </a:effectRef>
+          <a:fontRef idx="minor">
+            <a:schemeClr val="lt1"/>
+          </a:fontRef>
+        </p:style>
+        <p:txBody>
+          <a:bodyPr rtlCol="0" anchor="ctr"/>
+          <a:lstStyle/>
+          <a:p>
+            <a:pPr algn="ctr"/>
+            <a:r>
+              <a:rPr lang="en-US" b="1" i="1" dirty="0">
+                <a:solidFill>
+                  <a:schemeClr val="bg1"/>
+                </a:solidFill>
+              </a:rPr>
+              <a:t>Chromatogram information</a:t>
+            </a:r>
+            <a:endParaRPr lang="en-US" b="1" dirty="0">
+              <a:solidFill>
+                <a:schemeClr val="bg1"/>
+              </a:solidFill>
+            </a:endParaRPr>
+          </a:p>
+        </p:txBody>
+      </p:sp>
+      <p:sp>
+        <p:nvSpPr>
+          <p:cNvPr id="39" name="Rectangle : coins arrondis 38">
+            <a:extLst>
+              <a:ext uri="{FF2B5EF4-FFF2-40B4-BE49-F238E27FC236}">
+                <a16:creationId xmlns:a16="http://schemas.microsoft.com/office/drawing/2014/main" id="{96736986-29DC-4821-A21C-4F74FF056D74}"/>
+              </a:ext>
+            </a:extLst>
+          </p:cNvPr>
+          <p:cNvSpPr/>
+          <p:nvPr/>
+        </p:nvSpPr>
+        <p:spPr>
+          <a:xfrm>
+            <a:off x="3913864" y="5310951"/>
+            <a:ext cx="2056175" cy="636198"/>
+          </a:xfrm>
+          <a:prstGeom prst="roundRect">
+            <a:avLst/>
+          </a:prstGeom>
+        </p:spPr>
+        <p:style>
+          <a:lnRef idx="2">
+            <a:schemeClr val="accent1">
+              <a:shade val="50000"/>
+            </a:schemeClr>
+          </a:lnRef>
+          <a:fillRef idx="1">
+            <a:schemeClr val="accent1"/>
+          </a:fillRef>
+          <a:effectRef idx="0">
+            <a:schemeClr val="accent1"/>
+          </a:effectRef>
+          <a:fontRef idx="minor">
+            <a:schemeClr val="lt1"/>
+          </a:fontRef>
+        </p:style>
+        <p:txBody>
+          <a:bodyPr rtlCol="0" anchor="ctr"/>
+          <a:lstStyle/>
+          <a:p>
+            <a:pPr algn="ctr"/>
+            <a:r>
+              <a:rPr lang="en-US" b="1" i="1" dirty="0">
+                <a:solidFill>
+                  <a:schemeClr val="bg1"/>
+                </a:solidFill>
+              </a:rPr>
+              <a:t>Search parameters</a:t>
+            </a:r>
+            <a:endParaRPr lang="en-US" b="1" dirty="0">
+              <a:solidFill>
+                <a:schemeClr val="bg1"/>
+              </a:solidFill>
+            </a:endParaRPr>
+          </a:p>
+        </p:txBody>
+      </p:sp>
+      <p:sp>
+        <p:nvSpPr>
+          <p:cNvPr id="40" name="Rectangle : coins arrondis 39">
+            <a:extLst>
+              <a:ext uri="{FF2B5EF4-FFF2-40B4-BE49-F238E27FC236}">
+                <a16:creationId xmlns:a16="http://schemas.microsoft.com/office/drawing/2014/main" id="{8EE3D6A2-1136-421E-B03E-A4AA270CB11F}"/>
+              </a:ext>
+            </a:extLst>
+          </p:cNvPr>
+          <p:cNvSpPr/>
+          <p:nvPr/>
+        </p:nvSpPr>
+        <p:spPr>
+          <a:xfrm>
+            <a:off x="6957339" y="5308185"/>
+            <a:ext cx="2056175" cy="636198"/>
+          </a:xfrm>
+          <a:prstGeom prst="roundRect">
+            <a:avLst/>
+          </a:prstGeom>
+        </p:spPr>
+        <p:style>
+          <a:lnRef idx="2">
+            <a:schemeClr val="accent1">
+              <a:shade val="50000"/>
+            </a:schemeClr>
+          </a:lnRef>
+          <a:fillRef idx="1">
+            <a:schemeClr val="accent1"/>
+          </a:fillRef>
+          <a:effectRef idx="0">
+            <a:schemeClr val="accent1"/>
+          </a:effectRef>
+          <a:fontRef idx="minor">
+            <a:schemeClr val="lt1"/>
+          </a:fontRef>
+        </p:style>
+        <p:txBody>
+          <a:bodyPr rtlCol="0" anchor="ctr"/>
+          <a:lstStyle/>
+          <a:p>
+            <a:pPr algn="ctr"/>
+            <a:r>
+              <a:rPr lang="en-US" b="1" i="1" dirty="0">
+                <a:solidFill>
+                  <a:schemeClr val="bg1"/>
+                </a:solidFill>
+              </a:rPr>
+              <a:t>User information</a:t>
+            </a:r>
+            <a:endParaRPr lang="en-US" b="1" dirty="0">
+              <a:solidFill>
+                <a:schemeClr val="bg1"/>
+              </a:solidFill>
+            </a:endParaRPr>
+          </a:p>
+        </p:txBody>
+      </p:sp>
+      <p:sp>
+        <p:nvSpPr>
+          <p:cNvPr id="25" name="ZoneTexte 24">
+            <a:extLst>
+              <a:ext uri="{FF2B5EF4-FFF2-40B4-BE49-F238E27FC236}">
+                <a16:creationId xmlns:a16="http://schemas.microsoft.com/office/drawing/2014/main" id="{1EFC2486-A30B-4219-AD5C-D3CE00CE1484}"/>
+              </a:ext>
+            </a:extLst>
+          </p:cNvPr>
+          <p:cNvSpPr txBox="1"/>
+          <p:nvPr/>
+        </p:nvSpPr>
+        <p:spPr>
+          <a:xfrm>
+            <a:off x="10335447" y="3249358"/>
             <a:ext cx="1144703" cy="369332"/>
           </a:xfrm>
           <a:prstGeom prst="rect">
@@ -10533,392 +11479,10 @@
           </a:p>
         </p:txBody>
       </p:sp>
-      <p:cxnSp>
-        <p:nvCxnSpPr>
-          <p:cNvPr id="66" name="Connecteur droit 65">
-            <a:extLst>
-              <a:ext uri="{FF2B5EF4-FFF2-40B4-BE49-F238E27FC236}">
-                <a16:creationId xmlns:a16="http://schemas.microsoft.com/office/drawing/2014/main" id="{C44EC7A9-4217-4157-A2F9-32820B011670}"/>
-              </a:ext>
-            </a:extLst>
-          </p:cNvPr>
-          <p:cNvCxnSpPr/>
-          <p:nvPr/>
-        </p:nvCxnSpPr>
-        <p:spPr>
-          <a:xfrm>
-            <a:off x="9027001" y="1786718"/>
-            <a:ext cx="0" cy="914400"/>
-          </a:xfrm>
-          <a:prstGeom prst="line">
-            <a:avLst/>
-          </a:prstGeom>
-          <a:ln w="19050">
-            <a:solidFill>
-              <a:srgbClr val="FF0000"/>
-            </a:solidFill>
-          </a:ln>
-        </p:spPr>
-        <p:style>
-          <a:lnRef idx="1">
-            <a:schemeClr val="accent1"/>
-          </a:lnRef>
-          <a:fillRef idx="0">
-            <a:schemeClr val="accent1"/>
-          </a:fillRef>
-          <a:effectRef idx="0">
-            <a:schemeClr val="accent1"/>
-          </a:effectRef>
-          <a:fontRef idx="minor">
-            <a:schemeClr val="tx1"/>
-          </a:fontRef>
-        </p:style>
-      </p:cxnSp>
-      <p:sp>
-        <p:nvSpPr>
-          <p:cNvPr id="37" name="ZoneTexte 36">
-            <a:extLst>
-              <a:ext uri="{FF2B5EF4-FFF2-40B4-BE49-F238E27FC236}">
-                <a16:creationId xmlns:a16="http://schemas.microsoft.com/office/drawing/2014/main" id="{B71716CC-E764-4070-9690-59D68F5530E8}"/>
-              </a:ext>
-            </a:extLst>
-          </p:cNvPr>
-          <p:cNvSpPr txBox="1"/>
-          <p:nvPr/>
-        </p:nvSpPr>
-        <p:spPr>
-          <a:xfrm>
-            <a:off x="7862706" y="2692946"/>
-            <a:ext cx="2252883" cy="369332"/>
-          </a:xfrm>
-          <a:prstGeom prst="rect">
-            <a:avLst/>
-          </a:prstGeom>
-          <a:noFill/>
-        </p:spPr>
-        <p:txBody>
-          <a:bodyPr wrap="square" rtlCol="0">
-            <a:spAutoFit/>
-          </a:bodyPr>
-          <a:lstStyle/>
-          <a:p>
-            <a:pPr algn="ctr"/>
-            <a:r>
-              <a:rPr lang="en-US" i="1" dirty="0">
-                <a:solidFill>
-                  <a:srgbClr val="4472C4"/>
-                </a:solidFill>
-              </a:rPr>
-              <a:t>Example of a “scan”</a:t>
-            </a:r>
-          </a:p>
-        </p:txBody>
-      </p:sp>
-      <p:cxnSp>
-        <p:nvCxnSpPr>
-          <p:cNvPr id="27" name="Connecteur droit avec flèche 26">
-            <a:extLst>
-              <a:ext uri="{FF2B5EF4-FFF2-40B4-BE49-F238E27FC236}">
-                <a16:creationId xmlns:a16="http://schemas.microsoft.com/office/drawing/2014/main" id="{B3AC4EC9-FEFF-4C8C-98F5-70C52E54F6EA}"/>
-              </a:ext>
-            </a:extLst>
-          </p:cNvPr>
-          <p:cNvCxnSpPr>
-            <a:cxnSpLocks/>
-          </p:cNvCxnSpPr>
-          <p:nvPr/>
-        </p:nvCxnSpPr>
-        <p:spPr>
-          <a:xfrm flipV="1">
-            <a:off x="7612117" y="2446888"/>
-            <a:ext cx="501178" cy="1939890"/>
-          </a:xfrm>
-          <a:prstGeom prst="straightConnector1">
-            <a:avLst/>
-          </a:prstGeom>
-          <a:ln>
-            <a:tailEnd type="triangle"/>
-          </a:ln>
-        </p:spPr>
-        <p:style>
-          <a:lnRef idx="1">
-            <a:schemeClr val="accent1"/>
-          </a:lnRef>
-          <a:fillRef idx="0">
-            <a:schemeClr val="accent1"/>
-          </a:fillRef>
-          <a:effectRef idx="0">
-            <a:schemeClr val="accent1"/>
-          </a:effectRef>
-          <a:fontRef idx="minor">
-            <a:schemeClr val="tx1"/>
-          </a:fontRef>
-        </p:style>
-      </p:cxnSp>
-      <p:cxnSp>
-        <p:nvCxnSpPr>
-          <p:cNvPr id="72" name="Connecteur droit avec flèche 71">
-            <a:extLst>
-              <a:ext uri="{FF2B5EF4-FFF2-40B4-BE49-F238E27FC236}">
-                <a16:creationId xmlns:a16="http://schemas.microsoft.com/office/drawing/2014/main" id="{DEC410BC-D7CC-4A14-88D2-7579993863BC}"/>
-              </a:ext>
-            </a:extLst>
-          </p:cNvPr>
-          <p:cNvCxnSpPr>
-            <a:cxnSpLocks/>
-          </p:cNvCxnSpPr>
-          <p:nvPr/>
-        </p:nvCxnSpPr>
-        <p:spPr>
-          <a:xfrm flipH="1">
-            <a:off x="1384449" y="5346098"/>
-            <a:ext cx="101619" cy="330952"/>
-          </a:xfrm>
-          <a:prstGeom prst="straightConnector1">
-            <a:avLst/>
-          </a:prstGeom>
-          <a:ln>
-            <a:tailEnd type="triangle"/>
-          </a:ln>
-        </p:spPr>
-        <p:style>
-          <a:lnRef idx="1">
-            <a:schemeClr val="accent1"/>
-          </a:lnRef>
-          <a:fillRef idx="0">
-            <a:schemeClr val="accent1"/>
-          </a:fillRef>
-          <a:effectRef idx="0">
-            <a:schemeClr val="accent1"/>
-          </a:effectRef>
-          <a:fontRef idx="minor">
-            <a:schemeClr val="tx1"/>
-          </a:fontRef>
-        </p:style>
-      </p:cxnSp>
-      <p:cxnSp>
-        <p:nvCxnSpPr>
-          <p:cNvPr id="73" name="Connecteur droit avec flèche 72">
-            <a:extLst>
-              <a:ext uri="{FF2B5EF4-FFF2-40B4-BE49-F238E27FC236}">
-                <a16:creationId xmlns:a16="http://schemas.microsoft.com/office/drawing/2014/main" id="{E4554E80-BA56-46D8-8856-EEBF32D6AA1A}"/>
-              </a:ext>
-            </a:extLst>
-          </p:cNvPr>
-          <p:cNvCxnSpPr>
-            <a:cxnSpLocks/>
-          </p:cNvCxnSpPr>
-          <p:nvPr/>
-        </p:nvCxnSpPr>
-        <p:spPr>
-          <a:xfrm flipH="1">
-            <a:off x="2316426" y="5326389"/>
-            <a:ext cx="101619" cy="330952"/>
-          </a:xfrm>
-          <a:prstGeom prst="straightConnector1">
-            <a:avLst/>
-          </a:prstGeom>
-          <a:ln>
-            <a:tailEnd type="triangle"/>
-          </a:ln>
-        </p:spPr>
-        <p:style>
-          <a:lnRef idx="1">
-            <a:schemeClr val="accent1"/>
-          </a:lnRef>
-          <a:fillRef idx="0">
-            <a:schemeClr val="accent1"/>
-          </a:fillRef>
-          <a:effectRef idx="0">
-            <a:schemeClr val="accent1"/>
-          </a:effectRef>
-          <a:fontRef idx="minor">
-            <a:schemeClr val="tx1"/>
-          </a:fontRef>
-        </p:style>
-      </p:cxnSp>
-      <p:sp>
-        <p:nvSpPr>
-          <p:cNvPr id="74" name="Rectangle 73">
-            <a:extLst>
-              <a:ext uri="{FF2B5EF4-FFF2-40B4-BE49-F238E27FC236}">
-                <a16:creationId xmlns:a16="http://schemas.microsoft.com/office/drawing/2014/main" id="{4C72205A-D639-41F9-A077-C13C200812A2}"/>
-              </a:ext>
-            </a:extLst>
-          </p:cNvPr>
-          <p:cNvSpPr/>
-          <p:nvPr/>
-        </p:nvSpPr>
-        <p:spPr>
-          <a:xfrm>
-            <a:off x="903918" y="5633739"/>
-            <a:ext cx="2126810" cy="523220"/>
-          </a:xfrm>
-          <a:prstGeom prst="rect">
-            <a:avLst/>
-          </a:prstGeom>
-        </p:spPr>
-        <p:txBody>
-          <a:bodyPr wrap="square">
-            <a:spAutoFit/>
-          </a:bodyPr>
-          <a:lstStyle/>
-          <a:p>
-            <a:r>
-              <a:rPr lang="en-US" sz="1400" i="1" dirty="0">
-                <a:solidFill>
-                  <a:srgbClr val="4472C4"/>
-                </a:solidFill>
-              </a:rPr>
-              <a:t>Actual precursor m/z and RT detected </a:t>
-            </a:r>
-            <a:endParaRPr lang="en-US" sz="1400" dirty="0"/>
-          </a:p>
-        </p:txBody>
-      </p:sp>
-      <p:cxnSp>
-        <p:nvCxnSpPr>
-          <p:cNvPr id="75" name="Connecteur droit avec flèche 74">
-            <a:extLst>
-              <a:ext uri="{FF2B5EF4-FFF2-40B4-BE49-F238E27FC236}">
-                <a16:creationId xmlns:a16="http://schemas.microsoft.com/office/drawing/2014/main" id="{B9A67A2E-45B3-46DF-997C-8966C6E39396}"/>
-              </a:ext>
-            </a:extLst>
-          </p:cNvPr>
-          <p:cNvCxnSpPr>
-            <a:cxnSpLocks/>
-          </p:cNvCxnSpPr>
-          <p:nvPr/>
-        </p:nvCxnSpPr>
-        <p:spPr>
-          <a:xfrm flipH="1">
-            <a:off x="10115589" y="5374811"/>
-            <a:ext cx="234549" cy="520538"/>
-          </a:xfrm>
-          <a:prstGeom prst="straightConnector1">
-            <a:avLst/>
-          </a:prstGeom>
-          <a:ln>
-            <a:tailEnd type="triangle"/>
-          </a:ln>
-        </p:spPr>
-        <p:style>
-          <a:lnRef idx="1">
-            <a:schemeClr val="accent1"/>
-          </a:lnRef>
-          <a:fillRef idx="0">
-            <a:schemeClr val="accent1"/>
-          </a:fillRef>
-          <a:effectRef idx="0">
-            <a:schemeClr val="accent1"/>
-          </a:effectRef>
-          <a:fontRef idx="minor">
-            <a:schemeClr val="tx1"/>
-          </a:fontRef>
-        </p:style>
-      </p:cxnSp>
-      <p:sp>
-        <p:nvSpPr>
-          <p:cNvPr id="77" name="Rectangle 76">
-            <a:extLst>
-              <a:ext uri="{FF2B5EF4-FFF2-40B4-BE49-F238E27FC236}">
-                <a16:creationId xmlns:a16="http://schemas.microsoft.com/office/drawing/2014/main" id="{1944864F-589C-4147-8613-82D426846E27}"/>
-              </a:ext>
-            </a:extLst>
-          </p:cNvPr>
-          <p:cNvSpPr/>
-          <p:nvPr/>
-        </p:nvSpPr>
-        <p:spPr>
-          <a:xfrm>
-            <a:off x="8439961" y="5849182"/>
-            <a:ext cx="2087174" cy="307777"/>
-          </a:xfrm>
-          <a:prstGeom prst="rect">
-            <a:avLst/>
-          </a:prstGeom>
-        </p:spPr>
-        <p:txBody>
-          <a:bodyPr wrap="none">
-            <a:spAutoFit/>
-          </a:bodyPr>
-          <a:lstStyle/>
-          <a:p>
-            <a:r>
-              <a:rPr lang="en-US" sz="1400" i="1" dirty="0">
-                <a:solidFill>
-                  <a:srgbClr val="4472C4"/>
-                </a:solidFill>
-              </a:rPr>
-              <a:t>Unique identifier for scans</a:t>
-            </a:r>
-            <a:endParaRPr lang="en-US" sz="1400" dirty="0"/>
-          </a:p>
-        </p:txBody>
-      </p:sp>
-      <p:sp>
-        <p:nvSpPr>
-          <p:cNvPr id="79" name="ZoneTexte 78">
-            <a:extLst>
-              <a:ext uri="{FF2B5EF4-FFF2-40B4-BE49-F238E27FC236}">
-                <a16:creationId xmlns:a16="http://schemas.microsoft.com/office/drawing/2014/main" id="{63F65DBA-5478-415D-B276-68098B27D55C}"/>
-              </a:ext>
-            </a:extLst>
-          </p:cNvPr>
-          <p:cNvSpPr txBox="1"/>
-          <p:nvPr/>
-        </p:nvSpPr>
-        <p:spPr>
-          <a:xfrm>
-            <a:off x="972384" y="6246024"/>
-            <a:ext cx="9733536" cy="523220"/>
-          </a:xfrm>
-          <a:prstGeom prst="rect">
-            <a:avLst/>
-          </a:prstGeom>
-          <a:noFill/>
-        </p:spPr>
-        <p:txBody>
-          <a:bodyPr wrap="square" rtlCol="0">
-            <a:spAutoFit/>
-          </a:bodyPr>
-          <a:lstStyle/>
-          <a:p>
-            <a:r>
-              <a:rPr lang="en-US" sz="1400" i="1" u="sng" dirty="0"/>
-              <a:t>FILENAME</a:t>
-            </a:r>
-            <a:r>
-              <a:rPr lang="en-US" sz="1400" i="1" dirty="0"/>
-              <a:t> from which file the metabolic feature is detected; </a:t>
-            </a:r>
-            <a:r>
-              <a:rPr lang="en-US" sz="1400" i="1" u="sng" dirty="0"/>
-              <a:t>PEPMASS_DEV </a:t>
-            </a:r>
-            <a:r>
-              <a:rPr lang="en-US" sz="1400" i="1" dirty="0"/>
-              <a:t>Mass deviation (ppm) of precursor m/z to what is in user-provided targeted m/z; </a:t>
-            </a:r>
-            <a:r>
-              <a:rPr lang="en-US" sz="1400" i="1" u="sng" dirty="0"/>
-              <a:t>SCAN_NUMBER</a:t>
-            </a:r>
-            <a:r>
-              <a:rPr lang="en-US" sz="1400" dirty="0"/>
-              <a:t> </a:t>
-            </a:r>
-            <a:r>
-              <a:rPr lang="en-US" sz="1400" i="1" dirty="0"/>
-              <a:t>scan number in original LC-MS/MS chromatogram</a:t>
-            </a:r>
-          </a:p>
-        </p:txBody>
-      </p:sp>
     </p:spTree>
     <p:extLst>
       <p:ext uri="{BB962C8B-B14F-4D97-AF65-F5344CB8AC3E}">
-        <p14:creationId xmlns:p14="http://schemas.microsoft.com/office/powerpoint/2010/main" val="1776500879"/>
+        <p14:creationId xmlns:p14="http://schemas.microsoft.com/office/powerpoint/2010/main" val="1310916558"/>
       </p:ext>
     </p:extLst>
   </p:cSld>
@@ -11909,4 +12473,299 @@
     </a:ext>
   </a:extLst>
 </a:theme>
+</file>
+
+<file path=ppt/theme/theme2.xml><?xml version="1.0" encoding="utf-8"?>
+<a:theme xmlns:a="http://schemas.openxmlformats.org/drawingml/2006/main" name="Thème Office">
+  <a:themeElements>
+    <a:clrScheme name="Office">
+      <a:dk1>
+        <a:sysClr val="windowText" lastClr="000000"/>
+      </a:dk1>
+      <a:lt1>
+        <a:sysClr val="window" lastClr="FFFFFF"/>
+      </a:lt1>
+      <a:dk2>
+        <a:srgbClr val="44546A"/>
+      </a:dk2>
+      <a:lt2>
+        <a:srgbClr val="E7E6E6"/>
+      </a:lt2>
+      <a:accent1>
+        <a:srgbClr val="4472C4"/>
+      </a:accent1>
+      <a:accent2>
+        <a:srgbClr val="ED7D31"/>
+      </a:accent2>
+      <a:accent3>
+        <a:srgbClr val="A5A5A5"/>
+      </a:accent3>
+      <a:accent4>
+        <a:srgbClr val="FFC000"/>
+      </a:accent4>
+      <a:accent5>
+        <a:srgbClr val="5B9BD5"/>
+      </a:accent5>
+      <a:accent6>
+        <a:srgbClr val="70AD47"/>
+      </a:accent6>
+      <a:hlink>
+        <a:srgbClr val="0563C1"/>
+      </a:hlink>
+      <a:folHlink>
+        <a:srgbClr val="954F72"/>
+      </a:folHlink>
+    </a:clrScheme>
+    <a:fontScheme name="Office">
+      <a:majorFont>
+        <a:latin typeface="Calibri Light" panose="020F0302020204030204"/>
+        <a:ea typeface=""/>
+        <a:cs typeface=""/>
+        <a:font script="Jpan" typeface="游ゴシック Light"/>
+        <a:font script="Hang" typeface="맑은 고딕"/>
+        <a:font script="Hans" typeface="等线 Light"/>
+        <a:font script="Hant" typeface="新細明體"/>
+        <a:font script="Arab" typeface="Times New Roman"/>
+        <a:font script="Hebr" typeface="Times New Roman"/>
+        <a:font script="Thai" typeface="Angsana New"/>
+        <a:font script="Ethi" typeface="Nyala"/>
+        <a:font script="Beng" typeface="Vrinda"/>
+        <a:font script="Gujr" typeface="Shruti"/>
+        <a:font script="Khmr" typeface="MoolBoran"/>
+        <a:font script="Knda" typeface="Tunga"/>
+        <a:font script="Guru" typeface="Raavi"/>
+        <a:font script="Cans" typeface="Euphemia"/>
+        <a:font script="Cher" typeface="Plantagenet Cherokee"/>
+        <a:font script="Yiii" typeface="Microsoft Yi Baiti"/>
+        <a:font script="Tibt" typeface="Microsoft Himalaya"/>
+        <a:font script="Thaa" typeface="MV Boli"/>
+        <a:font script="Deva" typeface="Mangal"/>
+        <a:font script="Telu" typeface="Gautami"/>
+        <a:font script="Taml" typeface="Latha"/>
+        <a:font script="Syrc" typeface="Estrangelo Edessa"/>
+        <a:font script="Orya" typeface="Kalinga"/>
+        <a:font script="Mlym" typeface="Kartika"/>
+        <a:font script="Laoo" typeface="DokChampa"/>
+        <a:font script="Sinh" typeface="Iskoola Pota"/>
+        <a:font script="Mong" typeface="Mongolian Baiti"/>
+        <a:font script="Viet" typeface="Times New Roman"/>
+        <a:font script="Uigh" typeface="Microsoft Uighur"/>
+        <a:font script="Geor" typeface="Sylfaen"/>
+        <a:font script="Armn" typeface="Arial"/>
+        <a:font script="Bugi" typeface="Leelawadee UI"/>
+        <a:font script="Bopo" typeface="Microsoft JhengHei"/>
+        <a:font script="Java" typeface="Javanese Text"/>
+        <a:font script="Lisu" typeface="Segoe UI"/>
+        <a:font script="Mymr" typeface="Myanmar Text"/>
+        <a:font script="Nkoo" typeface="Ebrima"/>
+        <a:font script="Olck" typeface="Nirmala UI"/>
+        <a:font script="Osma" typeface="Ebrima"/>
+        <a:font script="Phag" typeface="Phagspa"/>
+        <a:font script="Syrn" typeface="Estrangelo Edessa"/>
+        <a:font script="Syrj" typeface="Estrangelo Edessa"/>
+        <a:font script="Syre" typeface="Estrangelo Edessa"/>
+        <a:font script="Sora" typeface="Nirmala UI"/>
+        <a:font script="Tale" typeface="Microsoft Tai Le"/>
+        <a:font script="Talu" typeface="Microsoft New Tai Lue"/>
+        <a:font script="Tfng" typeface="Ebrima"/>
+      </a:majorFont>
+      <a:minorFont>
+        <a:latin typeface="Calibri" panose="020F0502020204030204"/>
+        <a:ea typeface=""/>
+        <a:cs typeface=""/>
+        <a:font script="Jpan" typeface="游ゴシック"/>
+        <a:font script="Hang" typeface="맑은 고딕"/>
+        <a:font script="Hans" typeface="等线"/>
+        <a:font script="Hant" typeface="新細明體"/>
+        <a:font script="Arab" typeface="Arial"/>
+        <a:font script="Hebr" typeface="Arial"/>
+        <a:font script="Thai" typeface="Cordia New"/>
+        <a:font script="Ethi" typeface="Nyala"/>
+        <a:font script="Beng" typeface="Vrinda"/>
+        <a:font script="Gujr" typeface="Shruti"/>
+        <a:font script="Khmr" typeface="DaunPenh"/>
+        <a:font script="Knda" typeface="Tunga"/>
+        <a:font script="Guru" typeface="Raavi"/>
+        <a:font script="Cans" typeface="Euphemia"/>
+        <a:font script="Cher" typeface="Plantagenet Cherokee"/>
+        <a:font script="Yiii" typeface="Microsoft Yi Baiti"/>
+        <a:font script="Tibt" typeface="Microsoft Himalaya"/>
+        <a:font script="Thaa" typeface="MV Boli"/>
+        <a:font script="Deva" typeface="Mangal"/>
+        <a:font script="Telu" typeface="Gautami"/>
+        <a:font script="Taml" typeface="Latha"/>
+        <a:font script="Syrc" typeface="Estrangelo Edessa"/>
+        <a:font script="Orya" typeface="Kalinga"/>
+        <a:font script="Mlym" typeface="Kartika"/>
+        <a:font script="Laoo" typeface="DokChampa"/>
+        <a:font script="Sinh" typeface="Iskoola Pota"/>
+        <a:font script="Mong" typeface="Mongolian Baiti"/>
+        <a:font script="Viet" typeface="Arial"/>
+        <a:font script="Uigh" typeface="Microsoft Uighur"/>
+        <a:font script="Geor" typeface="Sylfaen"/>
+        <a:font script="Armn" typeface="Arial"/>
+        <a:font script="Bugi" typeface="Leelawadee UI"/>
+        <a:font script="Bopo" typeface="Microsoft JhengHei"/>
+        <a:font script="Java" typeface="Javanese Text"/>
+        <a:font script="Lisu" typeface="Segoe UI"/>
+        <a:font script="Mymr" typeface="Myanmar Text"/>
+        <a:font script="Nkoo" typeface="Ebrima"/>
+        <a:font script="Olck" typeface="Nirmala UI"/>
+        <a:font script="Osma" typeface="Ebrima"/>
+        <a:font script="Phag" typeface="Phagspa"/>
+        <a:font script="Syrn" typeface="Estrangelo Edessa"/>
+        <a:font script="Syrj" typeface="Estrangelo Edessa"/>
+        <a:font script="Syre" typeface="Estrangelo Edessa"/>
+        <a:font script="Sora" typeface="Nirmala UI"/>
+        <a:font script="Tale" typeface="Microsoft Tai Le"/>
+        <a:font script="Talu" typeface="Microsoft New Tai Lue"/>
+        <a:font script="Tfng" typeface="Ebrima"/>
+      </a:minorFont>
+    </a:fontScheme>
+    <a:fmtScheme name="Office">
+      <a:fillStyleLst>
+        <a:solidFill>
+          <a:schemeClr val="phClr"/>
+        </a:solidFill>
+        <a:gradFill rotWithShape="1">
+          <a:gsLst>
+            <a:gs pos="0">
+              <a:schemeClr val="phClr">
+                <a:lumMod val="110000"/>
+                <a:satMod val="105000"/>
+                <a:tint val="67000"/>
+              </a:schemeClr>
+            </a:gs>
+            <a:gs pos="50000">
+              <a:schemeClr val="phClr">
+                <a:lumMod val="105000"/>
+                <a:satMod val="103000"/>
+                <a:tint val="73000"/>
+              </a:schemeClr>
+            </a:gs>
+            <a:gs pos="100000">
+              <a:schemeClr val="phClr">
+                <a:lumMod val="105000"/>
+                <a:satMod val="109000"/>
+                <a:tint val="81000"/>
+              </a:schemeClr>
+            </a:gs>
+          </a:gsLst>
+          <a:lin ang="5400000" scaled="0"/>
+        </a:gradFill>
+        <a:gradFill rotWithShape="1">
+          <a:gsLst>
+            <a:gs pos="0">
+              <a:schemeClr val="phClr">
+                <a:satMod val="103000"/>
+                <a:lumMod val="102000"/>
+                <a:tint val="94000"/>
+              </a:schemeClr>
+            </a:gs>
+            <a:gs pos="50000">
+              <a:schemeClr val="phClr">
+                <a:satMod val="110000"/>
+                <a:lumMod val="100000"/>
+                <a:shade val="100000"/>
+              </a:schemeClr>
+            </a:gs>
+            <a:gs pos="100000">
+              <a:schemeClr val="phClr">
+                <a:lumMod val="99000"/>
+                <a:satMod val="120000"/>
+                <a:shade val="78000"/>
+              </a:schemeClr>
+            </a:gs>
+          </a:gsLst>
+          <a:lin ang="5400000" scaled="0"/>
+        </a:gradFill>
+      </a:fillStyleLst>
+      <a:lnStyleLst>
+        <a:ln w="6350" cap="flat" cmpd="sng" algn="ctr">
+          <a:solidFill>
+            <a:schemeClr val="phClr"/>
+          </a:solidFill>
+          <a:prstDash val="solid"/>
+          <a:miter lim="800000"/>
+        </a:ln>
+        <a:ln w="12700" cap="flat" cmpd="sng" algn="ctr">
+          <a:solidFill>
+            <a:schemeClr val="phClr"/>
+          </a:solidFill>
+          <a:prstDash val="solid"/>
+          <a:miter lim="800000"/>
+        </a:ln>
+        <a:ln w="19050" cap="flat" cmpd="sng" algn="ctr">
+          <a:solidFill>
+            <a:schemeClr val="phClr"/>
+          </a:solidFill>
+          <a:prstDash val="solid"/>
+          <a:miter lim="800000"/>
+        </a:ln>
+      </a:lnStyleLst>
+      <a:effectStyleLst>
+        <a:effectStyle>
+          <a:effectLst/>
+        </a:effectStyle>
+        <a:effectStyle>
+          <a:effectLst/>
+        </a:effectStyle>
+        <a:effectStyle>
+          <a:effectLst>
+            <a:outerShdw blurRad="57150" dist="19050" dir="5400000" algn="ctr" rotWithShape="0">
+              <a:srgbClr val="000000">
+                <a:alpha val="63000"/>
+              </a:srgbClr>
+            </a:outerShdw>
+          </a:effectLst>
+        </a:effectStyle>
+      </a:effectStyleLst>
+      <a:bgFillStyleLst>
+        <a:solidFill>
+          <a:schemeClr val="phClr"/>
+        </a:solidFill>
+        <a:solidFill>
+          <a:schemeClr val="phClr">
+            <a:tint val="95000"/>
+            <a:satMod val="170000"/>
+          </a:schemeClr>
+        </a:solidFill>
+        <a:gradFill rotWithShape="1">
+          <a:gsLst>
+            <a:gs pos="0">
+              <a:schemeClr val="phClr">
+                <a:tint val="93000"/>
+                <a:satMod val="150000"/>
+                <a:shade val="98000"/>
+                <a:lumMod val="102000"/>
+              </a:schemeClr>
+            </a:gs>
+            <a:gs pos="50000">
+              <a:schemeClr val="phClr">
+                <a:tint val="98000"/>
+                <a:satMod val="130000"/>
+                <a:shade val="90000"/>
+                <a:lumMod val="103000"/>
+              </a:schemeClr>
+            </a:gs>
+            <a:gs pos="100000">
+              <a:schemeClr val="phClr">
+                <a:shade val="63000"/>
+                <a:satMod val="120000"/>
+              </a:schemeClr>
+            </a:gs>
+          </a:gsLst>
+          <a:lin ang="5400000" scaled="0"/>
+        </a:gradFill>
+      </a:bgFillStyleLst>
+    </a:fmtScheme>
+  </a:themeElements>
+  <a:objectDefaults/>
+  <a:extraClrSchemeLst/>
+  <a:extLst>
+    <a:ext uri="{05A4C25C-085E-4340-85A3-A5531E510DB2}">
+      <thm15:themeFamily xmlns:thm15="http://schemas.microsoft.com/office/thememl/2012/main" name="Office Theme" id="{62F939B6-93AF-4DB8-9C6B-D6C7DFDC589F}" vid="{4A3C46E8-61CC-4603-A589-7422A47A8E4A}"/>
+    </a:ext>
+  </a:extLst>
+</a:theme>
 </file>